--- a/doc/frontend/wireframe/TRN-MiniBlog_WireframeDesign_NguyenDongThuc.pptx
+++ b/doc/frontend/wireframe/TRN-MiniBlog_WireframeDesign_NguyenDongThuc.pptx
@@ -5,12 +5,15 @@
     <p:sldMasterId id="2147483648" r:id="rId1"/>
   </p:sldMasterIdLst>
   <p:notesMasterIdLst>
-    <p:notesMasterId r:id="rId5"/>
+    <p:notesMasterId r:id="rId8"/>
   </p:notesMasterIdLst>
   <p:sldIdLst>
     <p:sldId id="256" r:id="rId2"/>
     <p:sldId id="258" r:id="rId3"/>
-    <p:sldId id="261" r:id="rId4"/>
+    <p:sldId id="262" r:id="rId4"/>
+    <p:sldId id="261" r:id="rId5"/>
+    <p:sldId id="263" r:id="rId6"/>
+    <p:sldId id="264" r:id="rId7"/>
   </p:sldIdLst>
   <p:sldSz cx="12192000" cy="6858000"/>
   <p:notesSz cx="6858000" cy="9144000"/>
@@ -199,7 +202,7 @@
           <a:p>
             <a:fld id="{EE2A1413-FBF1-4637-B7B0-B80BC57DB6FB}" type="datetimeFigureOut">
               <a:rPr lang="en-GB" smtClean="0"/>
-              <a:t>12/01/2015</a:t>
+              <a:t>13/01/2015</a:t>
             </a:fld>
             <a:endParaRPr lang="en-GB"/>
           </a:p>
@@ -467,6 +470,258 @@
 </p:notesMaster>
 </file>
 
+<file path=ppt/notesSlides/notesSlide1.xml><?xml version="1.0" encoding="utf-8"?>
+<p:notes xmlns:a="http://schemas.openxmlformats.org/drawingml/2006/main" xmlns:r="http://schemas.openxmlformats.org/officeDocument/2006/relationships" xmlns:p="http://schemas.openxmlformats.org/presentationml/2006/main">
+  <p:cSld>
+    <p:spTree>
+      <p:nvGrpSpPr>
+        <p:cNvPr id="1" name=""/>
+        <p:cNvGrpSpPr/>
+        <p:nvPr/>
+      </p:nvGrpSpPr>
+      <p:grpSpPr>
+        <a:xfrm>
+          <a:off x="0" y="0"/>
+          <a:ext cx="0" cy="0"/>
+          <a:chOff x="0" y="0"/>
+          <a:chExt cx="0" cy="0"/>
+        </a:xfrm>
+      </p:grpSpPr>
+      <p:sp>
+        <p:nvSpPr>
+          <p:cNvPr id="2" name="Slide Image Placeholder 1"/>
+          <p:cNvSpPr>
+            <a:spLocks noGrp="1" noRot="1" noChangeAspect="1"/>
+          </p:cNvSpPr>
+          <p:nvPr>
+            <p:ph type="sldImg"/>
+          </p:nvPr>
+        </p:nvSpPr>
+        <p:spPr/>
+      </p:sp>
+      <p:sp>
+        <p:nvSpPr>
+          <p:cNvPr id="3" name="Notes Placeholder 2"/>
+          <p:cNvSpPr>
+            <a:spLocks noGrp="1"/>
+          </p:cNvSpPr>
+          <p:nvPr>
+            <p:ph type="body" idx="1"/>
+          </p:nvPr>
+        </p:nvSpPr>
+        <p:spPr/>
+        <p:txBody>
+          <a:bodyPr/>
+          <a:lstStyle/>
+          <a:p>
+            <a:endParaRPr lang="en-GB" dirty="0"/>
+          </a:p>
+        </p:txBody>
+      </p:sp>
+      <p:sp>
+        <p:nvSpPr>
+          <p:cNvPr id="4" name="Slide Number Placeholder 3"/>
+          <p:cNvSpPr>
+            <a:spLocks noGrp="1"/>
+          </p:cNvSpPr>
+          <p:nvPr>
+            <p:ph type="sldNum" sz="quarter" idx="10"/>
+          </p:nvPr>
+        </p:nvSpPr>
+        <p:spPr/>
+        <p:txBody>
+          <a:bodyPr/>
+          <a:lstStyle/>
+          <a:p>
+            <a:fld id="{9E44BBBB-8EA7-45FB-82CA-FAD092EA5170}" type="slidenum">
+              <a:rPr lang="en-GB" smtClean="0"/>
+              <a:t>3</a:t>
+            </a:fld>
+            <a:endParaRPr lang="en-GB"/>
+          </a:p>
+        </p:txBody>
+      </p:sp>
+    </p:spTree>
+    <p:extLst>
+      <p:ext uri="{BB962C8B-B14F-4D97-AF65-F5344CB8AC3E}">
+        <p14:creationId xmlns:p14="http://schemas.microsoft.com/office/powerpoint/2010/main" val="3083029532"/>
+      </p:ext>
+    </p:extLst>
+  </p:cSld>
+  <p:clrMapOvr>
+    <a:masterClrMapping/>
+  </p:clrMapOvr>
+</p:notes>
+</file>
+
+<file path=ppt/notesSlides/notesSlide2.xml><?xml version="1.0" encoding="utf-8"?>
+<p:notes xmlns:a="http://schemas.openxmlformats.org/drawingml/2006/main" xmlns:r="http://schemas.openxmlformats.org/officeDocument/2006/relationships" xmlns:p="http://schemas.openxmlformats.org/presentationml/2006/main">
+  <p:cSld>
+    <p:spTree>
+      <p:nvGrpSpPr>
+        <p:cNvPr id="1" name=""/>
+        <p:cNvGrpSpPr/>
+        <p:nvPr/>
+      </p:nvGrpSpPr>
+      <p:grpSpPr>
+        <a:xfrm>
+          <a:off x="0" y="0"/>
+          <a:ext cx="0" cy="0"/>
+          <a:chOff x="0" y="0"/>
+          <a:chExt cx="0" cy="0"/>
+        </a:xfrm>
+      </p:grpSpPr>
+      <p:sp>
+        <p:nvSpPr>
+          <p:cNvPr id="2" name="Slide Image Placeholder 1"/>
+          <p:cNvSpPr>
+            <a:spLocks noGrp="1" noRot="1" noChangeAspect="1"/>
+          </p:cNvSpPr>
+          <p:nvPr>
+            <p:ph type="sldImg"/>
+          </p:nvPr>
+        </p:nvSpPr>
+        <p:spPr/>
+      </p:sp>
+      <p:sp>
+        <p:nvSpPr>
+          <p:cNvPr id="3" name="Notes Placeholder 2"/>
+          <p:cNvSpPr>
+            <a:spLocks noGrp="1"/>
+          </p:cNvSpPr>
+          <p:nvPr>
+            <p:ph type="body" idx="1"/>
+          </p:nvPr>
+        </p:nvSpPr>
+        <p:spPr/>
+        <p:txBody>
+          <a:bodyPr/>
+          <a:lstStyle/>
+          <a:p>
+            <a:endParaRPr lang="en-GB" dirty="0"/>
+          </a:p>
+        </p:txBody>
+      </p:sp>
+      <p:sp>
+        <p:nvSpPr>
+          <p:cNvPr id="4" name="Slide Number Placeholder 3"/>
+          <p:cNvSpPr>
+            <a:spLocks noGrp="1"/>
+          </p:cNvSpPr>
+          <p:nvPr>
+            <p:ph type="sldNum" sz="quarter" idx="10"/>
+          </p:nvPr>
+        </p:nvSpPr>
+        <p:spPr/>
+        <p:txBody>
+          <a:bodyPr/>
+          <a:lstStyle/>
+          <a:p>
+            <a:fld id="{9E44BBBB-8EA7-45FB-82CA-FAD092EA5170}" type="slidenum">
+              <a:rPr lang="en-GB" smtClean="0"/>
+              <a:t>5</a:t>
+            </a:fld>
+            <a:endParaRPr lang="en-GB"/>
+          </a:p>
+        </p:txBody>
+      </p:sp>
+    </p:spTree>
+    <p:extLst>
+      <p:ext uri="{BB962C8B-B14F-4D97-AF65-F5344CB8AC3E}">
+        <p14:creationId xmlns:p14="http://schemas.microsoft.com/office/powerpoint/2010/main" val="2203552601"/>
+      </p:ext>
+    </p:extLst>
+  </p:cSld>
+  <p:clrMapOvr>
+    <a:masterClrMapping/>
+  </p:clrMapOvr>
+</p:notes>
+</file>
+
+<file path=ppt/notesSlides/notesSlide3.xml><?xml version="1.0" encoding="utf-8"?>
+<p:notes xmlns:a="http://schemas.openxmlformats.org/drawingml/2006/main" xmlns:r="http://schemas.openxmlformats.org/officeDocument/2006/relationships" xmlns:p="http://schemas.openxmlformats.org/presentationml/2006/main">
+  <p:cSld>
+    <p:spTree>
+      <p:nvGrpSpPr>
+        <p:cNvPr id="1" name=""/>
+        <p:cNvGrpSpPr/>
+        <p:nvPr/>
+      </p:nvGrpSpPr>
+      <p:grpSpPr>
+        <a:xfrm>
+          <a:off x="0" y="0"/>
+          <a:ext cx="0" cy="0"/>
+          <a:chOff x="0" y="0"/>
+          <a:chExt cx="0" cy="0"/>
+        </a:xfrm>
+      </p:grpSpPr>
+      <p:sp>
+        <p:nvSpPr>
+          <p:cNvPr id="2" name="Slide Image Placeholder 1"/>
+          <p:cNvSpPr>
+            <a:spLocks noGrp="1" noRot="1" noChangeAspect="1"/>
+          </p:cNvSpPr>
+          <p:nvPr>
+            <p:ph type="sldImg"/>
+          </p:nvPr>
+        </p:nvSpPr>
+        <p:spPr/>
+      </p:sp>
+      <p:sp>
+        <p:nvSpPr>
+          <p:cNvPr id="3" name="Notes Placeholder 2"/>
+          <p:cNvSpPr>
+            <a:spLocks noGrp="1"/>
+          </p:cNvSpPr>
+          <p:nvPr>
+            <p:ph type="body" idx="1"/>
+          </p:nvPr>
+        </p:nvSpPr>
+        <p:spPr/>
+        <p:txBody>
+          <a:bodyPr/>
+          <a:lstStyle/>
+          <a:p>
+            <a:endParaRPr lang="en-GB" dirty="0"/>
+          </a:p>
+        </p:txBody>
+      </p:sp>
+      <p:sp>
+        <p:nvSpPr>
+          <p:cNvPr id="4" name="Slide Number Placeholder 3"/>
+          <p:cNvSpPr>
+            <a:spLocks noGrp="1"/>
+          </p:cNvSpPr>
+          <p:nvPr>
+            <p:ph type="sldNum" sz="quarter" idx="10"/>
+          </p:nvPr>
+        </p:nvSpPr>
+        <p:spPr/>
+        <p:txBody>
+          <a:bodyPr/>
+          <a:lstStyle/>
+          <a:p>
+            <a:fld id="{9E44BBBB-8EA7-45FB-82CA-FAD092EA5170}" type="slidenum">
+              <a:rPr lang="en-GB" smtClean="0"/>
+              <a:t>6</a:t>
+            </a:fld>
+            <a:endParaRPr lang="en-GB"/>
+          </a:p>
+        </p:txBody>
+      </p:sp>
+    </p:spTree>
+    <p:extLst>
+      <p:ext uri="{BB962C8B-B14F-4D97-AF65-F5344CB8AC3E}">
+        <p14:creationId xmlns:p14="http://schemas.microsoft.com/office/powerpoint/2010/main" val="3482616283"/>
+      </p:ext>
+    </p:extLst>
+  </p:cSld>
+  <p:clrMapOvr>
+    <a:masterClrMapping/>
+  </p:clrMapOvr>
+</p:notes>
+</file>
+
 <file path=ppt/slideLayouts/slideLayout1.xml><?xml version="1.0" encoding="utf-8"?>
 <p:sldLayout xmlns:a="http://schemas.openxmlformats.org/drawingml/2006/main" xmlns:r="http://schemas.openxmlformats.org/officeDocument/2006/relationships" xmlns:p="http://schemas.openxmlformats.org/presentationml/2006/main" type="title" preserve="1">
   <p:cSld name="Title Slide">
@@ -598,7 +853,7 @@
           <a:p>
             <a:fld id="{DEA7858C-26F2-4CAE-BF3E-C3BEE5348BC6}" type="datetimeFigureOut">
               <a:rPr lang="en-GB" smtClean="0"/>
-              <a:t>12/01/2015</a:t>
+              <a:t>13/01/2015</a:t>
             </a:fld>
             <a:endParaRPr lang="en-GB"/>
           </a:p>
@@ -768,7 +1023,7 @@
           <a:p>
             <a:fld id="{DEA7858C-26F2-4CAE-BF3E-C3BEE5348BC6}" type="datetimeFigureOut">
               <a:rPr lang="en-GB" smtClean="0"/>
-              <a:t>12/01/2015</a:t>
+              <a:t>13/01/2015</a:t>
             </a:fld>
             <a:endParaRPr lang="en-GB"/>
           </a:p>
@@ -948,7 +1203,7 @@
           <a:p>
             <a:fld id="{DEA7858C-26F2-4CAE-BF3E-C3BEE5348BC6}" type="datetimeFigureOut">
               <a:rPr lang="en-GB" smtClean="0"/>
-              <a:t>12/01/2015</a:t>
+              <a:t>13/01/2015</a:t>
             </a:fld>
             <a:endParaRPr lang="en-GB"/>
           </a:p>
@@ -1118,7 +1373,7 @@
           <a:p>
             <a:fld id="{DEA7858C-26F2-4CAE-BF3E-C3BEE5348BC6}" type="datetimeFigureOut">
               <a:rPr lang="en-GB" smtClean="0"/>
-              <a:t>12/01/2015</a:t>
+              <a:t>13/01/2015</a:t>
             </a:fld>
             <a:endParaRPr lang="en-GB"/>
           </a:p>
@@ -1364,7 +1619,7 @@
           <a:p>
             <a:fld id="{DEA7858C-26F2-4CAE-BF3E-C3BEE5348BC6}" type="datetimeFigureOut">
               <a:rPr lang="en-GB" smtClean="0"/>
-              <a:t>12/01/2015</a:t>
+              <a:t>13/01/2015</a:t>
             </a:fld>
             <a:endParaRPr lang="en-GB"/>
           </a:p>
@@ -1596,7 +1851,7 @@
           <a:p>
             <a:fld id="{DEA7858C-26F2-4CAE-BF3E-C3BEE5348BC6}" type="datetimeFigureOut">
               <a:rPr lang="en-GB" smtClean="0"/>
-              <a:t>12/01/2015</a:t>
+              <a:t>13/01/2015</a:t>
             </a:fld>
             <a:endParaRPr lang="en-GB"/>
           </a:p>
@@ -1963,7 +2218,7 @@
           <a:p>
             <a:fld id="{DEA7858C-26F2-4CAE-BF3E-C3BEE5348BC6}" type="datetimeFigureOut">
               <a:rPr lang="en-GB" smtClean="0"/>
-              <a:t>12/01/2015</a:t>
+              <a:t>13/01/2015</a:t>
             </a:fld>
             <a:endParaRPr lang="en-GB"/>
           </a:p>
@@ -2081,7 +2336,7 @@
           <a:p>
             <a:fld id="{DEA7858C-26F2-4CAE-BF3E-C3BEE5348BC6}" type="datetimeFigureOut">
               <a:rPr lang="en-GB" smtClean="0"/>
-              <a:t>12/01/2015</a:t>
+              <a:t>13/01/2015</a:t>
             </a:fld>
             <a:endParaRPr lang="en-GB"/>
           </a:p>
@@ -2176,7 +2431,7 @@
           <a:p>
             <a:fld id="{DEA7858C-26F2-4CAE-BF3E-C3BEE5348BC6}" type="datetimeFigureOut">
               <a:rPr lang="en-GB" smtClean="0"/>
-              <a:t>12/01/2015</a:t>
+              <a:t>13/01/2015</a:t>
             </a:fld>
             <a:endParaRPr lang="en-GB"/>
           </a:p>
@@ -2453,7 +2708,7 @@
           <a:p>
             <a:fld id="{DEA7858C-26F2-4CAE-BF3E-C3BEE5348BC6}" type="datetimeFigureOut">
               <a:rPr lang="en-GB" smtClean="0"/>
-              <a:t>12/01/2015</a:t>
+              <a:t>13/01/2015</a:t>
             </a:fld>
             <a:endParaRPr lang="en-GB"/>
           </a:p>
@@ -2706,7 +2961,7 @@
           <a:p>
             <a:fld id="{DEA7858C-26F2-4CAE-BF3E-C3BEE5348BC6}" type="datetimeFigureOut">
               <a:rPr lang="en-GB" smtClean="0"/>
-              <a:t>12/01/2015</a:t>
+              <a:t>13/01/2015</a:t>
             </a:fld>
             <a:endParaRPr lang="en-GB"/>
           </a:p>
@@ -2919,7 +3174,7 @@
           <a:p>
             <a:fld id="{DEA7858C-26F2-4CAE-BF3E-C3BEE5348BC6}" type="datetimeFigureOut">
               <a:rPr lang="en-GB" smtClean="0"/>
-              <a:t>12/01/2015</a:t>
+              <a:t>13/01/2015</a:t>
             </a:fld>
             <a:endParaRPr lang="en-GB"/>
           </a:p>
@@ -3857,9 +4112,9 @@
           <p:nvPr/>
         </p:nvCxnSpPr>
         <p:spPr>
-          <a:xfrm>
-            <a:off x="2047647" y="2067708"/>
-            <a:ext cx="3670791" cy="0"/>
+          <a:xfrm flipV="1">
+            <a:off x="2047647" y="2001078"/>
+            <a:ext cx="4373735" cy="66630"/>
           </a:xfrm>
           <a:prstGeom prst="line">
             <a:avLst/>
@@ -6130,8 +6385,8 @@
         </p:nvSpPr>
         <p:spPr>
           <a:xfrm>
-            <a:off x="1717526" y="0"/>
-            <a:ext cx="1739259" cy="369332"/>
+            <a:off x="1717525" y="0"/>
+            <a:ext cx="1473993" cy="369332"/>
           </a:xfrm>
           <a:prstGeom prst="rect">
             <a:avLst/>
@@ -6145,12 +6400,12 @@
           <a:lstStyle/>
           <a:p>
             <a:r>
+              <a:rPr kumimoji="1" lang="en-US" altLang="ja-JP" dirty="0"/>
+              <a:t>S-2-1 </a:t>
+            </a:r>
+            <a:r>
               <a:rPr kumimoji="1" lang="en-US" altLang="ja-JP" dirty="0" smtClean="0"/>
-              <a:t>S-2-1 </a:t>
-            </a:r>
-            <a:r>
-              <a:rPr kumimoji="1" lang="en-US" altLang="ja-JP" dirty="0" smtClean="0"/>
-              <a:t>Homepage</a:t>
+              <a:t>Register</a:t>
             </a:r>
             <a:endParaRPr kumimoji="1" lang="ja-JP" altLang="en-US" dirty="0"/>
           </a:p>
@@ -6164,8 +6419,8 @@
         </p:nvSpPr>
         <p:spPr>
           <a:xfrm>
-            <a:off x="1634068" y="762001"/>
-            <a:ext cx="4919133" cy="4258733"/>
+            <a:off x="1911047" y="749872"/>
+            <a:ext cx="4251213" cy="4497989"/>
           </a:xfrm>
           <a:prstGeom prst="rect">
             <a:avLst/>
@@ -6212,7 +6467,7 @@
         </p:nvSpPr>
         <p:spPr>
           <a:xfrm>
-            <a:off x="2057857" y="916491"/>
+            <a:off x="2101351" y="839003"/>
             <a:ext cx="1196687" cy="400110"/>
           </a:xfrm>
           <a:prstGeom prst="rect">
@@ -6264,8 +6519,8 @@
         </p:nvSpPr>
         <p:spPr>
           <a:xfrm>
-            <a:off x="2059396" y="1532723"/>
-            <a:ext cx="1783449" cy="229218"/>
+            <a:off x="2001876" y="1420805"/>
+            <a:ext cx="1871134" cy="192975"/>
           </a:xfrm>
           <a:prstGeom prst="rect">
             <a:avLst/>
@@ -6323,8 +6578,8 @@
         </p:nvSpPr>
         <p:spPr>
           <a:xfrm>
-            <a:off x="3925590" y="1542508"/>
-            <a:ext cx="602751" cy="218077"/>
+            <a:off x="3937000" y="1420805"/>
+            <a:ext cx="558800" cy="209383"/>
           </a:xfrm>
           <a:prstGeom prst="rect">
             <a:avLst/>
@@ -6350,10 +6605,10 @@
           <a:p>
             <a:pPr algn="ctr"/>
             <a:r>
-              <a:rPr kumimoji="1" lang="en-US" altLang="ja-JP" sz="1000" dirty="0"/>
+              <a:rPr kumimoji="1" lang="en-US" altLang="ja-JP" sz="1000"/>
               <a:t>Search</a:t>
             </a:r>
-            <a:endParaRPr kumimoji="1" lang="ja-JP" altLang="en-US" sz="1000" dirty="0"/>
+            <a:endParaRPr kumimoji="1" lang="ja-JP" altLang="en-US" sz="1000"/>
           </a:p>
         </p:txBody>
       </p:sp>
@@ -6365,8 +6620,8 @@
         </p:nvCxnSpPr>
         <p:spPr>
           <a:xfrm>
-            <a:off x="2047647" y="2067708"/>
-            <a:ext cx="4373735" cy="39183"/>
+            <a:off x="2001877" y="1921934"/>
+            <a:ext cx="4081224" cy="13187"/>
           </a:xfrm>
           <a:prstGeom prst="line">
             <a:avLst/>
@@ -6397,61 +6652,221 @@
       </p:cxnSp>
       <p:sp>
         <p:nvSpPr>
-          <p:cNvPr id="14" name="TextBox 13"/>
-          <p:cNvSpPr txBox="1"/>
-          <p:nvPr/>
-        </p:nvSpPr>
-        <p:spPr>
-          <a:xfrm>
-            <a:off x="1965653" y="1852975"/>
-            <a:ext cx="1757212" cy="253916"/>
-          </a:xfrm>
-          <a:prstGeom prst="rect">
-            <a:avLst/>
-          </a:prstGeom>
-          <a:noFill/>
-        </p:spPr>
-        <p:txBody>
-          <a:bodyPr wrap="none" rtlCol="0">
-            <a:spAutoFit/>
-          </a:bodyPr>
-          <a:lstStyle/>
-          <a:p>
-            <a:r>
-              <a:rPr kumimoji="1" lang="en-US" altLang="ja-JP" sz="1050" b="1" dirty="0" smtClean="0">
+          <p:cNvPr id="77" name="Rectangle 76"/>
+          <p:cNvSpPr/>
+          <p:nvPr/>
+        </p:nvSpPr>
+        <p:spPr>
+          <a:xfrm>
+            <a:off x="2868916" y="3571102"/>
+            <a:ext cx="2025687" cy="209618"/>
+          </a:xfrm>
+          <a:prstGeom prst="rect">
+            <a:avLst/>
+          </a:prstGeom>
+          <a:ln>
+            <a:solidFill>
+              <a:schemeClr val="tx1"/>
+            </a:solidFill>
+          </a:ln>
+          <a:effectLst/>
+        </p:spPr>
+        <p:style>
+          <a:lnRef idx="1">
+            <a:schemeClr val="accent1"/>
+          </a:lnRef>
+          <a:fillRef idx="3">
+            <a:schemeClr val="accent1"/>
+          </a:fillRef>
+          <a:effectRef idx="2">
+            <a:schemeClr val="accent1"/>
+          </a:effectRef>
+          <a:fontRef idx="minor">
+            <a:schemeClr val="lt1"/>
+          </a:fontRef>
+        </p:style>
+        <p:txBody>
+          <a:bodyPr rtlCol="0" anchor="ctr"/>
+          <a:lstStyle/>
+          <a:p>
+            <a:r>
+              <a:rPr kumimoji="1" lang="en-US" altLang="ja-JP" sz="800" i="1">
                 <a:solidFill>
-                  <a:schemeClr val="bg2">
-                    <a:lumMod val="50000"/>
-                  </a:schemeClr>
-                </a:solidFill>
-              </a:rPr>
-              <a:t>Home</a:t>
-            </a:r>
-            <a:r>
-              <a:rPr kumimoji="1" lang="en-US" altLang="ja-JP" sz="1050" dirty="0" smtClean="0">
-                <a:solidFill>
-                  <a:schemeClr val="bg2">
-                    <a:lumMod val="50000"/>
-                  </a:schemeClr>
-                </a:solidFill>
-              </a:rPr>
-              <a:t> </a:t>
-            </a:r>
-            <a:r>
-              <a:rPr kumimoji="1" lang="en-US" altLang="ja-JP" sz="1050" dirty="0" smtClean="0">
-                <a:solidFill>
-                  <a:schemeClr val="bg2">
+                  <a:schemeClr val="bg1">
                     <a:lumMod val="75000"/>
                   </a:schemeClr>
                 </a:solidFill>
               </a:rPr>
-              <a:t>| My Post | New Post</a:t>
-            </a:r>
-            <a:r>
-              <a:rPr kumimoji="1" lang="en-US" altLang="ja-JP" sz="1050" dirty="0" smtClean="0"/>
-              <a:t> </a:t>
-            </a:r>
-            <a:endParaRPr kumimoji="1" lang="ja-JP" altLang="en-US" sz="1050" dirty="0"/>
+              <a:t>Username</a:t>
+            </a:r>
+            <a:endParaRPr kumimoji="1" lang="ja-JP" altLang="en-US" sz="800" i="1">
+              <a:solidFill>
+                <a:schemeClr val="bg1">
+                  <a:lumMod val="75000"/>
+                </a:schemeClr>
+              </a:solidFill>
+            </a:endParaRPr>
+          </a:p>
+        </p:txBody>
+      </p:sp>
+      <p:sp>
+        <p:nvSpPr>
+          <p:cNvPr id="78" name="Rectangle 77"/>
+          <p:cNvSpPr/>
+          <p:nvPr/>
+        </p:nvSpPr>
+        <p:spPr>
+          <a:xfrm>
+            <a:off x="2855047" y="4013928"/>
+            <a:ext cx="2033439" cy="203169"/>
+          </a:xfrm>
+          <a:prstGeom prst="rect">
+            <a:avLst/>
+          </a:prstGeom>
+          <a:ln>
+            <a:solidFill>
+              <a:schemeClr val="tx1"/>
+            </a:solidFill>
+          </a:ln>
+          <a:effectLst/>
+        </p:spPr>
+        <p:style>
+          <a:lnRef idx="1">
+            <a:schemeClr val="accent1"/>
+          </a:lnRef>
+          <a:fillRef idx="3">
+            <a:schemeClr val="accent1"/>
+          </a:fillRef>
+          <a:effectRef idx="2">
+            <a:schemeClr val="accent1"/>
+          </a:effectRef>
+          <a:fontRef idx="minor">
+            <a:schemeClr val="lt1"/>
+          </a:fontRef>
+        </p:style>
+        <p:txBody>
+          <a:bodyPr rtlCol="0" anchor="ctr"/>
+          <a:lstStyle/>
+          <a:p>
+            <a:r>
+              <a:rPr kumimoji="1" lang="en-US" altLang="ja-JP" sz="800" i="1">
+                <a:solidFill>
+                  <a:schemeClr val="bg1">
+                    <a:lumMod val="75000"/>
+                  </a:schemeClr>
+                </a:solidFill>
+              </a:rPr>
+              <a:t>Password</a:t>
+            </a:r>
+            <a:endParaRPr kumimoji="1" lang="ja-JP" altLang="en-US" sz="800" i="1">
+              <a:solidFill>
+                <a:schemeClr val="bg1">
+                  <a:lumMod val="75000"/>
+                </a:schemeClr>
+              </a:solidFill>
+            </a:endParaRPr>
+          </a:p>
+        </p:txBody>
+      </p:sp>
+      <p:sp>
+        <p:nvSpPr>
+          <p:cNvPr id="80" name="Rectangle 79"/>
+          <p:cNvSpPr/>
+          <p:nvPr/>
+        </p:nvSpPr>
+        <p:spPr>
+          <a:xfrm>
+            <a:off x="4100440" y="4835542"/>
+            <a:ext cx="790719" cy="199657"/>
+          </a:xfrm>
+          <a:prstGeom prst="rect">
+            <a:avLst/>
+          </a:prstGeom>
+        </p:spPr>
+        <p:style>
+          <a:lnRef idx="1">
+            <a:schemeClr val="accent1"/>
+          </a:lnRef>
+          <a:fillRef idx="3">
+            <a:schemeClr val="accent1"/>
+          </a:fillRef>
+          <a:effectRef idx="2">
+            <a:schemeClr val="accent1"/>
+          </a:effectRef>
+          <a:fontRef idx="minor">
+            <a:schemeClr val="lt1"/>
+          </a:fontRef>
+        </p:style>
+        <p:txBody>
+          <a:bodyPr rtlCol="0" anchor="ctr"/>
+          <a:lstStyle/>
+          <a:p>
+            <a:pPr algn="ctr"/>
+            <a:r>
+              <a:rPr kumimoji="1" lang="en-US" altLang="ja-JP" sz="1000" dirty="0" smtClean="0"/>
+              <a:t>Register</a:t>
+            </a:r>
+            <a:endParaRPr kumimoji="1" lang="ja-JP" altLang="en-US" sz="1000" dirty="0"/>
+          </a:p>
+        </p:txBody>
+      </p:sp>
+      <p:sp>
+        <p:nvSpPr>
+          <p:cNvPr id="15" name="TextBox 14"/>
+          <p:cNvSpPr txBox="1"/>
+          <p:nvPr/>
+        </p:nvSpPr>
+        <p:spPr>
+          <a:xfrm>
+            <a:off x="3587096" y="2104086"/>
+            <a:ext cx="699807" cy="276999"/>
+          </a:xfrm>
+          <a:prstGeom prst="rect">
+            <a:avLst/>
+          </a:prstGeom>
+          <a:noFill/>
+        </p:spPr>
+        <p:txBody>
+          <a:bodyPr wrap="none" rtlCol="0">
+            <a:spAutoFit/>
+          </a:bodyPr>
+          <a:lstStyle/>
+          <a:p>
+            <a:r>
+              <a:rPr kumimoji="1" lang="en-US" altLang="ja-JP" sz="1200" b="1" dirty="0" smtClean="0"/>
+              <a:t>Register</a:t>
+            </a:r>
+            <a:endParaRPr kumimoji="1" lang="ja-JP" altLang="en-US" sz="1200" b="1" dirty="0"/>
+          </a:p>
+        </p:txBody>
+      </p:sp>
+      <p:sp>
+        <p:nvSpPr>
+          <p:cNvPr id="81" name="TextBox 80"/>
+          <p:cNvSpPr txBox="1"/>
+          <p:nvPr/>
+        </p:nvSpPr>
+        <p:spPr>
+          <a:xfrm>
+            <a:off x="2766937" y="3777691"/>
+            <a:ext cx="681597" cy="246221"/>
+          </a:xfrm>
+          <a:prstGeom prst="rect">
+            <a:avLst/>
+          </a:prstGeom>
+          <a:noFill/>
+        </p:spPr>
+        <p:txBody>
+          <a:bodyPr wrap="none" rtlCol="0">
+            <a:spAutoFit/>
+          </a:bodyPr>
+          <a:lstStyle/>
+          <a:p>
+            <a:r>
+              <a:rPr kumimoji="1" lang="en-US" altLang="ja-JP" sz="1000" dirty="0" smtClean="0"/>
+              <a:t>Password</a:t>
+            </a:r>
+            <a:endParaRPr kumimoji="1" lang="ja-JP" altLang="en-US" sz="1000" dirty="0"/>
           </a:p>
         </p:txBody>
       </p:sp>
@@ -6464,14 +6879,2464 @@
           <p:nvPr>
             <p:extLst>
               <p:ext uri="{D42A27DB-BD31-4B8C-83A1-F6EECF244321}">
-                <p14:modId xmlns:p14="http://schemas.microsoft.com/office/powerpoint/2010/main" val="1185014923"/>
+                <p14:modId xmlns:p14="http://schemas.microsoft.com/office/powerpoint/2010/main" val="2093626837"/>
+              </p:ext>
+            </p:extLst>
+          </p:nvPr>
+        </p:nvGraphicFramePr>
+        <p:xfrm>
+          <a:off x="6582377" y="734433"/>
+          <a:ext cx="4461935" cy="4390382"/>
+        </p:xfrm>
+        <a:graphic>
+          <a:graphicData uri="http://schemas.openxmlformats.org/drawingml/2006/table">
+            <a:tbl>
+              <a:tblPr firstRow="1" bandRow="1">
+                <a:tableStyleId>{5202B0CA-FC54-4496-8BCA-5EF66A818D29}</a:tableStyleId>
+              </a:tblPr>
+              <a:tblGrid>
+                <a:gridCol w="406401"/>
+                <a:gridCol w="1049866"/>
+                <a:gridCol w="1220894"/>
+                <a:gridCol w="1259840"/>
+                <a:gridCol w="524934"/>
+              </a:tblGrid>
+              <a:tr h="327082">
+                <a:tc>
+                  <a:txBody>
+                    <a:bodyPr/>
+                    <a:lstStyle/>
+                    <a:p>
+                      <a:r>
+                        <a:rPr kumimoji="1" lang="en-US" altLang="ja-JP" sz="1000" dirty="0"/>
+                        <a:t>No</a:t>
+                      </a:r>
+                      <a:endParaRPr kumimoji="1" lang="ja-JP" altLang="en-US" sz="1000" dirty="0"/>
+                    </a:p>
+                  </a:txBody>
+                  <a:tcPr/>
+                </a:tc>
+                <a:tc>
+                  <a:txBody>
+                    <a:bodyPr/>
+                    <a:lstStyle/>
+                    <a:p>
+                      <a:r>
+                        <a:rPr kumimoji="1" lang="en-US" altLang="ja-JP" sz="1000" dirty="0"/>
+                        <a:t>Content</a:t>
+                      </a:r>
+                      <a:endParaRPr kumimoji="1" lang="ja-JP" altLang="en-US" sz="1000" dirty="0"/>
+                    </a:p>
+                  </a:txBody>
+                  <a:tcPr/>
+                </a:tc>
+                <a:tc>
+                  <a:txBody>
+                    <a:bodyPr/>
+                    <a:lstStyle/>
+                    <a:p>
+                      <a:r>
+                        <a:rPr kumimoji="1" lang="en-US" altLang="ja-JP" sz="1000" dirty="0"/>
+                        <a:t>Function</a:t>
+                      </a:r>
+                      <a:endParaRPr kumimoji="1" lang="ja-JP" altLang="en-US" sz="1000" dirty="0"/>
+                    </a:p>
+                  </a:txBody>
+                  <a:tcPr/>
+                </a:tc>
+                <a:tc>
+                  <a:txBody>
+                    <a:bodyPr/>
+                    <a:lstStyle/>
+                    <a:p>
+                      <a:r>
+                        <a:rPr kumimoji="1" lang="en-US" altLang="ja-JP" sz="1000"/>
+                        <a:t>Detail/option</a:t>
+                      </a:r>
+                      <a:endParaRPr kumimoji="1" lang="ja-JP" altLang="en-US" sz="1000"/>
+                    </a:p>
+                  </a:txBody>
+                  <a:tcPr/>
+                </a:tc>
+                <a:tc>
+                  <a:txBody>
+                    <a:bodyPr/>
+                    <a:lstStyle/>
+                    <a:p>
+                      <a:r>
+                        <a:rPr kumimoji="1" lang="en-US" altLang="ja-JP" sz="1000"/>
+                        <a:t>Goto</a:t>
+                      </a:r>
+                      <a:endParaRPr kumimoji="1" lang="ja-JP" altLang="en-US" sz="1000"/>
+                    </a:p>
+                  </a:txBody>
+                  <a:tcPr/>
+                </a:tc>
+              </a:tr>
+              <a:tr h="327082">
+                <a:tc>
+                  <a:txBody>
+                    <a:bodyPr/>
+                    <a:lstStyle/>
+                    <a:p>
+                      <a:r>
+                        <a:rPr kumimoji="1" lang="en-GB" altLang="ja-JP" sz="1000" dirty="0" smtClean="0"/>
+                        <a:t>1</a:t>
+                      </a:r>
+                      <a:endParaRPr kumimoji="1" lang="ja-JP" altLang="en-US" sz="1000" dirty="0"/>
+                    </a:p>
+                  </a:txBody>
+                  <a:tcPr/>
+                </a:tc>
+                <a:tc>
+                  <a:txBody>
+                    <a:bodyPr/>
+                    <a:lstStyle/>
+                    <a:p>
+                      <a:r>
+                        <a:rPr kumimoji="1" lang="en-GB" altLang="ja-JP" sz="1000" dirty="0" smtClean="0"/>
+                        <a:t>Username</a:t>
+                      </a:r>
+                      <a:endParaRPr kumimoji="1" lang="ja-JP" altLang="en-US" sz="1000" dirty="0"/>
+                    </a:p>
+                  </a:txBody>
+                  <a:tcPr/>
+                </a:tc>
+                <a:tc>
+                  <a:txBody>
+                    <a:bodyPr/>
+                    <a:lstStyle/>
+                    <a:p>
+                      <a:endParaRPr kumimoji="1" lang="ja-JP" altLang="en-US" sz="1000" dirty="0"/>
+                    </a:p>
+                  </a:txBody>
+                  <a:tcPr/>
+                </a:tc>
+                <a:tc>
+                  <a:txBody>
+                    <a:bodyPr/>
+                    <a:lstStyle/>
+                    <a:p>
+                      <a:r>
+                        <a:rPr kumimoji="1" lang="en-GB" altLang="ja-JP" sz="1000" dirty="0" smtClean="0"/>
+                        <a:t>Input username</a:t>
+                      </a:r>
+                      <a:endParaRPr kumimoji="1" lang="ja-JP" altLang="en-US" sz="1000" dirty="0"/>
+                    </a:p>
+                  </a:txBody>
+                  <a:tcPr/>
+                </a:tc>
+                <a:tc>
+                  <a:txBody>
+                    <a:bodyPr/>
+                    <a:lstStyle/>
+                    <a:p>
+                      <a:endParaRPr kumimoji="1" lang="ja-JP" altLang="en-US" sz="1000" dirty="0"/>
+                    </a:p>
+                  </a:txBody>
+                  <a:tcPr/>
+                </a:tc>
+              </a:tr>
+              <a:tr h="327082">
+                <a:tc>
+                  <a:txBody>
+                    <a:bodyPr/>
+                    <a:lstStyle/>
+                    <a:p>
+                      <a:r>
+                        <a:rPr kumimoji="1" lang="en-GB" altLang="ja-JP" sz="1000" dirty="0" smtClean="0"/>
+                        <a:t>2</a:t>
+                      </a:r>
+                      <a:endParaRPr kumimoji="1" lang="ja-JP" altLang="en-US" sz="1000" dirty="0"/>
+                    </a:p>
+                  </a:txBody>
+                  <a:tcPr/>
+                </a:tc>
+                <a:tc>
+                  <a:txBody>
+                    <a:bodyPr/>
+                    <a:lstStyle/>
+                    <a:p>
+                      <a:r>
+                        <a:rPr kumimoji="1" lang="en-GB" altLang="ja-JP" sz="1000" dirty="0" smtClean="0"/>
+                        <a:t>Password</a:t>
+                      </a:r>
+                      <a:endParaRPr kumimoji="1" lang="ja-JP" altLang="en-US" sz="1000" dirty="0"/>
+                    </a:p>
+                  </a:txBody>
+                  <a:tcPr/>
+                </a:tc>
+                <a:tc>
+                  <a:txBody>
+                    <a:bodyPr/>
+                    <a:lstStyle/>
+                    <a:p>
+                      <a:endParaRPr kumimoji="1" lang="ja-JP" altLang="en-US" sz="1000" dirty="0"/>
+                    </a:p>
+                  </a:txBody>
+                  <a:tcPr/>
+                </a:tc>
+                <a:tc>
+                  <a:txBody>
+                    <a:bodyPr/>
+                    <a:lstStyle/>
+                    <a:p>
+                      <a:r>
+                        <a:rPr kumimoji="1" lang="en-GB" altLang="ja-JP" sz="1000" dirty="0" smtClean="0"/>
+                        <a:t>Input password</a:t>
+                      </a:r>
+                      <a:endParaRPr kumimoji="1" lang="ja-JP" altLang="en-US" sz="1000" dirty="0"/>
+                    </a:p>
+                  </a:txBody>
+                  <a:tcPr/>
+                </a:tc>
+                <a:tc>
+                  <a:txBody>
+                    <a:bodyPr/>
+                    <a:lstStyle/>
+                    <a:p>
+                      <a:endParaRPr kumimoji="1" lang="ja-JP" altLang="en-US" sz="1000" dirty="0"/>
+                    </a:p>
+                  </a:txBody>
+                  <a:tcPr/>
+                </a:tc>
+              </a:tr>
+              <a:tr h="327082">
+                <a:tc>
+                  <a:txBody>
+                    <a:bodyPr/>
+                    <a:lstStyle/>
+                    <a:p>
+                      <a:r>
+                        <a:rPr kumimoji="1" lang="en-GB" altLang="ja-JP" sz="1000" dirty="0" smtClean="0"/>
+                        <a:t>3</a:t>
+                      </a:r>
+                      <a:endParaRPr kumimoji="1" lang="ja-JP" altLang="en-US" sz="1000" dirty="0"/>
+                    </a:p>
+                  </a:txBody>
+                  <a:tcPr/>
+                </a:tc>
+                <a:tc>
+                  <a:txBody>
+                    <a:bodyPr/>
+                    <a:lstStyle/>
+                    <a:p>
+                      <a:r>
+                        <a:rPr kumimoji="1" lang="en-GB" altLang="ja-JP" sz="1000" dirty="0" smtClean="0"/>
+                        <a:t>Login button</a:t>
+                      </a:r>
+                      <a:endParaRPr kumimoji="1" lang="ja-JP" altLang="en-US" sz="1000" dirty="0"/>
+                    </a:p>
+                  </a:txBody>
+                  <a:tcPr/>
+                </a:tc>
+                <a:tc>
+                  <a:txBody>
+                    <a:bodyPr/>
+                    <a:lstStyle/>
+                    <a:p>
+                      <a:endParaRPr kumimoji="1" lang="ja-JP" altLang="en-US" sz="1000" dirty="0"/>
+                    </a:p>
+                  </a:txBody>
+                  <a:tcPr/>
+                </a:tc>
+                <a:tc>
+                  <a:txBody>
+                    <a:bodyPr/>
+                    <a:lstStyle/>
+                    <a:p>
+                      <a:endParaRPr kumimoji="1" lang="ja-JP" altLang="en-US" sz="1000"/>
+                    </a:p>
+                  </a:txBody>
+                  <a:tcPr/>
+                </a:tc>
+                <a:tc>
+                  <a:txBody>
+                    <a:bodyPr/>
+                    <a:lstStyle/>
+                    <a:p>
+                      <a:endParaRPr kumimoji="1" lang="ja-JP" altLang="en-US" sz="1000" dirty="0"/>
+                    </a:p>
+                  </a:txBody>
+                  <a:tcPr/>
+                </a:tc>
+              </a:tr>
+              <a:tr h="327082">
+                <a:tc>
+                  <a:txBody>
+                    <a:bodyPr/>
+                    <a:lstStyle/>
+                    <a:p>
+                      <a:r>
+                        <a:rPr kumimoji="1" lang="en-GB" altLang="ja-JP" sz="1000" dirty="0" smtClean="0"/>
+                        <a:t>4</a:t>
+                      </a:r>
+                      <a:endParaRPr kumimoji="1" lang="ja-JP" altLang="en-US" sz="1000" dirty="0"/>
+                    </a:p>
+                  </a:txBody>
+                  <a:tcPr/>
+                </a:tc>
+                <a:tc>
+                  <a:txBody>
+                    <a:bodyPr/>
+                    <a:lstStyle/>
+                    <a:p>
+                      <a:r>
+                        <a:rPr kumimoji="1" lang="en-GB" altLang="ja-JP" sz="1000" dirty="0" smtClean="0"/>
+                        <a:t>Search</a:t>
+                      </a:r>
+                      <a:endParaRPr kumimoji="1" lang="ja-JP" altLang="en-US" sz="1000" dirty="0"/>
+                    </a:p>
+                  </a:txBody>
+                  <a:tcPr/>
+                </a:tc>
+                <a:tc>
+                  <a:txBody>
+                    <a:bodyPr/>
+                    <a:lstStyle/>
+                    <a:p>
+                      <a:endParaRPr kumimoji="1" lang="ja-JP" altLang="en-US" sz="1000" dirty="0"/>
+                    </a:p>
+                  </a:txBody>
+                  <a:tcPr/>
+                </a:tc>
+                <a:tc>
+                  <a:txBody>
+                    <a:bodyPr/>
+                    <a:lstStyle/>
+                    <a:p>
+                      <a:r>
+                        <a:rPr kumimoji="1" lang="en-GB" altLang="ja-JP" sz="1000" dirty="0" smtClean="0"/>
+                        <a:t>Search all user and all post</a:t>
+                      </a:r>
+                      <a:endParaRPr kumimoji="1" lang="ja-JP" altLang="en-US" sz="1000" dirty="0"/>
+                    </a:p>
+                  </a:txBody>
+                  <a:tcPr/>
+                </a:tc>
+                <a:tc>
+                  <a:txBody>
+                    <a:bodyPr/>
+                    <a:lstStyle/>
+                    <a:p>
+                      <a:endParaRPr kumimoji="1" lang="ja-JP" altLang="en-US" sz="1000" dirty="0"/>
+                    </a:p>
+                  </a:txBody>
+                  <a:tcPr/>
+                </a:tc>
+              </a:tr>
+              <a:tr h="327082">
+                <a:tc>
+                  <a:txBody>
+                    <a:bodyPr/>
+                    <a:lstStyle/>
+                    <a:p>
+                      <a:r>
+                        <a:rPr kumimoji="1" lang="en-US" altLang="ja-JP" sz="1000" dirty="0" smtClean="0"/>
+                        <a:t>5</a:t>
+                      </a:r>
+                      <a:endParaRPr kumimoji="1" lang="ja-JP" altLang="en-US" sz="1000" dirty="0"/>
+                    </a:p>
+                  </a:txBody>
+                  <a:tcPr/>
+                </a:tc>
+                <a:tc>
+                  <a:txBody>
+                    <a:bodyPr/>
+                    <a:lstStyle/>
+                    <a:p>
+                      <a:r>
+                        <a:rPr kumimoji="1" lang="en-US" altLang="ja-JP" sz="1000" dirty="0" smtClean="0"/>
+                        <a:t>First Name</a:t>
+                      </a:r>
+                      <a:endParaRPr kumimoji="1" lang="ja-JP" altLang="en-US" sz="1000" dirty="0"/>
+                    </a:p>
+                  </a:txBody>
+                  <a:tcPr/>
+                </a:tc>
+                <a:tc>
+                  <a:txBody>
+                    <a:bodyPr/>
+                    <a:lstStyle/>
+                    <a:p>
+                      <a:endParaRPr kumimoji="1" lang="ja-JP" altLang="en-US" sz="1000"/>
+                    </a:p>
+                  </a:txBody>
+                  <a:tcPr/>
+                </a:tc>
+                <a:tc>
+                  <a:txBody>
+                    <a:bodyPr/>
+                    <a:lstStyle/>
+                    <a:p>
+                      <a:r>
+                        <a:rPr kumimoji="1" lang="en-US" altLang="ja-JP" sz="1000" dirty="0"/>
+                        <a:t>Input </a:t>
+                      </a:r>
+                      <a:r>
+                        <a:rPr kumimoji="1" lang="en-US" altLang="ja-JP" sz="1000" dirty="0" smtClean="0"/>
+                        <a:t>First Name</a:t>
+                      </a:r>
+                      <a:endParaRPr kumimoji="1" lang="ja-JP" altLang="en-US" sz="1000" dirty="0"/>
+                    </a:p>
+                  </a:txBody>
+                  <a:tcPr/>
+                </a:tc>
+                <a:tc>
+                  <a:txBody>
+                    <a:bodyPr/>
+                    <a:lstStyle/>
+                    <a:p>
+                      <a:endParaRPr kumimoji="1" lang="ja-JP" altLang="en-US" sz="1000"/>
+                    </a:p>
+                  </a:txBody>
+                  <a:tcPr/>
+                </a:tc>
+              </a:tr>
+              <a:tr h="327082">
+                <a:tc>
+                  <a:txBody>
+                    <a:bodyPr/>
+                    <a:lstStyle/>
+                    <a:p>
+                      <a:r>
+                        <a:rPr kumimoji="1" lang="en-US" altLang="ja-JP" sz="1000" dirty="0" smtClean="0"/>
+                        <a:t>6</a:t>
+                      </a:r>
+                      <a:endParaRPr kumimoji="1" lang="ja-JP" altLang="en-US" sz="1000" dirty="0"/>
+                    </a:p>
+                  </a:txBody>
+                  <a:tcPr/>
+                </a:tc>
+                <a:tc>
+                  <a:txBody>
+                    <a:bodyPr/>
+                    <a:lstStyle/>
+                    <a:p>
+                      <a:r>
+                        <a:rPr kumimoji="1" lang="en-US" altLang="ja-JP" sz="1000" dirty="0" smtClean="0"/>
+                        <a:t>Last Name</a:t>
+                      </a:r>
+                      <a:endParaRPr kumimoji="1" lang="ja-JP" altLang="en-US" sz="1000" dirty="0"/>
+                    </a:p>
+                  </a:txBody>
+                  <a:tcPr/>
+                </a:tc>
+                <a:tc>
+                  <a:txBody>
+                    <a:bodyPr/>
+                    <a:lstStyle/>
+                    <a:p>
+                      <a:endParaRPr kumimoji="1" lang="ja-JP" altLang="en-US" sz="1000"/>
+                    </a:p>
+                  </a:txBody>
+                  <a:tcPr/>
+                </a:tc>
+                <a:tc>
+                  <a:txBody>
+                    <a:bodyPr/>
+                    <a:lstStyle/>
+                    <a:p>
+                      <a:r>
+                        <a:rPr kumimoji="1" lang="en-US" altLang="ja-JP" sz="1000" dirty="0"/>
+                        <a:t>Input </a:t>
+                      </a:r>
+                      <a:r>
+                        <a:rPr kumimoji="1" lang="en-US" altLang="ja-JP" sz="1000" dirty="0" smtClean="0"/>
+                        <a:t>Last</a:t>
+                      </a:r>
+                      <a:r>
+                        <a:rPr kumimoji="1" lang="en-US" altLang="ja-JP" sz="1000" baseline="0" dirty="0" smtClean="0"/>
+                        <a:t> Name</a:t>
+                      </a:r>
+                      <a:endParaRPr kumimoji="1" lang="ja-JP" altLang="en-US" sz="1000" dirty="0"/>
+                    </a:p>
+                  </a:txBody>
+                  <a:tcPr/>
+                </a:tc>
+                <a:tc>
+                  <a:txBody>
+                    <a:bodyPr/>
+                    <a:lstStyle/>
+                    <a:p>
+                      <a:endParaRPr kumimoji="1" lang="ja-JP" altLang="en-US" sz="1000"/>
+                    </a:p>
+                  </a:txBody>
+                  <a:tcPr/>
+                </a:tc>
+              </a:tr>
+              <a:tr h="327082">
+                <a:tc>
+                  <a:txBody>
+                    <a:bodyPr/>
+                    <a:lstStyle/>
+                    <a:p>
+                      <a:r>
+                        <a:rPr kumimoji="1" lang="en-US" altLang="ja-JP" sz="1000" dirty="0" smtClean="0"/>
+                        <a:t>7</a:t>
+                      </a:r>
+                      <a:endParaRPr kumimoji="1" lang="ja-JP" altLang="en-US" sz="1000" dirty="0"/>
+                    </a:p>
+                  </a:txBody>
+                  <a:tcPr/>
+                </a:tc>
+                <a:tc>
+                  <a:txBody>
+                    <a:bodyPr/>
+                    <a:lstStyle/>
+                    <a:p>
+                      <a:r>
+                        <a:rPr kumimoji="1" lang="en-US" altLang="ja-JP" sz="1000" dirty="0" smtClean="0"/>
+                        <a:t>Username</a:t>
+                      </a:r>
+                      <a:endParaRPr kumimoji="1" lang="ja-JP" altLang="en-US" sz="1000" dirty="0"/>
+                    </a:p>
+                  </a:txBody>
+                  <a:tcPr/>
+                </a:tc>
+                <a:tc>
+                  <a:txBody>
+                    <a:bodyPr/>
+                    <a:lstStyle/>
+                    <a:p>
+                      <a:endParaRPr kumimoji="1" lang="ja-JP" altLang="en-US" sz="1000"/>
+                    </a:p>
+                  </a:txBody>
+                  <a:tcPr/>
+                </a:tc>
+                <a:tc>
+                  <a:txBody>
+                    <a:bodyPr/>
+                    <a:lstStyle/>
+                    <a:p>
+                      <a:r>
+                        <a:rPr kumimoji="1" lang="en-GB" altLang="ja-JP" sz="1000" dirty="0" smtClean="0"/>
+                        <a:t>Input</a:t>
+                      </a:r>
+                      <a:r>
+                        <a:rPr kumimoji="1" lang="en-GB" altLang="ja-JP" sz="1000" baseline="0" dirty="0" smtClean="0"/>
+                        <a:t> Username</a:t>
+                      </a:r>
+                      <a:endParaRPr kumimoji="1" lang="ja-JP" altLang="en-US" sz="1000" dirty="0"/>
+                    </a:p>
+                  </a:txBody>
+                  <a:tcPr/>
+                </a:tc>
+                <a:tc>
+                  <a:txBody>
+                    <a:bodyPr/>
+                    <a:lstStyle/>
+                    <a:p>
+                      <a:endParaRPr kumimoji="1" lang="ja-JP" altLang="en-US" sz="1000"/>
+                    </a:p>
+                  </a:txBody>
+                  <a:tcPr/>
+                </a:tc>
+              </a:tr>
+              <a:tr h="327082">
+                <a:tc>
+                  <a:txBody>
+                    <a:bodyPr/>
+                    <a:lstStyle/>
+                    <a:p>
+                      <a:r>
+                        <a:rPr kumimoji="1" lang="en-US" altLang="ja-JP" sz="1000" dirty="0" smtClean="0"/>
+                        <a:t>8</a:t>
+                      </a:r>
+                      <a:endParaRPr kumimoji="1" lang="ja-JP" altLang="en-US" sz="1000" dirty="0"/>
+                    </a:p>
+                  </a:txBody>
+                  <a:tcPr/>
+                </a:tc>
+                <a:tc>
+                  <a:txBody>
+                    <a:bodyPr/>
+                    <a:lstStyle/>
+                    <a:p>
+                      <a:r>
+                        <a:rPr kumimoji="1" lang="en-US" altLang="ja-JP" sz="1000" dirty="0" smtClean="0"/>
+                        <a:t>Password</a:t>
+                      </a:r>
+                      <a:endParaRPr kumimoji="1" lang="ja-JP" altLang="en-US" sz="1000" dirty="0"/>
+                    </a:p>
+                  </a:txBody>
+                  <a:tcPr/>
+                </a:tc>
+                <a:tc>
+                  <a:txBody>
+                    <a:bodyPr/>
+                    <a:lstStyle/>
+                    <a:p>
+                      <a:endParaRPr kumimoji="1" lang="ja-JP" altLang="en-US" sz="1000"/>
+                    </a:p>
+                  </a:txBody>
+                  <a:tcPr/>
+                </a:tc>
+                <a:tc>
+                  <a:txBody>
+                    <a:bodyPr/>
+                    <a:lstStyle/>
+                    <a:p>
+                      <a:r>
+                        <a:rPr kumimoji="1" lang="en-US" altLang="ja-JP" sz="1000" dirty="0" smtClean="0"/>
+                        <a:t>Input Password</a:t>
+                      </a:r>
+                      <a:endParaRPr kumimoji="1" lang="ja-JP" altLang="en-US" sz="1000" dirty="0"/>
+                    </a:p>
+                  </a:txBody>
+                  <a:tcPr/>
+                </a:tc>
+                <a:tc>
+                  <a:txBody>
+                    <a:bodyPr/>
+                    <a:lstStyle/>
+                    <a:p>
+                      <a:endParaRPr kumimoji="1" lang="ja-JP" altLang="en-US" sz="1000" dirty="0">
+                        <a:latin typeface="Calibri"/>
+                        <a:cs typeface="Calibri"/>
+                      </a:endParaRPr>
+                    </a:p>
+                  </a:txBody>
+                  <a:tcPr/>
+                </a:tc>
+              </a:tr>
+              <a:tr h="327082">
+                <a:tc>
+                  <a:txBody>
+                    <a:bodyPr/>
+                    <a:lstStyle/>
+                    <a:p>
+                      <a:r>
+                        <a:rPr kumimoji="1" lang="en-US" altLang="ja-JP" sz="1000" dirty="0" smtClean="0"/>
+                        <a:t>9</a:t>
+                      </a:r>
+                      <a:endParaRPr kumimoji="1" lang="ja-JP" altLang="en-US" sz="1000" dirty="0"/>
+                    </a:p>
+                  </a:txBody>
+                  <a:tcPr/>
+                </a:tc>
+                <a:tc>
+                  <a:txBody>
+                    <a:bodyPr/>
+                    <a:lstStyle/>
+                    <a:p>
+                      <a:r>
+                        <a:rPr kumimoji="1" lang="en-US" altLang="ja-JP" sz="1000" dirty="0" smtClean="0"/>
+                        <a:t>Confirm Password</a:t>
+                      </a:r>
+                      <a:endParaRPr kumimoji="1" lang="ja-JP" altLang="en-US" sz="1000" dirty="0"/>
+                    </a:p>
+                  </a:txBody>
+                  <a:tcPr/>
+                </a:tc>
+                <a:tc>
+                  <a:txBody>
+                    <a:bodyPr/>
+                    <a:lstStyle/>
+                    <a:p>
+                      <a:endParaRPr kumimoji="1" lang="ja-JP" altLang="en-US" sz="1000"/>
+                    </a:p>
+                  </a:txBody>
+                  <a:tcPr/>
+                </a:tc>
+                <a:tc>
+                  <a:txBody>
+                    <a:bodyPr/>
+                    <a:lstStyle/>
+                    <a:p>
+                      <a:r>
+                        <a:rPr kumimoji="1" lang="en-US" altLang="ja-JP" sz="1000" dirty="0" smtClean="0"/>
+                        <a:t>Input</a:t>
+                      </a:r>
+                      <a:r>
+                        <a:rPr kumimoji="1" lang="en-US" altLang="ja-JP" sz="1000" baseline="0" dirty="0" smtClean="0"/>
+                        <a:t> </a:t>
+                      </a:r>
+                      <a:r>
+                        <a:rPr kumimoji="1" lang="en-US" altLang="ja-JP" sz="1000" dirty="0" smtClean="0"/>
+                        <a:t>Password</a:t>
+                      </a:r>
+                      <a:endParaRPr kumimoji="1" lang="ja-JP" altLang="en-US" sz="1000" dirty="0"/>
+                    </a:p>
+                  </a:txBody>
+                  <a:tcPr/>
+                </a:tc>
+                <a:tc>
+                  <a:txBody>
+                    <a:bodyPr/>
+                    <a:lstStyle/>
+                    <a:p>
+                      <a:endParaRPr kumimoji="1" lang="ja-JP" altLang="en-US" sz="1000"/>
+                    </a:p>
+                  </a:txBody>
+                  <a:tcPr/>
+                </a:tc>
+              </a:tr>
+              <a:tr h="327082">
+                <a:tc>
+                  <a:txBody>
+                    <a:bodyPr/>
+                    <a:lstStyle/>
+                    <a:p>
+                      <a:r>
+                        <a:rPr kumimoji="1" lang="en-US" altLang="ja-JP" sz="1000" dirty="0" smtClean="0"/>
+                        <a:t>10</a:t>
+                      </a:r>
+                      <a:endParaRPr kumimoji="1" lang="ja-JP" altLang="en-US" sz="1000" dirty="0"/>
+                    </a:p>
+                  </a:txBody>
+                  <a:tcPr/>
+                </a:tc>
+                <a:tc>
+                  <a:txBody>
+                    <a:bodyPr/>
+                    <a:lstStyle/>
+                    <a:p>
+                      <a:r>
+                        <a:rPr kumimoji="1" lang="en-US" altLang="ja-JP" sz="1000" dirty="0" smtClean="0"/>
+                        <a:t>Register button</a:t>
+                      </a:r>
+                      <a:endParaRPr kumimoji="1" lang="ja-JP" altLang="en-US" sz="1000" dirty="0"/>
+                    </a:p>
+                  </a:txBody>
+                  <a:tcPr/>
+                </a:tc>
+                <a:tc>
+                  <a:txBody>
+                    <a:bodyPr/>
+                    <a:lstStyle/>
+                    <a:p>
+                      <a:endParaRPr kumimoji="1" lang="ja-JP" altLang="en-US" sz="1000"/>
+                    </a:p>
+                  </a:txBody>
+                  <a:tcPr/>
+                </a:tc>
+                <a:tc>
+                  <a:txBody>
+                    <a:bodyPr/>
+                    <a:lstStyle/>
+                    <a:p>
+                      <a:endParaRPr kumimoji="1" lang="ja-JP" altLang="en-US" sz="1000" dirty="0"/>
+                    </a:p>
+                  </a:txBody>
+                  <a:tcPr/>
+                </a:tc>
+                <a:tc>
+                  <a:txBody>
+                    <a:bodyPr/>
+                    <a:lstStyle/>
+                    <a:p>
+                      <a:endParaRPr kumimoji="1" lang="ja-JP" altLang="en-US" sz="1000"/>
+                    </a:p>
+                  </a:txBody>
+                  <a:tcPr/>
+                </a:tc>
+              </a:tr>
+              <a:tr h="327082">
+                <a:tc>
+                  <a:txBody>
+                    <a:bodyPr/>
+                    <a:lstStyle/>
+                    <a:p>
+                      <a:r>
+                        <a:rPr kumimoji="1" lang="en-GB" altLang="ja-JP" sz="1000" dirty="0" smtClean="0"/>
+                        <a:t>11</a:t>
+                      </a:r>
+                      <a:endParaRPr kumimoji="1" lang="ja-JP" altLang="en-US" sz="1000" dirty="0"/>
+                    </a:p>
+                  </a:txBody>
+                  <a:tcPr/>
+                </a:tc>
+                <a:tc>
+                  <a:txBody>
+                    <a:bodyPr/>
+                    <a:lstStyle/>
+                    <a:p>
+                      <a:pPr marL="0" marR="0" indent="0" algn="l" defTabSz="914400" rtl="0" eaLnBrk="1" fontAlgn="auto" latinLnBrk="0" hangingPunct="1">
+                        <a:lnSpc>
+                          <a:spcPct val="100000"/>
+                        </a:lnSpc>
+                        <a:spcBef>
+                          <a:spcPts val="0"/>
+                        </a:spcBef>
+                        <a:spcAft>
+                          <a:spcPts val="0"/>
+                        </a:spcAft>
+                        <a:buClrTx/>
+                        <a:buSzTx/>
+                        <a:buFontTx/>
+                        <a:buNone/>
+                        <a:tabLst/>
+                        <a:defRPr/>
+                      </a:pPr>
+                      <a:r>
+                        <a:rPr kumimoji="1" lang="en-US" altLang="ja-JP" sz="1000" dirty="0" smtClean="0"/>
+                        <a:t>Message</a:t>
+                      </a:r>
+                      <a:endParaRPr kumimoji="1" lang="ja-JP" altLang="en-US" sz="1000" dirty="0" smtClean="0"/>
+                    </a:p>
+                  </a:txBody>
+                  <a:tcPr/>
+                </a:tc>
+                <a:tc>
+                  <a:txBody>
+                    <a:bodyPr/>
+                    <a:lstStyle/>
+                    <a:p>
+                      <a:endParaRPr kumimoji="1" lang="ja-JP" altLang="en-US" sz="1000" dirty="0"/>
+                    </a:p>
+                  </a:txBody>
+                  <a:tcPr/>
+                </a:tc>
+                <a:tc>
+                  <a:txBody>
+                    <a:bodyPr/>
+                    <a:lstStyle/>
+                    <a:p>
+                      <a:r>
+                        <a:rPr kumimoji="1" lang="en-GB" altLang="ja-JP" sz="1000" dirty="0" smtClean="0"/>
+                        <a:t>Show</a:t>
+                      </a:r>
+                      <a:r>
+                        <a:rPr kumimoji="1" lang="en-GB" altLang="ja-JP" sz="1000" baseline="0" dirty="0" smtClean="0"/>
+                        <a:t> message</a:t>
+                      </a:r>
+                      <a:endParaRPr kumimoji="1" lang="ja-JP" altLang="en-US" sz="1000" dirty="0"/>
+                    </a:p>
+                  </a:txBody>
+                  <a:tcPr/>
+                </a:tc>
+                <a:tc>
+                  <a:txBody>
+                    <a:bodyPr/>
+                    <a:lstStyle/>
+                    <a:p>
+                      <a:endParaRPr kumimoji="1" lang="ja-JP" altLang="en-US" sz="1000" dirty="0"/>
+                    </a:p>
+                  </a:txBody>
+                  <a:tcPr/>
+                </a:tc>
+              </a:tr>
+              <a:tr h="327082">
+                <a:tc>
+                  <a:txBody>
+                    <a:bodyPr/>
+                    <a:lstStyle/>
+                    <a:p>
+                      <a:r>
+                        <a:rPr kumimoji="1" lang="en-GB" altLang="ja-JP" sz="1000" dirty="0" smtClean="0"/>
+                        <a:t>12</a:t>
+                      </a:r>
+                      <a:endParaRPr kumimoji="1" lang="ja-JP" altLang="en-US" sz="1000" dirty="0"/>
+                    </a:p>
+                  </a:txBody>
+                  <a:tcPr/>
+                </a:tc>
+                <a:tc>
+                  <a:txBody>
+                    <a:bodyPr/>
+                    <a:lstStyle/>
+                    <a:p>
+                      <a:pPr marL="0" marR="0" indent="0" algn="l" defTabSz="914400" rtl="0" eaLnBrk="1" fontAlgn="auto" latinLnBrk="0" hangingPunct="1">
+                        <a:lnSpc>
+                          <a:spcPct val="100000"/>
+                        </a:lnSpc>
+                        <a:spcBef>
+                          <a:spcPts val="0"/>
+                        </a:spcBef>
+                        <a:spcAft>
+                          <a:spcPts val="0"/>
+                        </a:spcAft>
+                        <a:buClrTx/>
+                        <a:buSzTx/>
+                        <a:buFontTx/>
+                        <a:buNone/>
+                        <a:tabLst/>
+                        <a:defRPr/>
+                      </a:pPr>
+                      <a:r>
+                        <a:rPr kumimoji="1" lang="en-GB" altLang="ja-JP" sz="1000" dirty="0" smtClean="0"/>
+                        <a:t>Email</a:t>
+                      </a:r>
+                      <a:endParaRPr kumimoji="1" lang="ja-JP" altLang="en-US" sz="1000" dirty="0" smtClean="0"/>
+                    </a:p>
+                  </a:txBody>
+                  <a:tcPr/>
+                </a:tc>
+                <a:tc>
+                  <a:txBody>
+                    <a:bodyPr/>
+                    <a:lstStyle/>
+                    <a:p>
+                      <a:endParaRPr kumimoji="1" lang="ja-JP" altLang="en-US" sz="1000" dirty="0"/>
+                    </a:p>
+                  </a:txBody>
+                  <a:tcPr/>
+                </a:tc>
+                <a:tc>
+                  <a:txBody>
+                    <a:bodyPr/>
+                    <a:lstStyle/>
+                    <a:p>
+                      <a:r>
+                        <a:rPr kumimoji="1" lang="en-GB" altLang="ja-JP" sz="1000" dirty="0" smtClean="0"/>
+                        <a:t>Input email</a:t>
+                      </a:r>
+                      <a:r>
+                        <a:rPr kumimoji="1" lang="en-GB" altLang="ja-JP" sz="1000" baseline="0" dirty="0" smtClean="0"/>
+                        <a:t> address</a:t>
+                      </a:r>
+                      <a:endParaRPr kumimoji="1" lang="ja-JP" altLang="en-US" sz="1000" dirty="0"/>
+                    </a:p>
+                  </a:txBody>
+                  <a:tcPr/>
+                </a:tc>
+                <a:tc>
+                  <a:txBody>
+                    <a:bodyPr/>
+                    <a:lstStyle/>
+                    <a:p>
+                      <a:endParaRPr kumimoji="1" lang="ja-JP" altLang="en-US" sz="1000" dirty="0"/>
+                    </a:p>
+                  </a:txBody>
+                  <a:tcPr/>
+                </a:tc>
+              </a:tr>
+            </a:tbl>
+          </a:graphicData>
+        </a:graphic>
+      </p:graphicFrame>
+      <p:sp>
+        <p:nvSpPr>
+          <p:cNvPr id="82" name="TextBox 81"/>
+          <p:cNvSpPr txBox="1"/>
+          <p:nvPr/>
+        </p:nvSpPr>
+        <p:spPr>
+          <a:xfrm>
+            <a:off x="4548877" y="739935"/>
+            <a:ext cx="327433" cy="246221"/>
+          </a:xfrm>
+          <a:prstGeom prst="rect">
+            <a:avLst/>
+          </a:prstGeom>
+          <a:noFill/>
+        </p:spPr>
+        <p:txBody>
+          <a:bodyPr wrap="none" rtlCol="0">
+            <a:spAutoFit/>
+          </a:bodyPr>
+          <a:lstStyle/>
+          <a:p>
+            <a:r>
+              <a:rPr kumimoji="1" lang="en-US" altLang="ja-JP" sz="1000" dirty="0">
+                <a:solidFill>
+                  <a:srgbClr val="FF0000"/>
+                </a:solidFill>
+              </a:rPr>
+              <a:t>(1)</a:t>
+            </a:r>
+            <a:endParaRPr kumimoji="1" lang="ja-JP" altLang="en-US" sz="1000" dirty="0">
+              <a:solidFill>
+                <a:srgbClr val="FF0000"/>
+              </a:solidFill>
+            </a:endParaRPr>
+          </a:p>
+        </p:txBody>
+      </p:sp>
+      <p:sp>
+        <p:nvSpPr>
+          <p:cNvPr id="83" name="TextBox 82"/>
+          <p:cNvSpPr txBox="1"/>
+          <p:nvPr/>
+        </p:nvSpPr>
+        <p:spPr>
+          <a:xfrm>
+            <a:off x="5575391" y="726088"/>
+            <a:ext cx="327433" cy="246221"/>
+          </a:xfrm>
+          <a:prstGeom prst="rect">
+            <a:avLst/>
+          </a:prstGeom>
+          <a:noFill/>
+        </p:spPr>
+        <p:txBody>
+          <a:bodyPr wrap="none" rtlCol="0">
+            <a:spAutoFit/>
+          </a:bodyPr>
+          <a:lstStyle/>
+          <a:p>
+            <a:r>
+              <a:rPr kumimoji="1" lang="en-US" altLang="ja-JP" sz="1000" dirty="0">
+                <a:solidFill>
+                  <a:srgbClr val="FF0000"/>
+                </a:solidFill>
+              </a:rPr>
+              <a:t>(2)</a:t>
+            </a:r>
+            <a:endParaRPr kumimoji="1" lang="ja-JP" altLang="en-US" sz="1000" dirty="0">
+              <a:solidFill>
+                <a:srgbClr val="FF0000"/>
+              </a:solidFill>
+            </a:endParaRPr>
+          </a:p>
+        </p:txBody>
+      </p:sp>
+      <p:sp>
+        <p:nvSpPr>
+          <p:cNvPr id="84" name="TextBox 83"/>
+          <p:cNvSpPr txBox="1"/>
+          <p:nvPr/>
+        </p:nvSpPr>
+        <p:spPr>
+          <a:xfrm>
+            <a:off x="5226259" y="1247669"/>
+            <a:ext cx="327433" cy="246221"/>
+          </a:xfrm>
+          <a:prstGeom prst="rect">
+            <a:avLst/>
+          </a:prstGeom>
+          <a:noFill/>
+        </p:spPr>
+        <p:txBody>
+          <a:bodyPr wrap="none" rtlCol="0">
+            <a:spAutoFit/>
+          </a:bodyPr>
+          <a:lstStyle/>
+          <a:p>
+            <a:r>
+              <a:rPr kumimoji="1" lang="en-US" altLang="ja-JP" sz="1000" dirty="0">
+                <a:solidFill>
+                  <a:srgbClr val="FF0000"/>
+                </a:solidFill>
+              </a:rPr>
+              <a:t>(3)</a:t>
+            </a:r>
+            <a:endParaRPr kumimoji="1" lang="ja-JP" altLang="en-US" sz="1000" dirty="0">
+              <a:solidFill>
+                <a:srgbClr val="FF0000"/>
+              </a:solidFill>
+            </a:endParaRPr>
+          </a:p>
+        </p:txBody>
+      </p:sp>
+      <p:sp>
+        <p:nvSpPr>
+          <p:cNvPr id="85" name="TextBox 84"/>
+          <p:cNvSpPr txBox="1"/>
+          <p:nvPr/>
+        </p:nvSpPr>
+        <p:spPr>
+          <a:xfrm>
+            <a:off x="4455913" y="1410171"/>
+            <a:ext cx="327433" cy="246221"/>
+          </a:xfrm>
+          <a:prstGeom prst="rect">
+            <a:avLst/>
+          </a:prstGeom>
+          <a:noFill/>
+        </p:spPr>
+        <p:txBody>
+          <a:bodyPr wrap="none" rtlCol="0">
+            <a:spAutoFit/>
+          </a:bodyPr>
+          <a:lstStyle/>
+          <a:p>
+            <a:r>
+              <a:rPr kumimoji="1" lang="en-US" altLang="ja-JP" sz="1000" dirty="0">
+                <a:solidFill>
+                  <a:srgbClr val="FF0000"/>
+                </a:solidFill>
+              </a:rPr>
+              <a:t>(4)</a:t>
+            </a:r>
+            <a:endParaRPr kumimoji="1" lang="ja-JP" altLang="en-US" sz="1000" dirty="0">
+              <a:solidFill>
+                <a:srgbClr val="FF0000"/>
+              </a:solidFill>
+            </a:endParaRPr>
+          </a:p>
+        </p:txBody>
+      </p:sp>
+      <p:sp>
+        <p:nvSpPr>
+          <p:cNvPr id="22" name="TextBox 21"/>
+          <p:cNvSpPr txBox="1"/>
+          <p:nvPr/>
+        </p:nvSpPr>
+        <p:spPr>
+          <a:xfrm>
+            <a:off x="3360260" y="2830064"/>
+            <a:ext cx="327433" cy="246221"/>
+          </a:xfrm>
+          <a:prstGeom prst="rect">
+            <a:avLst/>
+          </a:prstGeom>
+          <a:noFill/>
+        </p:spPr>
+        <p:txBody>
+          <a:bodyPr wrap="none" rtlCol="0">
+            <a:spAutoFit/>
+          </a:bodyPr>
+          <a:lstStyle/>
+          <a:p>
+            <a:r>
+              <a:rPr kumimoji="1" lang="en-US" altLang="ja-JP" sz="1000" dirty="0">
+                <a:solidFill>
+                  <a:srgbClr val="FF0000"/>
+                </a:solidFill>
+              </a:rPr>
+              <a:t>(5)</a:t>
+            </a:r>
+            <a:endParaRPr kumimoji="1" lang="ja-JP" altLang="en-US" sz="1000" dirty="0">
+              <a:solidFill>
+                <a:srgbClr val="FF0000"/>
+              </a:solidFill>
+            </a:endParaRPr>
+          </a:p>
+        </p:txBody>
+      </p:sp>
+      <p:sp>
+        <p:nvSpPr>
+          <p:cNvPr id="23" name="TextBox 22"/>
+          <p:cNvSpPr txBox="1"/>
+          <p:nvPr/>
+        </p:nvSpPr>
+        <p:spPr>
+          <a:xfrm>
+            <a:off x="3477588" y="1935121"/>
+            <a:ext cx="1020419" cy="246221"/>
+          </a:xfrm>
+          <a:prstGeom prst="rect">
+            <a:avLst/>
+          </a:prstGeom>
+          <a:noFill/>
+        </p:spPr>
+        <p:txBody>
+          <a:bodyPr wrap="none" rtlCol="0">
+            <a:spAutoFit/>
+          </a:bodyPr>
+          <a:lstStyle/>
+          <a:p>
+            <a:r>
+              <a:rPr kumimoji="1" lang="en-US" altLang="ja-JP" sz="1000" dirty="0">
+                <a:solidFill>
+                  <a:srgbClr val="FF0000"/>
+                </a:solidFill>
+              </a:rPr>
+              <a:t>(show message)</a:t>
+            </a:r>
+            <a:endParaRPr kumimoji="1" lang="ja-JP" altLang="en-US" sz="1000" dirty="0">
+              <a:solidFill>
+                <a:srgbClr val="FF0000"/>
+              </a:solidFill>
+            </a:endParaRPr>
+          </a:p>
+        </p:txBody>
+      </p:sp>
+      <p:sp>
+        <p:nvSpPr>
+          <p:cNvPr id="24" name="TextBox 23"/>
+          <p:cNvSpPr txBox="1"/>
+          <p:nvPr/>
+        </p:nvSpPr>
+        <p:spPr>
+          <a:xfrm>
+            <a:off x="4875459" y="3829412"/>
+            <a:ext cx="327334" cy="246221"/>
+          </a:xfrm>
+          <a:prstGeom prst="rect">
+            <a:avLst/>
+          </a:prstGeom>
+          <a:noFill/>
+        </p:spPr>
+        <p:txBody>
+          <a:bodyPr wrap="none" rtlCol="0">
+            <a:spAutoFit/>
+          </a:bodyPr>
+          <a:lstStyle/>
+          <a:p>
+            <a:r>
+              <a:rPr kumimoji="1" lang="en-US" altLang="ja-JP" sz="1000" dirty="0" smtClean="0">
+                <a:solidFill>
+                  <a:srgbClr val="FF0000"/>
+                </a:solidFill>
+              </a:rPr>
+              <a:t>(8)</a:t>
+            </a:r>
+            <a:endParaRPr kumimoji="1" lang="ja-JP" altLang="en-US" sz="1000" dirty="0">
+              <a:solidFill>
+                <a:srgbClr val="FF0000"/>
+              </a:solidFill>
+            </a:endParaRPr>
+          </a:p>
+        </p:txBody>
+      </p:sp>
+      <p:sp>
+        <p:nvSpPr>
+          <p:cNvPr id="29" name="TextBox 28"/>
+          <p:cNvSpPr txBox="1"/>
+          <p:nvPr/>
+        </p:nvSpPr>
+        <p:spPr>
+          <a:xfrm>
+            <a:off x="4430497" y="2814384"/>
+            <a:ext cx="327433" cy="246221"/>
+          </a:xfrm>
+          <a:prstGeom prst="rect">
+            <a:avLst/>
+          </a:prstGeom>
+          <a:noFill/>
+        </p:spPr>
+        <p:txBody>
+          <a:bodyPr wrap="none" rtlCol="0">
+            <a:spAutoFit/>
+          </a:bodyPr>
+          <a:lstStyle/>
+          <a:p>
+            <a:r>
+              <a:rPr kumimoji="1" lang="en-US" altLang="ja-JP" sz="1000" dirty="0">
+                <a:solidFill>
+                  <a:srgbClr val="FF0000"/>
+                </a:solidFill>
+              </a:rPr>
+              <a:t>(6)</a:t>
+            </a:r>
+            <a:endParaRPr kumimoji="1" lang="ja-JP" altLang="en-US" sz="1000" dirty="0">
+              <a:solidFill>
+                <a:srgbClr val="FF0000"/>
+              </a:solidFill>
+            </a:endParaRPr>
+          </a:p>
+        </p:txBody>
+      </p:sp>
+      <p:sp>
+        <p:nvSpPr>
+          <p:cNvPr id="27" name="TextBox 26"/>
+          <p:cNvSpPr txBox="1"/>
+          <p:nvPr/>
+        </p:nvSpPr>
+        <p:spPr>
+          <a:xfrm>
+            <a:off x="2772138" y="3299335"/>
+            <a:ext cx="720069" cy="246221"/>
+          </a:xfrm>
+          <a:prstGeom prst="rect">
+            <a:avLst/>
+          </a:prstGeom>
+          <a:noFill/>
+        </p:spPr>
+        <p:txBody>
+          <a:bodyPr wrap="none" rtlCol="0">
+            <a:spAutoFit/>
+          </a:bodyPr>
+          <a:lstStyle/>
+          <a:p>
+            <a:r>
+              <a:rPr kumimoji="1" lang="en-US" altLang="ja-JP" sz="1000" dirty="0" smtClean="0"/>
+              <a:t>Username</a:t>
+            </a:r>
+            <a:endParaRPr kumimoji="1" lang="ja-JP" altLang="en-US" sz="1000" dirty="0"/>
+          </a:p>
+        </p:txBody>
+      </p:sp>
+      <p:sp>
+        <p:nvSpPr>
+          <p:cNvPr id="28" name="TextBox 27"/>
+          <p:cNvSpPr txBox="1"/>
+          <p:nvPr/>
+        </p:nvSpPr>
+        <p:spPr>
+          <a:xfrm>
+            <a:off x="2766937" y="2815490"/>
+            <a:ext cx="750526" cy="246221"/>
+          </a:xfrm>
+          <a:prstGeom prst="rect">
+            <a:avLst/>
+          </a:prstGeom>
+          <a:noFill/>
+        </p:spPr>
+        <p:txBody>
+          <a:bodyPr wrap="none" rtlCol="0">
+            <a:spAutoFit/>
+          </a:bodyPr>
+          <a:lstStyle/>
+          <a:p>
+            <a:r>
+              <a:rPr kumimoji="1" lang="en-US" altLang="ja-JP" sz="1000" dirty="0" smtClean="0"/>
+              <a:t>First Name</a:t>
+            </a:r>
+            <a:endParaRPr kumimoji="1" lang="ja-JP" altLang="en-US" sz="1000" dirty="0"/>
+          </a:p>
+        </p:txBody>
+      </p:sp>
+      <p:sp>
+        <p:nvSpPr>
+          <p:cNvPr id="30" name="TextBox 29"/>
+          <p:cNvSpPr txBox="1"/>
+          <p:nvPr/>
+        </p:nvSpPr>
+        <p:spPr>
+          <a:xfrm>
+            <a:off x="3856365" y="2833961"/>
+            <a:ext cx="732893" cy="246221"/>
+          </a:xfrm>
+          <a:prstGeom prst="rect">
+            <a:avLst/>
+          </a:prstGeom>
+          <a:noFill/>
+        </p:spPr>
+        <p:txBody>
+          <a:bodyPr wrap="none" rtlCol="0">
+            <a:spAutoFit/>
+          </a:bodyPr>
+          <a:lstStyle/>
+          <a:p>
+            <a:r>
+              <a:rPr kumimoji="1" lang="en-US" altLang="ja-JP" sz="1000" dirty="0" smtClean="0"/>
+              <a:t>Last Name</a:t>
+            </a:r>
+            <a:endParaRPr kumimoji="1" lang="ja-JP" altLang="en-US" sz="1000" dirty="0"/>
+          </a:p>
+        </p:txBody>
+      </p:sp>
+      <p:sp>
+        <p:nvSpPr>
+          <p:cNvPr id="31" name="Rectangle 30"/>
+          <p:cNvSpPr/>
+          <p:nvPr/>
+        </p:nvSpPr>
+        <p:spPr>
+          <a:xfrm>
+            <a:off x="2855047" y="3081812"/>
+            <a:ext cx="923026" cy="204101"/>
+          </a:xfrm>
+          <a:prstGeom prst="rect">
+            <a:avLst/>
+          </a:prstGeom>
+          <a:ln>
+            <a:solidFill>
+              <a:schemeClr val="tx1"/>
+            </a:solidFill>
+          </a:ln>
+          <a:effectLst/>
+        </p:spPr>
+        <p:style>
+          <a:lnRef idx="1">
+            <a:schemeClr val="accent1"/>
+          </a:lnRef>
+          <a:fillRef idx="3">
+            <a:schemeClr val="accent1"/>
+          </a:fillRef>
+          <a:effectRef idx="2">
+            <a:schemeClr val="accent1"/>
+          </a:effectRef>
+          <a:fontRef idx="minor">
+            <a:schemeClr val="lt1"/>
+          </a:fontRef>
+        </p:style>
+        <p:txBody>
+          <a:bodyPr rtlCol="0" anchor="ctr"/>
+          <a:lstStyle/>
+          <a:p>
+            <a:r>
+              <a:rPr kumimoji="1" lang="en-US" altLang="ja-JP" sz="800" i="1" dirty="0" smtClean="0">
+                <a:solidFill>
+                  <a:schemeClr val="bg1">
+                    <a:lumMod val="75000"/>
+                  </a:schemeClr>
+                </a:solidFill>
+              </a:rPr>
+              <a:t>First Name</a:t>
+            </a:r>
+            <a:endParaRPr kumimoji="1" lang="ja-JP" altLang="en-US" sz="800" i="1" dirty="0">
+              <a:solidFill>
+                <a:schemeClr val="bg1">
+                  <a:lumMod val="75000"/>
+                </a:schemeClr>
+              </a:solidFill>
+            </a:endParaRPr>
+          </a:p>
+        </p:txBody>
+      </p:sp>
+      <p:sp>
+        <p:nvSpPr>
+          <p:cNvPr id="32" name="Rectangle 31"/>
+          <p:cNvSpPr/>
+          <p:nvPr/>
+        </p:nvSpPr>
+        <p:spPr>
+          <a:xfrm>
+            <a:off x="3921492" y="3067169"/>
+            <a:ext cx="953967" cy="204102"/>
+          </a:xfrm>
+          <a:prstGeom prst="rect">
+            <a:avLst/>
+          </a:prstGeom>
+          <a:ln>
+            <a:solidFill>
+              <a:schemeClr val="tx1"/>
+            </a:solidFill>
+          </a:ln>
+          <a:effectLst/>
+        </p:spPr>
+        <p:style>
+          <a:lnRef idx="1">
+            <a:schemeClr val="accent1"/>
+          </a:lnRef>
+          <a:fillRef idx="3">
+            <a:schemeClr val="accent1"/>
+          </a:fillRef>
+          <a:effectRef idx="2">
+            <a:schemeClr val="accent1"/>
+          </a:effectRef>
+          <a:fontRef idx="minor">
+            <a:schemeClr val="lt1"/>
+          </a:fontRef>
+        </p:style>
+        <p:txBody>
+          <a:bodyPr rtlCol="0" anchor="ctr"/>
+          <a:lstStyle/>
+          <a:p>
+            <a:r>
+              <a:rPr kumimoji="1" lang="en-US" altLang="ja-JP" sz="800" i="1" dirty="0" smtClean="0">
+                <a:solidFill>
+                  <a:schemeClr val="bg1">
+                    <a:lumMod val="75000"/>
+                  </a:schemeClr>
+                </a:solidFill>
+              </a:rPr>
+              <a:t>Last Name</a:t>
+            </a:r>
+            <a:endParaRPr kumimoji="1" lang="ja-JP" altLang="en-US" sz="800" i="1" dirty="0">
+              <a:solidFill>
+                <a:schemeClr val="bg1">
+                  <a:lumMod val="75000"/>
+                </a:schemeClr>
+              </a:solidFill>
+            </a:endParaRPr>
+          </a:p>
+        </p:txBody>
+      </p:sp>
+      <p:sp>
+        <p:nvSpPr>
+          <p:cNvPr id="33" name="TextBox 32"/>
+          <p:cNvSpPr txBox="1"/>
+          <p:nvPr/>
+        </p:nvSpPr>
+        <p:spPr>
+          <a:xfrm>
+            <a:off x="2771064" y="4199276"/>
+            <a:ext cx="1138453" cy="246221"/>
+          </a:xfrm>
+          <a:prstGeom prst="rect">
+            <a:avLst/>
+          </a:prstGeom>
+          <a:noFill/>
+        </p:spPr>
+        <p:txBody>
+          <a:bodyPr wrap="none" rtlCol="0">
+            <a:spAutoFit/>
+          </a:bodyPr>
+          <a:lstStyle/>
+          <a:p>
+            <a:r>
+              <a:rPr kumimoji="1" lang="en-US" altLang="ja-JP" sz="1000" dirty="0" smtClean="0"/>
+              <a:t>Confirm Password</a:t>
+            </a:r>
+            <a:endParaRPr kumimoji="1" lang="ja-JP" altLang="en-US" sz="1000" dirty="0"/>
+          </a:p>
+        </p:txBody>
+      </p:sp>
+      <p:sp>
+        <p:nvSpPr>
+          <p:cNvPr id="34" name="Rectangle 33"/>
+          <p:cNvSpPr/>
+          <p:nvPr/>
+        </p:nvSpPr>
+        <p:spPr>
+          <a:xfrm>
+            <a:off x="2855047" y="4497750"/>
+            <a:ext cx="2033439" cy="203169"/>
+          </a:xfrm>
+          <a:prstGeom prst="rect">
+            <a:avLst/>
+          </a:prstGeom>
+          <a:ln>
+            <a:solidFill>
+              <a:schemeClr val="tx1"/>
+            </a:solidFill>
+          </a:ln>
+          <a:effectLst/>
+        </p:spPr>
+        <p:style>
+          <a:lnRef idx="1">
+            <a:schemeClr val="accent1"/>
+          </a:lnRef>
+          <a:fillRef idx="3">
+            <a:schemeClr val="accent1"/>
+          </a:fillRef>
+          <a:effectRef idx="2">
+            <a:schemeClr val="accent1"/>
+          </a:effectRef>
+          <a:fontRef idx="minor">
+            <a:schemeClr val="lt1"/>
+          </a:fontRef>
+        </p:style>
+        <p:txBody>
+          <a:bodyPr rtlCol="0" anchor="ctr"/>
+          <a:lstStyle/>
+          <a:p>
+            <a:r>
+              <a:rPr kumimoji="1" lang="en-US" altLang="ja-JP" sz="800" i="1" dirty="0" smtClean="0">
+                <a:solidFill>
+                  <a:schemeClr val="bg1">
+                    <a:lumMod val="75000"/>
+                  </a:schemeClr>
+                </a:solidFill>
+              </a:rPr>
+              <a:t>Confirm Password</a:t>
+            </a:r>
+            <a:endParaRPr kumimoji="1" lang="ja-JP" altLang="en-US" sz="800" i="1" dirty="0">
+              <a:solidFill>
+                <a:schemeClr val="bg1">
+                  <a:lumMod val="75000"/>
+                </a:schemeClr>
+              </a:solidFill>
+            </a:endParaRPr>
+          </a:p>
+        </p:txBody>
+      </p:sp>
+      <p:sp>
+        <p:nvSpPr>
+          <p:cNvPr id="35" name="TextBox 34"/>
+          <p:cNvSpPr txBox="1"/>
+          <p:nvPr/>
+        </p:nvSpPr>
+        <p:spPr>
+          <a:xfrm>
+            <a:off x="4888486" y="3270513"/>
+            <a:ext cx="327334" cy="246221"/>
+          </a:xfrm>
+          <a:prstGeom prst="rect">
+            <a:avLst/>
+          </a:prstGeom>
+          <a:noFill/>
+        </p:spPr>
+        <p:txBody>
+          <a:bodyPr wrap="none" rtlCol="0">
+            <a:spAutoFit/>
+          </a:bodyPr>
+          <a:lstStyle/>
+          <a:p>
+            <a:r>
+              <a:rPr kumimoji="1" lang="en-US" altLang="ja-JP" sz="1000" dirty="0" smtClean="0">
+                <a:solidFill>
+                  <a:srgbClr val="FF0000"/>
+                </a:solidFill>
+              </a:rPr>
+              <a:t>(7)</a:t>
+            </a:r>
+            <a:endParaRPr kumimoji="1" lang="ja-JP" altLang="en-US" sz="1000" dirty="0">
+              <a:solidFill>
+                <a:srgbClr val="FF0000"/>
+              </a:solidFill>
+            </a:endParaRPr>
+          </a:p>
+        </p:txBody>
+      </p:sp>
+      <p:sp>
+        <p:nvSpPr>
+          <p:cNvPr id="40" name="TextBox 39"/>
+          <p:cNvSpPr txBox="1"/>
+          <p:nvPr/>
+        </p:nvSpPr>
+        <p:spPr>
+          <a:xfrm>
+            <a:off x="3856365" y="722402"/>
+            <a:ext cx="720069" cy="246221"/>
+          </a:xfrm>
+          <a:prstGeom prst="rect">
+            <a:avLst/>
+          </a:prstGeom>
+          <a:noFill/>
+        </p:spPr>
+        <p:txBody>
+          <a:bodyPr wrap="none" rtlCol="0">
+            <a:spAutoFit/>
+          </a:bodyPr>
+          <a:lstStyle/>
+          <a:p>
+            <a:r>
+              <a:rPr kumimoji="1" lang="en-US" altLang="ja-JP" sz="1000" dirty="0" smtClean="0"/>
+              <a:t>Username</a:t>
+            </a:r>
+            <a:endParaRPr kumimoji="1" lang="ja-JP" altLang="en-US" sz="1000" dirty="0"/>
+          </a:p>
+        </p:txBody>
+      </p:sp>
+      <p:sp>
+        <p:nvSpPr>
+          <p:cNvPr id="41" name="Rectangle 40"/>
+          <p:cNvSpPr/>
+          <p:nvPr/>
+        </p:nvSpPr>
+        <p:spPr>
+          <a:xfrm>
+            <a:off x="3937001" y="980972"/>
+            <a:ext cx="1079358" cy="237818"/>
+          </a:xfrm>
+          <a:prstGeom prst="rect">
+            <a:avLst/>
+          </a:prstGeom>
+          <a:ln>
+            <a:solidFill>
+              <a:schemeClr val="tx1"/>
+            </a:solidFill>
+          </a:ln>
+          <a:effectLst/>
+        </p:spPr>
+        <p:style>
+          <a:lnRef idx="1">
+            <a:schemeClr val="accent1"/>
+          </a:lnRef>
+          <a:fillRef idx="3">
+            <a:schemeClr val="accent1"/>
+          </a:fillRef>
+          <a:effectRef idx="2">
+            <a:schemeClr val="accent1"/>
+          </a:effectRef>
+          <a:fontRef idx="minor">
+            <a:schemeClr val="lt1"/>
+          </a:fontRef>
+        </p:style>
+        <p:txBody>
+          <a:bodyPr rtlCol="0" anchor="ctr"/>
+          <a:lstStyle/>
+          <a:p>
+            <a:r>
+              <a:rPr kumimoji="1" lang="en-US" altLang="ja-JP" sz="800" i="1" dirty="0">
+                <a:solidFill>
+                  <a:schemeClr val="bg1">
+                    <a:lumMod val="75000"/>
+                  </a:schemeClr>
+                </a:solidFill>
+              </a:rPr>
+              <a:t>Username</a:t>
+            </a:r>
+            <a:endParaRPr kumimoji="1" lang="ja-JP" altLang="en-US" sz="800" i="1" dirty="0">
+              <a:solidFill>
+                <a:schemeClr val="bg1">
+                  <a:lumMod val="75000"/>
+                </a:schemeClr>
+              </a:solidFill>
+            </a:endParaRPr>
+          </a:p>
+        </p:txBody>
+      </p:sp>
+      <p:sp>
+        <p:nvSpPr>
+          <p:cNvPr id="42" name="TextBox 41"/>
+          <p:cNvSpPr txBox="1"/>
+          <p:nvPr/>
+        </p:nvSpPr>
+        <p:spPr>
+          <a:xfrm>
+            <a:off x="5029801" y="722402"/>
+            <a:ext cx="681597" cy="246221"/>
+          </a:xfrm>
+          <a:prstGeom prst="rect">
+            <a:avLst/>
+          </a:prstGeom>
+          <a:noFill/>
+        </p:spPr>
+        <p:txBody>
+          <a:bodyPr wrap="none" rtlCol="0">
+            <a:spAutoFit/>
+          </a:bodyPr>
+          <a:lstStyle/>
+          <a:p>
+            <a:r>
+              <a:rPr kumimoji="1" lang="en-US" altLang="ja-JP" sz="1000" dirty="0" smtClean="0"/>
+              <a:t>Password</a:t>
+            </a:r>
+            <a:endParaRPr kumimoji="1" lang="ja-JP" altLang="en-US" sz="1000" dirty="0"/>
+          </a:p>
+        </p:txBody>
+      </p:sp>
+      <p:sp>
+        <p:nvSpPr>
+          <p:cNvPr id="43" name="Rectangle 42"/>
+          <p:cNvSpPr/>
+          <p:nvPr/>
+        </p:nvSpPr>
+        <p:spPr>
+          <a:xfrm>
+            <a:off x="5095518" y="984185"/>
+            <a:ext cx="987583" cy="224783"/>
+          </a:xfrm>
+          <a:prstGeom prst="rect">
+            <a:avLst/>
+          </a:prstGeom>
+          <a:ln>
+            <a:solidFill>
+              <a:schemeClr val="tx1"/>
+            </a:solidFill>
+          </a:ln>
+          <a:effectLst/>
+        </p:spPr>
+        <p:style>
+          <a:lnRef idx="1">
+            <a:schemeClr val="accent1"/>
+          </a:lnRef>
+          <a:fillRef idx="3">
+            <a:schemeClr val="accent1"/>
+          </a:fillRef>
+          <a:effectRef idx="2">
+            <a:schemeClr val="accent1"/>
+          </a:effectRef>
+          <a:fontRef idx="minor">
+            <a:schemeClr val="lt1"/>
+          </a:fontRef>
+        </p:style>
+        <p:txBody>
+          <a:bodyPr rtlCol="0" anchor="ctr"/>
+          <a:lstStyle/>
+          <a:p>
+            <a:r>
+              <a:rPr kumimoji="1" lang="en-US" altLang="ja-JP" sz="800" i="1" dirty="0">
+                <a:solidFill>
+                  <a:schemeClr val="bg1">
+                    <a:lumMod val="75000"/>
+                  </a:schemeClr>
+                </a:solidFill>
+              </a:rPr>
+              <a:t>Password</a:t>
+            </a:r>
+            <a:endParaRPr kumimoji="1" lang="ja-JP" altLang="en-US" sz="800" i="1" dirty="0">
+              <a:solidFill>
+                <a:schemeClr val="bg1">
+                  <a:lumMod val="75000"/>
+                </a:schemeClr>
+              </a:solidFill>
+            </a:endParaRPr>
+          </a:p>
+        </p:txBody>
+      </p:sp>
+      <p:sp>
+        <p:nvSpPr>
+          <p:cNvPr id="44" name="Rectangle 43"/>
+          <p:cNvSpPr/>
+          <p:nvPr/>
+        </p:nvSpPr>
+        <p:spPr>
+          <a:xfrm>
+            <a:off x="5533167" y="1269434"/>
+            <a:ext cx="562833" cy="166041"/>
+          </a:xfrm>
+          <a:prstGeom prst="rect">
+            <a:avLst/>
+          </a:prstGeom>
+        </p:spPr>
+        <p:style>
+          <a:lnRef idx="1">
+            <a:schemeClr val="accent1"/>
+          </a:lnRef>
+          <a:fillRef idx="3">
+            <a:schemeClr val="accent1"/>
+          </a:fillRef>
+          <a:effectRef idx="2">
+            <a:schemeClr val="accent1"/>
+          </a:effectRef>
+          <a:fontRef idx="minor">
+            <a:schemeClr val="lt1"/>
+          </a:fontRef>
+        </p:style>
+        <p:txBody>
+          <a:bodyPr rtlCol="0" anchor="ctr"/>
+          <a:lstStyle/>
+          <a:p>
+            <a:pPr algn="ctr"/>
+            <a:r>
+              <a:rPr kumimoji="1" lang="en-US" altLang="ja-JP" sz="1000" dirty="0"/>
+              <a:t>Login</a:t>
+            </a:r>
+            <a:endParaRPr kumimoji="1" lang="ja-JP" altLang="en-US" sz="1000" dirty="0"/>
+          </a:p>
+        </p:txBody>
+      </p:sp>
+      <p:sp>
+        <p:nvSpPr>
+          <p:cNvPr id="45" name="TextBox 44"/>
+          <p:cNvSpPr txBox="1"/>
+          <p:nvPr/>
+        </p:nvSpPr>
+        <p:spPr>
+          <a:xfrm>
+            <a:off x="4866134" y="4282748"/>
+            <a:ext cx="327334" cy="246221"/>
+          </a:xfrm>
+          <a:prstGeom prst="rect">
+            <a:avLst/>
+          </a:prstGeom>
+          <a:noFill/>
+        </p:spPr>
+        <p:txBody>
+          <a:bodyPr wrap="none" rtlCol="0">
+            <a:spAutoFit/>
+          </a:bodyPr>
+          <a:lstStyle/>
+          <a:p>
+            <a:r>
+              <a:rPr kumimoji="1" lang="en-US" altLang="ja-JP" sz="1000" dirty="0" smtClean="0">
+                <a:solidFill>
+                  <a:srgbClr val="FF0000"/>
+                </a:solidFill>
+              </a:rPr>
+              <a:t>(9)</a:t>
+            </a:r>
+            <a:endParaRPr kumimoji="1" lang="ja-JP" altLang="en-US" sz="1000" dirty="0">
+              <a:solidFill>
+                <a:srgbClr val="FF0000"/>
+              </a:solidFill>
+            </a:endParaRPr>
+          </a:p>
+        </p:txBody>
+      </p:sp>
+      <p:sp>
+        <p:nvSpPr>
+          <p:cNvPr id="46" name="TextBox 45"/>
+          <p:cNvSpPr txBox="1"/>
+          <p:nvPr/>
+        </p:nvSpPr>
+        <p:spPr>
+          <a:xfrm>
+            <a:off x="4875459" y="4648247"/>
+            <a:ext cx="393056" cy="246221"/>
+          </a:xfrm>
+          <a:prstGeom prst="rect">
+            <a:avLst/>
+          </a:prstGeom>
+          <a:noFill/>
+        </p:spPr>
+        <p:txBody>
+          <a:bodyPr wrap="none" rtlCol="0">
+            <a:spAutoFit/>
+          </a:bodyPr>
+          <a:lstStyle/>
+          <a:p>
+            <a:r>
+              <a:rPr kumimoji="1" lang="en-US" altLang="ja-JP" sz="1000" dirty="0" smtClean="0">
+                <a:solidFill>
+                  <a:srgbClr val="FF0000"/>
+                </a:solidFill>
+              </a:rPr>
+              <a:t>(10)</a:t>
+            </a:r>
+            <a:endParaRPr kumimoji="1" lang="ja-JP" altLang="en-US" sz="1000" dirty="0">
+              <a:solidFill>
+                <a:srgbClr val="FF0000"/>
+              </a:solidFill>
+            </a:endParaRPr>
+          </a:p>
+        </p:txBody>
+      </p:sp>
+      <p:sp>
+        <p:nvSpPr>
+          <p:cNvPr id="47" name="TextBox 46"/>
+          <p:cNvSpPr txBox="1"/>
+          <p:nvPr/>
+        </p:nvSpPr>
+        <p:spPr>
+          <a:xfrm>
+            <a:off x="4345154" y="1941581"/>
+            <a:ext cx="393056" cy="246221"/>
+          </a:xfrm>
+          <a:prstGeom prst="rect">
+            <a:avLst/>
+          </a:prstGeom>
+          <a:noFill/>
+        </p:spPr>
+        <p:txBody>
+          <a:bodyPr wrap="none" rtlCol="0">
+            <a:spAutoFit/>
+          </a:bodyPr>
+          <a:lstStyle/>
+          <a:p>
+            <a:r>
+              <a:rPr kumimoji="1" lang="en-US" altLang="ja-JP" sz="1000" dirty="0" smtClean="0">
+                <a:solidFill>
+                  <a:srgbClr val="FF0000"/>
+                </a:solidFill>
+              </a:rPr>
+              <a:t>(11)</a:t>
+            </a:r>
+            <a:endParaRPr kumimoji="1" lang="ja-JP" altLang="en-US" sz="1000" dirty="0">
+              <a:solidFill>
+                <a:srgbClr val="FF0000"/>
+              </a:solidFill>
+            </a:endParaRPr>
+          </a:p>
+        </p:txBody>
+      </p:sp>
+      <p:sp>
+        <p:nvSpPr>
+          <p:cNvPr id="39" name="TextBox 38"/>
+          <p:cNvSpPr txBox="1"/>
+          <p:nvPr/>
+        </p:nvSpPr>
+        <p:spPr>
+          <a:xfrm>
+            <a:off x="2773450" y="2329755"/>
+            <a:ext cx="468398" cy="246221"/>
+          </a:xfrm>
+          <a:prstGeom prst="rect">
+            <a:avLst/>
+          </a:prstGeom>
+          <a:noFill/>
+        </p:spPr>
+        <p:txBody>
+          <a:bodyPr wrap="none" rtlCol="0">
+            <a:spAutoFit/>
+          </a:bodyPr>
+          <a:lstStyle/>
+          <a:p>
+            <a:r>
+              <a:rPr kumimoji="1" lang="en-US" altLang="ja-JP" sz="1000" dirty="0" smtClean="0"/>
+              <a:t>Email</a:t>
+            </a:r>
+            <a:endParaRPr kumimoji="1" lang="ja-JP" altLang="en-US" sz="1000" dirty="0"/>
+          </a:p>
+        </p:txBody>
+      </p:sp>
+      <p:sp>
+        <p:nvSpPr>
+          <p:cNvPr id="48" name="Rectangle 47"/>
+          <p:cNvSpPr/>
+          <p:nvPr/>
+        </p:nvSpPr>
+        <p:spPr>
+          <a:xfrm>
+            <a:off x="2832695" y="2627661"/>
+            <a:ext cx="2033439" cy="203169"/>
+          </a:xfrm>
+          <a:prstGeom prst="rect">
+            <a:avLst/>
+          </a:prstGeom>
+          <a:ln>
+            <a:solidFill>
+              <a:schemeClr val="tx1"/>
+            </a:solidFill>
+          </a:ln>
+          <a:effectLst/>
+        </p:spPr>
+        <p:style>
+          <a:lnRef idx="1">
+            <a:schemeClr val="accent1"/>
+          </a:lnRef>
+          <a:fillRef idx="3">
+            <a:schemeClr val="accent1"/>
+          </a:fillRef>
+          <a:effectRef idx="2">
+            <a:schemeClr val="accent1"/>
+          </a:effectRef>
+          <a:fontRef idx="minor">
+            <a:schemeClr val="lt1"/>
+          </a:fontRef>
+        </p:style>
+        <p:txBody>
+          <a:bodyPr rtlCol="0" anchor="ctr"/>
+          <a:lstStyle/>
+          <a:p>
+            <a:r>
+              <a:rPr kumimoji="1" lang="en-US" altLang="ja-JP" sz="800" i="1" dirty="0" smtClean="0">
+                <a:solidFill>
+                  <a:schemeClr val="bg1">
+                    <a:lumMod val="75000"/>
+                  </a:schemeClr>
+                </a:solidFill>
+              </a:rPr>
+              <a:t>Email Address</a:t>
+            </a:r>
+            <a:endParaRPr kumimoji="1" lang="ja-JP" altLang="en-US" sz="800" i="1" dirty="0">
+              <a:solidFill>
+                <a:schemeClr val="bg1">
+                  <a:lumMod val="75000"/>
+                </a:schemeClr>
+              </a:solidFill>
+            </a:endParaRPr>
+          </a:p>
+        </p:txBody>
+      </p:sp>
+      <p:sp>
+        <p:nvSpPr>
+          <p:cNvPr id="49" name="TextBox 48"/>
+          <p:cNvSpPr txBox="1"/>
+          <p:nvPr/>
+        </p:nvSpPr>
+        <p:spPr>
+          <a:xfrm>
+            <a:off x="4833203" y="2600460"/>
+            <a:ext cx="393056" cy="246221"/>
+          </a:xfrm>
+          <a:prstGeom prst="rect">
+            <a:avLst/>
+          </a:prstGeom>
+          <a:noFill/>
+        </p:spPr>
+        <p:txBody>
+          <a:bodyPr wrap="none" rtlCol="0">
+            <a:spAutoFit/>
+          </a:bodyPr>
+          <a:lstStyle/>
+          <a:p>
+            <a:r>
+              <a:rPr kumimoji="1" lang="en-US" altLang="ja-JP" sz="1000" dirty="0" smtClean="0">
+                <a:solidFill>
+                  <a:srgbClr val="FF0000"/>
+                </a:solidFill>
+              </a:rPr>
+              <a:t>(</a:t>
+            </a:r>
+            <a:r>
+              <a:rPr kumimoji="1" lang="en-US" altLang="ja-JP" sz="1000" dirty="0" smtClean="0">
+                <a:solidFill>
+                  <a:srgbClr val="FF0000"/>
+                </a:solidFill>
+              </a:rPr>
+              <a:t>12)</a:t>
+            </a:r>
+            <a:endParaRPr kumimoji="1" lang="ja-JP" altLang="en-US" sz="1000" dirty="0">
+              <a:solidFill>
+                <a:srgbClr val="FF0000"/>
+              </a:solidFill>
+            </a:endParaRPr>
+          </a:p>
+        </p:txBody>
+      </p:sp>
+    </p:spTree>
+    <p:extLst>
+      <p:ext uri="{BB962C8B-B14F-4D97-AF65-F5344CB8AC3E}">
+        <p14:creationId xmlns:p14="http://schemas.microsoft.com/office/powerpoint/2010/main" val="4104303900"/>
+      </p:ext>
+    </p:extLst>
+  </p:cSld>
+  <p:clrMapOvr>
+    <a:masterClrMapping/>
+  </p:clrMapOvr>
+  <p:timing>
+    <p:tnLst>
+      <p:par>
+        <p:cTn id="1" dur="indefinite" restart="never" nodeType="tmRoot"/>
+      </p:par>
+    </p:tnLst>
+  </p:timing>
+</p:sld>
+</file>
+
+<file path=ppt/slides/slide4.xml><?xml version="1.0" encoding="utf-8"?>
+<p:sld xmlns:a="http://schemas.openxmlformats.org/drawingml/2006/main" xmlns:r="http://schemas.openxmlformats.org/officeDocument/2006/relationships" xmlns:p="http://schemas.openxmlformats.org/presentationml/2006/main">
+  <p:cSld>
+    <p:spTree>
+      <p:nvGrpSpPr>
+        <p:cNvPr id="1" name=""/>
+        <p:cNvGrpSpPr/>
+        <p:nvPr/>
+      </p:nvGrpSpPr>
+      <p:grpSpPr>
+        <a:xfrm>
+          <a:off x="0" y="0"/>
+          <a:ext cx="0" cy="0"/>
+          <a:chOff x="0" y="0"/>
+          <a:chExt cx="0" cy="0"/>
+        </a:xfrm>
+      </p:grpSpPr>
+      <p:cxnSp>
+        <p:nvCxnSpPr>
+          <p:cNvPr id="65" name="Straight Connector 64"/>
+          <p:cNvCxnSpPr/>
+          <p:nvPr/>
+        </p:nvCxnSpPr>
+        <p:spPr>
+          <a:xfrm>
+            <a:off x="1524000" y="399143"/>
+            <a:ext cx="9144000" cy="0"/>
+          </a:xfrm>
+          <a:prstGeom prst="line">
+            <a:avLst/>
+          </a:prstGeom>
+        </p:spPr>
+        <p:style>
+          <a:lnRef idx="2">
+            <a:schemeClr val="accent1"/>
+          </a:lnRef>
+          <a:fillRef idx="0">
+            <a:schemeClr val="accent1"/>
+          </a:fillRef>
+          <a:effectRef idx="1">
+            <a:schemeClr val="accent1"/>
+          </a:effectRef>
+          <a:fontRef idx="minor">
+            <a:schemeClr val="tx1"/>
+          </a:fontRef>
+        </p:style>
+      </p:cxnSp>
+      <p:sp>
+        <p:nvSpPr>
+          <p:cNvPr id="66" name="TextBox 65"/>
+          <p:cNvSpPr txBox="1"/>
+          <p:nvPr/>
+        </p:nvSpPr>
+        <p:spPr>
+          <a:xfrm>
+            <a:off x="1717526" y="0"/>
+            <a:ext cx="1739259" cy="369332"/>
+          </a:xfrm>
+          <a:prstGeom prst="rect">
+            <a:avLst/>
+          </a:prstGeom>
+          <a:noFill/>
+        </p:spPr>
+        <p:txBody>
+          <a:bodyPr wrap="none" rtlCol="0">
+            <a:spAutoFit/>
+          </a:bodyPr>
+          <a:lstStyle/>
+          <a:p>
+            <a:r>
+              <a:rPr kumimoji="1" lang="en-US" altLang="ja-JP" dirty="0" smtClean="0"/>
+              <a:t>S-3-1 Homepage</a:t>
+            </a:r>
+            <a:endParaRPr kumimoji="1" lang="ja-JP" altLang="en-US" dirty="0"/>
+          </a:p>
+        </p:txBody>
+      </p:sp>
+      <p:sp useBgFill="1">
+        <p:nvSpPr>
+          <p:cNvPr id="2" name="Rectangle 1"/>
+          <p:cNvSpPr/>
+          <p:nvPr/>
+        </p:nvSpPr>
+        <p:spPr>
+          <a:xfrm>
+            <a:off x="1616738" y="699605"/>
+            <a:ext cx="4919133" cy="4258733"/>
+          </a:xfrm>
+          <a:prstGeom prst="rect">
+            <a:avLst/>
+          </a:prstGeom>
+          <a:ln>
+            <a:solidFill>
+              <a:schemeClr val="tx1"/>
+            </a:solidFill>
+          </a:ln>
+          <a:effectLst/>
+        </p:spPr>
+        <p:style>
+          <a:lnRef idx="1">
+            <a:schemeClr val="accent1"/>
+          </a:lnRef>
+          <a:fillRef idx="3">
+            <a:schemeClr val="accent1"/>
+          </a:fillRef>
+          <a:effectRef idx="2">
+            <a:schemeClr val="accent1"/>
+          </a:effectRef>
+          <a:fontRef idx="minor">
+            <a:schemeClr val="lt1"/>
+          </a:fontRef>
+        </p:style>
+        <p:txBody>
+          <a:bodyPr rtlCol="0" anchor="ctr"/>
+          <a:lstStyle/>
+          <a:p>
+            <a:pPr algn="ctr"/>
+            <a:endParaRPr kumimoji="1" lang="ja-JP" altLang="en-US">
+              <a:solidFill>
+                <a:srgbClr val="FF0000"/>
+              </a:solidFill>
+            </a:endParaRPr>
+          </a:p>
+        </p:txBody>
+      </p:sp>
+      <p:sp>
+        <p:nvSpPr>
+          <p:cNvPr id="3" name="Rectangle 2"/>
+          <p:cNvSpPr/>
+          <p:nvPr/>
+        </p:nvSpPr>
+        <p:spPr>
+          <a:xfrm>
+            <a:off x="2057857" y="916491"/>
+            <a:ext cx="1196687" cy="400110"/>
+          </a:xfrm>
+          <a:prstGeom prst="rect">
+            <a:avLst/>
+          </a:prstGeom>
+          <a:noFill/>
+        </p:spPr>
+        <p:txBody>
+          <a:bodyPr wrap="none" lIns="91440" tIns="45720" rIns="91440" bIns="45720">
+            <a:spAutoFit/>
+          </a:bodyPr>
+          <a:lstStyle/>
+          <a:p>
+            <a:pPr algn="ctr"/>
+            <a:r>
+              <a:rPr lang="en-US" altLang="ja-JP" sz="2000" b="1" dirty="0">
+                <a:ln w="12700">
+                  <a:solidFill>
+                    <a:schemeClr val="tx2">
+                      <a:satMod val="155000"/>
+                    </a:schemeClr>
+                  </a:solidFill>
+                  <a:prstDash val="solid"/>
+                </a:ln>
+                <a:solidFill>
+                  <a:schemeClr val="bg2">
+                    <a:tint val="85000"/>
+                    <a:satMod val="155000"/>
+                  </a:schemeClr>
+                </a:solidFill>
+                <a:effectLst>
+                  <a:outerShdw blurRad="41275" dist="20320" dir="1800000" algn="tl" rotWithShape="0">
+                    <a:srgbClr val="000000">
+                      <a:alpha val="40000"/>
+                    </a:srgbClr>
+                  </a:outerShdw>
+                </a:effectLst>
+              </a:rPr>
+              <a:t>Mini Blog</a:t>
+            </a:r>
+          </a:p>
+        </p:txBody>
+      </p:sp>
+      <p:sp>
+        <p:nvSpPr>
+          <p:cNvPr id="7" name="Rectangle 6"/>
+          <p:cNvSpPr/>
+          <p:nvPr/>
+        </p:nvSpPr>
+        <p:spPr>
+          <a:xfrm>
+            <a:off x="2059396" y="1532723"/>
+            <a:ext cx="1783449" cy="229218"/>
+          </a:xfrm>
+          <a:prstGeom prst="rect">
+            <a:avLst/>
+          </a:prstGeom>
+          <a:ln>
+            <a:solidFill>
+              <a:schemeClr val="tx1"/>
+            </a:solidFill>
+          </a:ln>
+          <a:effectLst/>
+        </p:spPr>
+        <p:style>
+          <a:lnRef idx="1">
+            <a:schemeClr val="accent1"/>
+          </a:lnRef>
+          <a:fillRef idx="3">
+            <a:schemeClr val="accent1"/>
+          </a:fillRef>
+          <a:effectRef idx="2">
+            <a:schemeClr val="accent1"/>
+          </a:effectRef>
+          <a:fontRef idx="minor">
+            <a:schemeClr val="lt1"/>
+          </a:fontRef>
+        </p:style>
+        <p:txBody>
+          <a:bodyPr rtlCol="0" anchor="ctr"/>
+          <a:lstStyle/>
+          <a:p>
+            <a:r>
+              <a:rPr kumimoji="1" lang="en-US" altLang="ja-JP" sz="800" i="1" dirty="0" smtClean="0">
+                <a:solidFill>
+                  <a:schemeClr val="bg1">
+                    <a:lumMod val="75000"/>
+                  </a:schemeClr>
+                </a:solidFill>
+              </a:rPr>
+              <a:t>Search user and post</a:t>
+            </a:r>
+            <a:endParaRPr kumimoji="1" lang="ja-JP" altLang="en-US" sz="800" i="1" dirty="0">
+              <a:solidFill>
+                <a:schemeClr val="bg1">
+                  <a:lumMod val="75000"/>
+                </a:schemeClr>
+              </a:solidFill>
+            </a:endParaRPr>
+          </a:p>
+        </p:txBody>
+      </p:sp>
+      <p:sp>
+        <p:nvSpPr>
+          <p:cNvPr id="8" name="Rectangle 7"/>
+          <p:cNvSpPr/>
+          <p:nvPr/>
+        </p:nvSpPr>
+        <p:spPr>
+          <a:xfrm>
+            <a:off x="3925590" y="1542508"/>
+            <a:ext cx="602751" cy="218077"/>
+          </a:xfrm>
+          <a:prstGeom prst="rect">
+            <a:avLst/>
+          </a:prstGeom>
+        </p:spPr>
+        <p:style>
+          <a:lnRef idx="1">
+            <a:schemeClr val="accent1"/>
+          </a:lnRef>
+          <a:fillRef idx="3">
+            <a:schemeClr val="accent1"/>
+          </a:fillRef>
+          <a:effectRef idx="2">
+            <a:schemeClr val="accent1"/>
+          </a:effectRef>
+          <a:fontRef idx="minor">
+            <a:schemeClr val="lt1"/>
+          </a:fontRef>
+        </p:style>
+        <p:txBody>
+          <a:bodyPr rtlCol="0" anchor="ctr"/>
+          <a:lstStyle/>
+          <a:p>
+            <a:pPr algn="ctr"/>
+            <a:r>
+              <a:rPr kumimoji="1" lang="en-US" altLang="ja-JP" sz="1000" dirty="0"/>
+              <a:t>Search</a:t>
+            </a:r>
+            <a:endParaRPr kumimoji="1" lang="ja-JP" altLang="en-US" sz="1000" dirty="0"/>
+          </a:p>
+        </p:txBody>
+      </p:sp>
+      <p:cxnSp>
+        <p:nvCxnSpPr>
+          <p:cNvPr id="13" name="Straight Connector 12"/>
+          <p:cNvCxnSpPr/>
+          <p:nvPr/>
+        </p:nvCxnSpPr>
+        <p:spPr>
+          <a:xfrm>
+            <a:off x="2047647" y="2067708"/>
+            <a:ext cx="4373735" cy="39183"/>
+          </a:xfrm>
+          <a:prstGeom prst="line">
+            <a:avLst/>
+          </a:prstGeom>
+          <a:ln w="3175" cmpd="sng">
+            <a:solidFill>
+              <a:schemeClr val="bg1">
+                <a:lumMod val="75000"/>
+              </a:schemeClr>
+            </a:solidFill>
+          </a:ln>
+          <a:effectLst/>
+        </p:spPr>
+        <p:style>
+          <a:lnRef idx="2">
+            <a:schemeClr val="accent1"/>
+          </a:lnRef>
+          <a:fillRef idx="0">
+            <a:schemeClr val="accent1"/>
+          </a:fillRef>
+          <a:effectRef idx="1">
+            <a:schemeClr val="accent1"/>
+          </a:effectRef>
+          <a:fontRef idx="minor">
+            <a:schemeClr val="tx1"/>
+          </a:fontRef>
+        </p:style>
+      </p:cxnSp>
+      <p:sp>
+        <p:nvSpPr>
+          <p:cNvPr id="14" name="TextBox 13"/>
+          <p:cNvSpPr txBox="1"/>
+          <p:nvPr/>
+        </p:nvSpPr>
+        <p:spPr>
+          <a:xfrm>
+            <a:off x="1965653" y="1852975"/>
+            <a:ext cx="1646605" cy="253916"/>
+          </a:xfrm>
+          <a:prstGeom prst="rect">
+            <a:avLst/>
+          </a:prstGeom>
+          <a:noFill/>
+        </p:spPr>
+        <p:txBody>
+          <a:bodyPr wrap="none" rtlCol="0">
+            <a:spAutoFit/>
+          </a:bodyPr>
+          <a:lstStyle/>
+          <a:p>
+            <a:r>
+              <a:rPr kumimoji="1" lang="en-US" altLang="ja-JP" sz="1050" b="1" dirty="0" smtClean="0">
+                <a:solidFill>
+                  <a:schemeClr val="bg2">
+                    <a:lumMod val="50000"/>
+                  </a:schemeClr>
+                </a:solidFill>
+              </a:rPr>
+              <a:t>Home</a:t>
+            </a:r>
+            <a:r>
+              <a:rPr kumimoji="1" lang="en-US" altLang="ja-JP" sz="1050" dirty="0" smtClean="0">
+                <a:solidFill>
+                  <a:schemeClr val="bg2">
+                    <a:lumMod val="50000"/>
+                  </a:schemeClr>
+                </a:solidFill>
+              </a:rPr>
+              <a:t> </a:t>
+            </a:r>
+            <a:r>
+              <a:rPr kumimoji="1" lang="en-US" altLang="ja-JP" sz="1050" dirty="0" smtClean="0">
+                <a:solidFill>
+                  <a:schemeClr val="bg2">
+                    <a:lumMod val="75000"/>
+                  </a:schemeClr>
+                </a:solidFill>
+              </a:rPr>
+              <a:t>| My Post | </a:t>
+            </a:r>
+            <a:r>
+              <a:rPr kumimoji="1" lang="en-US" altLang="ja-JP" sz="1050" dirty="0" smtClean="0">
+                <a:solidFill>
+                  <a:schemeClr val="bg2">
+                    <a:lumMod val="75000"/>
+                  </a:schemeClr>
+                </a:solidFill>
+              </a:rPr>
+              <a:t>All Post</a:t>
+            </a:r>
+            <a:r>
+              <a:rPr kumimoji="1" lang="en-US" altLang="ja-JP" sz="1050" dirty="0" smtClean="0"/>
+              <a:t> </a:t>
+            </a:r>
+            <a:endParaRPr kumimoji="1" lang="ja-JP" altLang="en-US" sz="1050" dirty="0"/>
+          </a:p>
+        </p:txBody>
+      </p:sp>
+      <p:graphicFrame>
+        <p:nvGraphicFramePr>
+          <p:cNvPr id="25" name="Table 24"/>
+          <p:cNvGraphicFramePr>
+            <a:graphicFrameLocks noGrp="1"/>
+          </p:cNvGraphicFramePr>
+          <p:nvPr>
+            <p:extLst>
+              <p:ext uri="{D42A27DB-BD31-4B8C-83A1-F6EECF244321}">
+                <p14:modId xmlns:p14="http://schemas.microsoft.com/office/powerpoint/2010/main" val="858539165"/>
               </p:ext>
             </p:extLst>
           </p:nvPr>
         </p:nvGraphicFramePr>
         <p:xfrm>
           <a:off x="6764863" y="746700"/>
-          <a:ext cx="3903137" cy="4478248"/>
+          <a:ext cx="3903137" cy="4409090"/>
         </p:xfrm>
         <a:graphic>
           <a:graphicData uri="http://schemas.openxmlformats.org/drawingml/2006/table">
@@ -6507,10 +9372,10 @@
                     <a:lstStyle/>
                     <a:p>
                       <a:r>
-                        <a:rPr kumimoji="1" lang="en-US" altLang="ja-JP" sz="1000"/>
+                        <a:rPr kumimoji="1" lang="en-US" altLang="ja-JP" sz="1000" dirty="0"/>
                         <a:t>Content</a:t>
                       </a:r>
-                      <a:endParaRPr kumimoji="1" lang="ja-JP" altLang="en-US" sz="1000"/>
+                      <a:endParaRPr kumimoji="1" lang="ja-JP" altLang="en-US" sz="1000" dirty="0"/>
                     </a:p>
                   </a:txBody>
                   <a:tcPr/>
@@ -6580,31 +9445,47 @@
                     <a:p>
                       <a:r>
                         <a:rPr kumimoji="1" lang="en-GB" altLang="ja-JP" sz="1000" dirty="0" smtClean="0"/>
-                        <a:t>Show info button</a:t>
-                      </a:r>
-                      <a:endParaRPr kumimoji="1" lang="ja-JP" altLang="en-US" sz="1000" dirty="0"/>
-                    </a:p>
-                  </a:txBody>
-                  <a:tcPr/>
-                </a:tc>
-                <a:tc>
-                  <a:txBody>
-                    <a:bodyPr/>
-                    <a:lstStyle/>
-                    <a:p>
-                      <a:endParaRPr kumimoji="1" lang="ja-JP" altLang="en-US" sz="1000" dirty="0"/>
-                    </a:p>
-                  </a:txBody>
-                  <a:tcPr/>
-                </a:tc>
-                <a:tc>
-                  <a:txBody>
-                    <a:bodyPr/>
-                    <a:lstStyle/>
-                    <a:p>
+                        <a:t>Username</a:t>
+                      </a:r>
+                      <a:r>
+                        <a:rPr kumimoji="1" lang="en-GB" altLang="ja-JP" sz="1000" baseline="0" dirty="0" smtClean="0"/>
+                        <a:t> </a:t>
+                      </a:r>
                       <a:r>
                         <a:rPr kumimoji="1" lang="en-GB" altLang="ja-JP" sz="1000" dirty="0" smtClean="0"/>
-                        <a:t>Click =&gt; show information user table</a:t>
+                        <a:t>button</a:t>
+                      </a:r>
+                      <a:endParaRPr kumimoji="1" lang="ja-JP" altLang="en-US" sz="1000" dirty="0"/>
+                    </a:p>
+                  </a:txBody>
+                  <a:tcPr/>
+                </a:tc>
+                <a:tc>
+                  <a:txBody>
+                    <a:bodyPr/>
+                    <a:lstStyle/>
+                    <a:p>
+                      <a:endParaRPr kumimoji="1" lang="ja-JP" altLang="en-US" sz="1000" dirty="0"/>
+                    </a:p>
+                  </a:txBody>
+                  <a:tcPr/>
+                </a:tc>
+                <a:tc>
+                  <a:txBody>
+                    <a:bodyPr/>
+                    <a:lstStyle/>
+                    <a:p>
+                      <a:r>
+                        <a:rPr kumimoji="1" lang="en-GB" altLang="ja-JP" sz="1000" dirty="0" smtClean="0"/>
+                        <a:t>Click =&gt; </a:t>
+                      </a:r>
+                      <a:r>
+                        <a:rPr kumimoji="1" lang="en-GB" altLang="ja-JP" sz="1000" dirty="0" smtClean="0"/>
+                        <a:t>go</a:t>
+                      </a:r>
+                      <a:r>
+                        <a:rPr kumimoji="1" lang="en-GB" altLang="ja-JP" sz="1000" baseline="0" dirty="0" smtClean="0"/>
+                        <a:t> to home page</a:t>
                       </a:r>
                       <a:endParaRPr kumimoji="1" lang="ja-JP" altLang="en-US" sz="1000" dirty="0"/>
                     </a:p>
@@ -6644,11 +9525,11 @@
                     <a:p>
                       <a:r>
                         <a:rPr kumimoji="1" lang="en-US" altLang="ja-JP" sz="1000" dirty="0" smtClean="0"/>
-                        <a:t>Update</a:t>
+                        <a:t>Edit Profile </a:t>
                       </a:r>
                       <a:r>
                         <a:rPr kumimoji="1" lang="en-US" altLang="ja-JP" sz="1000" baseline="0" dirty="0" smtClean="0"/>
-                        <a:t> button</a:t>
+                        <a:t>button</a:t>
                       </a:r>
                       <a:endParaRPr kumimoji="1" lang="ja-JP" altLang="en-US" sz="1000" dirty="0"/>
                     </a:p>
@@ -6991,7 +9872,7 @@
                     <a:p>
                       <a:r>
                         <a:rPr kumimoji="1" lang="en-US" altLang="ja-JP" sz="1000" dirty="0" smtClean="0"/>
-                        <a:t>New Post</a:t>
+                        <a:t>All Post</a:t>
                       </a:r>
                       <a:endParaRPr kumimoji="1" lang="ja-JP" altLang="en-US" sz="1000" dirty="0"/>
                     </a:p>
@@ -7015,11 +9896,11 @@
                     <a:p>
                       <a:r>
                         <a:rPr kumimoji="1" lang="en-GB" altLang="ja-JP" sz="1000" dirty="0" smtClean="0"/>
-                        <a:t>Click =&gt; show</a:t>
-                      </a:r>
-                      <a:r>
-                        <a:rPr kumimoji="1" lang="en-GB" altLang="ja-JP" sz="1000" baseline="0" dirty="0" smtClean="0"/>
-                        <a:t> table to create a new post</a:t>
+                        <a:t>Click =&gt; </a:t>
+                      </a:r>
+                      <a:r>
+                        <a:rPr kumimoji="1" lang="en-GB" altLang="ja-JP" sz="1000" dirty="0" smtClean="0"/>
+                        <a:t>show all posts</a:t>
                       </a:r>
                       <a:endParaRPr kumimoji="1" lang="ja-JP" altLang="en-US" sz="1000" dirty="0"/>
                     </a:p>
@@ -7375,7 +10256,7 @@
         </p:nvSpPr>
         <p:spPr>
           <a:xfrm>
-            <a:off x="6079271" y="1911786"/>
+            <a:off x="6089296" y="503648"/>
             <a:ext cx="327433" cy="246221"/>
           </a:xfrm>
           <a:prstGeom prst="rect">
@@ -7421,7 +10302,7 @@
         </p:nvSpPr>
         <p:spPr>
           <a:xfrm>
-            <a:off x="2001876" y="2184401"/>
+            <a:off x="2001876" y="2515701"/>
             <a:ext cx="1169872" cy="276999"/>
           </a:xfrm>
           <a:prstGeom prst="rect">
@@ -7451,7 +10332,7 @@
         </p:nvSpPr>
         <p:spPr>
           <a:xfrm>
-            <a:off x="6348456" y="682645"/>
+            <a:off x="4992941" y="501685"/>
             <a:ext cx="327433" cy="246221"/>
           </a:xfrm>
           <a:prstGeom prst="rect">
@@ -7489,7 +10370,7 @@
         </p:nvSpPr>
         <p:spPr>
           <a:xfrm>
-            <a:off x="5426650" y="1911787"/>
+            <a:off x="5576681" y="480341"/>
             <a:ext cx="327433" cy="246221"/>
           </a:xfrm>
           <a:prstGeom prst="rect">
@@ -7641,7 +10522,7 @@
         </p:nvSpPr>
         <p:spPr>
           <a:xfrm>
-            <a:off x="1853047" y="2462192"/>
+            <a:off x="1853047" y="2793492"/>
             <a:ext cx="327334" cy="246221"/>
           </a:xfrm>
           <a:prstGeom prst="rect">
@@ -7679,7 +10560,7 @@
         </p:nvSpPr>
         <p:spPr>
           <a:xfrm>
-            <a:off x="2510629" y="2474242"/>
+            <a:off x="2510629" y="2805542"/>
             <a:ext cx="327334" cy="246221"/>
           </a:xfrm>
           <a:prstGeom prst="rect">
@@ -7717,7 +10598,7 @@
         </p:nvSpPr>
         <p:spPr>
           <a:xfrm>
-            <a:off x="2049250" y="2457309"/>
+            <a:off x="2049250" y="2788609"/>
             <a:ext cx="513282" cy="246221"/>
           </a:xfrm>
           <a:prstGeom prst="rect">
@@ -7747,7 +10628,7 @@
         </p:nvSpPr>
         <p:spPr>
           <a:xfrm>
-            <a:off x="2048327" y="2613528"/>
+            <a:off x="2048327" y="2944828"/>
             <a:ext cx="2096678" cy="215444"/>
           </a:xfrm>
           <a:prstGeom prst="rect">
@@ -7789,7 +10670,7 @@
         </p:nvSpPr>
         <p:spPr>
           <a:xfrm>
-            <a:off x="2047647" y="2743740"/>
+            <a:off x="2047647" y="3075040"/>
             <a:ext cx="1580633" cy="400110"/>
           </a:xfrm>
           <a:prstGeom prst="rect">
@@ -7820,7 +10701,7 @@
         </p:nvSpPr>
         <p:spPr>
           <a:xfrm>
-            <a:off x="4547238" y="2436046"/>
+            <a:off x="4547238" y="2767346"/>
             <a:ext cx="513282" cy="246221"/>
           </a:xfrm>
           <a:prstGeom prst="rect">
@@ -7850,7 +10731,7 @@
         </p:nvSpPr>
         <p:spPr>
           <a:xfrm>
-            <a:off x="4528342" y="2600691"/>
+            <a:off x="4528342" y="2931991"/>
             <a:ext cx="2096678" cy="215444"/>
           </a:xfrm>
           <a:prstGeom prst="rect">
@@ -7892,7 +10773,7 @@
         </p:nvSpPr>
         <p:spPr>
           <a:xfrm>
-            <a:off x="4533926" y="2727272"/>
+            <a:off x="4533926" y="3058572"/>
             <a:ext cx="1580633" cy="400110"/>
           </a:xfrm>
           <a:prstGeom prst="rect">
@@ -7923,7 +10804,7 @@
         </p:nvSpPr>
         <p:spPr>
           <a:xfrm>
-            <a:off x="2049250" y="3109178"/>
+            <a:off x="2049250" y="3440478"/>
             <a:ext cx="513282" cy="246221"/>
           </a:xfrm>
           <a:prstGeom prst="rect">
@@ -7953,7 +10834,7 @@
         </p:nvSpPr>
         <p:spPr>
           <a:xfrm>
-            <a:off x="2059397" y="3253684"/>
+            <a:off x="2059397" y="3584984"/>
             <a:ext cx="2096678" cy="215444"/>
           </a:xfrm>
           <a:prstGeom prst="rect">
@@ -7995,7 +10876,7 @@
         </p:nvSpPr>
         <p:spPr>
           <a:xfrm>
-            <a:off x="2059397" y="3355399"/>
+            <a:off x="2059397" y="3686699"/>
             <a:ext cx="1580633" cy="400110"/>
           </a:xfrm>
           <a:prstGeom prst="rect">
@@ -8026,7 +10907,7 @@
         </p:nvSpPr>
         <p:spPr>
           <a:xfrm>
-            <a:off x="4570202" y="3109178"/>
+            <a:off x="4570202" y="3440478"/>
             <a:ext cx="513282" cy="246221"/>
           </a:xfrm>
           <a:prstGeom prst="rect">
@@ -8056,7 +10937,7 @@
         </p:nvSpPr>
         <p:spPr>
           <a:xfrm>
-            <a:off x="4570202" y="3263065"/>
+            <a:off x="4570202" y="3594365"/>
             <a:ext cx="2096678" cy="215444"/>
           </a:xfrm>
           <a:prstGeom prst="rect">
@@ -8098,7 +10979,7 @@
         </p:nvSpPr>
         <p:spPr>
           <a:xfrm>
-            <a:off x="4571225" y="3385800"/>
+            <a:off x="4571225" y="3717100"/>
             <a:ext cx="1580633" cy="400110"/>
           </a:xfrm>
           <a:prstGeom prst="rect">
@@ -8129,7 +11010,7 @@
         </p:nvSpPr>
         <p:spPr>
           <a:xfrm>
-            <a:off x="2059397" y="3745474"/>
+            <a:off x="2059397" y="4076774"/>
             <a:ext cx="513282" cy="246221"/>
           </a:xfrm>
           <a:prstGeom prst="rect">
@@ -8159,7 +11040,7 @@
         </p:nvSpPr>
         <p:spPr>
           <a:xfrm>
-            <a:off x="2059397" y="3924133"/>
+            <a:off x="2059397" y="4255433"/>
             <a:ext cx="2096678" cy="215444"/>
           </a:xfrm>
           <a:prstGeom prst="rect">
@@ -8201,7 +11082,7 @@
         </p:nvSpPr>
         <p:spPr>
           <a:xfrm>
-            <a:off x="2069223" y="4046590"/>
+            <a:off x="2069223" y="4377890"/>
             <a:ext cx="1580633" cy="400110"/>
           </a:xfrm>
           <a:prstGeom prst="rect">
@@ -8232,7 +11113,7 @@
         </p:nvSpPr>
         <p:spPr>
           <a:xfrm>
-            <a:off x="4563534" y="3785910"/>
+            <a:off x="4563534" y="4117210"/>
             <a:ext cx="513282" cy="246221"/>
           </a:xfrm>
           <a:prstGeom prst="rect">
@@ -8262,7 +11143,7 @@
         </p:nvSpPr>
         <p:spPr>
           <a:xfrm>
-            <a:off x="4571441" y="3933323"/>
+            <a:off x="4571441" y="4264623"/>
             <a:ext cx="2096678" cy="215444"/>
           </a:xfrm>
           <a:prstGeom prst="rect">
@@ -8304,7 +11185,7 @@
         </p:nvSpPr>
         <p:spPr>
           <a:xfrm>
-            <a:off x="4581404" y="4021393"/>
+            <a:off x="4581404" y="4352693"/>
             <a:ext cx="1580633" cy="400110"/>
           </a:xfrm>
           <a:prstGeom prst="rect">
@@ -8335,8 +11216,8 @@
         </p:nvSpPr>
         <p:spPr>
           <a:xfrm>
-            <a:off x="5248622" y="779593"/>
-            <a:ext cx="1172761" cy="246221"/>
+            <a:off x="4274033" y="741764"/>
+            <a:ext cx="1336478" cy="246221"/>
           </a:xfrm>
           <a:prstGeom prst="rect">
             <a:avLst/>
@@ -8351,11 +11232,15 @@
           <a:p>
             <a:r>
               <a:rPr kumimoji="1" lang="en-US" altLang="ja-JP" sz="1000" dirty="0" smtClean="0"/>
-              <a:t>Welcome </a:t>
+              <a:t>Welcome, </a:t>
             </a:r>
             <a:r>
               <a:rPr kumimoji="1" lang="en-US" altLang="ja-JP" sz="1000" dirty="0" err="1" smtClean="0"/>
-              <a:t>nguyena</a:t>
+              <a:t>N</a:t>
+            </a:r>
+            <a:r>
+              <a:rPr kumimoji="1" lang="en-US" altLang="ja-JP" sz="1000" dirty="0" err="1" smtClean="0"/>
+              <a:t>guyenA</a:t>
             </a:r>
             <a:endParaRPr kumimoji="1" lang="ja-JP" altLang="en-US" sz="1000" dirty="0"/>
           </a:p>
@@ -8369,7 +11254,7 @@
         </p:nvSpPr>
         <p:spPr>
           <a:xfrm>
-            <a:off x="3526337" y="2469569"/>
+            <a:off x="3526337" y="2800869"/>
             <a:ext cx="393056" cy="246221"/>
           </a:xfrm>
           <a:prstGeom prst="rect">
@@ -8437,35 +11322,164 @@
           </a:p>
         </p:txBody>
       </p:sp>
+      <p:sp>
+        <p:nvSpPr>
+          <p:cNvPr id="71" name="TextBox 70"/>
+          <p:cNvSpPr txBox="1"/>
+          <p:nvPr/>
+        </p:nvSpPr>
+        <p:spPr>
+          <a:xfrm>
+            <a:off x="3467662" y="3164001"/>
+            <a:ext cx="393056" cy="246221"/>
+          </a:xfrm>
+          <a:prstGeom prst="rect">
+            <a:avLst/>
+          </a:prstGeom>
+          <a:noFill/>
+        </p:spPr>
+        <p:txBody>
+          <a:bodyPr wrap="none" rtlCol="0">
+            <a:spAutoFit/>
+          </a:bodyPr>
+          <a:lstStyle/>
+          <a:p>
+            <a:r>
+              <a:rPr kumimoji="1" lang="en-US" altLang="ja-JP" sz="1000" dirty="0" smtClean="0">
+                <a:solidFill>
+                  <a:srgbClr val="FF0000"/>
+                </a:solidFill>
+              </a:rPr>
+              <a:t>(11)</a:t>
+            </a:r>
+            <a:endParaRPr kumimoji="1" lang="ja-JP" altLang="en-US" sz="1000" dirty="0">
+              <a:solidFill>
+                <a:srgbClr val="FF0000"/>
+              </a:solidFill>
+            </a:endParaRPr>
+          </a:p>
+        </p:txBody>
+      </p:sp>
+      <p:sp>
+        <p:nvSpPr>
+          <p:cNvPr id="49" name="TextBox 48"/>
+          <p:cNvSpPr txBox="1"/>
+          <p:nvPr/>
+        </p:nvSpPr>
+        <p:spPr>
+          <a:xfrm>
+            <a:off x="5351964" y="741763"/>
+            <a:ext cx="810073" cy="246221"/>
+          </a:xfrm>
+          <a:prstGeom prst="rect">
+            <a:avLst/>
+          </a:prstGeom>
+          <a:noFill/>
+        </p:spPr>
+        <p:txBody>
+          <a:bodyPr wrap="square" rtlCol="0">
+            <a:spAutoFit/>
+          </a:bodyPr>
+          <a:lstStyle/>
+          <a:p>
+            <a:r>
+              <a:rPr kumimoji="1" lang="en-US" altLang="ja-JP" sz="1000" dirty="0" smtClean="0"/>
+              <a:t>Edit Profile</a:t>
+            </a:r>
+            <a:endParaRPr kumimoji="1" lang="ja-JP" altLang="en-US" sz="1000" dirty="0"/>
+          </a:p>
+        </p:txBody>
+      </p:sp>
+      <p:sp>
+        <p:nvSpPr>
+          <p:cNvPr id="57" name="TextBox 56"/>
+          <p:cNvSpPr txBox="1"/>
+          <p:nvPr/>
+        </p:nvSpPr>
+        <p:spPr>
+          <a:xfrm>
+            <a:off x="5952244" y="718211"/>
+            <a:ext cx="727307" cy="246221"/>
+          </a:xfrm>
+          <a:prstGeom prst="rect">
+            <a:avLst/>
+          </a:prstGeom>
+          <a:noFill/>
+        </p:spPr>
+        <p:txBody>
+          <a:bodyPr wrap="square" rtlCol="0">
+            <a:spAutoFit/>
+          </a:bodyPr>
+          <a:lstStyle/>
+          <a:p>
+            <a:r>
+              <a:rPr kumimoji="1" lang="en-US" altLang="ja-JP" sz="1000" dirty="0" smtClean="0"/>
+              <a:t>Log Out</a:t>
+            </a:r>
+            <a:endParaRPr kumimoji="1" lang="ja-JP" altLang="en-US" sz="1000" dirty="0"/>
+          </a:p>
+        </p:txBody>
+      </p:sp>
+    </p:spTree>
+    <p:extLst>
+      <p:ext uri="{BB962C8B-B14F-4D97-AF65-F5344CB8AC3E}">
+        <p14:creationId xmlns:p14="http://schemas.microsoft.com/office/powerpoint/2010/main" val="1447259329"/>
+      </p:ext>
+    </p:extLst>
+  </p:cSld>
+  <p:clrMapOvr>
+    <a:masterClrMapping/>
+  </p:clrMapOvr>
+  <p:timing>
+    <p:tnLst>
+      <p:par>
+        <p:cTn id="1" dur="indefinite" restart="never" nodeType="tmRoot"/>
+      </p:par>
+    </p:tnLst>
+  </p:timing>
+</p:sld>
+</file>
+
+<file path=ppt/slides/slide5.xml><?xml version="1.0" encoding="utf-8"?>
+<p:sld xmlns:a="http://schemas.openxmlformats.org/drawingml/2006/main" xmlns:r="http://schemas.openxmlformats.org/officeDocument/2006/relationships" xmlns:p="http://schemas.openxmlformats.org/presentationml/2006/main">
+  <p:cSld>
+    <p:spTree>
+      <p:nvGrpSpPr>
+        <p:cNvPr id="1" name=""/>
+        <p:cNvGrpSpPr/>
+        <p:nvPr/>
+      </p:nvGrpSpPr>
+      <p:grpSpPr>
+        <a:xfrm>
+          <a:off x="0" y="0"/>
+          <a:ext cx="0" cy="0"/>
+          <a:chOff x="0" y="0"/>
+          <a:chExt cx="0" cy="0"/>
+        </a:xfrm>
+      </p:grpSpPr>
       <p:cxnSp>
         <p:nvCxnSpPr>
-          <p:cNvPr id="6" name="Straight Arrow Connector 5"/>
+          <p:cNvPr id="65" name="Straight Connector 64"/>
           <p:cNvCxnSpPr/>
           <p:nvPr/>
         </p:nvCxnSpPr>
         <p:spPr>
           <a:xfrm>
-            <a:off x="6421382" y="898727"/>
-            <a:ext cx="0" cy="63878"/>
-          </a:xfrm>
-          <a:prstGeom prst="straightConnector1">
-            <a:avLst/>
-          </a:prstGeom>
-          <a:ln>
-            <a:solidFill>
-              <a:schemeClr val="tx1"/>
-            </a:solidFill>
-            <a:tailEnd type="triangle"/>
-          </a:ln>
+            <a:off x="1524000" y="399143"/>
+            <a:ext cx="9144000" cy="0"/>
+          </a:xfrm>
+          <a:prstGeom prst="line">
+            <a:avLst/>
+          </a:prstGeom>
         </p:spPr>
         <p:style>
-          <a:lnRef idx="1">
+          <a:lnRef idx="2">
             <a:schemeClr val="accent1"/>
           </a:lnRef>
           <a:fillRef idx="0">
             <a:schemeClr val="accent1"/>
           </a:fillRef>
-          <a:effectRef idx="0">
+          <a:effectRef idx="1">
             <a:schemeClr val="accent1"/>
           </a:effectRef>
           <a:fontRef idx="minor">
@@ -8473,147 +11487,60 @@
           </a:fontRef>
         </p:style>
       </p:cxnSp>
+      <p:sp>
+        <p:nvSpPr>
+          <p:cNvPr id="66" name="TextBox 65"/>
+          <p:cNvSpPr txBox="1"/>
+          <p:nvPr/>
+        </p:nvSpPr>
+        <p:spPr>
+          <a:xfrm>
+            <a:off x="1717525" y="0"/>
+            <a:ext cx="1687578" cy="369332"/>
+          </a:xfrm>
+          <a:prstGeom prst="rect">
+            <a:avLst/>
+          </a:prstGeom>
+          <a:noFill/>
+        </p:spPr>
+        <p:txBody>
+          <a:bodyPr wrap="none" rtlCol="0">
+            <a:spAutoFit/>
+          </a:bodyPr>
+          <a:lstStyle/>
+          <a:p>
+            <a:r>
+              <a:rPr kumimoji="1" lang="en-US" altLang="ja-JP" dirty="0" smtClean="0"/>
+              <a:t>S-3-2 </a:t>
+            </a:r>
+            <a:r>
+              <a:rPr kumimoji="1" lang="en-US" altLang="ja-JP" dirty="0" err="1" smtClean="0"/>
+              <a:t>EditProfile</a:t>
+            </a:r>
+            <a:endParaRPr kumimoji="1" lang="ja-JP" altLang="en-US" dirty="0"/>
+          </a:p>
+        </p:txBody>
+      </p:sp>
       <p:sp useBgFill="1">
         <p:nvSpPr>
-          <p:cNvPr id="53" name="Rectangle 52"/>
+          <p:cNvPr id="2" name="Rectangle 1"/>
           <p:cNvSpPr/>
           <p:nvPr/>
         </p:nvSpPr>
         <p:spPr>
           <a:xfrm>
-            <a:off x="5297313" y="1007609"/>
-            <a:ext cx="1207198" cy="924416"/>
-          </a:xfrm>
-          <a:prstGeom prst="rect">
-            <a:avLst/>
-          </a:prstGeom>
-          <a:ln/>
-        </p:spPr>
-        <p:style>
-          <a:lnRef idx="2">
-            <a:schemeClr val="dk1"/>
-          </a:lnRef>
-          <a:fillRef idx="1">
-            <a:schemeClr val="lt1"/>
-          </a:fillRef>
-          <a:effectRef idx="0">
-            <a:schemeClr val="dk1"/>
-          </a:effectRef>
-          <a:fontRef idx="minor">
-            <a:schemeClr val="dk1"/>
-          </a:fontRef>
-        </p:style>
-        <p:txBody>
-          <a:bodyPr rtlCol="0" anchor="ctr"/>
-          <a:lstStyle/>
-          <a:p>
-            <a:pPr algn="ctr"/>
-            <a:r>
-              <a:rPr kumimoji="1" lang="en-US" altLang="ja-JP" sz="1000" dirty="0" smtClean="0"/>
-              <a:t>Nguyen Van A</a:t>
-            </a:r>
-          </a:p>
-          <a:p>
-            <a:pPr algn="ctr"/>
-            <a:r>
-              <a:rPr kumimoji="1" lang="en-US" altLang="ja-JP" sz="1000" dirty="0" err="1" smtClean="0"/>
-              <a:t>nguyena</a:t>
-            </a:r>
-            <a:endParaRPr kumimoji="1" lang="en-US" altLang="ja-JP" sz="1000" dirty="0" smtClean="0"/>
-          </a:p>
-          <a:p>
-            <a:r>
-              <a:rPr kumimoji="1" lang="en-US" altLang="ja-JP" sz="800" dirty="0" smtClean="0"/>
-              <a:t>Join Date:</a:t>
-            </a:r>
-            <a:r>
-              <a:rPr kumimoji="1" lang="en-US" altLang="ja-JP" sz="800" i="1" dirty="0" smtClean="0">
-                <a:solidFill>
-                  <a:schemeClr val="bg1">
-                    <a:lumMod val="65000"/>
-                  </a:schemeClr>
-                </a:solidFill>
-              </a:rPr>
-              <a:t> 08/12/2015 </a:t>
-            </a:r>
-            <a:endParaRPr kumimoji="1" lang="en-US" altLang="ja-JP" sz="800" dirty="0" smtClean="0"/>
-          </a:p>
-          <a:p>
-            <a:r>
-              <a:rPr kumimoji="1" lang="en-US" altLang="ja-JP" sz="1000" dirty="0" smtClean="0"/>
-              <a:t>Posts: </a:t>
-            </a:r>
-            <a:r>
-              <a:rPr kumimoji="1" lang="en-US" altLang="ja-JP" sz="1000" i="1" dirty="0" smtClean="0">
-                <a:solidFill>
-                  <a:schemeClr val="bg1">
-                    <a:lumMod val="65000"/>
-                  </a:schemeClr>
-                </a:solidFill>
-              </a:rPr>
-              <a:t>197</a:t>
-            </a:r>
-            <a:endParaRPr kumimoji="1" lang="en-US" altLang="ja-JP" sz="1000" dirty="0" smtClean="0"/>
-          </a:p>
-          <a:p>
-            <a:endParaRPr kumimoji="1" lang="en-US" altLang="ja-JP" sz="1000" dirty="0"/>
-          </a:p>
-          <a:p>
-            <a:endParaRPr kumimoji="1" lang="ja-JP" altLang="en-US" sz="1000" dirty="0"/>
-          </a:p>
-        </p:txBody>
-      </p:sp>
-      <p:cxnSp>
-        <p:nvCxnSpPr>
-          <p:cNvPr id="17" name="Straight Connector 16"/>
-          <p:cNvCxnSpPr/>
-          <p:nvPr/>
-        </p:nvCxnSpPr>
-        <p:spPr>
-          <a:xfrm>
-            <a:off x="5297312" y="1686179"/>
-            <a:ext cx="1207198" cy="0"/>
-          </a:xfrm>
-          <a:prstGeom prst="line">
+            <a:off x="1911047" y="749872"/>
+            <a:ext cx="4582518" cy="4325711"/>
+          </a:xfrm>
+          <a:prstGeom prst="rect">
             <a:avLst/>
           </a:prstGeom>
           <a:ln>
             <a:solidFill>
-              <a:schemeClr val="bg2">
-                <a:lumMod val="75000"/>
-              </a:schemeClr>
+              <a:schemeClr val="tx1"/>
             </a:solidFill>
           </a:ln>
-        </p:spPr>
-        <p:style>
-          <a:lnRef idx="1">
-            <a:schemeClr val="accent1"/>
-          </a:lnRef>
-          <a:fillRef idx="0">
-            <a:schemeClr val="accent1"/>
-          </a:fillRef>
-          <a:effectRef idx="0">
-            <a:schemeClr val="accent1"/>
-          </a:effectRef>
-          <a:fontRef idx="minor">
-            <a:schemeClr val="tx1"/>
-          </a:fontRef>
-        </p:style>
-      </p:cxnSp>
-      <p:sp>
-        <p:nvSpPr>
-          <p:cNvPr id="61" name="Rectangle 60"/>
-          <p:cNvSpPr/>
-          <p:nvPr/>
-        </p:nvSpPr>
-        <p:spPr>
-          <a:xfrm>
-            <a:off x="5342269" y="1739119"/>
-            <a:ext cx="509621" cy="173044"/>
-          </a:xfrm>
-          <a:prstGeom prst="rect">
-            <a:avLst/>
-          </a:prstGeom>
+          <a:effectLst/>
         </p:spPr>
         <p:style>
           <a:lnRef idx="1">
@@ -8634,28 +11561,86 @@
           <a:lstStyle/>
           <a:p>
             <a:pPr algn="ctr"/>
-            <a:r>
-              <a:rPr kumimoji="1" lang="en-US" altLang="ja-JP" sz="800" dirty="0" smtClean="0"/>
-              <a:t>update</a:t>
-            </a:r>
-            <a:endParaRPr kumimoji="1" lang="ja-JP" altLang="en-US" sz="800" dirty="0"/>
-          </a:p>
-        </p:txBody>
-      </p:sp>
-      <p:sp>
-        <p:nvSpPr>
-          <p:cNvPr id="67" name="Rectangle 66"/>
+            <a:endParaRPr kumimoji="1" lang="ja-JP" altLang="en-US">
+              <a:solidFill>
+                <a:srgbClr val="FF0000"/>
+              </a:solidFill>
+            </a:endParaRPr>
+          </a:p>
+        </p:txBody>
+      </p:sp>
+      <p:sp>
+        <p:nvSpPr>
+          <p:cNvPr id="3" name="Rectangle 2"/>
           <p:cNvSpPr/>
           <p:nvPr/>
         </p:nvSpPr>
         <p:spPr>
           <a:xfrm>
-            <a:off x="5952244" y="1733518"/>
-            <a:ext cx="509621" cy="173044"/>
-          </a:xfrm>
-          <a:prstGeom prst="rect">
-            <a:avLst/>
-          </a:prstGeom>
+            <a:off x="2116336" y="834279"/>
+            <a:ext cx="1196687" cy="400110"/>
+          </a:xfrm>
+          <a:prstGeom prst="rect">
+            <a:avLst/>
+          </a:prstGeom>
+          <a:noFill/>
+        </p:spPr>
+        <p:txBody>
+          <a:bodyPr wrap="none" lIns="91440" tIns="45720" rIns="91440" bIns="45720">
+            <a:spAutoFit/>
+          </a:bodyPr>
+          <a:lstStyle/>
+          <a:p>
+            <a:pPr algn="ctr"/>
+            <a:r>
+              <a:rPr lang="en-US" altLang="ja-JP" sz="2000" b="1" dirty="0">
+                <a:ln w="12700">
+                  <a:solidFill>
+                    <a:schemeClr val="tx2">
+                      <a:satMod val="155000"/>
+                    </a:schemeClr>
+                  </a:solidFill>
+                  <a:prstDash val="solid"/>
+                </a:ln>
+                <a:solidFill>
+                  <a:schemeClr val="bg2">
+                    <a:tint val="85000"/>
+                    <a:satMod val="155000"/>
+                  </a:schemeClr>
+                </a:solidFill>
+                <a:effectLst>
+                  <a:outerShdw blurRad="41275" dist="20320" dir="1800000" algn="tl" rotWithShape="0">
+                    <a:srgbClr val="000000">
+                      <a:alpha val="40000"/>
+                    </a:srgbClr>
+                  </a:outerShdw>
+                </a:effectLst>
+              </a:rPr>
+              <a:t>Mini Blog</a:t>
+            </a:r>
+          </a:p>
+        </p:txBody>
+      </p:sp>
+      <p:sp>
+        <p:nvSpPr>
+          <p:cNvPr id="7" name="Rectangle 6"/>
+          <p:cNvSpPr/>
+          <p:nvPr/>
+        </p:nvSpPr>
+        <p:spPr>
+          <a:xfrm>
+            <a:off x="2001876" y="1420805"/>
+            <a:ext cx="1871134" cy="192975"/>
+          </a:xfrm>
+          <a:prstGeom prst="rect">
+            <a:avLst/>
+          </a:prstGeom>
+          <a:ln>
+            <a:solidFill>
+              <a:schemeClr val="tx1"/>
+            </a:solidFill>
+          </a:ln>
+          <a:effectLst/>
         </p:spPr>
         <p:style>
           <a:lnRef idx="1">
@@ -8675,24 +11660,495 @@
           <a:bodyPr rtlCol="0" anchor="ctr"/>
           <a:lstStyle/>
           <a:p>
+            <a:r>
+              <a:rPr kumimoji="1" lang="en-US" altLang="ja-JP" sz="800" i="1" dirty="0" smtClean="0">
+                <a:solidFill>
+                  <a:schemeClr val="bg1">
+                    <a:lumMod val="75000"/>
+                  </a:schemeClr>
+                </a:solidFill>
+              </a:rPr>
+              <a:t>Search user and post</a:t>
+            </a:r>
+            <a:endParaRPr kumimoji="1" lang="ja-JP" altLang="en-US" sz="800" i="1" dirty="0">
+              <a:solidFill>
+                <a:schemeClr val="bg1">
+                  <a:lumMod val="75000"/>
+                </a:schemeClr>
+              </a:solidFill>
+            </a:endParaRPr>
+          </a:p>
+        </p:txBody>
+      </p:sp>
+      <p:sp>
+        <p:nvSpPr>
+          <p:cNvPr id="8" name="Rectangle 7"/>
+          <p:cNvSpPr/>
+          <p:nvPr/>
+        </p:nvSpPr>
+        <p:spPr>
+          <a:xfrm>
+            <a:off x="3937000" y="1420805"/>
+            <a:ext cx="558800" cy="209383"/>
+          </a:xfrm>
+          <a:prstGeom prst="rect">
+            <a:avLst/>
+          </a:prstGeom>
+        </p:spPr>
+        <p:style>
+          <a:lnRef idx="1">
+            <a:schemeClr val="accent1"/>
+          </a:lnRef>
+          <a:fillRef idx="3">
+            <a:schemeClr val="accent1"/>
+          </a:fillRef>
+          <a:effectRef idx="2">
+            <a:schemeClr val="accent1"/>
+          </a:effectRef>
+          <a:fontRef idx="minor">
+            <a:schemeClr val="lt1"/>
+          </a:fontRef>
+        </p:style>
+        <p:txBody>
+          <a:bodyPr rtlCol="0" anchor="ctr"/>
+          <a:lstStyle/>
+          <a:p>
             <a:pPr algn="ctr"/>
             <a:r>
-              <a:rPr kumimoji="1" lang="en-US" altLang="ja-JP" sz="800" dirty="0" smtClean="0"/>
-              <a:t>Logout</a:t>
-            </a:r>
-            <a:endParaRPr kumimoji="1" lang="ja-JP" altLang="en-US" sz="800" dirty="0"/>
-          </a:p>
-        </p:txBody>
-      </p:sp>
-      <p:sp>
-        <p:nvSpPr>
-          <p:cNvPr id="71" name="TextBox 70"/>
+              <a:rPr kumimoji="1" lang="en-US" altLang="ja-JP" sz="1000" dirty="0"/>
+              <a:t>Search</a:t>
+            </a:r>
+            <a:endParaRPr kumimoji="1" lang="ja-JP" altLang="en-US" sz="1000" dirty="0"/>
+          </a:p>
+        </p:txBody>
+      </p:sp>
+      <p:cxnSp>
+        <p:nvCxnSpPr>
+          <p:cNvPr id="13" name="Straight Connector 12"/>
+          <p:cNvCxnSpPr/>
+          <p:nvPr/>
+        </p:nvCxnSpPr>
+        <p:spPr>
+          <a:xfrm flipV="1">
+            <a:off x="2001877" y="1909149"/>
+            <a:ext cx="4389090" cy="12785"/>
+          </a:xfrm>
+          <a:prstGeom prst="line">
+            <a:avLst/>
+          </a:prstGeom>
+          <a:ln w="3175" cmpd="sng">
+            <a:solidFill>
+              <a:schemeClr val="bg1">
+                <a:lumMod val="75000"/>
+              </a:schemeClr>
+            </a:solidFill>
+          </a:ln>
+          <a:effectLst/>
+        </p:spPr>
+        <p:style>
+          <a:lnRef idx="2">
+            <a:schemeClr val="accent1"/>
+          </a:lnRef>
+          <a:fillRef idx="0">
+            <a:schemeClr val="accent1"/>
+          </a:fillRef>
+          <a:effectRef idx="1">
+            <a:schemeClr val="accent1"/>
+          </a:effectRef>
+          <a:fontRef idx="minor">
+            <a:schemeClr val="tx1"/>
+          </a:fontRef>
+        </p:style>
+      </p:cxnSp>
+      <p:sp>
+        <p:nvSpPr>
+          <p:cNvPr id="82" name="TextBox 81"/>
           <p:cNvSpPr txBox="1"/>
           <p:nvPr/>
         </p:nvSpPr>
         <p:spPr>
           <a:xfrm>
-            <a:off x="3467662" y="2832701"/>
+            <a:off x="4973549" y="556101"/>
+            <a:ext cx="327433" cy="246221"/>
+          </a:xfrm>
+          <a:prstGeom prst="rect">
+            <a:avLst/>
+          </a:prstGeom>
+          <a:noFill/>
+        </p:spPr>
+        <p:txBody>
+          <a:bodyPr wrap="none" rtlCol="0">
+            <a:spAutoFit/>
+          </a:bodyPr>
+          <a:lstStyle/>
+          <a:p>
+            <a:r>
+              <a:rPr kumimoji="1" lang="en-US" altLang="ja-JP" sz="1000" dirty="0">
+                <a:solidFill>
+                  <a:srgbClr val="FF0000"/>
+                </a:solidFill>
+              </a:rPr>
+              <a:t>(1)</a:t>
+            </a:r>
+            <a:endParaRPr kumimoji="1" lang="ja-JP" altLang="en-US" sz="1000" dirty="0">
+              <a:solidFill>
+                <a:srgbClr val="FF0000"/>
+              </a:solidFill>
+            </a:endParaRPr>
+          </a:p>
+        </p:txBody>
+      </p:sp>
+      <p:sp>
+        <p:nvSpPr>
+          <p:cNvPr id="83" name="TextBox 82"/>
+          <p:cNvSpPr txBox="1"/>
+          <p:nvPr/>
+        </p:nvSpPr>
+        <p:spPr>
+          <a:xfrm>
+            <a:off x="5510209" y="541575"/>
+            <a:ext cx="327433" cy="246221"/>
+          </a:xfrm>
+          <a:prstGeom prst="rect">
+            <a:avLst/>
+          </a:prstGeom>
+          <a:noFill/>
+        </p:spPr>
+        <p:txBody>
+          <a:bodyPr wrap="none" rtlCol="0">
+            <a:spAutoFit/>
+          </a:bodyPr>
+          <a:lstStyle/>
+          <a:p>
+            <a:r>
+              <a:rPr kumimoji="1" lang="en-US" altLang="ja-JP" sz="1000" dirty="0">
+                <a:solidFill>
+                  <a:srgbClr val="FF0000"/>
+                </a:solidFill>
+              </a:rPr>
+              <a:t>(2)</a:t>
+            </a:r>
+            <a:endParaRPr kumimoji="1" lang="ja-JP" altLang="en-US" sz="1000" dirty="0">
+              <a:solidFill>
+                <a:srgbClr val="FF0000"/>
+              </a:solidFill>
+            </a:endParaRPr>
+          </a:p>
+        </p:txBody>
+      </p:sp>
+      <p:sp>
+        <p:nvSpPr>
+          <p:cNvPr id="84" name="TextBox 83"/>
+          <p:cNvSpPr txBox="1"/>
+          <p:nvPr/>
+        </p:nvSpPr>
+        <p:spPr>
+          <a:xfrm>
+            <a:off x="6063534" y="541575"/>
+            <a:ext cx="327433" cy="246221"/>
+          </a:xfrm>
+          <a:prstGeom prst="rect">
+            <a:avLst/>
+          </a:prstGeom>
+          <a:noFill/>
+        </p:spPr>
+        <p:txBody>
+          <a:bodyPr wrap="none" rtlCol="0">
+            <a:spAutoFit/>
+          </a:bodyPr>
+          <a:lstStyle/>
+          <a:p>
+            <a:r>
+              <a:rPr kumimoji="1" lang="en-US" altLang="ja-JP" sz="1000" dirty="0">
+                <a:solidFill>
+                  <a:srgbClr val="FF0000"/>
+                </a:solidFill>
+              </a:rPr>
+              <a:t>(3)</a:t>
+            </a:r>
+            <a:endParaRPr kumimoji="1" lang="ja-JP" altLang="en-US" sz="1000" dirty="0">
+              <a:solidFill>
+                <a:srgbClr val="FF0000"/>
+              </a:solidFill>
+            </a:endParaRPr>
+          </a:p>
+        </p:txBody>
+      </p:sp>
+      <p:sp>
+        <p:nvSpPr>
+          <p:cNvPr id="85" name="TextBox 84"/>
+          <p:cNvSpPr txBox="1"/>
+          <p:nvPr/>
+        </p:nvSpPr>
+        <p:spPr>
+          <a:xfrm>
+            <a:off x="4455913" y="1410171"/>
+            <a:ext cx="327433" cy="246221"/>
+          </a:xfrm>
+          <a:prstGeom prst="rect">
+            <a:avLst/>
+          </a:prstGeom>
+          <a:noFill/>
+        </p:spPr>
+        <p:txBody>
+          <a:bodyPr wrap="none" rtlCol="0">
+            <a:spAutoFit/>
+          </a:bodyPr>
+          <a:lstStyle/>
+          <a:p>
+            <a:r>
+              <a:rPr kumimoji="1" lang="en-US" altLang="ja-JP" sz="1000" dirty="0">
+                <a:solidFill>
+                  <a:srgbClr val="FF0000"/>
+                </a:solidFill>
+              </a:rPr>
+              <a:t>(4)</a:t>
+            </a:r>
+            <a:endParaRPr kumimoji="1" lang="ja-JP" altLang="en-US" sz="1000" dirty="0">
+              <a:solidFill>
+                <a:srgbClr val="FF0000"/>
+              </a:solidFill>
+            </a:endParaRPr>
+          </a:p>
+        </p:txBody>
+      </p:sp>
+      <p:sp>
+        <p:nvSpPr>
+          <p:cNvPr id="22" name="TextBox 21"/>
+          <p:cNvSpPr txBox="1"/>
+          <p:nvPr/>
+        </p:nvSpPr>
+        <p:spPr>
+          <a:xfrm>
+            <a:off x="5263931" y="2585978"/>
+            <a:ext cx="327433" cy="246221"/>
+          </a:xfrm>
+          <a:prstGeom prst="rect">
+            <a:avLst/>
+          </a:prstGeom>
+          <a:noFill/>
+        </p:spPr>
+        <p:txBody>
+          <a:bodyPr wrap="none" rtlCol="0">
+            <a:spAutoFit/>
+          </a:bodyPr>
+          <a:lstStyle/>
+          <a:p>
+            <a:r>
+              <a:rPr kumimoji="1" lang="en-US" altLang="ja-JP" sz="1000" dirty="0">
+                <a:solidFill>
+                  <a:srgbClr val="FF0000"/>
+                </a:solidFill>
+              </a:rPr>
+              <a:t>(5)</a:t>
+            </a:r>
+            <a:endParaRPr kumimoji="1" lang="ja-JP" altLang="en-US" sz="1000" dirty="0">
+              <a:solidFill>
+                <a:srgbClr val="FF0000"/>
+              </a:solidFill>
+            </a:endParaRPr>
+          </a:p>
+        </p:txBody>
+      </p:sp>
+      <p:sp>
+        <p:nvSpPr>
+          <p:cNvPr id="24" name="TextBox 23"/>
+          <p:cNvSpPr txBox="1"/>
+          <p:nvPr/>
+        </p:nvSpPr>
+        <p:spPr>
+          <a:xfrm>
+            <a:off x="5264030" y="3649163"/>
+            <a:ext cx="327334" cy="246221"/>
+          </a:xfrm>
+          <a:prstGeom prst="rect">
+            <a:avLst/>
+          </a:prstGeom>
+          <a:noFill/>
+        </p:spPr>
+        <p:txBody>
+          <a:bodyPr wrap="none" rtlCol="0">
+            <a:spAutoFit/>
+          </a:bodyPr>
+          <a:lstStyle/>
+          <a:p>
+            <a:r>
+              <a:rPr kumimoji="1" lang="en-US" altLang="ja-JP" sz="1000" dirty="0" smtClean="0">
+                <a:solidFill>
+                  <a:srgbClr val="FF0000"/>
+                </a:solidFill>
+              </a:rPr>
+              <a:t>(8)</a:t>
+            </a:r>
+            <a:endParaRPr kumimoji="1" lang="ja-JP" altLang="en-US" sz="1000" dirty="0">
+              <a:solidFill>
+                <a:srgbClr val="FF0000"/>
+              </a:solidFill>
+            </a:endParaRPr>
+          </a:p>
+        </p:txBody>
+      </p:sp>
+      <p:sp>
+        <p:nvSpPr>
+          <p:cNvPr id="29" name="TextBox 28"/>
+          <p:cNvSpPr txBox="1"/>
+          <p:nvPr/>
+        </p:nvSpPr>
+        <p:spPr>
+          <a:xfrm>
+            <a:off x="3794954" y="2897594"/>
+            <a:ext cx="327433" cy="246221"/>
+          </a:xfrm>
+          <a:prstGeom prst="rect">
+            <a:avLst/>
+          </a:prstGeom>
+          <a:noFill/>
+        </p:spPr>
+        <p:txBody>
+          <a:bodyPr wrap="none" rtlCol="0">
+            <a:spAutoFit/>
+          </a:bodyPr>
+          <a:lstStyle/>
+          <a:p>
+            <a:r>
+              <a:rPr kumimoji="1" lang="en-US" altLang="ja-JP" sz="1000" dirty="0">
+                <a:solidFill>
+                  <a:srgbClr val="FF0000"/>
+                </a:solidFill>
+              </a:rPr>
+              <a:t>(6)</a:t>
+            </a:r>
+            <a:endParaRPr kumimoji="1" lang="ja-JP" altLang="en-US" sz="1000" dirty="0">
+              <a:solidFill>
+                <a:srgbClr val="FF0000"/>
+              </a:solidFill>
+            </a:endParaRPr>
+          </a:p>
+        </p:txBody>
+      </p:sp>
+      <p:sp>
+        <p:nvSpPr>
+          <p:cNvPr id="35" name="TextBox 34"/>
+          <p:cNvSpPr txBox="1"/>
+          <p:nvPr/>
+        </p:nvSpPr>
+        <p:spPr>
+          <a:xfrm>
+            <a:off x="4871500" y="2889770"/>
+            <a:ext cx="327334" cy="246221"/>
+          </a:xfrm>
+          <a:prstGeom prst="rect">
+            <a:avLst/>
+          </a:prstGeom>
+          <a:noFill/>
+        </p:spPr>
+        <p:txBody>
+          <a:bodyPr wrap="none" rtlCol="0">
+            <a:spAutoFit/>
+          </a:bodyPr>
+          <a:lstStyle/>
+          <a:p>
+            <a:r>
+              <a:rPr kumimoji="1" lang="en-US" altLang="ja-JP" sz="1000" dirty="0" smtClean="0">
+                <a:solidFill>
+                  <a:srgbClr val="FF0000"/>
+                </a:solidFill>
+              </a:rPr>
+              <a:t>(7)</a:t>
+            </a:r>
+            <a:endParaRPr kumimoji="1" lang="ja-JP" altLang="en-US" sz="1000" dirty="0">
+              <a:solidFill>
+                <a:srgbClr val="FF0000"/>
+              </a:solidFill>
+            </a:endParaRPr>
+          </a:p>
+        </p:txBody>
+      </p:sp>
+      <p:sp>
+        <p:nvSpPr>
+          <p:cNvPr id="45" name="TextBox 44"/>
+          <p:cNvSpPr txBox="1"/>
+          <p:nvPr/>
+        </p:nvSpPr>
+        <p:spPr>
+          <a:xfrm>
+            <a:off x="4216400" y="4257789"/>
+            <a:ext cx="327334" cy="246221"/>
+          </a:xfrm>
+          <a:prstGeom prst="rect">
+            <a:avLst/>
+          </a:prstGeom>
+          <a:noFill/>
+        </p:spPr>
+        <p:txBody>
+          <a:bodyPr wrap="none" rtlCol="0">
+            <a:spAutoFit/>
+          </a:bodyPr>
+          <a:lstStyle/>
+          <a:p>
+            <a:r>
+              <a:rPr kumimoji="1" lang="en-US" altLang="ja-JP" sz="1000" dirty="0" smtClean="0">
+                <a:solidFill>
+                  <a:srgbClr val="FF0000"/>
+                </a:solidFill>
+              </a:rPr>
+              <a:t>(9)</a:t>
+            </a:r>
+            <a:endParaRPr kumimoji="1" lang="ja-JP" altLang="en-US" sz="1000" dirty="0">
+              <a:solidFill>
+                <a:srgbClr val="FF0000"/>
+              </a:solidFill>
+            </a:endParaRPr>
+          </a:p>
+        </p:txBody>
+      </p:sp>
+      <p:sp>
+        <p:nvSpPr>
+          <p:cNvPr id="46" name="TextBox 45"/>
+          <p:cNvSpPr txBox="1"/>
+          <p:nvPr/>
+        </p:nvSpPr>
+        <p:spPr>
+          <a:xfrm>
+            <a:off x="4838639" y="4257789"/>
+            <a:ext cx="393056" cy="246221"/>
+          </a:xfrm>
+          <a:prstGeom prst="rect">
+            <a:avLst/>
+          </a:prstGeom>
+          <a:noFill/>
+        </p:spPr>
+        <p:txBody>
+          <a:bodyPr wrap="none" rtlCol="0">
+            <a:spAutoFit/>
+          </a:bodyPr>
+          <a:lstStyle/>
+          <a:p>
+            <a:r>
+              <a:rPr kumimoji="1" lang="en-US" altLang="ja-JP" sz="1000" dirty="0" smtClean="0">
+                <a:solidFill>
+                  <a:srgbClr val="FF0000"/>
+                </a:solidFill>
+              </a:rPr>
+              <a:t>(10)</a:t>
+            </a:r>
+            <a:endParaRPr kumimoji="1" lang="ja-JP" altLang="en-US" sz="1000" dirty="0">
+              <a:solidFill>
+                <a:srgbClr val="FF0000"/>
+              </a:solidFill>
+            </a:endParaRPr>
+          </a:p>
+        </p:txBody>
+      </p:sp>
+      <p:sp>
+        <p:nvSpPr>
+          <p:cNvPr id="47" name="TextBox 46"/>
+          <p:cNvSpPr txBox="1"/>
+          <p:nvPr/>
+        </p:nvSpPr>
+        <p:spPr>
+          <a:xfrm>
+            <a:off x="2116336" y="1877754"/>
             <a:ext cx="393056" cy="246221"/>
           </a:xfrm>
           <a:prstGeom prst="rect">
@@ -8722,10 +12178,4269 @@
           </a:p>
         </p:txBody>
       </p:sp>
+      <p:sp>
+        <p:nvSpPr>
+          <p:cNvPr id="49" name="TextBox 48"/>
+          <p:cNvSpPr txBox="1"/>
+          <p:nvPr/>
+        </p:nvSpPr>
+        <p:spPr>
+          <a:xfrm>
+            <a:off x="3037371" y="1844574"/>
+            <a:ext cx="393056" cy="246221"/>
+          </a:xfrm>
+          <a:prstGeom prst="rect">
+            <a:avLst/>
+          </a:prstGeom>
+          <a:noFill/>
+        </p:spPr>
+        <p:txBody>
+          <a:bodyPr wrap="none" rtlCol="0">
+            <a:spAutoFit/>
+          </a:bodyPr>
+          <a:lstStyle/>
+          <a:p>
+            <a:r>
+              <a:rPr kumimoji="1" lang="en-US" altLang="ja-JP" sz="1000" dirty="0" smtClean="0">
+                <a:solidFill>
+                  <a:srgbClr val="FF0000"/>
+                </a:solidFill>
+              </a:rPr>
+              <a:t>(</a:t>
+            </a:r>
+            <a:r>
+              <a:rPr kumimoji="1" lang="en-US" altLang="ja-JP" sz="1000" dirty="0" smtClean="0">
+                <a:solidFill>
+                  <a:srgbClr val="FF0000"/>
+                </a:solidFill>
+              </a:rPr>
+              <a:t>12)</a:t>
+            </a:r>
+            <a:endParaRPr kumimoji="1" lang="ja-JP" altLang="en-US" sz="1000" dirty="0">
+              <a:solidFill>
+                <a:srgbClr val="FF0000"/>
+              </a:solidFill>
+            </a:endParaRPr>
+          </a:p>
+        </p:txBody>
+      </p:sp>
+      <p:sp>
+        <p:nvSpPr>
+          <p:cNvPr id="50" name="TextBox 49"/>
+          <p:cNvSpPr txBox="1"/>
+          <p:nvPr/>
+        </p:nvSpPr>
+        <p:spPr>
+          <a:xfrm>
+            <a:off x="4274786" y="752972"/>
+            <a:ext cx="1227399" cy="246221"/>
+          </a:xfrm>
+          <a:prstGeom prst="rect">
+            <a:avLst/>
+          </a:prstGeom>
+          <a:noFill/>
+        </p:spPr>
+        <p:txBody>
+          <a:bodyPr wrap="square" rtlCol="0">
+            <a:spAutoFit/>
+          </a:bodyPr>
+          <a:lstStyle/>
+          <a:p>
+            <a:r>
+              <a:rPr kumimoji="1" lang="en-US" altLang="ja-JP" sz="1000" dirty="0" smtClean="0"/>
+              <a:t>Welcome </a:t>
+            </a:r>
+            <a:r>
+              <a:rPr kumimoji="1" lang="en-US" altLang="ja-JP" sz="1000" dirty="0" smtClean="0"/>
+              <a:t>,</a:t>
+            </a:r>
+            <a:r>
+              <a:rPr kumimoji="1" lang="en-US" altLang="ja-JP" sz="1000" dirty="0" err="1" smtClean="0"/>
+              <a:t>N</a:t>
+            </a:r>
+            <a:r>
+              <a:rPr kumimoji="1" lang="en-US" altLang="ja-JP" sz="1000" dirty="0" err="1" smtClean="0"/>
+              <a:t>guyenA</a:t>
+            </a:r>
+            <a:endParaRPr kumimoji="1" lang="ja-JP" altLang="en-US" sz="1000" dirty="0"/>
+          </a:p>
+        </p:txBody>
+      </p:sp>
+      <p:sp>
+        <p:nvSpPr>
+          <p:cNvPr id="52" name="TextBox 51"/>
+          <p:cNvSpPr txBox="1"/>
+          <p:nvPr/>
+        </p:nvSpPr>
+        <p:spPr>
+          <a:xfrm>
+            <a:off x="5368693" y="751228"/>
+            <a:ext cx="790847" cy="246221"/>
+          </a:xfrm>
+          <a:prstGeom prst="rect">
+            <a:avLst/>
+          </a:prstGeom>
+          <a:noFill/>
+        </p:spPr>
+        <p:txBody>
+          <a:bodyPr wrap="square" rtlCol="0">
+            <a:spAutoFit/>
+          </a:bodyPr>
+          <a:lstStyle/>
+          <a:p>
+            <a:r>
+              <a:rPr kumimoji="1" lang="en-US" altLang="ja-JP" sz="1000" dirty="0" smtClean="0"/>
+              <a:t>Edit Profile</a:t>
+            </a:r>
+            <a:endParaRPr kumimoji="1" lang="ja-JP" altLang="en-US" sz="1000" dirty="0"/>
+          </a:p>
+        </p:txBody>
+      </p:sp>
+      <p:sp>
+        <p:nvSpPr>
+          <p:cNvPr id="53" name="TextBox 52"/>
+          <p:cNvSpPr txBox="1"/>
+          <p:nvPr/>
+        </p:nvSpPr>
+        <p:spPr>
+          <a:xfrm>
+            <a:off x="5965040" y="751228"/>
+            <a:ext cx="727307" cy="246221"/>
+          </a:xfrm>
+          <a:prstGeom prst="rect">
+            <a:avLst/>
+          </a:prstGeom>
+          <a:noFill/>
+        </p:spPr>
+        <p:txBody>
+          <a:bodyPr wrap="square" rtlCol="0">
+            <a:spAutoFit/>
+          </a:bodyPr>
+          <a:lstStyle/>
+          <a:p>
+            <a:r>
+              <a:rPr kumimoji="1" lang="en-US" altLang="ja-JP" sz="1000" dirty="0" smtClean="0"/>
+              <a:t>Log Out</a:t>
+            </a:r>
+            <a:endParaRPr kumimoji="1" lang="ja-JP" altLang="en-US" sz="1000" dirty="0"/>
+          </a:p>
+        </p:txBody>
+      </p:sp>
+      <p:sp>
+        <p:nvSpPr>
+          <p:cNvPr id="61" name="TextBox 60"/>
+          <p:cNvSpPr txBox="1"/>
+          <p:nvPr/>
+        </p:nvSpPr>
+        <p:spPr>
+          <a:xfrm>
+            <a:off x="2010630" y="2090346"/>
+            <a:ext cx="604396" cy="276999"/>
+          </a:xfrm>
+          <a:prstGeom prst="rect">
+            <a:avLst/>
+          </a:prstGeom>
+          <a:noFill/>
+        </p:spPr>
+        <p:txBody>
+          <a:bodyPr wrap="none" rtlCol="0">
+            <a:spAutoFit/>
+          </a:bodyPr>
+          <a:lstStyle/>
+          <a:p>
+            <a:r>
+              <a:rPr kumimoji="1" lang="en-GB" altLang="ja-JP" sz="1200" b="1" dirty="0" smtClean="0">
+                <a:solidFill>
+                  <a:schemeClr val="bg1"/>
+                </a:solidFill>
+              </a:rPr>
+              <a:t>Profile</a:t>
+            </a:r>
+            <a:endParaRPr kumimoji="1" lang="ja-JP" altLang="en-US" sz="1200" b="1" dirty="0">
+              <a:solidFill>
+                <a:schemeClr val="bg1"/>
+              </a:solidFill>
+            </a:endParaRPr>
+          </a:p>
+        </p:txBody>
+      </p:sp>
+      <p:sp>
+        <p:nvSpPr>
+          <p:cNvPr id="63" name="TextBox 62"/>
+          <p:cNvSpPr txBox="1"/>
+          <p:nvPr/>
+        </p:nvSpPr>
+        <p:spPr>
+          <a:xfrm>
+            <a:off x="1920332" y="1655233"/>
+            <a:ext cx="2013693" cy="253916"/>
+          </a:xfrm>
+          <a:prstGeom prst="rect">
+            <a:avLst/>
+          </a:prstGeom>
+          <a:noFill/>
+        </p:spPr>
+        <p:txBody>
+          <a:bodyPr wrap="none" rtlCol="0">
+            <a:spAutoFit/>
+          </a:bodyPr>
+          <a:lstStyle/>
+          <a:p>
+            <a:r>
+              <a:rPr kumimoji="1" lang="en-US" altLang="ja-JP" sz="1050" b="1" dirty="0" smtClean="0">
+                <a:solidFill>
+                  <a:schemeClr val="bg2">
+                    <a:lumMod val="50000"/>
+                  </a:schemeClr>
+                </a:solidFill>
+              </a:rPr>
+              <a:t>Edit Profile</a:t>
+            </a:r>
+            <a:r>
+              <a:rPr kumimoji="1" lang="en-US" altLang="ja-JP" sz="1050" b="1" dirty="0" smtClean="0">
+                <a:solidFill>
+                  <a:schemeClr val="bg2">
+                    <a:lumMod val="75000"/>
+                  </a:schemeClr>
+                </a:solidFill>
+              </a:rPr>
+              <a:t> | Change Password</a:t>
+            </a:r>
+            <a:r>
+              <a:rPr kumimoji="1" lang="en-US" altLang="ja-JP" sz="1050" dirty="0" smtClean="0"/>
+              <a:t> </a:t>
+            </a:r>
+            <a:endParaRPr kumimoji="1" lang="ja-JP" altLang="en-US" sz="1050" dirty="0"/>
+          </a:p>
+        </p:txBody>
+      </p:sp>
+      <p:sp>
+        <p:nvSpPr>
+          <p:cNvPr id="67" name="TextBox 66"/>
+          <p:cNvSpPr txBox="1"/>
+          <p:nvPr/>
+        </p:nvSpPr>
+        <p:spPr>
+          <a:xfrm>
+            <a:off x="3153577" y="2300036"/>
+            <a:ext cx="468398" cy="246221"/>
+          </a:xfrm>
+          <a:prstGeom prst="rect">
+            <a:avLst/>
+          </a:prstGeom>
+          <a:noFill/>
+        </p:spPr>
+        <p:txBody>
+          <a:bodyPr wrap="none" rtlCol="0">
+            <a:spAutoFit/>
+          </a:bodyPr>
+          <a:lstStyle/>
+          <a:p>
+            <a:r>
+              <a:rPr kumimoji="1" lang="en-US" altLang="ja-JP" sz="1000" dirty="0" smtClean="0"/>
+              <a:t>Email</a:t>
+            </a:r>
+            <a:endParaRPr kumimoji="1" lang="ja-JP" altLang="en-US" sz="1000" dirty="0"/>
+          </a:p>
+        </p:txBody>
+      </p:sp>
+      <p:sp>
+        <p:nvSpPr>
+          <p:cNvPr id="68" name="Rectangle 67"/>
+          <p:cNvSpPr/>
+          <p:nvPr/>
+        </p:nvSpPr>
+        <p:spPr>
+          <a:xfrm>
+            <a:off x="3223936" y="2628721"/>
+            <a:ext cx="2033439" cy="203169"/>
+          </a:xfrm>
+          <a:prstGeom prst="rect">
+            <a:avLst/>
+          </a:prstGeom>
+          <a:ln>
+            <a:solidFill>
+              <a:schemeClr val="tx1"/>
+            </a:solidFill>
+          </a:ln>
+          <a:effectLst/>
+        </p:spPr>
+        <p:style>
+          <a:lnRef idx="1">
+            <a:schemeClr val="accent1"/>
+          </a:lnRef>
+          <a:fillRef idx="3">
+            <a:schemeClr val="accent1"/>
+          </a:fillRef>
+          <a:effectRef idx="2">
+            <a:schemeClr val="accent1"/>
+          </a:effectRef>
+          <a:fontRef idx="minor">
+            <a:schemeClr val="lt1"/>
+          </a:fontRef>
+        </p:style>
+        <p:txBody>
+          <a:bodyPr rtlCol="0" anchor="ctr"/>
+          <a:lstStyle/>
+          <a:p>
+            <a:r>
+              <a:rPr kumimoji="1" lang="en-US" altLang="ja-JP" sz="800" i="1" dirty="0" smtClean="0">
+                <a:solidFill>
+                  <a:schemeClr val="bg1">
+                    <a:lumMod val="75000"/>
+                  </a:schemeClr>
+                </a:solidFill>
+              </a:rPr>
+              <a:t>Email Address</a:t>
+            </a:r>
+            <a:endParaRPr kumimoji="1" lang="ja-JP" altLang="en-US" sz="800" i="1" dirty="0">
+              <a:solidFill>
+                <a:schemeClr val="bg1">
+                  <a:lumMod val="75000"/>
+                </a:schemeClr>
+              </a:solidFill>
+            </a:endParaRPr>
+          </a:p>
+        </p:txBody>
+      </p:sp>
+      <p:sp>
+        <p:nvSpPr>
+          <p:cNvPr id="69" name="TextBox 68"/>
+          <p:cNvSpPr txBox="1"/>
+          <p:nvPr/>
+        </p:nvSpPr>
+        <p:spPr>
+          <a:xfrm>
+            <a:off x="3153577" y="2870175"/>
+            <a:ext cx="750526" cy="246221"/>
+          </a:xfrm>
+          <a:prstGeom prst="rect">
+            <a:avLst/>
+          </a:prstGeom>
+          <a:noFill/>
+        </p:spPr>
+        <p:txBody>
+          <a:bodyPr wrap="none" rtlCol="0">
+            <a:spAutoFit/>
+          </a:bodyPr>
+          <a:lstStyle/>
+          <a:p>
+            <a:r>
+              <a:rPr kumimoji="1" lang="en-US" altLang="ja-JP" sz="1000" dirty="0" smtClean="0"/>
+              <a:t>First Name</a:t>
+            </a:r>
+            <a:endParaRPr kumimoji="1" lang="ja-JP" altLang="en-US" sz="1000" dirty="0"/>
+          </a:p>
+        </p:txBody>
+      </p:sp>
+      <p:sp>
+        <p:nvSpPr>
+          <p:cNvPr id="70" name="Rectangle 69"/>
+          <p:cNvSpPr/>
+          <p:nvPr/>
+        </p:nvSpPr>
+        <p:spPr>
+          <a:xfrm>
+            <a:off x="3233899" y="3157731"/>
+            <a:ext cx="923026" cy="204101"/>
+          </a:xfrm>
+          <a:prstGeom prst="rect">
+            <a:avLst/>
+          </a:prstGeom>
+          <a:ln>
+            <a:solidFill>
+              <a:schemeClr val="tx1"/>
+            </a:solidFill>
+          </a:ln>
+          <a:effectLst/>
+        </p:spPr>
+        <p:style>
+          <a:lnRef idx="1">
+            <a:schemeClr val="accent1"/>
+          </a:lnRef>
+          <a:fillRef idx="3">
+            <a:schemeClr val="accent1"/>
+          </a:fillRef>
+          <a:effectRef idx="2">
+            <a:schemeClr val="accent1"/>
+          </a:effectRef>
+          <a:fontRef idx="minor">
+            <a:schemeClr val="lt1"/>
+          </a:fontRef>
+        </p:style>
+        <p:txBody>
+          <a:bodyPr rtlCol="0" anchor="ctr"/>
+          <a:lstStyle/>
+          <a:p>
+            <a:r>
+              <a:rPr kumimoji="1" lang="en-US" altLang="ja-JP" sz="800" i="1" dirty="0" smtClean="0">
+                <a:solidFill>
+                  <a:schemeClr val="bg1">
+                    <a:lumMod val="75000"/>
+                  </a:schemeClr>
+                </a:solidFill>
+              </a:rPr>
+              <a:t>First Name</a:t>
+            </a:r>
+            <a:endParaRPr kumimoji="1" lang="ja-JP" altLang="en-US" sz="800" i="1" dirty="0">
+              <a:solidFill>
+                <a:schemeClr val="bg1">
+                  <a:lumMod val="75000"/>
+                </a:schemeClr>
+              </a:solidFill>
+            </a:endParaRPr>
+          </a:p>
+        </p:txBody>
+      </p:sp>
+      <p:sp>
+        <p:nvSpPr>
+          <p:cNvPr id="71" name="TextBox 70"/>
+          <p:cNvSpPr txBox="1"/>
+          <p:nvPr/>
+        </p:nvSpPr>
+        <p:spPr>
+          <a:xfrm>
+            <a:off x="4240656" y="2870176"/>
+            <a:ext cx="732893" cy="246221"/>
+          </a:xfrm>
+          <a:prstGeom prst="rect">
+            <a:avLst/>
+          </a:prstGeom>
+          <a:noFill/>
+        </p:spPr>
+        <p:txBody>
+          <a:bodyPr wrap="none" rtlCol="0">
+            <a:spAutoFit/>
+          </a:bodyPr>
+          <a:lstStyle/>
+          <a:p>
+            <a:r>
+              <a:rPr kumimoji="1" lang="en-US" altLang="ja-JP" sz="1000" dirty="0" smtClean="0"/>
+              <a:t>Last Name</a:t>
+            </a:r>
+            <a:endParaRPr kumimoji="1" lang="ja-JP" altLang="en-US" sz="1000" dirty="0"/>
+          </a:p>
+        </p:txBody>
+      </p:sp>
+      <p:sp>
+        <p:nvSpPr>
+          <p:cNvPr id="72" name="Rectangle 71"/>
+          <p:cNvSpPr/>
+          <p:nvPr/>
+        </p:nvSpPr>
+        <p:spPr>
+          <a:xfrm>
+            <a:off x="4309964" y="3151393"/>
+            <a:ext cx="953967" cy="204102"/>
+          </a:xfrm>
+          <a:prstGeom prst="rect">
+            <a:avLst/>
+          </a:prstGeom>
+          <a:ln>
+            <a:solidFill>
+              <a:schemeClr val="tx1"/>
+            </a:solidFill>
+          </a:ln>
+          <a:effectLst/>
+        </p:spPr>
+        <p:style>
+          <a:lnRef idx="1">
+            <a:schemeClr val="accent1"/>
+          </a:lnRef>
+          <a:fillRef idx="3">
+            <a:schemeClr val="accent1"/>
+          </a:fillRef>
+          <a:effectRef idx="2">
+            <a:schemeClr val="accent1"/>
+          </a:effectRef>
+          <a:fontRef idx="minor">
+            <a:schemeClr val="lt1"/>
+          </a:fontRef>
+        </p:style>
+        <p:txBody>
+          <a:bodyPr rtlCol="0" anchor="ctr"/>
+          <a:lstStyle/>
+          <a:p>
+            <a:r>
+              <a:rPr kumimoji="1" lang="en-US" altLang="ja-JP" sz="800" i="1" dirty="0" smtClean="0">
+                <a:solidFill>
+                  <a:schemeClr val="bg1">
+                    <a:lumMod val="75000"/>
+                  </a:schemeClr>
+                </a:solidFill>
+              </a:rPr>
+              <a:t>Last Name</a:t>
+            </a:r>
+            <a:endParaRPr kumimoji="1" lang="ja-JP" altLang="en-US" sz="800" i="1" dirty="0">
+              <a:solidFill>
+                <a:schemeClr val="bg1">
+                  <a:lumMod val="75000"/>
+                </a:schemeClr>
+              </a:solidFill>
+            </a:endParaRPr>
+          </a:p>
+        </p:txBody>
+      </p:sp>
+      <p:sp>
+        <p:nvSpPr>
+          <p:cNvPr id="73" name="TextBox 72"/>
+          <p:cNvSpPr txBox="1"/>
+          <p:nvPr/>
+        </p:nvSpPr>
+        <p:spPr>
+          <a:xfrm>
+            <a:off x="3168774" y="3403041"/>
+            <a:ext cx="601447" cy="246221"/>
+          </a:xfrm>
+          <a:prstGeom prst="rect">
+            <a:avLst/>
+          </a:prstGeom>
+          <a:noFill/>
+        </p:spPr>
+        <p:txBody>
+          <a:bodyPr wrap="none" rtlCol="0">
+            <a:spAutoFit/>
+          </a:bodyPr>
+          <a:lstStyle/>
+          <a:p>
+            <a:r>
+              <a:rPr kumimoji="1" lang="en-US" altLang="ja-JP" sz="1000" dirty="0" smtClean="0"/>
+              <a:t>Address</a:t>
+            </a:r>
+            <a:endParaRPr kumimoji="1" lang="ja-JP" altLang="en-US" sz="1000" dirty="0"/>
+          </a:p>
+        </p:txBody>
+      </p:sp>
+      <p:sp>
+        <p:nvSpPr>
+          <p:cNvPr id="74" name="Rectangle 73"/>
+          <p:cNvSpPr/>
+          <p:nvPr/>
+        </p:nvSpPr>
+        <p:spPr>
+          <a:xfrm>
+            <a:off x="3233899" y="3687847"/>
+            <a:ext cx="2025687" cy="209618"/>
+          </a:xfrm>
+          <a:prstGeom prst="rect">
+            <a:avLst/>
+          </a:prstGeom>
+          <a:ln>
+            <a:solidFill>
+              <a:schemeClr val="tx1"/>
+            </a:solidFill>
+          </a:ln>
+          <a:effectLst/>
+        </p:spPr>
+        <p:style>
+          <a:lnRef idx="1">
+            <a:schemeClr val="accent1"/>
+          </a:lnRef>
+          <a:fillRef idx="3">
+            <a:schemeClr val="accent1"/>
+          </a:fillRef>
+          <a:effectRef idx="2">
+            <a:schemeClr val="accent1"/>
+          </a:effectRef>
+          <a:fontRef idx="minor">
+            <a:schemeClr val="lt1"/>
+          </a:fontRef>
+        </p:style>
+        <p:txBody>
+          <a:bodyPr rtlCol="0" anchor="ctr"/>
+          <a:lstStyle/>
+          <a:p>
+            <a:r>
+              <a:rPr kumimoji="1" lang="en-US" altLang="ja-JP" sz="800" i="1" dirty="0" smtClean="0">
+                <a:solidFill>
+                  <a:schemeClr val="bg1">
+                    <a:lumMod val="75000"/>
+                  </a:schemeClr>
+                </a:solidFill>
+              </a:rPr>
+              <a:t>Address</a:t>
+            </a:r>
+            <a:endParaRPr kumimoji="1" lang="ja-JP" altLang="en-US" sz="800" i="1" dirty="0">
+              <a:solidFill>
+                <a:schemeClr val="bg1">
+                  <a:lumMod val="75000"/>
+                </a:schemeClr>
+              </a:solidFill>
+            </a:endParaRPr>
+          </a:p>
+        </p:txBody>
+      </p:sp>
+      <p:sp>
+        <p:nvSpPr>
+          <p:cNvPr id="75" name="Rectangle 74"/>
+          <p:cNvSpPr/>
+          <p:nvPr/>
+        </p:nvSpPr>
+        <p:spPr>
+          <a:xfrm>
+            <a:off x="4060829" y="4034490"/>
+            <a:ext cx="558800" cy="209383"/>
+          </a:xfrm>
+          <a:prstGeom prst="rect">
+            <a:avLst/>
+          </a:prstGeom>
+        </p:spPr>
+        <p:style>
+          <a:lnRef idx="1">
+            <a:schemeClr val="accent1"/>
+          </a:lnRef>
+          <a:fillRef idx="3">
+            <a:schemeClr val="accent1"/>
+          </a:fillRef>
+          <a:effectRef idx="2">
+            <a:schemeClr val="accent1"/>
+          </a:effectRef>
+          <a:fontRef idx="minor">
+            <a:schemeClr val="lt1"/>
+          </a:fontRef>
+        </p:style>
+        <p:txBody>
+          <a:bodyPr rtlCol="0" anchor="ctr"/>
+          <a:lstStyle/>
+          <a:p>
+            <a:pPr algn="ctr"/>
+            <a:r>
+              <a:rPr kumimoji="1" lang="en-US" altLang="ja-JP" sz="1000" dirty="0" smtClean="0"/>
+              <a:t>Save</a:t>
+            </a:r>
+            <a:endParaRPr kumimoji="1" lang="ja-JP" altLang="en-US" sz="1000" dirty="0"/>
+          </a:p>
+        </p:txBody>
+      </p:sp>
+      <p:sp>
+        <p:nvSpPr>
+          <p:cNvPr id="76" name="Rectangle 75"/>
+          <p:cNvSpPr/>
+          <p:nvPr/>
+        </p:nvSpPr>
+        <p:spPr>
+          <a:xfrm>
+            <a:off x="4705131" y="4034491"/>
+            <a:ext cx="558800" cy="209383"/>
+          </a:xfrm>
+          <a:prstGeom prst="rect">
+            <a:avLst/>
+          </a:prstGeom>
+        </p:spPr>
+        <p:style>
+          <a:lnRef idx="1">
+            <a:schemeClr val="accent1"/>
+          </a:lnRef>
+          <a:fillRef idx="3">
+            <a:schemeClr val="accent1"/>
+          </a:fillRef>
+          <a:effectRef idx="2">
+            <a:schemeClr val="accent1"/>
+          </a:effectRef>
+          <a:fontRef idx="minor">
+            <a:schemeClr val="lt1"/>
+          </a:fontRef>
+        </p:style>
+        <p:txBody>
+          <a:bodyPr rtlCol="0" anchor="ctr"/>
+          <a:lstStyle/>
+          <a:p>
+            <a:pPr algn="ctr"/>
+            <a:r>
+              <a:rPr kumimoji="1" lang="en-US" altLang="ja-JP" sz="1000" dirty="0" smtClean="0"/>
+              <a:t>Cancel</a:t>
+            </a:r>
+            <a:endParaRPr kumimoji="1" lang="ja-JP" altLang="en-US" sz="1000" dirty="0"/>
+          </a:p>
+        </p:txBody>
+      </p:sp>
+      <p:sp>
+        <p:nvSpPr>
+          <p:cNvPr id="79" name="TextBox 78"/>
+          <p:cNvSpPr txBox="1"/>
+          <p:nvPr/>
+        </p:nvSpPr>
+        <p:spPr>
+          <a:xfrm>
+            <a:off x="3796911" y="2078004"/>
+            <a:ext cx="887487" cy="276999"/>
+          </a:xfrm>
+          <a:prstGeom prst="rect">
+            <a:avLst/>
+          </a:prstGeom>
+          <a:noFill/>
+        </p:spPr>
+        <p:txBody>
+          <a:bodyPr wrap="none" rtlCol="0">
+            <a:spAutoFit/>
+          </a:bodyPr>
+          <a:lstStyle/>
+          <a:p>
+            <a:r>
+              <a:rPr kumimoji="1" lang="en-US" altLang="ja-JP" sz="1200" b="1" dirty="0" smtClean="0"/>
+              <a:t>Edit Profile</a:t>
+            </a:r>
+            <a:endParaRPr kumimoji="1" lang="ja-JP" altLang="en-US" sz="1200" b="1" dirty="0"/>
+          </a:p>
+        </p:txBody>
+      </p:sp>
+      <p:graphicFrame>
+        <p:nvGraphicFramePr>
+          <p:cNvPr id="87" name="Table 86"/>
+          <p:cNvGraphicFramePr>
+            <a:graphicFrameLocks noGrp="1"/>
+          </p:cNvGraphicFramePr>
+          <p:nvPr>
+            <p:extLst>
+              <p:ext uri="{D42A27DB-BD31-4B8C-83A1-F6EECF244321}">
+                <p14:modId xmlns:p14="http://schemas.microsoft.com/office/powerpoint/2010/main" val="1134262050"/>
+              </p:ext>
+            </p:extLst>
+          </p:nvPr>
+        </p:nvGraphicFramePr>
+        <p:xfrm>
+          <a:off x="6764863" y="746700"/>
+          <a:ext cx="3903137" cy="5077338"/>
+        </p:xfrm>
+        <a:graphic>
+          <a:graphicData uri="http://schemas.openxmlformats.org/drawingml/2006/table">
+            <a:tbl>
+              <a:tblPr firstRow="1" bandRow="1">
+                <a:tableStyleId>{5202B0CA-FC54-4496-8BCA-5EF66A818D29}</a:tableStyleId>
+              </a:tblPr>
+              <a:tblGrid>
+                <a:gridCol w="355505"/>
+                <a:gridCol w="992448"/>
+                <a:gridCol w="725819"/>
+                <a:gridCol w="1370172"/>
+                <a:gridCol w="459193"/>
+              </a:tblGrid>
+              <a:tr h="327082">
+                <a:tc>
+                  <a:txBody>
+                    <a:bodyPr/>
+                    <a:lstStyle/>
+                    <a:p>
+                      <a:r>
+                        <a:rPr kumimoji="1" lang="en-US" altLang="ja-JP" sz="1000" dirty="0"/>
+                        <a:t>No</a:t>
+                      </a:r>
+                      <a:endParaRPr kumimoji="1" lang="ja-JP" altLang="en-US" sz="1000" dirty="0"/>
+                    </a:p>
+                  </a:txBody>
+                  <a:tcPr/>
+                </a:tc>
+                <a:tc>
+                  <a:txBody>
+                    <a:bodyPr/>
+                    <a:lstStyle/>
+                    <a:p>
+                      <a:r>
+                        <a:rPr kumimoji="1" lang="en-US" altLang="ja-JP" sz="1000" dirty="0"/>
+                        <a:t>Content</a:t>
+                      </a:r>
+                      <a:endParaRPr kumimoji="1" lang="ja-JP" altLang="en-US" sz="1000" dirty="0"/>
+                    </a:p>
+                  </a:txBody>
+                  <a:tcPr/>
+                </a:tc>
+                <a:tc>
+                  <a:txBody>
+                    <a:bodyPr/>
+                    <a:lstStyle/>
+                    <a:p>
+                      <a:r>
+                        <a:rPr kumimoji="1" lang="en-US" altLang="ja-JP" sz="1000" dirty="0"/>
+                        <a:t>Function</a:t>
+                      </a:r>
+                      <a:endParaRPr kumimoji="1" lang="ja-JP" altLang="en-US" sz="1000" dirty="0"/>
+                    </a:p>
+                  </a:txBody>
+                  <a:tcPr/>
+                </a:tc>
+                <a:tc>
+                  <a:txBody>
+                    <a:bodyPr/>
+                    <a:lstStyle/>
+                    <a:p>
+                      <a:r>
+                        <a:rPr kumimoji="1" lang="en-US" altLang="ja-JP" sz="1000" dirty="0"/>
+                        <a:t>Detail/option</a:t>
+                      </a:r>
+                      <a:endParaRPr kumimoji="1" lang="ja-JP" altLang="en-US" sz="1000" dirty="0"/>
+                    </a:p>
+                  </a:txBody>
+                  <a:tcPr/>
+                </a:tc>
+                <a:tc>
+                  <a:txBody>
+                    <a:bodyPr/>
+                    <a:lstStyle/>
+                    <a:p>
+                      <a:r>
+                        <a:rPr kumimoji="1" lang="en-US" altLang="ja-JP" sz="1000"/>
+                        <a:t>Goto</a:t>
+                      </a:r>
+                      <a:endParaRPr kumimoji="1" lang="ja-JP" altLang="en-US" sz="1000"/>
+                    </a:p>
+                  </a:txBody>
+                  <a:tcPr/>
+                </a:tc>
+              </a:tr>
+              <a:tr h="327082">
+                <a:tc>
+                  <a:txBody>
+                    <a:bodyPr/>
+                    <a:lstStyle/>
+                    <a:p>
+                      <a:r>
+                        <a:rPr kumimoji="1" lang="en-GB" altLang="ja-JP" sz="1000" dirty="0" smtClean="0"/>
+                        <a:t>1</a:t>
+                      </a:r>
+                      <a:endParaRPr kumimoji="1" lang="ja-JP" altLang="en-US" sz="1000" dirty="0"/>
+                    </a:p>
+                  </a:txBody>
+                  <a:tcPr/>
+                </a:tc>
+                <a:tc>
+                  <a:txBody>
+                    <a:bodyPr/>
+                    <a:lstStyle/>
+                    <a:p>
+                      <a:r>
+                        <a:rPr kumimoji="1" lang="en-GB" altLang="ja-JP" sz="1000" dirty="0" smtClean="0"/>
+                        <a:t>Username</a:t>
+                      </a:r>
+                      <a:r>
+                        <a:rPr kumimoji="1" lang="en-GB" altLang="ja-JP" sz="1000" baseline="0" dirty="0" smtClean="0"/>
+                        <a:t> </a:t>
+                      </a:r>
+                      <a:r>
+                        <a:rPr kumimoji="1" lang="en-GB" altLang="ja-JP" sz="1000" dirty="0" smtClean="0"/>
+                        <a:t>button</a:t>
+                      </a:r>
+                      <a:endParaRPr kumimoji="1" lang="ja-JP" altLang="en-US" sz="1000" dirty="0"/>
+                    </a:p>
+                  </a:txBody>
+                  <a:tcPr/>
+                </a:tc>
+                <a:tc>
+                  <a:txBody>
+                    <a:bodyPr/>
+                    <a:lstStyle/>
+                    <a:p>
+                      <a:endParaRPr kumimoji="1" lang="ja-JP" altLang="en-US" sz="1000" dirty="0"/>
+                    </a:p>
+                  </a:txBody>
+                  <a:tcPr/>
+                </a:tc>
+                <a:tc>
+                  <a:txBody>
+                    <a:bodyPr/>
+                    <a:lstStyle/>
+                    <a:p>
+                      <a:r>
+                        <a:rPr kumimoji="1" lang="en-GB" altLang="ja-JP" sz="1000" dirty="0" smtClean="0"/>
+                        <a:t>Click =&gt; </a:t>
+                      </a:r>
+                      <a:r>
+                        <a:rPr kumimoji="1" lang="en-GB" altLang="ja-JP" sz="1000" dirty="0" smtClean="0"/>
+                        <a:t>go</a:t>
+                      </a:r>
+                      <a:r>
+                        <a:rPr kumimoji="1" lang="en-GB" altLang="ja-JP" sz="1000" baseline="0" dirty="0" smtClean="0"/>
+                        <a:t> to home page</a:t>
+                      </a:r>
+                      <a:endParaRPr kumimoji="1" lang="ja-JP" altLang="en-US" sz="1000" dirty="0"/>
+                    </a:p>
+                  </a:txBody>
+                  <a:tcPr/>
+                </a:tc>
+                <a:tc>
+                  <a:txBody>
+                    <a:bodyPr/>
+                    <a:lstStyle/>
+                    <a:p>
+                      <a:endParaRPr kumimoji="1" lang="ja-JP" altLang="en-US" sz="1000" dirty="0"/>
+                    </a:p>
+                  </a:txBody>
+                  <a:tcPr/>
+                </a:tc>
+              </a:tr>
+              <a:tr h="327082">
+                <a:tc>
+                  <a:txBody>
+                    <a:bodyPr/>
+                    <a:lstStyle/>
+                    <a:p>
+                      <a:r>
+                        <a:rPr kumimoji="1" lang="en-US" altLang="ja-JP" sz="1000" dirty="0" smtClean="0"/>
+                        <a:t>2</a:t>
+                      </a:r>
+                      <a:endParaRPr kumimoji="1" lang="ja-JP" altLang="en-US" sz="1000" dirty="0"/>
+                    </a:p>
+                  </a:txBody>
+                  <a:tcPr/>
+                </a:tc>
+                <a:tc>
+                  <a:txBody>
+                    <a:bodyPr/>
+                    <a:lstStyle/>
+                    <a:p>
+                      <a:r>
+                        <a:rPr kumimoji="1" lang="en-US" altLang="ja-JP" sz="1000" dirty="0" smtClean="0"/>
+                        <a:t>Edit Profile </a:t>
+                      </a:r>
+                      <a:r>
+                        <a:rPr kumimoji="1" lang="en-US" altLang="ja-JP" sz="1000" baseline="0" dirty="0" smtClean="0"/>
+                        <a:t>button</a:t>
+                      </a:r>
+                      <a:endParaRPr kumimoji="1" lang="ja-JP" altLang="en-US" sz="1000" dirty="0"/>
+                    </a:p>
+                  </a:txBody>
+                  <a:tcPr/>
+                </a:tc>
+                <a:tc>
+                  <a:txBody>
+                    <a:bodyPr/>
+                    <a:lstStyle/>
+                    <a:p>
+                      <a:endParaRPr kumimoji="1" lang="ja-JP" altLang="en-US" sz="1000"/>
+                    </a:p>
+                  </a:txBody>
+                  <a:tcPr/>
+                </a:tc>
+                <a:tc>
+                  <a:txBody>
+                    <a:bodyPr/>
+                    <a:lstStyle/>
+                    <a:p>
+                      <a:r>
+                        <a:rPr kumimoji="1" lang="en-US" altLang="ja-JP" sz="1000" dirty="0" smtClean="0"/>
+                        <a:t>Click =&gt; go to </a:t>
+                      </a:r>
+                      <a:r>
+                        <a:rPr kumimoji="1" lang="en-US" altLang="ja-JP" sz="1000" dirty="0" smtClean="0"/>
+                        <a:t>edit profile page</a:t>
+                      </a:r>
+                      <a:endParaRPr kumimoji="1" lang="ja-JP" altLang="en-US" sz="1000" dirty="0"/>
+                    </a:p>
+                  </a:txBody>
+                  <a:tcPr/>
+                </a:tc>
+                <a:tc>
+                  <a:txBody>
+                    <a:bodyPr/>
+                    <a:lstStyle/>
+                    <a:p>
+                      <a:endParaRPr kumimoji="1" lang="ja-JP" altLang="en-US" sz="1000" dirty="0">
+                        <a:latin typeface="Calibri"/>
+                        <a:cs typeface="Calibri"/>
+                      </a:endParaRPr>
+                    </a:p>
+                  </a:txBody>
+                  <a:tcPr/>
+                </a:tc>
+              </a:tr>
+              <a:tr h="327082">
+                <a:tc>
+                  <a:txBody>
+                    <a:bodyPr/>
+                    <a:lstStyle/>
+                    <a:p>
+                      <a:r>
+                        <a:rPr kumimoji="1" lang="en-US" altLang="ja-JP" sz="1000" dirty="0" smtClean="0"/>
+                        <a:t>3</a:t>
+                      </a:r>
+                      <a:endParaRPr kumimoji="1" lang="ja-JP" altLang="en-US" sz="1000" dirty="0"/>
+                    </a:p>
+                  </a:txBody>
+                  <a:tcPr/>
+                </a:tc>
+                <a:tc>
+                  <a:txBody>
+                    <a:bodyPr/>
+                    <a:lstStyle/>
+                    <a:p>
+                      <a:r>
+                        <a:rPr kumimoji="1" lang="en-US" altLang="ja-JP" sz="1000" dirty="0" smtClean="0"/>
+                        <a:t>Logout Button</a:t>
+                      </a:r>
+                      <a:endParaRPr kumimoji="1" lang="ja-JP" altLang="en-US" sz="1000" dirty="0"/>
+                    </a:p>
+                  </a:txBody>
+                  <a:tcPr/>
+                </a:tc>
+                <a:tc>
+                  <a:txBody>
+                    <a:bodyPr/>
+                    <a:lstStyle/>
+                    <a:p>
+                      <a:endParaRPr kumimoji="1" lang="ja-JP" altLang="en-US" sz="1000"/>
+                    </a:p>
+                  </a:txBody>
+                  <a:tcPr/>
+                </a:tc>
+                <a:tc>
+                  <a:txBody>
+                    <a:bodyPr/>
+                    <a:lstStyle/>
+                    <a:p>
+                      <a:endParaRPr kumimoji="1" lang="ja-JP" altLang="en-US" sz="1000" dirty="0"/>
+                    </a:p>
+                  </a:txBody>
+                  <a:tcPr/>
+                </a:tc>
+                <a:tc>
+                  <a:txBody>
+                    <a:bodyPr/>
+                    <a:lstStyle/>
+                    <a:p>
+                      <a:endParaRPr kumimoji="1" lang="ja-JP" altLang="en-US" sz="1000" dirty="0">
+                        <a:latin typeface="Calibri"/>
+                        <a:cs typeface="Calibri"/>
+                      </a:endParaRPr>
+                    </a:p>
+                  </a:txBody>
+                  <a:tcPr/>
+                </a:tc>
+              </a:tr>
+              <a:tr h="327082">
+                <a:tc>
+                  <a:txBody>
+                    <a:bodyPr/>
+                    <a:lstStyle/>
+                    <a:p>
+                      <a:r>
+                        <a:rPr kumimoji="1" lang="en-US" altLang="ja-JP" sz="1000" dirty="0" smtClean="0"/>
+                        <a:t>4</a:t>
+                      </a:r>
+                      <a:endParaRPr kumimoji="1" lang="ja-JP" altLang="en-US" sz="1000" dirty="0"/>
+                    </a:p>
+                  </a:txBody>
+                  <a:tcPr/>
+                </a:tc>
+                <a:tc>
+                  <a:txBody>
+                    <a:bodyPr/>
+                    <a:lstStyle/>
+                    <a:p>
+                      <a:r>
+                        <a:rPr kumimoji="1" lang="en-US" altLang="ja-JP" sz="1000" dirty="0" smtClean="0"/>
+                        <a:t>Search button</a:t>
+                      </a:r>
+                      <a:endParaRPr kumimoji="1" lang="ja-JP" altLang="en-US" sz="1000" dirty="0"/>
+                    </a:p>
+                  </a:txBody>
+                  <a:tcPr/>
+                </a:tc>
+                <a:tc>
+                  <a:txBody>
+                    <a:bodyPr/>
+                    <a:lstStyle/>
+                    <a:p>
+                      <a:endParaRPr kumimoji="1" lang="ja-JP" altLang="en-US" sz="1000"/>
+                    </a:p>
+                  </a:txBody>
+                  <a:tcPr/>
+                </a:tc>
+                <a:tc>
+                  <a:txBody>
+                    <a:bodyPr/>
+                    <a:lstStyle/>
+                    <a:p>
+                      <a:r>
+                        <a:rPr kumimoji="1" lang="en-GB" altLang="ja-JP" sz="1000" dirty="0" smtClean="0"/>
+                        <a:t>Search all user and all post</a:t>
+                      </a:r>
+                      <a:endParaRPr kumimoji="1" lang="ja-JP" altLang="en-US" sz="1000" dirty="0"/>
+                    </a:p>
+                  </a:txBody>
+                  <a:tcPr/>
+                </a:tc>
+                <a:tc>
+                  <a:txBody>
+                    <a:bodyPr/>
+                    <a:lstStyle/>
+                    <a:p>
+                      <a:endParaRPr kumimoji="1" lang="ja-JP" altLang="en-US" sz="1000" dirty="0">
+                        <a:latin typeface="Calibri"/>
+                        <a:cs typeface="Calibri"/>
+                      </a:endParaRPr>
+                    </a:p>
+                  </a:txBody>
+                  <a:tcPr/>
+                </a:tc>
+              </a:tr>
+              <a:tr h="327082">
+                <a:tc>
+                  <a:txBody>
+                    <a:bodyPr/>
+                    <a:lstStyle/>
+                    <a:p>
+                      <a:r>
+                        <a:rPr kumimoji="1" lang="en-US" altLang="ja-JP" sz="1000" dirty="0" smtClean="0"/>
+                        <a:t>5</a:t>
+                      </a:r>
+                      <a:endParaRPr kumimoji="1" lang="ja-JP" altLang="en-US" sz="1000" dirty="0"/>
+                    </a:p>
+                  </a:txBody>
+                  <a:tcPr/>
+                </a:tc>
+                <a:tc>
+                  <a:txBody>
+                    <a:bodyPr/>
+                    <a:lstStyle/>
+                    <a:p>
+                      <a:r>
+                        <a:rPr kumimoji="1" lang="en-US" altLang="ja-JP" sz="1000" dirty="0" smtClean="0"/>
+                        <a:t>Email</a:t>
+                      </a:r>
+                      <a:endParaRPr kumimoji="1" lang="ja-JP" altLang="en-US" sz="1000" dirty="0"/>
+                    </a:p>
+                  </a:txBody>
+                  <a:tcPr/>
+                </a:tc>
+                <a:tc>
+                  <a:txBody>
+                    <a:bodyPr/>
+                    <a:lstStyle/>
+                    <a:p>
+                      <a:endParaRPr kumimoji="1" lang="ja-JP" altLang="en-US" sz="1000"/>
+                    </a:p>
+                  </a:txBody>
+                  <a:tcPr/>
+                </a:tc>
+                <a:tc>
+                  <a:txBody>
+                    <a:bodyPr/>
+                    <a:lstStyle/>
+                    <a:p>
+                      <a:r>
+                        <a:rPr kumimoji="1" lang="en-GB" altLang="ja-JP" sz="1000" dirty="0" smtClean="0"/>
+                        <a:t>Input email</a:t>
+                      </a:r>
+                      <a:endParaRPr kumimoji="1" lang="ja-JP" altLang="en-US" sz="1000" dirty="0"/>
+                    </a:p>
+                  </a:txBody>
+                  <a:tcPr/>
+                </a:tc>
+                <a:tc>
+                  <a:txBody>
+                    <a:bodyPr/>
+                    <a:lstStyle/>
+                    <a:p>
+                      <a:endParaRPr kumimoji="1" lang="ja-JP" altLang="en-US" sz="1000">
+                        <a:latin typeface="Calibri"/>
+                        <a:cs typeface="Calibri"/>
+                      </a:endParaRPr>
+                    </a:p>
+                  </a:txBody>
+                  <a:tcPr/>
+                </a:tc>
+              </a:tr>
+              <a:tr h="327082">
+                <a:tc>
+                  <a:txBody>
+                    <a:bodyPr/>
+                    <a:lstStyle/>
+                    <a:p>
+                      <a:r>
+                        <a:rPr kumimoji="1" lang="en-US" altLang="ja-JP" sz="1000" dirty="0" smtClean="0"/>
+                        <a:t>6</a:t>
+                      </a:r>
+                      <a:endParaRPr kumimoji="1" lang="ja-JP" altLang="en-US" sz="1000" dirty="0"/>
+                    </a:p>
+                  </a:txBody>
+                  <a:tcPr/>
+                </a:tc>
+                <a:tc>
+                  <a:txBody>
+                    <a:bodyPr/>
+                    <a:lstStyle/>
+                    <a:p>
+                      <a:r>
+                        <a:rPr kumimoji="1" lang="en-US" altLang="ja-JP" sz="1000" dirty="0" smtClean="0"/>
+                        <a:t>First</a:t>
+                      </a:r>
+                      <a:r>
+                        <a:rPr kumimoji="1" lang="en-US" altLang="ja-JP" sz="1000" baseline="0" dirty="0" smtClean="0"/>
+                        <a:t> Name</a:t>
+                      </a:r>
+                      <a:endParaRPr kumimoji="1" lang="ja-JP" altLang="en-US" sz="1000" dirty="0"/>
+                    </a:p>
+                  </a:txBody>
+                  <a:tcPr/>
+                </a:tc>
+                <a:tc>
+                  <a:txBody>
+                    <a:bodyPr/>
+                    <a:lstStyle/>
+                    <a:p>
+                      <a:endParaRPr kumimoji="1" lang="ja-JP" altLang="en-US" sz="1000"/>
+                    </a:p>
+                  </a:txBody>
+                  <a:tcPr/>
+                </a:tc>
+                <a:tc>
+                  <a:txBody>
+                    <a:bodyPr/>
+                    <a:lstStyle/>
+                    <a:p>
+                      <a:r>
+                        <a:rPr kumimoji="1" lang="en-US" altLang="ja-JP" sz="1000" dirty="0" smtClean="0"/>
+                        <a:t>Input first</a:t>
+                      </a:r>
+                      <a:r>
+                        <a:rPr kumimoji="1" lang="en-US" altLang="ja-JP" sz="1000" baseline="0" dirty="0" smtClean="0"/>
+                        <a:t> name</a:t>
+                      </a:r>
+                      <a:endParaRPr kumimoji="1" lang="ja-JP" altLang="en-US" sz="1000" dirty="0"/>
+                    </a:p>
+                  </a:txBody>
+                  <a:tcPr/>
+                </a:tc>
+                <a:tc>
+                  <a:txBody>
+                    <a:bodyPr/>
+                    <a:lstStyle/>
+                    <a:p>
+                      <a:endParaRPr kumimoji="1" lang="ja-JP" altLang="en-US" sz="1000" dirty="0">
+                        <a:latin typeface="Calibri"/>
+                        <a:cs typeface="Calibri"/>
+                      </a:endParaRPr>
+                    </a:p>
+                  </a:txBody>
+                  <a:tcPr/>
+                </a:tc>
+              </a:tr>
+              <a:tr h="327082">
+                <a:tc>
+                  <a:txBody>
+                    <a:bodyPr/>
+                    <a:lstStyle/>
+                    <a:p>
+                      <a:r>
+                        <a:rPr kumimoji="1" lang="en-US" altLang="ja-JP" sz="1000" dirty="0" smtClean="0"/>
+                        <a:t>7</a:t>
+                      </a:r>
+                      <a:endParaRPr kumimoji="1" lang="ja-JP" altLang="en-US" sz="1000" dirty="0"/>
+                    </a:p>
+                  </a:txBody>
+                  <a:tcPr/>
+                </a:tc>
+                <a:tc>
+                  <a:txBody>
+                    <a:bodyPr/>
+                    <a:lstStyle/>
+                    <a:p>
+                      <a:r>
+                        <a:rPr kumimoji="1" lang="en-US" altLang="ja-JP" sz="1000" dirty="0" smtClean="0"/>
+                        <a:t>Last</a:t>
+                      </a:r>
+                      <a:r>
+                        <a:rPr kumimoji="1" lang="en-US" altLang="ja-JP" sz="1000" baseline="0" dirty="0" smtClean="0"/>
+                        <a:t> Name</a:t>
+                      </a:r>
+                      <a:endParaRPr kumimoji="1" lang="ja-JP" altLang="en-US" sz="1000" dirty="0"/>
+                    </a:p>
+                  </a:txBody>
+                  <a:tcPr/>
+                </a:tc>
+                <a:tc>
+                  <a:txBody>
+                    <a:bodyPr/>
+                    <a:lstStyle/>
+                    <a:p>
+                      <a:endParaRPr kumimoji="1" lang="ja-JP" altLang="en-US" sz="1000"/>
+                    </a:p>
+                  </a:txBody>
+                  <a:tcPr/>
+                </a:tc>
+                <a:tc>
+                  <a:txBody>
+                    <a:bodyPr/>
+                    <a:lstStyle/>
+                    <a:p>
+                      <a:r>
+                        <a:rPr kumimoji="1" lang="en-GB" altLang="ja-JP" sz="1000" baseline="0" dirty="0" smtClean="0"/>
+                        <a:t>Input last name</a:t>
+                      </a:r>
+                      <a:endParaRPr kumimoji="1" lang="ja-JP" altLang="en-US" sz="1000" dirty="0"/>
+                    </a:p>
+                  </a:txBody>
+                  <a:tcPr/>
+                </a:tc>
+                <a:tc>
+                  <a:txBody>
+                    <a:bodyPr/>
+                    <a:lstStyle/>
+                    <a:p>
+                      <a:endParaRPr kumimoji="1" lang="ja-JP" altLang="en-US" sz="1000" dirty="0">
+                        <a:latin typeface="Calibri"/>
+                        <a:cs typeface="Calibri"/>
+                      </a:endParaRPr>
+                    </a:p>
+                  </a:txBody>
+                  <a:tcPr/>
+                </a:tc>
+              </a:tr>
+              <a:tr h="327082">
+                <a:tc>
+                  <a:txBody>
+                    <a:bodyPr/>
+                    <a:lstStyle/>
+                    <a:p>
+                      <a:r>
+                        <a:rPr kumimoji="1" lang="en-US" altLang="ja-JP" sz="1000" dirty="0" smtClean="0"/>
+                        <a:t>8</a:t>
+                      </a:r>
+                      <a:endParaRPr kumimoji="1" lang="ja-JP" altLang="en-US" sz="1000" dirty="0"/>
+                    </a:p>
+                  </a:txBody>
+                  <a:tcPr/>
+                </a:tc>
+                <a:tc>
+                  <a:txBody>
+                    <a:bodyPr/>
+                    <a:lstStyle/>
+                    <a:p>
+                      <a:r>
+                        <a:rPr kumimoji="1" lang="en-US" altLang="ja-JP" sz="1000" dirty="0" smtClean="0"/>
+                        <a:t>Address</a:t>
+                      </a:r>
+                      <a:endParaRPr kumimoji="1" lang="ja-JP" altLang="en-US" sz="1000" dirty="0"/>
+                    </a:p>
+                  </a:txBody>
+                  <a:tcPr/>
+                </a:tc>
+                <a:tc>
+                  <a:txBody>
+                    <a:bodyPr/>
+                    <a:lstStyle/>
+                    <a:p>
+                      <a:endParaRPr kumimoji="1" lang="ja-JP" altLang="en-US" sz="1000"/>
+                    </a:p>
+                  </a:txBody>
+                  <a:tcPr/>
+                </a:tc>
+                <a:tc>
+                  <a:txBody>
+                    <a:bodyPr/>
+                    <a:lstStyle/>
+                    <a:p>
+                      <a:pPr marL="0" marR="0" indent="0" algn="l" defTabSz="457200" rtl="0" eaLnBrk="1" fontAlgn="auto" latinLnBrk="0" hangingPunct="1">
+                        <a:lnSpc>
+                          <a:spcPct val="100000"/>
+                        </a:lnSpc>
+                        <a:spcBef>
+                          <a:spcPts val="0"/>
+                        </a:spcBef>
+                        <a:spcAft>
+                          <a:spcPts val="0"/>
+                        </a:spcAft>
+                        <a:buClrTx/>
+                        <a:buSzTx/>
+                        <a:buFontTx/>
+                        <a:buNone/>
+                        <a:tabLst/>
+                        <a:defRPr/>
+                      </a:pPr>
+                      <a:r>
+                        <a:rPr kumimoji="1" lang="en-US" altLang="ja-JP" sz="1000" dirty="0" smtClean="0"/>
+                        <a:t>Input address</a:t>
+                      </a:r>
+                      <a:endParaRPr kumimoji="1" lang="ja-JP" altLang="en-US" sz="1000" dirty="0"/>
+                    </a:p>
+                  </a:txBody>
+                  <a:tcPr/>
+                </a:tc>
+                <a:tc>
+                  <a:txBody>
+                    <a:bodyPr/>
+                    <a:lstStyle/>
+                    <a:p>
+                      <a:endParaRPr kumimoji="1" lang="ja-JP" altLang="en-US" sz="1000" dirty="0">
+                        <a:latin typeface="Calibri"/>
+                        <a:cs typeface="Calibri"/>
+                      </a:endParaRPr>
+                    </a:p>
+                  </a:txBody>
+                  <a:tcPr/>
+                </a:tc>
+              </a:tr>
+              <a:tr h="327082">
+                <a:tc>
+                  <a:txBody>
+                    <a:bodyPr/>
+                    <a:lstStyle/>
+                    <a:p>
+                      <a:r>
+                        <a:rPr kumimoji="1" lang="en-US" altLang="ja-JP" sz="1000" dirty="0" smtClean="0"/>
+                        <a:t>9</a:t>
+                      </a:r>
+                      <a:endParaRPr kumimoji="1" lang="ja-JP" altLang="en-US" sz="1000" dirty="0"/>
+                    </a:p>
+                  </a:txBody>
+                  <a:tcPr/>
+                </a:tc>
+                <a:tc>
+                  <a:txBody>
+                    <a:bodyPr/>
+                    <a:lstStyle/>
+                    <a:p>
+                      <a:r>
+                        <a:rPr kumimoji="1" lang="en-US" altLang="ja-JP" sz="1000" dirty="0" smtClean="0"/>
+                        <a:t>Save button</a:t>
+                      </a:r>
+                      <a:endParaRPr kumimoji="1" lang="ja-JP" altLang="en-US" sz="1000" dirty="0"/>
+                    </a:p>
+                  </a:txBody>
+                  <a:tcPr/>
+                </a:tc>
+                <a:tc>
+                  <a:txBody>
+                    <a:bodyPr/>
+                    <a:lstStyle/>
+                    <a:p>
+                      <a:endParaRPr kumimoji="1" lang="ja-JP" altLang="en-US" sz="1000"/>
+                    </a:p>
+                  </a:txBody>
+                  <a:tcPr/>
+                </a:tc>
+                <a:tc>
+                  <a:txBody>
+                    <a:bodyPr/>
+                    <a:lstStyle/>
+                    <a:p>
+                      <a:pPr marL="0" marR="0" indent="0" algn="l" defTabSz="457200" rtl="0" eaLnBrk="1" fontAlgn="auto" latinLnBrk="0" hangingPunct="1">
+                        <a:lnSpc>
+                          <a:spcPct val="100000"/>
+                        </a:lnSpc>
+                        <a:spcBef>
+                          <a:spcPts val="0"/>
+                        </a:spcBef>
+                        <a:spcAft>
+                          <a:spcPts val="0"/>
+                        </a:spcAft>
+                        <a:buClrTx/>
+                        <a:buSzTx/>
+                        <a:buFontTx/>
+                        <a:buNone/>
+                        <a:tabLst/>
+                        <a:defRPr/>
+                      </a:pPr>
+                      <a:endParaRPr kumimoji="1" lang="ja-JP" altLang="en-US" sz="1000" dirty="0">
+                        <a:latin typeface="Calibri" panose="020F0502020204030204" pitchFamily="34" charset="0"/>
+                      </a:endParaRPr>
+                    </a:p>
+                  </a:txBody>
+                  <a:tcPr/>
+                </a:tc>
+                <a:tc>
+                  <a:txBody>
+                    <a:bodyPr/>
+                    <a:lstStyle/>
+                    <a:p>
+                      <a:endParaRPr kumimoji="1" lang="ja-JP" altLang="en-US" sz="1000"/>
+                    </a:p>
+                  </a:txBody>
+                  <a:tcPr/>
+                </a:tc>
+              </a:tr>
+              <a:tr h="327082">
+                <a:tc>
+                  <a:txBody>
+                    <a:bodyPr/>
+                    <a:lstStyle/>
+                    <a:p>
+                      <a:r>
+                        <a:rPr kumimoji="1" lang="en-US" altLang="ja-JP" sz="1000" dirty="0" smtClean="0"/>
+                        <a:t>10</a:t>
+                      </a:r>
+                      <a:endParaRPr kumimoji="1" lang="ja-JP" altLang="en-US" sz="1000" dirty="0"/>
+                    </a:p>
+                  </a:txBody>
+                  <a:tcPr/>
+                </a:tc>
+                <a:tc>
+                  <a:txBody>
+                    <a:bodyPr/>
+                    <a:lstStyle/>
+                    <a:p>
+                      <a:r>
+                        <a:rPr kumimoji="1" lang="en-US" altLang="ja-JP" sz="1000" dirty="0" smtClean="0"/>
+                        <a:t>Cancel</a:t>
+                      </a:r>
+                      <a:r>
+                        <a:rPr kumimoji="1" lang="en-US" altLang="ja-JP" sz="1000" baseline="0" dirty="0" smtClean="0"/>
+                        <a:t> button</a:t>
+                      </a:r>
+                      <a:endParaRPr kumimoji="1" lang="ja-JP" altLang="en-US" sz="1000" dirty="0"/>
+                    </a:p>
+                  </a:txBody>
+                  <a:tcPr/>
+                </a:tc>
+                <a:tc>
+                  <a:txBody>
+                    <a:bodyPr/>
+                    <a:lstStyle/>
+                    <a:p>
+                      <a:endParaRPr kumimoji="1" lang="ja-JP" altLang="en-US" sz="1000"/>
+                    </a:p>
+                  </a:txBody>
+                  <a:tcPr/>
+                </a:tc>
+                <a:tc>
+                  <a:txBody>
+                    <a:bodyPr/>
+                    <a:lstStyle/>
+                    <a:p>
+                      <a:endParaRPr kumimoji="1" lang="ja-JP" altLang="en-US" sz="1000" dirty="0"/>
+                    </a:p>
+                  </a:txBody>
+                  <a:tcPr/>
+                </a:tc>
+                <a:tc>
+                  <a:txBody>
+                    <a:bodyPr/>
+                    <a:lstStyle/>
+                    <a:p>
+                      <a:endParaRPr kumimoji="1" lang="ja-JP" altLang="en-US" sz="1000" dirty="0"/>
+                    </a:p>
+                  </a:txBody>
+                  <a:tcPr/>
+                </a:tc>
+              </a:tr>
+              <a:tr h="327082">
+                <a:tc>
+                  <a:txBody>
+                    <a:bodyPr/>
+                    <a:lstStyle/>
+                    <a:p>
+                      <a:r>
+                        <a:rPr kumimoji="1" lang="en-GB" altLang="ja-JP" sz="1000" dirty="0" smtClean="0"/>
+                        <a:t>11</a:t>
+                      </a:r>
+                      <a:endParaRPr kumimoji="1" lang="ja-JP" altLang="en-US" sz="1000" dirty="0"/>
+                    </a:p>
+                  </a:txBody>
+                  <a:tcPr/>
+                </a:tc>
+                <a:tc>
+                  <a:txBody>
+                    <a:bodyPr/>
+                    <a:lstStyle/>
+                    <a:p>
+                      <a:r>
+                        <a:rPr kumimoji="1" lang="en-GB" altLang="ja-JP" sz="1000" dirty="0" smtClean="0"/>
+                        <a:t>Edit Profile button</a:t>
+                      </a:r>
+                      <a:endParaRPr kumimoji="1" lang="ja-JP" altLang="en-US" sz="1000" dirty="0"/>
+                    </a:p>
+                  </a:txBody>
+                  <a:tcPr/>
+                </a:tc>
+                <a:tc>
+                  <a:txBody>
+                    <a:bodyPr/>
+                    <a:lstStyle/>
+                    <a:p>
+                      <a:endParaRPr kumimoji="1" lang="ja-JP" altLang="en-US" sz="1000"/>
+                    </a:p>
+                  </a:txBody>
+                  <a:tcPr/>
+                </a:tc>
+                <a:tc>
+                  <a:txBody>
+                    <a:bodyPr/>
+                    <a:lstStyle/>
+                    <a:p>
+                      <a:pPr marL="0" marR="0" indent="0" algn="l" defTabSz="914400" rtl="0" eaLnBrk="1" fontAlgn="auto" latinLnBrk="0" hangingPunct="1">
+                        <a:lnSpc>
+                          <a:spcPct val="100000"/>
+                        </a:lnSpc>
+                        <a:spcBef>
+                          <a:spcPts val="0"/>
+                        </a:spcBef>
+                        <a:spcAft>
+                          <a:spcPts val="0"/>
+                        </a:spcAft>
+                        <a:buClrTx/>
+                        <a:buSzTx/>
+                        <a:buFontTx/>
+                        <a:buNone/>
+                        <a:tabLst/>
+                        <a:defRPr/>
+                      </a:pPr>
+                      <a:r>
+                        <a:rPr kumimoji="1" lang="en-GB" altLang="ja-JP" sz="1000" dirty="0" smtClean="0">
+                          <a:latin typeface="Calibri" panose="020F0502020204030204" pitchFamily="34" charset="0"/>
+                        </a:rPr>
+                        <a:t>Click =&gt; go to  edit</a:t>
+                      </a:r>
+                      <a:r>
+                        <a:rPr kumimoji="1" lang="en-GB" altLang="ja-JP" sz="1000" baseline="0" dirty="0" smtClean="0">
+                          <a:latin typeface="Calibri" panose="020F0502020204030204" pitchFamily="34" charset="0"/>
+                        </a:rPr>
+                        <a:t> profile page</a:t>
+                      </a:r>
+                      <a:endParaRPr kumimoji="1" lang="ja-JP" altLang="en-US" sz="1000" dirty="0" smtClean="0">
+                        <a:latin typeface="Calibri" panose="020F0502020204030204" pitchFamily="34" charset="0"/>
+                      </a:endParaRPr>
+                    </a:p>
+                    <a:p>
+                      <a:endParaRPr kumimoji="1" lang="ja-JP" altLang="en-US" sz="1000" dirty="0"/>
+                    </a:p>
+                  </a:txBody>
+                  <a:tcPr/>
+                </a:tc>
+                <a:tc>
+                  <a:txBody>
+                    <a:bodyPr/>
+                    <a:lstStyle/>
+                    <a:p>
+                      <a:endParaRPr kumimoji="1" lang="ja-JP" altLang="en-US" sz="1000" dirty="0"/>
+                    </a:p>
+                  </a:txBody>
+                  <a:tcPr/>
+                </a:tc>
+              </a:tr>
+              <a:tr h="327082">
+                <a:tc>
+                  <a:txBody>
+                    <a:bodyPr/>
+                    <a:lstStyle/>
+                    <a:p>
+                      <a:r>
+                        <a:rPr kumimoji="1" lang="en-GB" altLang="ja-JP" sz="1000" dirty="0" smtClean="0"/>
+                        <a:t>12</a:t>
+                      </a:r>
+                      <a:endParaRPr kumimoji="1" lang="ja-JP" altLang="en-US" sz="1000" dirty="0"/>
+                    </a:p>
+                  </a:txBody>
+                  <a:tcPr/>
+                </a:tc>
+                <a:tc>
+                  <a:txBody>
+                    <a:bodyPr/>
+                    <a:lstStyle/>
+                    <a:p>
+                      <a:r>
+                        <a:rPr kumimoji="1" lang="en-GB" altLang="ja-JP" sz="1000" dirty="0" smtClean="0"/>
+                        <a:t>Change Password</a:t>
+                      </a:r>
+                      <a:endParaRPr kumimoji="1" lang="ja-JP" altLang="en-US" sz="1000" dirty="0"/>
+                    </a:p>
+                  </a:txBody>
+                  <a:tcPr/>
+                </a:tc>
+                <a:tc>
+                  <a:txBody>
+                    <a:bodyPr/>
+                    <a:lstStyle/>
+                    <a:p>
+                      <a:endParaRPr kumimoji="1" lang="ja-JP" altLang="en-US" sz="1000"/>
+                    </a:p>
+                  </a:txBody>
+                  <a:tcPr/>
+                </a:tc>
+                <a:tc>
+                  <a:txBody>
+                    <a:bodyPr/>
+                    <a:lstStyle/>
+                    <a:p>
+                      <a:r>
+                        <a:rPr kumimoji="1" lang="en-GB" altLang="ja-JP" sz="1000" dirty="0" smtClean="0"/>
+                        <a:t>Click =&gt; go to change</a:t>
+                      </a:r>
+                      <a:r>
+                        <a:rPr kumimoji="1" lang="en-GB" altLang="ja-JP" sz="1000" baseline="0" dirty="0" smtClean="0"/>
+                        <a:t> password page</a:t>
+                      </a:r>
+                      <a:endParaRPr kumimoji="1" lang="ja-JP" altLang="en-US" sz="1000" dirty="0"/>
+                    </a:p>
+                  </a:txBody>
+                  <a:tcPr/>
+                </a:tc>
+                <a:tc>
+                  <a:txBody>
+                    <a:bodyPr/>
+                    <a:lstStyle/>
+                    <a:p>
+                      <a:endParaRPr kumimoji="1" lang="ja-JP" altLang="en-US" sz="1000" dirty="0"/>
+                    </a:p>
+                  </a:txBody>
+                  <a:tcPr/>
+                </a:tc>
+              </a:tr>
+              <a:tr h="327082">
+                <a:tc>
+                  <a:txBody>
+                    <a:bodyPr/>
+                    <a:lstStyle/>
+                    <a:p>
+                      <a:r>
+                        <a:rPr kumimoji="1" lang="en-GB" altLang="ja-JP" sz="1000" dirty="0" smtClean="0"/>
+                        <a:t>13</a:t>
+                      </a:r>
+                      <a:endParaRPr kumimoji="1" lang="ja-JP" altLang="en-US" sz="1000" dirty="0"/>
+                    </a:p>
+                  </a:txBody>
+                  <a:tcPr/>
+                </a:tc>
+                <a:tc>
+                  <a:txBody>
+                    <a:bodyPr/>
+                    <a:lstStyle/>
+                    <a:p>
+                      <a:r>
+                        <a:rPr kumimoji="1" lang="en-GB" altLang="ja-JP" sz="1000" dirty="0" smtClean="0"/>
+                        <a:t>Message</a:t>
+                      </a:r>
+                      <a:endParaRPr kumimoji="1" lang="ja-JP" altLang="en-US" sz="1000" dirty="0"/>
+                    </a:p>
+                  </a:txBody>
+                  <a:tcPr/>
+                </a:tc>
+                <a:tc>
+                  <a:txBody>
+                    <a:bodyPr/>
+                    <a:lstStyle/>
+                    <a:p>
+                      <a:endParaRPr kumimoji="1" lang="ja-JP" altLang="en-US" sz="1000"/>
+                    </a:p>
+                  </a:txBody>
+                  <a:tcPr/>
+                </a:tc>
+                <a:tc>
+                  <a:txBody>
+                    <a:bodyPr/>
+                    <a:lstStyle/>
+                    <a:p>
+                      <a:r>
+                        <a:rPr kumimoji="1" lang="en-GB" altLang="ja-JP" sz="1000" dirty="0" smtClean="0"/>
+                        <a:t>Show</a:t>
+                      </a:r>
+                      <a:r>
+                        <a:rPr kumimoji="1" lang="en-GB" altLang="ja-JP" sz="1000" baseline="0" dirty="0" smtClean="0"/>
+                        <a:t> message</a:t>
+                      </a:r>
+                      <a:endParaRPr kumimoji="1" lang="ja-JP" altLang="en-US" sz="1000" dirty="0"/>
+                    </a:p>
+                  </a:txBody>
+                  <a:tcPr/>
+                </a:tc>
+                <a:tc>
+                  <a:txBody>
+                    <a:bodyPr/>
+                    <a:lstStyle/>
+                    <a:p>
+                      <a:endParaRPr kumimoji="1" lang="ja-JP" altLang="en-US" sz="1000" dirty="0"/>
+                    </a:p>
+                  </a:txBody>
+                  <a:tcPr/>
+                </a:tc>
+              </a:tr>
+            </a:tbl>
+          </a:graphicData>
+        </a:graphic>
+      </p:graphicFrame>
+      <p:sp>
+        <p:nvSpPr>
+          <p:cNvPr id="88" name="TextBox 87"/>
+          <p:cNvSpPr txBox="1"/>
+          <p:nvPr/>
+        </p:nvSpPr>
+        <p:spPr>
+          <a:xfrm>
+            <a:off x="3770221" y="1909149"/>
+            <a:ext cx="1020419" cy="246221"/>
+          </a:xfrm>
+          <a:prstGeom prst="rect">
+            <a:avLst/>
+          </a:prstGeom>
+          <a:noFill/>
+        </p:spPr>
+        <p:txBody>
+          <a:bodyPr wrap="none" rtlCol="0">
+            <a:spAutoFit/>
+          </a:bodyPr>
+          <a:lstStyle/>
+          <a:p>
+            <a:r>
+              <a:rPr kumimoji="1" lang="en-US" altLang="ja-JP" sz="1000" dirty="0">
+                <a:solidFill>
+                  <a:srgbClr val="FF0000"/>
+                </a:solidFill>
+              </a:rPr>
+              <a:t>(show message)</a:t>
+            </a:r>
+            <a:endParaRPr kumimoji="1" lang="ja-JP" altLang="en-US" sz="1000" dirty="0">
+              <a:solidFill>
+                <a:srgbClr val="FF0000"/>
+              </a:solidFill>
+            </a:endParaRPr>
+          </a:p>
+        </p:txBody>
+      </p:sp>
+      <p:sp>
+        <p:nvSpPr>
+          <p:cNvPr id="89" name="TextBox 88"/>
+          <p:cNvSpPr txBox="1"/>
+          <p:nvPr/>
+        </p:nvSpPr>
+        <p:spPr>
+          <a:xfrm>
+            <a:off x="4670133" y="1921934"/>
+            <a:ext cx="393056" cy="246221"/>
+          </a:xfrm>
+          <a:prstGeom prst="rect">
+            <a:avLst/>
+          </a:prstGeom>
+          <a:noFill/>
+        </p:spPr>
+        <p:txBody>
+          <a:bodyPr wrap="none" rtlCol="0">
+            <a:spAutoFit/>
+          </a:bodyPr>
+          <a:lstStyle/>
+          <a:p>
+            <a:r>
+              <a:rPr kumimoji="1" lang="en-US" altLang="ja-JP" sz="1000" dirty="0" smtClean="0">
+                <a:solidFill>
+                  <a:srgbClr val="FF0000"/>
+                </a:solidFill>
+              </a:rPr>
+              <a:t>(13)</a:t>
+            </a:r>
+            <a:endParaRPr kumimoji="1" lang="ja-JP" altLang="en-US" sz="1000" dirty="0">
+              <a:solidFill>
+                <a:srgbClr val="FF0000"/>
+              </a:solidFill>
+            </a:endParaRPr>
+          </a:p>
+        </p:txBody>
+      </p:sp>
     </p:spTree>
     <p:extLst>
       <p:ext uri="{BB962C8B-B14F-4D97-AF65-F5344CB8AC3E}">
-        <p14:creationId xmlns:p14="http://schemas.microsoft.com/office/powerpoint/2010/main" val="1447259329"/>
+        <p14:creationId xmlns:p14="http://schemas.microsoft.com/office/powerpoint/2010/main" val="4203822415"/>
+      </p:ext>
+    </p:extLst>
+  </p:cSld>
+  <p:clrMapOvr>
+    <a:masterClrMapping/>
+  </p:clrMapOvr>
+  <p:timing>
+    <p:tnLst>
+      <p:par>
+        <p:cTn id="1" dur="indefinite" restart="never" nodeType="tmRoot"/>
+      </p:par>
+    </p:tnLst>
+  </p:timing>
+</p:sld>
+</file>
+
+<file path=ppt/slides/slide6.xml><?xml version="1.0" encoding="utf-8"?>
+<p:sld xmlns:a="http://schemas.openxmlformats.org/drawingml/2006/main" xmlns:r="http://schemas.openxmlformats.org/officeDocument/2006/relationships" xmlns:p="http://schemas.openxmlformats.org/presentationml/2006/main">
+  <p:cSld>
+    <p:spTree>
+      <p:nvGrpSpPr>
+        <p:cNvPr id="1" name=""/>
+        <p:cNvGrpSpPr/>
+        <p:nvPr/>
+      </p:nvGrpSpPr>
+      <p:grpSpPr>
+        <a:xfrm>
+          <a:off x="0" y="0"/>
+          <a:ext cx="0" cy="0"/>
+          <a:chOff x="0" y="0"/>
+          <a:chExt cx="0" cy="0"/>
+        </a:xfrm>
+      </p:grpSpPr>
+      <p:cxnSp>
+        <p:nvCxnSpPr>
+          <p:cNvPr id="65" name="Straight Connector 64"/>
+          <p:cNvCxnSpPr/>
+          <p:nvPr/>
+        </p:nvCxnSpPr>
+        <p:spPr>
+          <a:xfrm>
+            <a:off x="1524000" y="399143"/>
+            <a:ext cx="9144000" cy="0"/>
+          </a:xfrm>
+          <a:prstGeom prst="line">
+            <a:avLst/>
+          </a:prstGeom>
+        </p:spPr>
+        <p:style>
+          <a:lnRef idx="2">
+            <a:schemeClr val="accent1"/>
+          </a:lnRef>
+          <a:fillRef idx="0">
+            <a:schemeClr val="accent1"/>
+          </a:fillRef>
+          <a:effectRef idx="1">
+            <a:schemeClr val="accent1"/>
+          </a:effectRef>
+          <a:fontRef idx="minor">
+            <a:schemeClr val="tx1"/>
+          </a:fontRef>
+        </p:style>
+      </p:cxnSp>
+      <p:sp>
+        <p:nvSpPr>
+          <p:cNvPr id="66" name="TextBox 65"/>
+          <p:cNvSpPr txBox="1"/>
+          <p:nvPr/>
+        </p:nvSpPr>
+        <p:spPr>
+          <a:xfrm>
+            <a:off x="1717525" y="0"/>
+            <a:ext cx="2304990" cy="369332"/>
+          </a:xfrm>
+          <a:prstGeom prst="rect">
+            <a:avLst/>
+          </a:prstGeom>
+          <a:noFill/>
+        </p:spPr>
+        <p:txBody>
+          <a:bodyPr wrap="none" rtlCol="0">
+            <a:spAutoFit/>
+          </a:bodyPr>
+          <a:lstStyle/>
+          <a:p>
+            <a:r>
+              <a:rPr kumimoji="1" lang="en-US" altLang="ja-JP" dirty="0" smtClean="0"/>
+              <a:t>S-3-3 </a:t>
+            </a:r>
+            <a:r>
+              <a:rPr kumimoji="1" lang="en-US" altLang="ja-JP" dirty="0" err="1" smtClean="0"/>
+              <a:t>ChangePassword</a:t>
+            </a:r>
+            <a:endParaRPr kumimoji="1" lang="ja-JP" altLang="en-US" dirty="0"/>
+          </a:p>
+        </p:txBody>
+      </p:sp>
+      <p:sp useBgFill="1">
+        <p:nvSpPr>
+          <p:cNvPr id="2" name="Rectangle 1"/>
+          <p:cNvSpPr/>
+          <p:nvPr/>
+        </p:nvSpPr>
+        <p:spPr>
+          <a:xfrm>
+            <a:off x="1911047" y="749872"/>
+            <a:ext cx="4582518" cy="4325711"/>
+          </a:xfrm>
+          <a:prstGeom prst="rect">
+            <a:avLst/>
+          </a:prstGeom>
+          <a:ln>
+            <a:solidFill>
+              <a:schemeClr val="tx1"/>
+            </a:solidFill>
+          </a:ln>
+          <a:effectLst/>
+        </p:spPr>
+        <p:style>
+          <a:lnRef idx="1">
+            <a:schemeClr val="accent1"/>
+          </a:lnRef>
+          <a:fillRef idx="3">
+            <a:schemeClr val="accent1"/>
+          </a:fillRef>
+          <a:effectRef idx="2">
+            <a:schemeClr val="accent1"/>
+          </a:effectRef>
+          <a:fontRef idx="minor">
+            <a:schemeClr val="lt1"/>
+          </a:fontRef>
+        </p:style>
+        <p:txBody>
+          <a:bodyPr rtlCol="0" anchor="ctr"/>
+          <a:lstStyle/>
+          <a:p>
+            <a:pPr algn="ctr"/>
+            <a:endParaRPr kumimoji="1" lang="ja-JP" altLang="en-US">
+              <a:solidFill>
+                <a:srgbClr val="FF0000"/>
+              </a:solidFill>
+            </a:endParaRPr>
+          </a:p>
+        </p:txBody>
+      </p:sp>
+      <p:sp>
+        <p:nvSpPr>
+          <p:cNvPr id="3" name="Rectangle 2"/>
+          <p:cNvSpPr/>
+          <p:nvPr/>
+        </p:nvSpPr>
+        <p:spPr>
+          <a:xfrm>
+            <a:off x="2190248" y="822794"/>
+            <a:ext cx="1196687" cy="400110"/>
+          </a:xfrm>
+          <a:prstGeom prst="rect">
+            <a:avLst/>
+          </a:prstGeom>
+          <a:noFill/>
+        </p:spPr>
+        <p:txBody>
+          <a:bodyPr wrap="none" lIns="91440" tIns="45720" rIns="91440" bIns="45720">
+            <a:spAutoFit/>
+          </a:bodyPr>
+          <a:lstStyle/>
+          <a:p>
+            <a:pPr algn="ctr"/>
+            <a:r>
+              <a:rPr lang="en-US" altLang="ja-JP" sz="2000" b="1" dirty="0">
+                <a:ln w="12700">
+                  <a:solidFill>
+                    <a:schemeClr val="tx2">
+                      <a:satMod val="155000"/>
+                    </a:schemeClr>
+                  </a:solidFill>
+                  <a:prstDash val="solid"/>
+                </a:ln>
+                <a:solidFill>
+                  <a:schemeClr val="bg2">
+                    <a:tint val="85000"/>
+                    <a:satMod val="155000"/>
+                  </a:schemeClr>
+                </a:solidFill>
+                <a:effectLst>
+                  <a:outerShdw blurRad="41275" dist="20320" dir="1800000" algn="tl" rotWithShape="0">
+                    <a:srgbClr val="000000">
+                      <a:alpha val="40000"/>
+                    </a:srgbClr>
+                  </a:outerShdw>
+                </a:effectLst>
+              </a:rPr>
+              <a:t>Mini Blog</a:t>
+            </a:r>
+          </a:p>
+        </p:txBody>
+      </p:sp>
+      <p:sp>
+        <p:nvSpPr>
+          <p:cNvPr id="7" name="Rectangle 6"/>
+          <p:cNvSpPr/>
+          <p:nvPr/>
+        </p:nvSpPr>
+        <p:spPr>
+          <a:xfrm>
+            <a:off x="2001876" y="1420805"/>
+            <a:ext cx="1871134" cy="192975"/>
+          </a:xfrm>
+          <a:prstGeom prst="rect">
+            <a:avLst/>
+          </a:prstGeom>
+          <a:ln>
+            <a:solidFill>
+              <a:schemeClr val="tx1"/>
+            </a:solidFill>
+          </a:ln>
+          <a:effectLst/>
+        </p:spPr>
+        <p:style>
+          <a:lnRef idx="1">
+            <a:schemeClr val="accent1"/>
+          </a:lnRef>
+          <a:fillRef idx="3">
+            <a:schemeClr val="accent1"/>
+          </a:fillRef>
+          <a:effectRef idx="2">
+            <a:schemeClr val="accent1"/>
+          </a:effectRef>
+          <a:fontRef idx="minor">
+            <a:schemeClr val="lt1"/>
+          </a:fontRef>
+        </p:style>
+        <p:txBody>
+          <a:bodyPr rtlCol="0" anchor="ctr"/>
+          <a:lstStyle/>
+          <a:p>
+            <a:r>
+              <a:rPr kumimoji="1" lang="en-US" altLang="ja-JP" sz="800" i="1" dirty="0" smtClean="0">
+                <a:solidFill>
+                  <a:schemeClr val="bg1">
+                    <a:lumMod val="75000"/>
+                  </a:schemeClr>
+                </a:solidFill>
+              </a:rPr>
+              <a:t>Search user and post</a:t>
+            </a:r>
+            <a:endParaRPr kumimoji="1" lang="ja-JP" altLang="en-US" sz="800" i="1" dirty="0">
+              <a:solidFill>
+                <a:schemeClr val="bg1">
+                  <a:lumMod val="75000"/>
+                </a:schemeClr>
+              </a:solidFill>
+            </a:endParaRPr>
+          </a:p>
+        </p:txBody>
+      </p:sp>
+      <p:sp>
+        <p:nvSpPr>
+          <p:cNvPr id="8" name="Rectangle 7"/>
+          <p:cNvSpPr/>
+          <p:nvPr/>
+        </p:nvSpPr>
+        <p:spPr>
+          <a:xfrm>
+            <a:off x="3937000" y="1420805"/>
+            <a:ext cx="558800" cy="209383"/>
+          </a:xfrm>
+          <a:prstGeom prst="rect">
+            <a:avLst/>
+          </a:prstGeom>
+        </p:spPr>
+        <p:style>
+          <a:lnRef idx="1">
+            <a:schemeClr val="accent1"/>
+          </a:lnRef>
+          <a:fillRef idx="3">
+            <a:schemeClr val="accent1"/>
+          </a:fillRef>
+          <a:effectRef idx="2">
+            <a:schemeClr val="accent1"/>
+          </a:effectRef>
+          <a:fontRef idx="minor">
+            <a:schemeClr val="lt1"/>
+          </a:fontRef>
+        </p:style>
+        <p:txBody>
+          <a:bodyPr rtlCol="0" anchor="ctr"/>
+          <a:lstStyle/>
+          <a:p>
+            <a:pPr algn="ctr"/>
+            <a:r>
+              <a:rPr kumimoji="1" lang="en-US" altLang="ja-JP" sz="1000" dirty="0"/>
+              <a:t>Search</a:t>
+            </a:r>
+            <a:endParaRPr kumimoji="1" lang="ja-JP" altLang="en-US" sz="1000" dirty="0"/>
+          </a:p>
+        </p:txBody>
+      </p:sp>
+      <p:cxnSp>
+        <p:nvCxnSpPr>
+          <p:cNvPr id="13" name="Straight Connector 12"/>
+          <p:cNvCxnSpPr/>
+          <p:nvPr/>
+        </p:nvCxnSpPr>
+        <p:spPr>
+          <a:xfrm flipV="1">
+            <a:off x="2001877" y="1909149"/>
+            <a:ext cx="4389090" cy="12785"/>
+          </a:xfrm>
+          <a:prstGeom prst="line">
+            <a:avLst/>
+          </a:prstGeom>
+          <a:ln w="3175" cmpd="sng">
+            <a:solidFill>
+              <a:schemeClr val="bg1">
+                <a:lumMod val="75000"/>
+              </a:schemeClr>
+            </a:solidFill>
+          </a:ln>
+          <a:effectLst/>
+        </p:spPr>
+        <p:style>
+          <a:lnRef idx="2">
+            <a:schemeClr val="accent1"/>
+          </a:lnRef>
+          <a:fillRef idx="0">
+            <a:schemeClr val="accent1"/>
+          </a:fillRef>
+          <a:effectRef idx="1">
+            <a:schemeClr val="accent1"/>
+          </a:effectRef>
+          <a:fontRef idx="minor">
+            <a:schemeClr val="tx1"/>
+          </a:fontRef>
+        </p:style>
+      </p:cxnSp>
+      <p:sp>
+        <p:nvSpPr>
+          <p:cNvPr id="82" name="TextBox 81"/>
+          <p:cNvSpPr txBox="1"/>
+          <p:nvPr/>
+        </p:nvSpPr>
+        <p:spPr>
+          <a:xfrm>
+            <a:off x="4973549" y="556101"/>
+            <a:ext cx="327433" cy="246221"/>
+          </a:xfrm>
+          <a:prstGeom prst="rect">
+            <a:avLst/>
+          </a:prstGeom>
+          <a:noFill/>
+        </p:spPr>
+        <p:txBody>
+          <a:bodyPr wrap="none" rtlCol="0">
+            <a:spAutoFit/>
+          </a:bodyPr>
+          <a:lstStyle/>
+          <a:p>
+            <a:r>
+              <a:rPr kumimoji="1" lang="en-US" altLang="ja-JP" sz="1000" dirty="0">
+                <a:solidFill>
+                  <a:srgbClr val="FF0000"/>
+                </a:solidFill>
+              </a:rPr>
+              <a:t>(1)</a:t>
+            </a:r>
+            <a:endParaRPr kumimoji="1" lang="ja-JP" altLang="en-US" sz="1000" dirty="0">
+              <a:solidFill>
+                <a:srgbClr val="FF0000"/>
+              </a:solidFill>
+            </a:endParaRPr>
+          </a:p>
+        </p:txBody>
+      </p:sp>
+      <p:sp>
+        <p:nvSpPr>
+          <p:cNvPr id="83" name="TextBox 82"/>
+          <p:cNvSpPr txBox="1"/>
+          <p:nvPr/>
+        </p:nvSpPr>
+        <p:spPr>
+          <a:xfrm>
+            <a:off x="5510209" y="541575"/>
+            <a:ext cx="327433" cy="246221"/>
+          </a:xfrm>
+          <a:prstGeom prst="rect">
+            <a:avLst/>
+          </a:prstGeom>
+          <a:noFill/>
+        </p:spPr>
+        <p:txBody>
+          <a:bodyPr wrap="none" rtlCol="0">
+            <a:spAutoFit/>
+          </a:bodyPr>
+          <a:lstStyle/>
+          <a:p>
+            <a:r>
+              <a:rPr kumimoji="1" lang="en-US" altLang="ja-JP" sz="1000" dirty="0">
+                <a:solidFill>
+                  <a:srgbClr val="FF0000"/>
+                </a:solidFill>
+              </a:rPr>
+              <a:t>(2)</a:t>
+            </a:r>
+            <a:endParaRPr kumimoji="1" lang="ja-JP" altLang="en-US" sz="1000" dirty="0">
+              <a:solidFill>
+                <a:srgbClr val="FF0000"/>
+              </a:solidFill>
+            </a:endParaRPr>
+          </a:p>
+        </p:txBody>
+      </p:sp>
+      <p:sp>
+        <p:nvSpPr>
+          <p:cNvPr id="84" name="TextBox 83"/>
+          <p:cNvSpPr txBox="1"/>
+          <p:nvPr/>
+        </p:nvSpPr>
+        <p:spPr>
+          <a:xfrm>
+            <a:off x="6063534" y="541575"/>
+            <a:ext cx="327433" cy="246221"/>
+          </a:xfrm>
+          <a:prstGeom prst="rect">
+            <a:avLst/>
+          </a:prstGeom>
+          <a:noFill/>
+        </p:spPr>
+        <p:txBody>
+          <a:bodyPr wrap="none" rtlCol="0">
+            <a:spAutoFit/>
+          </a:bodyPr>
+          <a:lstStyle/>
+          <a:p>
+            <a:r>
+              <a:rPr kumimoji="1" lang="en-US" altLang="ja-JP" sz="1000" dirty="0">
+                <a:solidFill>
+                  <a:srgbClr val="FF0000"/>
+                </a:solidFill>
+              </a:rPr>
+              <a:t>(3)</a:t>
+            </a:r>
+            <a:endParaRPr kumimoji="1" lang="ja-JP" altLang="en-US" sz="1000" dirty="0">
+              <a:solidFill>
+                <a:srgbClr val="FF0000"/>
+              </a:solidFill>
+            </a:endParaRPr>
+          </a:p>
+        </p:txBody>
+      </p:sp>
+      <p:sp>
+        <p:nvSpPr>
+          <p:cNvPr id="85" name="TextBox 84"/>
+          <p:cNvSpPr txBox="1"/>
+          <p:nvPr/>
+        </p:nvSpPr>
+        <p:spPr>
+          <a:xfrm>
+            <a:off x="4455913" y="1410171"/>
+            <a:ext cx="327433" cy="246221"/>
+          </a:xfrm>
+          <a:prstGeom prst="rect">
+            <a:avLst/>
+          </a:prstGeom>
+          <a:noFill/>
+        </p:spPr>
+        <p:txBody>
+          <a:bodyPr wrap="none" rtlCol="0">
+            <a:spAutoFit/>
+          </a:bodyPr>
+          <a:lstStyle/>
+          <a:p>
+            <a:r>
+              <a:rPr kumimoji="1" lang="en-US" altLang="ja-JP" sz="1000" dirty="0">
+                <a:solidFill>
+                  <a:srgbClr val="FF0000"/>
+                </a:solidFill>
+              </a:rPr>
+              <a:t>(4)</a:t>
+            </a:r>
+            <a:endParaRPr kumimoji="1" lang="ja-JP" altLang="en-US" sz="1000" dirty="0">
+              <a:solidFill>
+                <a:srgbClr val="FF0000"/>
+              </a:solidFill>
+            </a:endParaRPr>
+          </a:p>
+        </p:txBody>
+      </p:sp>
+      <p:sp>
+        <p:nvSpPr>
+          <p:cNvPr id="22" name="TextBox 21"/>
+          <p:cNvSpPr txBox="1"/>
+          <p:nvPr/>
+        </p:nvSpPr>
+        <p:spPr>
+          <a:xfrm>
+            <a:off x="5263931" y="2585978"/>
+            <a:ext cx="327433" cy="246221"/>
+          </a:xfrm>
+          <a:prstGeom prst="rect">
+            <a:avLst/>
+          </a:prstGeom>
+          <a:noFill/>
+        </p:spPr>
+        <p:txBody>
+          <a:bodyPr wrap="none" rtlCol="0">
+            <a:spAutoFit/>
+          </a:bodyPr>
+          <a:lstStyle/>
+          <a:p>
+            <a:r>
+              <a:rPr kumimoji="1" lang="en-US" altLang="ja-JP" sz="1000" dirty="0">
+                <a:solidFill>
+                  <a:srgbClr val="FF0000"/>
+                </a:solidFill>
+              </a:rPr>
+              <a:t>(5)</a:t>
+            </a:r>
+            <a:endParaRPr kumimoji="1" lang="ja-JP" altLang="en-US" sz="1000" dirty="0">
+              <a:solidFill>
+                <a:srgbClr val="FF0000"/>
+              </a:solidFill>
+            </a:endParaRPr>
+          </a:p>
+        </p:txBody>
+      </p:sp>
+      <p:sp>
+        <p:nvSpPr>
+          <p:cNvPr id="24" name="TextBox 23"/>
+          <p:cNvSpPr txBox="1"/>
+          <p:nvPr/>
+        </p:nvSpPr>
+        <p:spPr>
+          <a:xfrm>
+            <a:off x="4234435" y="4257787"/>
+            <a:ext cx="327334" cy="246221"/>
+          </a:xfrm>
+          <a:prstGeom prst="rect">
+            <a:avLst/>
+          </a:prstGeom>
+          <a:noFill/>
+        </p:spPr>
+        <p:txBody>
+          <a:bodyPr wrap="none" rtlCol="0">
+            <a:spAutoFit/>
+          </a:bodyPr>
+          <a:lstStyle/>
+          <a:p>
+            <a:r>
+              <a:rPr kumimoji="1" lang="en-US" altLang="ja-JP" sz="1000" dirty="0" smtClean="0">
+                <a:solidFill>
+                  <a:srgbClr val="FF0000"/>
+                </a:solidFill>
+              </a:rPr>
+              <a:t>(8)</a:t>
+            </a:r>
+            <a:endParaRPr kumimoji="1" lang="ja-JP" altLang="en-US" sz="1000" dirty="0">
+              <a:solidFill>
+                <a:srgbClr val="FF0000"/>
+              </a:solidFill>
+            </a:endParaRPr>
+          </a:p>
+        </p:txBody>
+      </p:sp>
+      <p:sp>
+        <p:nvSpPr>
+          <p:cNvPr id="29" name="TextBox 28"/>
+          <p:cNvSpPr txBox="1"/>
+          <p:nvPr/>
+        </p:nvSpPr>
+        <p:spPr>
+          <a:xfrm>
+            <a:off x="5251155" y="3169345"/>
+            <a:ext cx="327433" cy="246221"/>
+          </a:xfrm>
+          <a:prstGeom prst="rect">
+            <a:avLst/>
+          </a:prstGeom>
+          <a:noFill/>
+        </p:spPr>
+        <p:txBody>
+          <a:bodyPr wrap="none" rtlCol="0">
+            <a:spAutoFit/>
+          </a:bodyPr>
+          <a:lstStyle/>
+          <a:p>
+            <a:r>
+              <a:rPr kumimoji="1" lang="en-US" altLang="ja-JP" sz="1000" dirty="0">
+                <a:solidFill>
+                  <a:srgbClr val="FF0000"/>
+                </a:solidFill>
+              </a:rPr>
+              <a:t>(6)</a:t>
+            </a:r>
+            <a:endParaRPr kumimoji="1" lang="ja-JP" altLang="en-US" sz="1000" dirty="0">
+              <a:solidFill>
+                <a:srgbClr val="FF0000"/>
+              </a:solidFill>
+            </a:endParaRPr>
+          </a:p>
+        </p:txBody>
+      </p:sp>
+      <p:sp>
+        <p:nvSpPr>
+          <p:cNvPr id="35" name="TextBox 34"/>
+          <p:cNvSpPr txBox="1"/>
+          <p:nvPr/>
+        </p:nvSpPr>
+        <p:spPr>
+          <a:xfrm>
+            <a:off x="5259586" y="3688510"/>
+            <a:ext cx="327334" cy="246221"/>
+          </a:xfrm>
+          <a:prstGeom prst="rect">
+            <a:avLst/>
+          </a:prstGeom>
+          <a:noFill/>
+        </p:spPr>
+        <p:txBody>
+          <a:bodyPr wrap="none" rtlCol="0">
+            <a:spAutoFit/>
+          </a:bodyPr>
+          <a:lstStyle/>
+          <a:p>
+            <a:r>
+              <a:rPr kumimoji="1" lang="en-US" altLang="ja-JP" sz="1000" dirty="0" smtClean="0">
+                <a:solidFill>
+                  <a:srgbClr val="FF0000"/>
+                </a:solidFill>
+              </a:rPr>
+              <a:t>(7)</a:t>
+            </a:r>
+            <a:endParaRPr kumimoji="1" lang="ja-JP" altLang="en-US" sz="1000" dirty="0">
+              <a:solidFill>
+                <a:srgbClr val="FF0000"/>
+              </a:solidFill>
+            </a:endParaRPr>
+          </a:p>
+        </p:txBody>
+      </p:sp>
+      <p:sp>
+        <p:nvSpPr>
+          <p:cNvPr id="45" name="TextBox 44"/>
+          <p:cNvSpPr txBox="1"/>
+          <p:nvPr/>
+        </p:nvSpPr>
+        <p:spPr>
+          <a:xfrm>
+            <a:off x="4809931" y="4269658"/>
+            <a:ext cx="327334" cy="246221"/>
+          </a:xfrm>
+          <a:prstGeom prst="rect">
+            <a:avLst/>
+          </a:prstGeom>
+          <a:noFill/>
+        </p:spPr>
+        <p:txBody>
+          <a:bodyPr wrap="none" rtlCol="0">
+            <a:spAutoFit/>
+          </a:bodyPr>
+          <a:lstStyle/>
+          <a:p>
+            <a:r>
+              <a:rPr kumimoji="1" lang="en-US" altLang="ja-JP" sz="1000" dirty="0" smtClean="0">
+                <a:solidFill>
+                  <a:srgbClr val="FF0000"/>
+                </a:solidFill>
+              </a:rPr>
+              <a:t>(9)</a:t>
+            </a:r>
+            <a:endParaRPr kumimoji="1" lang="ja-JP" altLang="en-US" sz="1000" dirty="0">
+              <a:solidFill>
+                <a:srgbClr val="FF0000"/>
+              </a:solidFill>
+            </a:endParaRPr>
+          </a:p>
+        </p:txBody>
+      </p:sp>
+      <p:sp>
+        <p:nvSpPr>
+          <p:cNvPr id="46" name="TextBox 45"/>
+          <p:cNvSpPr txBox="1"/>
+          <p:nvPr/>
+        </p:nvSpPr>
+        <p:spPr>
+          <a:xfrm>
+            <a:off x="2089296" y="1871225"/>
+            <a:ext cx="393056" cy="246221"/>
+          </a:xfrm>
+          <a:prstGeom prst="rect">
+            <a:avLst/>
+          </a:prstGeom>
+          <a:noFill/>
+        </p:spPr>
+        <p:txBody>
+          <a:bodyPr wrap="none" rtlCol="0">
+            <a:spAutoFit/>
+          </a:bodyPr>
+          <a:lstStyle/>
+          <a:p>
+            <a:r>
+              <a:rPr kumimoji="1" lang="en-US" altLang="ja-JP" sz="1000" dirty="0" smtClean="0">
+                <a:solidFill>
+                  <a:srgbClr val="FF0000"/>
+                </a:solidFill>
+              </a:rPr>
+              <a:t>(10)</a:t>
+            </a:r>
+            <a:endParaRPr kumimoji="1" lang="ja-JP" altLang="en-US" sz="1000" dirty="0">
+              <a:solidFill>
+                <a:srgbClr val="FF0000"/>
+              </a:solidFill>
+            </a:endParaRPr>
+          </a:p>
+        </p:txBody>
+      </p:sp>
+      <p:sp>
+        <p:nvSpPr>
+          <p:cNvPr id="47" name="TextBox 46"/>
+          <p:cNvSpPr txBox="1"/>
+          <p:nvPr/>
+        </p:nvSpPr>
+        <p:spPr>
+          <a:xfrm>
+            <a:off x="2993879" y="1864764"/>
+            <a:ext cx="393056" cy="246221"/>
+          </a:xfrm>
+          <a:prstGeom prst="rect">
+            <a:avLst/>
+          </a:prstGeom>
+          <a:noFill/>
+        </p:spPr>
+        <p:txBody>
+          <a:bodyPr wrap="none" rtlCol="0">
+            <a:spAutoFit/>
+          </a:bodyPr>
+          <a:lstStyle/>
+          <a:p>
+            <a:r>
+              <a:rPr kumimoji="1" lang="en-US" altLang="ja-JP" sz="1000" dirty="0" smtClean="0">
+                <a:solidFill>
+                  <a:srgbClr val="FF0000"/>
+                </a:solidFill>
+              </a:rPr>
+              <a:t>(11)</a:t>
+            </a:r>
+            <a:endParaRPr kumimoji="1" lang="ja-JP" altLang="en-US" sz="1000" dirty="0">
+              <a:solidFill>
+                <a:srgbClr val="FF0000"/>
+              </a:solidFill>
+            </a:endParaRPr>
+          </a:p>
+        </p:txBody>
+      </p:sp>
+      <p:sp>
+        <p:nvSpPr>
+          <p:cNvPr id="49" name="TextBox 48"/>
+          <p:cNvSpPr txBox="1"/>
+          <p:nvPr/>
+        </p:nvSpPr>
+        <p:spPr>
+          <a:xfrm>
+            <a:off x="4642080" y="1905014"/>
+            <a:ext cx="393056" cy="246221"/>
+          </a:xfrm>
+          <a:prstGeom prst="rect">
+            <a:avLst/>
+          </a:prstGeom>
+          <a:noFill/>
+        </p:spPr>
+        <p:txBody>
+          <a:bodyPr wrap="none" rtlCol="0">
+            <a:spAutoFit/>
+          </a:bodyPr>
+          <a:lstStyle/>
+          <a:p>
+            <a:r>
+              <a:rPr kumimoji="1" lang="en-US" altLang="ja-JP" sz="1000" dirty="0" smtClean="0">
+                <a:solidFill>
+                  <a:srgbClr val="FF0000"/>
+                </a:solidFill>
+              </a:rPr>
+              <a:t>(</a:t>
+            </a:r>
+            <a:r>
+              <a:rPr kumimoji="1" lang="en-US" altLang="ja-JP" sz="1000" dirty="0" smtClean="0">
+                <a:solidFill>
+                  <a:srgbClr val="FF0000"/>
+                </a:solidFill>
+              </a:rPr>
+              <a:t>12)</a:t>
+            </a:r>
+            <a:endParaRPr kumimoji="1" lang="ja-JP" altLang="en-US" sz="1000" dirty="0">
+              <a:solidFill>
+                <a:srgbClr val="FF0000"/>
+              </a:solidFill>
+            </a:endParaRPr>
+          </a:p>
+        </p:txBody>
+      </p:sp>
+      <p:sp>
+        <p:nvSpPr>
+          <p:cNvPr id="50" name="TextBox 49"/>
+          <p:cNvSpPr txBox="1"/>
+          <p:nvPr/>
+        </p:nvSpPr>
+        <p:spPr>
+          <a:xfrm>
+            <a:off x="4274786" y="752972"/>
+            <a:ext cx="1227399" cy="246221"/>
+          </a:xfrm>
+          <a:prstGeom prst="rect">
+            <a:avLst/>
+          </a:prstGeom>
+          <a:noFill/>
+        </p:spPr>
+        <p:txBody>
+          <a:bodyPr wrap="square" rtlCol="0">
+            <a:spAutoFit/>
+          </a:bodyPr>
+          <a:lstStyle/>
+          <a:p>
+            <a:r>
+              <a:rPr kumimoji="1" lang="en-US" altLang="ja-JP" sz="1000" dirty="0" smtClean="0"/>
+              <a:t>Welcome </a:t>
+            </a:r>
+            <a:r>
+              <a:rPr kumimoji="1" lang="en-US" altLang="ja-JP" sz="1000" dirty="0" smtClean="0"/>
+              <a:t>,</a:t>
+            </a:r>
+            <a:r>
+              <a:rPr kumimoji="1" lang="en-US" altLang="ja-JP" sz="1000" dirty="0" err="1" smtClean="0"/>
+              <a:t>N</a:t>
+            </a:r>
+            <a:r>
+              <a:rPr kumimoji="1" lang="en-US" altLang="ja-JP" sz="1000" dirty="0" err="1" smtClean="0"/>
+              <a:t>guyenA</a:t>
+            </a:r>
+            <a:endParaRPr kumimoji="1" lang="ja-JP" altLang="en-US" sz="1000" dirty="0"/>
+          </a:p>
+        </p:txBody>
+      </p:sp>
+      <p:sp>
+        <p:nvSpPr>
+          <p:cNvPr id="52" name="TextBox 51"/>
+          <p:cNvSpPr txBox="1"/>
+          <p:nvPr/>
+        </p:nvSpPr>
+        <p:spPr>
+          <a:xfrm>
+            <a:off x="5368693" y="751228"/>
+            <a:ext cx="790847" cy="246221"/>
+          </a:xfrm>
+          <a:prstGeom prst="rect">
+            <a:avLst/>
+          </a:prstGeom>
+          <a:noFill/>
+        </p:spPr>
+        <p:txBody>
+          <a:bodyPr wrap="square" rtlCol="0">
+            <a:spAutoFit/>
+          </a:bodyPr>
+          <a:lstStyle/>
+          <a:p>
+            <a:r>
+              <a:rPr kumimoji="1" lang="en-US" altLang="ja-JP" sz="1000" dirty="0" smtClean="0"/>
+              <a:t>Edit Profile</a:t>
+            </a:r>
+            <a:endParaRPr kumimoji="1" lang="ja-JP" altLang="en-US" sz="1000" dirty="0"/>
+          </a:p>
+        </p:txBody>
+      </p:sp>
+      <p:sp>
+        <p:nvSpPr>
+          <p:cNvPr id="53" name="TextBox 52"/>
+          <p:cNvSpPr txBox="1"/>
+          <p:nvPr/>
+        </p:nvSpPr>
+        <p:spPr>
+          <a:xfrm>
+            <a:off x="5965040" y="751228"/>
+            <a:ext cx="727307" cy="246221"/>
+          </a:xfrm>
+          <a:prstGeom prst="rect">
+            <a:avLst/>
+          </a:prstGeom>
+          <a:noFill/>
+        </p:spPr>
+        <p:txBody>
+          <a:bodyPr wrap="square" rtlCol="0">
+            <a:spAutoFit/>
+          </a:bodyPr>
+          <a:lstStyle/>
+          <a:p>
+            <a:r>
+              <a:rPr kumimoji="1" lang="en-US" altLang="ja-JP" sz="1000" dirty="0" smtClean="0"/>
+              <a:t>Log Out</a:t>
+            </a:r>
+            <a:endParaRPr kumimoji="1" lang="ja-JP" altLang="en-US" sz="1000" dirty="0"/>
+          </a:p>
+        </p:txBody>
+      </p:sp>
+      <p:sp>
+        <p:nvSpPr>
+          <p:cNvPr id="61" name="TextBox 60"/>
+          <p:cNvSpPr txBox="1"/>
+          <p:nvPr/>
+        </p:nvSpPr>
+        <p:spPr>
+          <a:xfrm>
+            <a:off x="2010630" y="2090346"/>
+            <a:ext cx="604396" cy="276999"/>
+          </a:xfrm>
+          <a:prstGeom prst="rect">
+            <a:avLst/>
+          </a:prstGeom>
+          <a:noFill/>
+        </p:spPr>
+        <p:txBody>
+          <a:bodyPr wrap="none" rtlCol="0">
+            <a:spAutoFit/>
+          </a:bodyPr>
+          <a:lstStyle/>
+          <a:p>
+            <a:r>
+              <a:rPr kumimoji="1" lang="en-GB" altLang="ja-JP" sz="1200" b="1" dirty="0" smtClean="0">
+                <a:solidFill>
+                  <a:schemeClr val="bg1"/>
+                </a:solidFill>
+              </a:rPr>
+              <a:t>Profile</a:t>
+            </a:r>
+            <a:endParaRPr kumimoji="1" lang="ja-JP" altLang="en-US" sz="1200" b="1" dirty="0">
+              <a:solidFill>
+                <a:schemeClr val="bg1"/>
+              </a:solidFill>
+            </a:endParaRPr>
+          </a:p>
+        </p:txBody>
+      </p:sp>
+      <p:sp>
+        <p:nvSpPr>
+          <p:cNvPr id="63" name="TextBox 62"/>
+          <p:cNvSpPr txBox="1"/>
+          <p:nvPr/>
+        </p:nvSpPr>
+        <p:spPr>
+          <a:xfrm>
+            <a:off x="1920332" y="1655233"/>
+            <a:ext cx="2013693" cy="253916"/>
+          </a:xfrm>
+          <a:prstGeom prst="rect">
+            <a:avLst/>
+          </a:prstGeom>
+          <a:noFill/>
+        </p:spPr>
+        <p:txBody>
+          <a:bodyPr wrap="none" rtlCol="0">
+            <a:spAutoFit/>
+          </a:bodyPr>
+          <a:lstStyle/>
+          <a:p>
+            <a:r>
+              <a:rPr kumimoji="1" lang="en-US" altLang="ja-JP" sz="1050" b="1" dirty="0" smtClean="0">
+                <a:solidFill>
+                  <a:schemeClr val="bg2">
+                    <a:lumMod val="75000"/>
+                  </a:schemeClr>
+                </a:solidFill>
+              </a:rPr>
+              <a:t>Edit Profile | </a:t>
+            </a:r>
+            <a:r>
+              <a:rPr kumimoji="1" lang="en-US" altLang="ja-JP" sz="1050" b="1" dirty="0" smtClean="0">
+                <a:solidFill>
+                  <a:schemeClr val="bg2">
+                    <a:lumMod val="50000"/>
+                  </a:schemeClr>
+                </a:solidFill>
+              </a:rPr>
+              <a:t>Change Password</a:t>
+            </a:r>
+            <a:r>
+              <a:rPr kumimoji="1" lang="en-US" altLang="ja-JP" sz="1050" dirty="0" smtClean="0">
+                <a:solidFill>
+                  <a:schemeClr val="bg2">
+                    <a:lumMod val="50000"/>
+                  </a:schemeClr>
+                </a:solidFill>
+              </a:rPr>
+              <a:t> </a:t>
+            </a:r>
+            <a:endParaRPr kumimoji="1" lang="ja-JP" altLang="en-US" sz="1050" dirty="0">
+              <a:solidFill>
+                <a:schemeClr val="bg2">
+                  <a:lumMod val="50000"/>
+                </a:schemeClr>
+              </a:solidFill>
+            </a:endParaRPr>
+          </a:p>
+        </p:txBody>
+      </p:sp>
+      <p:sp>
+        <p:nvSpPr>
+          <p:cNvPr id="67" name="TextBox 66"/>
+          <p:cNvSpPr txBox="1"/>
+          <p:nvPr/>
+        </p:nvSpPr>
+        <p:spPr>
+          <a:xfrm>
+            <a:off x="3153577" y="2300036"/>
+            <a:ext cx="681597" cy="246221"/>
+          </a:xfrm>
+          <a:prstGeom prst="rect">
+            <a:avLst/>
+          </a:prstGeom>
+          <a:noFill/>
+        </p:spPr>
+        <p:txBody>
+          <a:bodyPr wrap="none" rtlCol="0">
+            <a:spAutoFit/>
+          </a:bodyPr>
+          <a:lstStyle/>
+          <a:p>
+            <a:r>
+              <a:rPr kumimoji="1" lang="en-US" altLang="ja-JP" sz="1000" dirty="0" smtClean="0"/>
+              <a:t>Password</a:t>
+            </a:r>
+            <a:endParaRPr kumimoji="1" lang="ja-JP" altLang="en-US" sz="1000" dirty="0"/>
+          </a:p>
+        </p:txBody>
+      </p:sp>
+      <p:sp>
+        <p:nvSpPr>
+          <p:cNvPr id="68" name="Rectangle 67"/>
+          <p:cNvSpPr/>
+          <p:nvPr/>
+        </p:nvSpPr>
+        <p:spPr>
+          <a:xfrm>
+            <a:off x="3223936" y="2628721"/>
+            <a:ext cx="2033439" cy="203169"/>
+          </a:xfrm>
+          <a:prstGeom prst="rect">
+            <a:avLst/>
+          </a:prstGeom>
+          <a:ln>
+            <a:solidFill>
+              <a:schemeClr val="tx1"/>
+            </a:solidFill>
+          </a:ln>
+          <a:effectLst/>
+        </p:spPr>
+        <p:style>
+          <a:lnRef idx="1">
+            <a:schemeClr val="accent1"/>
+          </a:lnRef>
+          <a:fillRef idx="3">
+            <a:schemeClr val="accent1"/>
+          </a:fillRef>
+          <a:effectRef idx="2">
+            <a:schemeClr val="accent1"/>
+          </a:effectRef>
+          <a:fontRef idx="minor">
+            <a:schemeClr val="lt1"/>
+          </a:fontRef>
+        </p:style>
+        <p:txBody>
+          <a:bodyPr rtlCol="0" anchor="ctr"/>
+          <a:lstStyle/>
+          <a:p>
+            <a:r>
+              <a:rPr kumimoji="1" lang="en-US" altLang="ja-JP" sz="800" i="1" dirty="0" smtClean="0">
+                <a:solidFill>
+                  <a:schemeClr val="bg1">
+                    <a:lumMod val="75000"/>
+                  </a:schemeClr>
+                </a:solidFill>
+              </a:rPr>
+              <a:t>Password</a:t>
+            </a:r>
+            <a:endParaRPr kumimoji="1" lang="ja-JP" altLang="en-US" sz="800" i="1" dirty="0">
+              <a:solidFill>
+                <a:schemeClr val="bg1">
+                  <a:lumMod val="75000"/>
+                </a:schemeClr>
+              </a:solidFill>
+            </a:endParaRPr>
+          </a:p>
+        </p:txBody>
+      </p:sp>
+      <p:sp>
+        <p:nvSpPr>
+          <p:cNvPr id="69" name="TextBox 68"/>
+          <p:cNvSpPr txBox="1"/>
+          <p:nvPr/>
+        </p:nvSpPr>
+        <p:spPr>
+          <a:xfrm>
+            <a:off x="3153577" y="2914041"/>
+            <a:ext cx="949299" cy="246221"/>
+          </a:xfrm>
+          <a:prstGeom prst="rect">
+            <a:avLst/>
+          </a:prstGeom>
+          <a:noFill/>
+        </p:spPr>
+        <p:txBody>
+          <a:bodyPr wrap="none" rtlCol="0">
+            <a:spAutoFit/>
+          </a:bodyPr>
+          <a:lstStyle/>
+          <a:p>
+            <a:r>
+              <a:rPr kumimoji="1" lang="en-US" altLang="ja-JP" sz="1000" dirty="0" smtClean="0"/>
+              <a:t>New Password</a:t>
+            </a:r>
+            <a:endParaRPr kumimoji="1" lang="ja-JP" altLang="en-US" sz="1000" dirty="0"/>
+          </a:p>
+        </p:txBody>
+      </p:sp>
+      <p:sp>
+        <p:nvSpPr>
+          <p:cNvPr id="73" name="TextBox 72"/>
+          <p:cNvSpPr txBox="1"/>
+          <p:nvPr/>
+        </p:nvSpPr>
+        <p:spPr>
+          <a:xfrm>
+            <a:off x="3168774" y="3403041"/>
+            <a:ext cx="1396536" cy="246221"/>
+          </a:xfrm>
+          <a:prstGeom prst="rect">
+            <a:avLst/>
+          </a:prstGeom>
+          <a:noFill/>
+        </p:spPr>
+        <p:txBody>
+          <a:bodyPr wrap="none" rtlCol="0">
+            <a:spAutoFit/>
+          </a:bodyPr>
+          <a:lstStyle/>
+          <a:p>
+            <a:r>
+              <a:rPr kumimoji="1" lang="en-US" altLang="ja-JP" sz="1000" dirty="0" smtClean="0"/>
+              <a:t>Confirm New Password</a:t>
+            </a:r>
+            <a:endParaRPr kumimoji="1" lang="ja-JP" altLang="en-US" sz="1000" dirty="0"/>
+          </a:p>
+        </p:txBody>
+      </p:sp>
+      <p:sp>
+        <p:nvSpPr>
+          <p:cNvPr id="74" name="Rectangle 73"/>
+          <p:cNvSpPr/>
+          <p:nvPr/>
+        </p:nvSpPr>
+        <p:spPr>
+          <a:xfrm>
+            <a:off x="3233899" y="3687847"/>
+            <a:ext cx="2025687" cy="209618"/>
+          </a:xfrm>
+          <a:prstGeom prst="rect">
+            <a:avLst/>
+          </a:prstGeom>
+          <a:ln>
+            <a:solidFill>
+              <a:schemeClr val="tx1"/>
+            </a:solidFill>
+          </a:ln>
+          <a:effectLst/>
+        </p:spPr>
+        <p:style>
+          <a:lnRef idx="1">
+            <a:schemeClr val="accent1"/>
+          </a:lnRef>
+          <a:fillRef idx="3">
+            <a:schemeClr val="accent1"/>
+          </a:fillRef>
+          <a:effectRef idx="2">
+            <a:schemeClr val="accent1"/>
+          </a:effectRef>
+          <a:fontRef idx="minor">
+            <a:schemeClr val="lt1"/>
+          </a:fontRef>
+        </p:style>
+        <p:txBody>
+          <a:bodyPr rtlCol="0" anchor="ctr"/>
+          <a:lstStyle/>
+          <a:p>
+            <a:r>
+              <a:rPr kumimoji="1" lang="en-US" altLang="ja-JP" sz="800" i="1" dirty="0" smtClean="0">
+                <a:solidFill>
+                  <a:schemeClr val="bg1">
+                    <a:lumMod val="75000"/>
+                  </a:schemeClr>
+                </a:solidFill>
+              </a:rPr>
+              <a:t>Confirm  New Password</a:t>
+            </a:r>
+            <a:endParaRPr kumimoji="1" lang="ja-JP" altLang="en-US" sz="800" i="1" dirty="0">
+              <a:solidFill>
+                <a:schemeClr val="bg1">
+                  <a:lumMod val="75000"/>
+                </a:schemeClr>
+              </a:solidFill>
+            </a:endParaRPr>
+          </a:p>
+        </p:txBody>
+      </p:sp>
+      <p:sp>
+        <p:nvSpPr>
+          <p:cNvPr id="75" name="Rectangle 74"/>
+          <p:cNvSpPr/>
+          <p:nvPr/>
+        </p:nvSpPr>
+        <p:spPr>
+          <a:xfrm>
+            <a:off x="4060829" y="4034490"/>
+            <a:ext cx="558800" cy="209383"/>
+          </a:xfrm>
+          <a:prstGeom prst="rect">
+            <a:avLst/>
+          </a:prstGeom>
+        </p:spPr>
+        <p:style>
+          <a:lnRef idx="1">
+            <a:schemeClr val="accent1"/>
+          </a:lnRef>
+          <a:fillRef idx="3">
+            <a:schemeClr val="accent1"/>
+          </a:fillRef>
+          <a:effectRef idx="2">
+            <a:schemeClr val="accent1"/>
+          </a:effectRef>
+          <a:fontRef idx="minor">
+            <a:schemeClr val="lt1"/>
+          </a:fontRef>
+        </p:style>
+        <p:txBody>
+          <a:bodyPr rtlCol="0" anchor="ctr"/>
+          <a:lstStyle/>
+          <a:p>
+            <a:pPr algn="ctr"/>
+            <a:r>
+              <a:rPr kumimoji="1" lang="en-US" altLang="ja-JP" sz="1000" dirty="0" smtClean="0"/>
+              <a:t>Save</a:t>
+            </a:r>
+            <a:endParaRPr kumimoji="1" lang="ja-JP" altLang="en-US" sz="1000" dirty="0"/>
+          </a:p>
+        </p:txBody>
+      </p:sp>
+      <p:sp>
+        <p:nvSpPr>
+          <p:cNvPr id="76" name="Rectangle 75"/>
+          <p:cNvSpPr/>
+          <p:nvPr/>
+        </p:nvSpPr>
+        <p:spPr>
+          <a:xfrm>
+            <a:off x="4705131" y="4034491"/>
+            <a:ext cx="558800" cy="209383"/>
+          </a:xfrm>
+          <a:prstGeom prst="rect">
+            <a:avLst/>
+          </a:prstGeom>
+        </p:spPr>
+        <p:style>
+          <a:lnRef idx="1">
+            <a:schemeClr val="accent1"/>
+          </a:lnRef>
+          <a:fillRef idx="3">
+            <a:schemeClr val="accent1"/>
+          </a:fillRef>
+          <a:effectRef idx="2">
+            <a:schemeClr val="accent1"/>
+          </a:effectRef>
+          <a:fontRef idx="minor">
+            <a:schemeClr val="lt1"/>
+          </a:fontRef>
+        </p:style>
+        <p:txBody>
+          <a:bodyPr rtlCol="0" anchor="ctr"/>
+          <a:lstStyle/>
+          <a:p>
+            <a:pPr algn="ctr"/>
+            <a:r>
+              <a:rPr kumimoji="1" lang="en-US" altLang="ja-JP" sz="1000" dirty="0" smtClean="0"/>
+              <a:t>Cancel</a:t>
+            </a:r>
+            <a:endParaRPr kumimoji="1" lang="ja-JP" altLang="en-US" sz="1000" dirty="0"/>
+          </a:p>
+        </p:txBody>
+      </p:sp>
+      <p:sp>
+        <p:nvSpPr>
+          <p:cNvPr id="79" name="TextBox 78"/>
+          <p:cNvSpPr txBox="1"/>
+          <p:nvPr/>
+        </p:nvSpPr>
+        <p:spPr>
+          <a:xfrm>
+            <a:off x="3637362" y="2091441"/>
+            <a:ext cx="1301382" cy="276999"/>
+          </a:xfrm>
+          <a:prstGeom prst="rect">
+            <a:avLst/>
+          </a:prstGeom>
+          <a:noFill/>
+        </p:spPr>
+        <p:txBody>
+          <a:bodyPr wrap="none" rtlCol="0">
+            <a:spAutoFit/>
+          </a:bodyPr>
+          <a:lstStyle/>
+          <a:p>
+            <a:r>
+              <a:rPr kumimoji="1" lang="en-US" altLang="ja-JP" sz="1200" b="1" dirty="0" smtClean="0"/>
+              <a:t>Change Password</a:t>
+            </a:r>
+            <a:endParaRPr kumimoji="1" lang="ja-JP" altLang="en-US" sz="1200" b="1" dirty="0"/>
+          </a:p>
+        </p:txBody>
+      </p:sp>
+      <p:graphicFrame>
+        <p:nvGraphicFramePr>
+          <p:cNvPr id="87" name="Table 86"/>
+          <p:cNvGraphicFramePr>
+            <a:graphicFrameLocks noGrp="1"/>
+          </p:cNvGraphicFramePr>
+          <p:nvPr>
+            <p:extLst>
+              <p:ext uri="{D42A27DB-BD31-4B8C-83A1-F6EECF244321}">
+                <p14:modId xmlns:p14="http://schemas.microsoft.com/office/powerpoint/2010/main" val="1562434199"/>
+              </p:ext>
+            </p:extLst>
+          </p:nvPr>
+        </p:nvGraphicFramePr>
+        <p:xfrm>
+          <a:off x="6764863" y="746700"/>
+          <a:ext cx="3903137" cy="4819414"/>
+        </p:xfrm>
+        <a:graphic>
+          <a:graphicData uri="http://schemas.openxmlformats.org/drawingml/2006/table">
+            <a:tbl>
+              <a:tblPr firstRow="1" bandRow="1">
+                <a:tableStyleId>{5202B0CA-FC54-4496-8BCA-5EF66A818D29}</a:tableStyleId>
+              </a:tblPr>
+              <a:tblGrid>
+                <a:gridCol w="355505"/>
+                <a:gridCol w="992448"/>
+                <a:gridCol w="725819"/>
+                <a:gridCol w="1370172"/>
+                <a:gridCol w="459193"/>
+              </a:tblGrid>
+              <a:tr h="327082">
+                <a:tc>
+                  <a:txBody>
+                    <a:bodyPr/>
+                    <a:lstStyle/>
+                    <a:p>
+                      <a:r>
+                        <a:rPr kumimoji="1" lang="en-US" altLang="ja-JP" sz="1000" dirty="0"/>
+                        <a:t>No</a:t>
+                      </a:r>
+                      <a:endParaRPr kumimoji="1" lang="ja-JP" altLang="en-US" sz="1000" dirty="0"/>
+                    </a:p>
+                  </a:txBody>
+                  <a:tcPr/>
+                </a:tc>
+                <a:tc>
+                  <a:txBody>
+                    <a:bodyPr/>
+                    <a:lstStyle/>
+                    <a:p>
+                      <a:r>
+                        <a:rPr kumimoji="1" lang="en-US" altLang="ja-JP" sz="1000" dirty="0"/>
+                        <a:t>Content</a:t>
+                      </a:r>
+                      <a:endParaRPr kumimoji="1" lang="ja-JP" altLang="en-US" sz="1000" dirty="0"/>
+                    </a:p>
+                  </a:txBody>
+                  <a:tcPr/>
+                </a:tc>
+                <a:tc>
+                  <a:txBody>
+                    <a:bodyPr/>
+                    <a:lstStyle/>
+                    <a:p>
+                      <a:r>
+                        <a:rPr kumimoji="1" lang="en-US" altLang="ja-JP" sz="1000" dirty="0"/>
+                        <a:t>Function</a:t>
+                      </a:r>
+                      <a:endParaRPr kumimoji="1" lang="ja-JP" altLang="en-US" sz="1000" dirty="0"/>
+                    </a:p>
+                  </a:txBody>
+                  <a:tcPr/>
+                </a:tc>
+                <a:tc>
+                  <a:txBody>
+                    <a:bodyPr/>
+                    <a:lstStyle/>
+                    <a:p>
+                      <a:r>
+                        <a:rPr kumimoji="1" lang="en-US" altLang="ja-JP" sz="1000" dirty="0"/>
+                        <a:t>Detail/option</a:t>
+                      </a:r>
+                      <a:endParaRPr kumimoji="1" lang="ja-JP" altLang="en-US" sz="1000" dirty="0"/>
+                    </a:p>
+                  </a:txBody>
+                  <a:tcPr/>
+                </a:tc>
+                <a:tc>
+                  <a:txBody>
+                    <a:bodyPr/>
+                    <a:lstStyle/>
+                    <a:p>
+                      <a:r>
+                        <a:rPr kumimoji="1" lang="en-US" altLang="ja-JP" sz="1000"/>
+                        <a:t>Goto</a:t>
+                      </a:r>
+                      <a:endParaRPr kumimoji="1" lang="ja-JP" altLang="en-US" sz="1000"/>
+                    </a:p>
+                  </a:txBody>
+                  <a:tcPr/>
+                </a:tc>
+              </a:tr>
+              <a:tr h="327082">
+                <a:tc>
+                  <a:txBody>
+                    <a:bodyPr/>
+                    <a:lstStyle/>
+                    <a:p>
+                      <a:r>
+                        <a:rPr kumimoji="1" lang="en-GB" altLang="ja-JP" sz="1000" dirty="0" smtClean="0"/>
+                        <a:t>1</a:t>
+                      </a:r>
+                      <a:endParaRPr kumimoji="1" lang="ja-JP" altLang="en-US" sz="1000" dirty="0"/>
+                    </a:p>
+                  </a:txBody>
+                  <a:tcPr/>
+                </a:tc>
+                <a:tc>
+                  <a:txBody>
+                    <a:bodyPr/>
+                    <a:lstStyle/>
+                    <a:p>
+                      <a:r>
+                        <a:rPr kumimoji="1" lang="en-GB" altLang="ja-JP" sz="1000" dirty="0" smtClean="0"/>
+                        <a:t>Username</a:t>
+                      </a:r>
+                      <a:r>
+                        <a:rPr kumimoji="1" lang="en-GB" altLang="ja-JP" sz="1000" baseline="0" dirty="0" smtClean="0"/>
+                        <a:t> </a:t>
+                      </a:r>
+                      <a:r>
+                        <a:rPr kumimoji="1" lang="en-GB" altLang="ja-JP" sz="1000" dirty="0" smtClean="0"/>
+                        <a:t>button</a:t>
+                      </a:r>
+                      <a:endParaRPr kumimoji="1" lang="ja-JP" altLang="en-US" sz="1000" dirty="0"/>
+                    </a:p>
+                  </a:txBody>
+                  <a:tcPr/>
+                </a:tc>
+                <a:tc>
+                  <a:txBody>
+                    <a:bodyPr/>
+                    <a:lstStyle/>
+                    <a:p>
+                      <a:endParaRPr kumimoji="1" lang="ja-JP" altLang="en-US" sz="1000" dirty="0"/>
+                    </a:p>
+                  </a:txBody>
+                  <a:tcPr/>
+                </a:tc>
+                <a:tc>
+                  <a:txBody>
+                    <a:bodyPr/>
+                    <a:lstStyle/>
+                    <a:p>
+                      <a:r>
+                        <a:rPr kumimoji="1" lang="en-GB" altLang="ja-JP" sz="1000" dirty="0" smtClean="0"/>
+                        <a:t>Click =&gt; </a:t>
+                      </a:r>
+                      <a:r>
+                        <a:rPr kumimoji="1" lang="en-GB" altLang="ja-JP" sz="1000" dirty="0" smtClean="0"/>
+                        <a:t>go</a:t>
+                      </a:r>
+                      <a:r>
+                        <a:rPr kumimoji="1" lang="en-GB" altLang="ja-JP" sz="1000" baseline="0" dirty="0" smtClean="0"/>
+                        <a:t> to home page</a:t>
+                      </a:r>
+                      <a:endParaRPr kumimoji="1" lang="ja-JP" altLang="en-US" sz="1000" dirty="0"/>
+                    </a:p>
+                  </a:txBody>
+                  <a:tcPr/>
+                </a:tc>
+                <a:tc>
+                  <a:txBody>
+                    <a:bodyPr/>
+                    <a:lstStyle/>
+                    <a:p>
+                      <a:endParaRPr kumimoji="1" lang="ja-JP" altLang="en-US" sz="1000" dirty="0"/>
+                    </a:p>
+                  </a:txBody>
+                  <a:tcPr/>
+                </a:tc>
+              </a:tr>
+              <a:tr h="327082">
+                <a:tc>
+                  <a:txBody>
+                    <a:bodyPr/>
+                    <a:lstStyle/>
+                    <a:p>
+                      <a:r>
+                        <a:rPr kumimoji="1" lang="en-US" altLang="ja-JP" sz="1000" dirty="0" smtClean="0"/>
+                        <a:t>2</a:t>
+                      </a:r>
+                      <a:endParaRPr kumimoji="1" lang="ja-JP" altLang="en-US" sz="1000" dirty="0"/>
+                    </a:p>
+                  </a:txBody>
+                  <a:tcPr/>
+                </a:tc>
+                <a:tc>
+                  <a:txBody>
+                    <a:bodyPr/>
+                    <a:lstStyle/>
+                    <a:p>
+                      <a:r>
+                        <a:rPr kumimoji="1" lang="en-US" altLang="ja-JP" sz="1000" dirty="0" smtClean="0"/>
+                        <a:t>Edit Profile </a:t>
+                      </a:r>
+                      <a:r>
+                        <a:rPr kumimoji="1" lang="en-US" altLang="ja-JP" sz="1000" baseline="0" dirty="0" smtClean="0"/>
+                        <a:t>button</a:t>
+                      </a:r>
+                      <a:endParaRPr kumimoji="1" lang="ja-JP" altLang="en-US" sz="1000" dirty="0"/>
+                    </a:p>
+                  </a:txBody>
+                  <a:tcPr/>
+                </a:tc>
+                <a:tc>
+                  <a:txBody>
+                    <a:bodyPr/>
+                    <a:lstStyle/>
+                    <a:p>
+                      <a:endParaRPr kumimoji="1" lang="ja-JP" altLang="en-US" sz="1000"/>
+                    </a:p>
+                  </a:txBody>
+                  <a:tcPr/>
+                </a:tc>
+                <a:tc>
+                  <a:txBody>
+                    <a:bodyPr/>
+                    <a:lstStyle/>
+                    <a:p>
+                      <a:r>
+                        <a:rPr kumimoji="1" lang="en-US" altLang="ja-JP" sz="1000" dirty="0" smtClean="0"/>
+                        <a:t>Click =&gt; go to </a:t>
+                      </a:r>
+                      <a:r>
+                        <a:rPr kumimoji="1" lang="en-US" altLang="ja-JP" sz="1000" dirty="0" smtClean="0"/>
+                        <a:t>edit profile page</a:t>
+                      </a:r>
+                      <a:endParaRPr kumimoji="1" lang="ja-JP" altLang="en-US" sz="1000" dirty="0"/>
+                    </a:p>
+                  </a:txBody>
+                  <a:tcPr/>
+                </a:tc>
+                <a:tc>
+                  <a:txBody>
+                    <a:bodyPr/>
+                    <a:lstStyle/>
+                    <a:p>
+                      <a:endParaRPr kumimoji="1" lang="ja-JP" altLang="en-US" sz="1000" dirty="0">
+                        <a:latin typeface="Calibri"/>
+                        <a:cs typeface="Calibri"/>
+                      </a:endParaRPr>
+                    </a:p>
+                  </a:txBody>
+                  <a:tcPr/>
+                </a:tc>
+              </a:tr>
+              <a:tr h="327082">
+                <a:tc>
+                  <a:txBody>
+                    <a:bodyPr/>
+                    <a:lstStyle/>
+                    <a:p>
+                      <a:r>
+                        <a:rPr kumimoji="1" lang="en-US" altLang="ja-JP" sz="1000" dirty="0" smtClean="0"/>
+                        <a:t>3</a:t>
+                      </a:r>
+                      <a:endParaRPr kumimoji="1" lang="ja-JP" altLang="en-US" sz="1000" dirty="0"/>
+                    </a:p>
+                  </a:txBody>
+                  <a:tcPr/>
+                </a:tc>
+                <a:tc>
+                  <a:txBody>
+                    <a:bodyPr/>
+                    <a:lstStyle/>
+                    <a:p>
+                      <a:r>
+                        <a:rPr kumimoji="1" lang="en-US" altLang="ja-JP" sz="1000" dirty="0" smtClean="0"/>
+                        <a:t>Logout Button</a:t>
+                      </a:r>
+                      <a:endParaRPr kumimoji="1" lang="ja-JP" altLang="en-US" sz="1000" dirty="0"/>
+                    </a:p>
+                  </a:txBody>
+                  <a:tcPr/>
+                </a:tc>
+                <a:tc>
+                  <a:txBody>
+                    <a:bodyPr/>
+                    <a:lstStyle/>
+                    <a:p>
+                      <a:endParaRPr kumimoji="1" lang="ja-JP" altLang="en-US" sz="1000"/>
+                    </a:p>
+                  </a:txBody>
+                  <a:tcPr/>
+                </a:tc>
+                <a:tc>
+                  <a:txBody>
+                    <a:bodyPr/>
+                    <a:lstStyle/>
+                    <a:p>
+                      <a:endParaRPr kumimoji="1" lang="ja-JP" altLang="en-US" sz="1000" dirty="0"/>
+                    </a:p>
+                  </a:txBody>
+                  <a:tcPr/>
+                </a:tc>
+                <a:tc>
+                  <a:txBody>
+                    <a:bodyPr/>
+                    <a:lstStyle/>
+                    <a:p>
+                      <a:endParaRPr kumimoji="1" lang="ja-JP" altLang="en-US" sz="1000" dirty="0">
+                        <a:latin typeface="Calibri"/>
+                        <a:cs typeface="Calibri"/>
+                      </a:endParaRPr>
+                    </a:p>
+                  </a:txBody>
+                  <a:tcPr/>
+                </a:tc>
+              </a:tr>
+              <a:tr h="327082">
+                <a:tc>
+                  <a:txBody>
+                    <a:bodyPr/>
+                    <a:lstStyle/>
+                    <a:p>
+                      <a:r>
+                        <a:rPr kumimoji="1" lang="en-US" altLang="ja-JP" sz="1000" dirty="0" smtClean="0"/>
+                        <a:t>4</a:t>
+                      </a:r>
+                      <a:endParaRPr kumimoji="1" lang="ja-JP" altLang="en-US" sz="1000" dirty="0"/>
+                    </a:p>
+                  </a:txBody>
+                  <a:tcPr/>
+                </a:tc>
+                <a:tc>
+                  <a:txBody>
+                    <a:bodyPr/>
+                    <a:lstStyle/>
+                    <a:p>
+                      <a:r>
+                        <a:rPr kumimoji="1" lang="en-US" altLang="ja-JP" sz="1000" dirty="0" smtClean="0"/>
+                        <a:t>Search button</a:t>
+                      </a:r>
+                      <a:endParaRPr kumimoji="1" lang="ja-JP" altLang="en-US" sz="1000" dirty="0"/>
+                    </a:p>
+                  </a:txBody>
+                  <a:tcPr/>
+                </a:tc>
+                <a:tc>
+                  <a:txBody>
+                    <a:bodyPr/>
+                    <a:lstStyle/>
+                    <a:p>
+                      <a:endParaRPr kumimoji="1" lang="ja-JP" altLang="en-US" sz="1000"/>
+                    </a:p>
+                  </a:txBody>
+                  <a:tcPr/>
+                </a:tc>
+                <a:tc>
+                  <a:txBody>
+                    <a:bodyPr/>
+                    <a:lstStyle/>
+                    <a:p>
+                      <a:r>
+                        <a:rPr kumimoji="1" lang="en-GB" altLang="ja-JP" sz="1000" dirty="0" smtClean="0"/>
+                        <a:t>Search all user and all post</a:t>
+                      </a:r>
+                      <a:endParaRPr kumimoji="1" lang="ja-JP" altLang="en-US" sz="1000" dirty="0"/>
+                    </a:p>
+                  </a:txBody>
+                  <a:tcPr/>
+                </a:tc>
+                <a:tc>
+                  <a:txBody>
+                    <a:bodyPr/>
+                    <a:lstStyle/>
+                    <a:p>
+                      <a:endParaRPr kumimoji="1" lang="ja-JP" altLang="en-US" sz="1000" dirty="0">
+                        <a:latin typeface="Calibri"/>
+                        <a:cs typeface="Calibri"/>
+                      </a:endParaRPr>
+                    </a:p>
+                  </a:txBody>
+                  <a:tcPr/>
+                </a:tc>
+              </a:tr>
+              <a:tr h="327082">
+                <a:tc>
+                  <a:txBody>
+                    <a:bodyPr/>
+                    <a:lstStyle/>
+                    <a:p>
+                      <a:r>
+                        <a:rPr kumimoji="1" lang="en-US" altLang="ja-JP" sz="1000" dirty="0" smtClean="0"/>
+                        <a:t>5</a:t>
+                      </a:r>
+                      <a:endParaRPr kumimoji="1" lang="ja-JP" altLang="en-US" sz="1000" dirty="0"/>
+                    </a:p>
+                  </a:txBody>
+                  <a:tcPr/>
+                </a:tc>
+                <a:tc>
+                  <a:txBody>
+                    <a:bodyPr/>
+                    <a:lstStyle/>
+                    <a:p>
+                      <a:r>
+                        <a:rPr kumimoji="1" lang="en-US" altLang="ja-JP" sz="1000" dirty="0" smtClean="0"/>
+                        <a:t>Password</a:t>
+                      </a:r>
+                      <a:endParaRPr kumimoji="1" lang="ja-JP" altLang="en-US" sz="1000" dirty="0"/>
+                    </a:p>
+                  </a:txBody>
+                  <a:tcPr/>
+                </a:tc>
+                <a:tc>
+                  <a:txBody>
+                    <a:bodyPr/>
+                    <a:lstStyle/>
+                    <a:p>
+                      <a:endParaRPr kumimoji="1" lang="ja-JP" altLang="en-US" sz="1000"/>
+                    </a:p>
+                  </a:txBody>
+                  <a:tcPr/>
+                </a:tc>
+                <a:tc>
+                  <a:txBody>
+                    <a:bodyPr/>
+                    <a:lstStyle/>
+                    <a:p>
+                      <a:r>
+                        <a:rPr kumimoji="1" lang="en-GB" altLang="ja-JP" sz="1000" dirty="0" smtClean="0"/>
+                        <a:t>Input password</a:t>
+                      </a:r>
+                      <a:endParaRPr kumimoji="1" lang="ja-JP" altLang="en-US" sz="1000" dirty="0"/>
+                    </a:p>
+                  </a:txBody>
+                  <a:tcPr/>
+                </a:tc>
+                <a:tc>
+                  <a:txBody>
+                    <a:bodyPr/>
+                    <a:lstStyle/>
+                    <a:p>
+                      <a:endParaRPr kumimoji="1" lang="ja-JP" altLang="en-US" sz="1000">
+                        <a:latin typeface="Calibri"/>
+                        <a:cs typeface="Calibri"/>
+                      </a:endParaRPr>
+                    </a:p>
+                  </a:txBody>
+                  <a:tcPr/>
+                </a:tc>
+              </a:tr>
+              <a:tr h="327082">
+                <a:tc>
+                  <a:txBody>
+                    <a:bodyPr/>
+                    <a:lstStyle/>
+                    <a:p>
+                      <a:r>
+                        <a:rPr kumimoji="1" lang="en-US" altLang="ja-JP" sz="1000" dirty="0" smtClean="0"/>
+                        <a:t>6</a:t>
+                      </a:r>
+                      <a:endParaRPr kumimoji="1" lang="ja-JP" altLang="en-US" sz="1000" dirty="0"/>
+                    </a:p>
+                  </a:txBody>
+                  <a:tcPr/>
+                </a:tc>
+                <a:tc>
+                  <a:txBody>
+                    <a:bodyPr/>
+                    <a:lstStyle/>
+                    <a:p>
+                      <a:r>
+                        <a:rPr kumimoji="1" lang="en-US" altLang="ja-JP" sz="1000" dirty="0" smtClean="0"/>
+                        <a:t>New Password</a:t>
+                      </a:r>
+                      <a:endParaRPr kumimoji="1" lang="ja-JP" altLang="en-US" sz="1000" dirty="0"/>
+                    </a:p>
+                  </a:txBody>
+                  <a:tcPr/>
+                </a:tc>
+                <a:tc>
+                  <a:txBody>
+                    <a:bodyPr/>
+                    <a:lstStyle/>
+                    <a:p>
+                      <a:endParaRPr kumimoji="1" lang="ja-JP" altLang="en-US" sz="1000"/>
+                    </a:p>
+                  </a:txBody>
+                  <a:tcPr/>
+                </a:tc>
+                <a:tc>
+                  <a:txBody>
+                    <a:bodyPr/>
+                    <a:lstStyle/>
+                    <a:p>
+                      <a:r>
+                        <a:rPr kumimoji="1" lang="en-US" altLang="ja-JP" sz="1000" dirty="0" smtClean="0"/>
+                        <a:t>Input</a:t>
+                      </a:r>
+                      <a:r>
+                        <a:rPr kumimoji="1" lang="en-US" altLang="ja-JP" sz="1000" baseline="0" dirty="0" smtClean="0"/>
+                        <a:t> new password</a:t>
+                      </a:r>
+                      <a:endParaRPr kumimoji="1" lang="ja-JP" altLang="en-US" sz="1000" dirty="0"/>
+                    </a:p>
+                  </a:txBody>
+                  <a:tcPr/>
+                </a:tc>
+                <a:tc>
+                  <a:txBody>
+                    <a:bodyPr/>
+                    <a:lstStyle/>
+                    <a:p>
+                      <a:endParaRPr kumimoji="1" lang="ja-JP" altLang="en-US" sz="1000" dirty="0">
+                        <a:latin typeface="Calibri"/>
+                        <a:cs typeface="Calibri"/>
+                      </a:endParaRPr>
+                    </a:p>
+                  </a:txBody>
+                  <a:tcPr/>
+                </a:tc>
+              </a:tr>
+              <a:tr h="327082">
+                <a:tc>
+                  <a:txBody>
+                    <a:bodyPr/>
+                    <a:lstStyle/>
+                    <a:p>
+                      <a:r>
+                        <a:rPr kumimoji="1" lang="en-US" altLang="ja-JP" sz="1000" dirty="0" smtClean="0"/>
+                        <a:t>7</a:t>
+                      </a:r>
+                      <a:endParaRPr kumimoji="1" lang="ja-JP" altLang="en-US" sz="1000" dirty="0"/>
+                    </a:p>
+                  </a:txBody>
+                  <a:tcPr/>
+                </a:tc>
+                <a:tc>
+                  <a:txBody>
+                    <a:bodyPr/>
+                    <a:lstStyle/>
+                    <a:p>
+                      <a:r>
+                        <a:rPr kumimoji="1" lang="en-US" altLang="ja-JP" sz="1000" dirty="0" smtClean="0"/>
+                        <a:t>Confirm</a:t>
+                      </a:r>
+                      <a:r>
+                        <a:rPr kumimoji="1" lang="en-US" altLang="ja-JP" sz="1000" baseline="0" dirty="0" smtClean="0"/>
+                        <a:t> New Password</a:t>
+                      </a:r>
+                      <a:endParaRPr kumimoji="1" lang="ja-JP" altLang="en-US" sz="1000" dirty="0"/>
+                    </a:p>
+                  </a:txBody>
+                  <a:tcPr/>
+                </a:tc>
+                <a:tc>
+                  <a:txBody>
+                    <a:bodyPr/>
+                    <a:lstStyle/>
+                    <a:p>
+                      <a:endParaRPr kumimoji="1" lang="ja-JP" altLang="en-US" sz="1000"/>
+                    </a:p>
+                  </a:txBody>
+                  <a:tcPr/>
+                </a:tc>
+                <a:tc>
+                  <a:txBody>
+                    <a:bodyPr/>
+                    <a:lstStyle/>
+                    <a:p>
+                      <a:r>
+                        <a:rPr kumimoji="1" lang="en-GB" altLang="ja-JP" sz="1000" baseline="0" dirty="0" smtClean="0"/>
+                        <a:t>Input confirm new password</a:t>
+                      </a:r>
+                      <a:endParaRPr kumimoji="1" lang="ja-JP" altLang="en-US" sz="1000" dirty="0"/>
+                    </a:p>
+                  </a:txBody>
+                  <a:tcPr/>
+                </a:tc>
+                <a:tc>
+                  <a:txBody>
+                    <a:bodyPr/>
+                    <a:lstStyle/>
+                    <a:p>
+                      <a:endParaRPr kumimoji="1" lang="ja-JP" altLang="en-US" sz="1000" dirty="0">
+                        <a:latin typeface="Calibri"/>
+                        <a:cs typeface="Calibri"/>
+                      </a:endParaRPr>
+                    </a:p>
+                  </a:txBody>
+                  <a:tcPr/>
+                </a:tc>
+              </a:tr>
+              <a:tr h="327082">
+                <a:tc>
+                  <a:txBody>
+                    <a:bodyPr/>
+                    <a:lstStyle/>
+                    <a:p>
+                      <a:r>
+                        <a:rPr kumimoji="1" lang="en-US" altLang="ja-JP" sz="1000" dirty="0" smtClean="0"/>
+                        <a:t>8</a:t>
+                      </a:r>
+                      <a:endParaRPr kumimoji="1" lang="ja-JP" altLang="en-US" sz="1000" dirty="0"/>
+                    </a:p>
+                  </a:txBody>
+                  <a:tcPr/>
+                </a:tc>
+                <a:tc>
+                  <a:txBody>
+                    <a:bodyPr/>
+                    <a:lstStyle/>
+                    <a:p>
+                      <a:r>
+                        <a:rPr kumimoji="1" lang="en-US" altLang="ja-JP" sz="1000" dirty="0" smtClean="0"/>
+                        <a:t>Save button</a:t>
+                      </a:r>
+                      <a:endParaRPr kumimoji="1" lang="ja-JP" altLang="en-US" sz="1000" dirty="0"/>
+                    </a:p>
+                  </a:txBody>
+                  <a:tcPr/>
+                </a:tc>
+                <a:tc>
+                  <a:txBody>
+                    <a:bodyPr/>
+                    <a:lstStyle/>
+                    <a:p>
+                      <a:endParaRPr kumimoji="1" lang="ja-JP" altLang="en-US" sz="1000"/>
+                    </a:p>
+                  </a:txBody>
+                  <a:tcPr/>
+                </a:tc>
+                <a:tc>
+                  <a:txBody>
+                    <a:bodyPr/>
+                    <a:lstStyle/>
+                    <a:p>
+                      <a:pPr marL="0" marR="0" indent="0" algn="l" defTabSz="457200" rtl="0" eaLnBrk="1" fontAlgn="auto" latinLnBrk="0" hangingPunct="1">
+                        <a:lnSpc>
+                          <a:spcPct val="100000"/>
+                        </a:lnSpc>
+                        <a:spcBef>
+                          <a:spcPts val="0"/>
+                        </a:spcBef>
+                        <a:spcAft>
+                          <a:spcPts val="0"/>
+                        </a:spcAft>
+                        <a:buClrTx/>
+                        <a:buSzTx/>
+                        <a:buFontTx/>
+                        <a:buNone/>
+                        <a:tabLst/>
+                        <a:defRPr/>
+                      </a:pPr>
+                      <a:endParaRPr kumimoji="1" lang="ja-JP" altLang="en-US" sz="1000" dirty="0"/>
+                    </a:p>
+                  </a:txBody>
+                  <a:tcPr/>
+                </a:tc>
+                <a:tc>
+                  <a:txBody>
+                    <a:bodyPr/>
+                    <a:lstStyle/>
+                    <a:p>
+                      <a:endParaRPr kumimoji="1" lang="ja-JP" altLang="en-US" sz="1000" dirty="0">
+                        <a:latin typeface="Calibri"/>
+                        <a:cs typeface="Calibri"/>
+                      </a:endParaRPr>
+                    </a:p>
+                  </a:txBody>
+                  <a:tcPr/>
+                </a:tc>
+              </a:tr>
+              <a:tr h="327082">
+                <a:tc>
+                  <a:txBody>
+                    <a:bodyPr/>
+                    <a:lstStyle/>
+                    <a:p>
+                      <a:r>
+                        <a:rPr kumimoji="1" lang="en-US" altLang="ja-JP" sz="1000" dirty="0" smtClean="0"/>
+                        <a:t>9</a:t>
+                      </a:r>
+                      <a:endParaRPr kumimoji="1" lang="ja-JP" altLang="en-US" sz="1000" dirty="0"/>
+                    </a:p>
+                  </a:txBody>
+                  <a:tcPr/>
+                </a:tc>
+                <a:tc>
+                  <a:txBody>
+                    <a:bodyPr/>
+                    <a:lstStyle/>
+                    <a:p>
+                      <a:r>
+                        <a:rPr kumimoji="1" lang="en-US" altLang="ja-JP" sz="1000" dirty="0" smtClean="0"/>
+                        <a:t>Cancel button</a:t>
+                      </a:r>
+                      <a:endParaRPr kumimoji="1" lang="ja-JP" altLang="en-US" sz="1000" dirty="0"/>
+                    </a:p>
+                  </a:txBody>
+                  <a:tcPr/>
+                </a:tc>
+                <a:tc>
+                  <a:txBody>
+                    <a:bodyPr/>
+                    <a:lstStyle/>
+                    <a:p>
+                      <a:endParaRPr kumimoji="1" lang="ja-JP" altLang="en-US" sz="1000"/>
+                    </a:p>
+                  </a:txBody>
+                  <a:tcPr/>
+                </a:tc>
+                <a:tc>
+                  <a:txBody>
+                    <a:bodyPr/>
+                    <a:lstStyle/>
+                    <a:p>
+                      <a:pPr marL="0" marR="0" indent="0" algn="l" defTabSz="457200" rtl="0" eaLnBrk="1" fontAlgn="auto" latinLnBrk="0" hangingPunct="1">
+                        <a:lnSpc>
+                          <a:spcPct val="100000"/>
+                        </a:lnSpc>
+                        <a:spcBef>
+                          <a:spcPts val="0"/>
+                        </a:spcBef>
+                        <a:spcAft>
+                          <a:spcPts val="0"/>
+                        </a:spcAft>
+                        <a:buClrTx/>
+                        <a:buSzTx/>
+                        <a:buFontTx/>
+                        <a:buNone/>
+                        <a:tabLst/>
+                        <a:defRPr/>
+                      </a:pPr>
+                      <a:endParaRPr kumimoji="1" lang="ja-JP" altLang="en-US" sz="1000" dirty="0">
+                        <a:latin typeface="Calibri" panose="020F0502020204030204" pitchFamily="34" charset="0"/>
+                      </a:endParaRPr>
+                    </a:p>
+                  </a:txBody>
+                  <a:tcPr/>
+                </a:tc>
+                <a:tc>
+                  <a:txBody>
+                    <a:bodyPr/>
+                    <a:lstStyle/>
+                    <a:p>
+                      <a:endParaRPr kumimoji="1" lang="ja-JP" altLang="en-US" sz="1000"/>
+                    </a:p>
+                  </a:txBody>
+                  <a:tcPr/>
+                </a:tc>
+              </a:tr>
+              <a:tr h="327082">
+                <a:tc>
+                  <a:txBody>
+                    <a:bodyPr/>
+                    <a:lstStyle/>
+                    <a:p>
+                      <a:r>
+                        <a:rPr kumimoji="1" lang="en-GB" altLang="ja-JP" sz="1000" dirty="0" smtClean="0"/>
+                        <a:t>10</a:t>
+                      </a:r>
+                      <a:endParaRPr kumimoji="1" lang="ja-JP" altLang="en-US" sz="1000" dirty="0"/>
+                    </a:p>
+                  </a:txBody>
+                  <a:tcPr/>
+                </a:tc>
+                <a:tc>
+                  <a:txBody>
+                    <a:bodyPr/>
+                    <a:lstStyle/>
+                    <a:p>
+                      <a:r>
+                        <a:rPr kumimoji="1" lang="en-GB" altLang="ja-JP" sz="1000" dirty="0" smtClean="0"/>
+                        <a:t>Edit Profile button</a:t>
+                      </a:r>
+                      <a:endParaRPr kumimoji="1" lang="ja-JP" altLang="en-US" sz="1000" dirty="0"/>
+                    </a:p>
+                  </a:txBody>
+                  <a:tcPr/>
+                </a:tc>
+                <a:tc>
+                  <a:txBody>
+                    <a:bodyPr/>
+                    <a:lstStyle/>
+                    <a:p>
+                      <a:endParaRPr kumimoji="1" lang="ja-JP" altLang="en-US" sz="1000"/>
+                    </a:p>
+                  </a:txBody>
+                  <a:tcPr/>
+                </a:tc>
+                <a:tc>
+                  <a:txBody>
+                    <a:bodyPr/>
+                    <a:lstStyle/>
+                    <a:p>
+                      <a:pPr marL="0" marR="0" indent="0" algn="l" defTabSz="914400" rtl="0" eaLnBrk="1" fontAlgn="auto" latinLnBrk="0" hangingPunct="1">
+                        <a:lnSpc>
+                          <a:spcPct val="100000"/>
+                        </a:lnSpc>
+                        <a:spcBef>
+                          <a:spcPts val="0"/>
+                        </a:spcBef>
+                        <a:spcAft>
+                          <a:spcPts val="0"/>
+                        </a:spcAft>
+                        <a:buClrTx/>
+                        <a:buSzTx/>
+                        <a:buFontTx/>
+                        <a:buNone/>
+                        <a:tabLst/>
+                        <a:defRPr/>
+                      </a:pPr>
+                      <a:r>
+                        <a:rPr kumimoji="1" lang="en-GB" altLang="ja-JP" sz="1000" dirty="0" smtClean="0">
+                          <a:latin typeface="Calibri" panose="020F0502020204030204" pitchFamily="34" charset="0"/>
+                        </a:rPr>
+                        <a:t>Click =&gt; go to  edit</a:t>
+                      </a:r>
+                      <a:r>
+                        <a:rPr kumimoji="1" lang="en-GB" altLang="ja-JP" sz="1000" baseline="0" dirty="0" smtClean="0">
+                          <a:latin typeface="Calibri" panose="020F0502020204030204" pitchFamily="34" charset="0"/>
+                        </a:rPr>
+                        <a:t> profile page</a:t>
+                      </a:r>
+                      <a:endParaRPr kumimoji="1" lang="ja-JP" altLang="en-US" sz="1000" dirty="0" smtClean="0">
+                        <a:latin typeface="Calibri" panose="020F0502020204030204" pitchFamily="34" charset="0"/>
+                      </a:endParaRPr>
+                    </a:p>
+                    <a:p>
+                      <a:endParaRPr kumimoji="1" lang="ja-JP" altLang="en-US" sz="1000" dirty="0"/>
+                    </a:p>
+                  </a:txBody>
+                  <a:tcPr/>
+                </a:tc>
+                <a:tc>
+                  <a:txBody>
+                    <a:bodyPr/>
+                    <a:lstStyle/>
+                    <a:p>
+                      <a:endParaRPr kumimoji="1" lang="ja-JP" altLang="en-US" sz="1000" dirty="0"/>
+                    </a:p>
+                  </a:txBody>
+                  <a:tcPr/>
+                </a:tc>
+              </a:tr>
+              <a:tr h="327082">
+                <a:tc>
+                  <a:txBody>
+                    <a:bodyPr/>
+                    <a:lstStyle/>
+                    <a:p>
+                      <a:r>
+                        <a:rPr kumimoji="1" lang="en-GB" altLang="ja-JP" sz="1000" dirty="0" smtClean="0"/>
+                        <a:t>11</a:t>
+                      </a:r>
+                      <a:endParaRPr kumimoji="1" lang="ja-JP" altLang="en-US" sz="1000" dirty="0"/>
+                    </a:p>
+                  </a:txBody>
+                  <a:tcPr/>
+                </a:tc>
+                <a:tc>
+                  <a:txBody>
+                    <a:bodyPr/>
+                    <a:lstStyle/>
+                    <a:p>
+                      <a:r>
+                        <a:rPr kumimoji="1" lang="en-GB" altLang="ja-JP" sz="1000" dirty="0" smtClean="0"/>
+                        <a:t>Change Password</a:t>
+                      </a:r>
+                      <a:endParaRPr kumimoji="1" lang="ja-JP" altLang="en-US" sz="1000" dirty="0"/>
+                    </a:p>
+                  </a:txBody>
+                  <a:tcPr/>
+                </a:tc>
+                <a:tc>
+                  <a:txBody>
+                    <a:bodyPr/>
+                    <a:lstStyle/>
+                    <a:p>
+                      <a:endParaRPr kumimoji="1" lang="ja-JP" altLang="en-US" sz="1000"/>
+                    </a:p>
+                  </a:txBody>
+                  <a:tcPr/>
+                </a:tc>
+                <a:tc>
+                  <a:txBody>
+                    <a:bodyPr/>
+                    <a:lstStyle/>
+                    <a:p>
+                      <a:r>
+                        <a:rPr kumimoji="1" lang="en-GB" altLang="ja-JP" sz="1000" dirty="0" smtClean="0"/>
+                        <a:t>Click =&gt; go to change</a:t>
+                      </a:r>
+                      <a:r>
+                        <a:rPr kumimoji="1" lang="en-GB" altLang="ja-JP" sz="1000" baseline="0" dirty="0" smtClean="0"/>
+                        <a:t> password page</a:t>
+                      </a:r>
+                      <a:endParaRPr kumimoji="1" lang="ja-JP" altLang="en-US" sz="1000" dirty="0"/>
+                    </a:p>
+                  </a:txBody>
+                  <a:tcPr/>
+                </a:tc>
+                <a:tc>
+                  <a:txBody>
+                    <a:bodyPr/>
+                    <a:lstStyle/>
+                    <a:p>
+                      <a:endParaRPr kumimoji="1" lang="ja-JP" altLang="en-US" sz="1000" dirty="0"/>
+                    </a:p>
+                  </a:txBody>
+                  <a:tcPr/>
+                </a:tc>
+              </a:tr>
+              <a:tr h="327082">
+                <a:tc>
+                  <a:txBody>
+                    <a:bodyPr/>
+                    <a:lstStyle/>
+                    <a:p>
+                      <a:r>
+                        <a:rPr kumimoji="1" lang="en-GB" altLang="ja-JP" sz="1000" dirty="0" smtClean="0"/>
+                        <a:t>12</a:t>
+                      </a:r>
+                      <a:endParaRPr kumimoji="1" lang="ja-JP" altLang="en-US" sz="1000" dirty="0"/>
+                    </a:p>
+                  </a:txBody>
+                  <a:tcPr/>
+                </a:tc>
+                <a:tc>
+                  <a:txBody>
+                    <a:bodyPr/>
+                    <a:lstStyle/>
+                    <a:p>
+                      <a:r>
+                        <a:rPr kumimoji="1" lang="en-GB" altLang="ja-JP" sz="1000" dirty="0" smtClean="0"/>
+                        <a:t>Message</a:t>
+                      </a:r>
+                      <a:endParaRPr kumimoji="1" lang="ja-JP" altLang="en-US" sz="1000" dirty="0"/>
+                    </a:p>
+                  </a:txBody>
+                  <a:tcPr/>
+                </a:tc>
+                <a:tc>
+                  <a:txBody>
+                    <a:bodyPr/>
+                    <a:lstStyle/>
+                    <a:p>
+                      <a:endParaRPr kumimoji="1" lang="ja-JP" altLang="en-US" sz="1000"/>
+                    </a:p>
+                  </a:txBody>
+                  <a:tcPr/>
+                </a:tc>
+                <a:tc>
+                  <a:txBody>
+                    <a:bodyPr/>
+                    <a:lstStyle/>
+                    <a:p>
+                      <a:r>
+                        <a:rPr kumimoji="1" lang="en-GB" altLang="ja-JP" sz="1000" dirty="0" smtClean="0"/>
+                        <a:t>Show</a:t>
+                      </a:r>
+                      <a:r>
+                        <a:rPr kumimoji="1" lang="en-GB" altLang="ja-JP" sz="1000" baseline="0" dirty="0" smtClean="0"/>
+                        <a:t> message</a:t>
+                      </a:r>
+                      <a:endParaRPr kumimoji="1" lang="ja-JP" altLang="en-US" sz="1000" dirty="0"/>
+                    </a:p>
+                  </a:txBody>
+                  <a:tcPr/>
+                </a:tc>
+                <a:tc>
+                  <a:txBody>
+                    <a:bodyPr/>
+                    <a:lstStyle/>
+                    <a:p>
+                      <a:endParaRPr kumimoji="1" lang="ja-JP" altLang="en-US" sz="1000" dirty="0"/>
+                    </a:p>
+                  </a:txBody>
+                  <a:tcPr/>
+                </a:tc>
+              </a:tr>
+            </a:tbl>
+          </a:graphicData>
+        </a:graphic>
+      </p:graphicFrame>
+      <p:sp>
+        <p:nvSpPr>
+          <p:cNvPr id="88" name="TextBox 87"/>
+          <p:cNvSpPr txBox="1"/>
+          <p:nvPr/>
+        </p:nvSpPr>
+        <p:spPr>
+          <a:xfrm>
+            <a:off x="3770221" y="1909149"/>
+            <a:ext cx="1020419" cy="246221"/>
+          </a:xfrm>
+          <a:prstGeom prst="rect">
+            <a:avLst/>
+          </a:prstGeom>
+          <a:noFill/>
+        </p:spPr>
+        <p:txBody>
+          <a:bodyPr wrap="none" rtlCol="0">
+            <a:spAutoFit/>
+          </a:bodyPr>
+          <a:lstStyle/>
+          <a:p>
+            <a:r>
+              <a:rPr kumimoji="1" lang="en-US" altLang="ja-JP" sz="1000" dirty="0">
+                <a:solidFill>
+                  <a:srgbClr val="FF0000"/>
+                </a:solidFill>
+              </a:rPr>
+              <a:t>(show message)</a:t>
+            </a:r>
+            <a:endParaRPr kumimoji="1" lang="ja-JP" altLang="en-US" sz="1000" dirty="0">
+              <a:solidFill>
+                <a:srgbClr val="FF0000"/>
+              </a:solidFill>
+            </a:endParaRPr>
+          </a:p>
+        </p:txBody>
+      </p:sp>
+      <p:sp>
+        <p:nvSpPr>
+          <p:cNvPr id="40" name="Rectangle 39"/>
+          <p:cNvSpPr/>
+          <p:nvPr/>
+        </p:nvSpPr>
+        <p:spPr>
+          <a:xfrm>
+            <a:off x="3217716" y="3180256"/>
+            <a:ext cx="2033439" cy="203169"/>
+          </a:xfrm>
+          <a:prstGeom prst="rect">
+            <a:avLst/>
+          </a:prstGeom>
+          <a:ln>
+            <a:solidFill>
+              <a:schemeClr val="tx1"/>
+            </a:solidFill>
+          </a:ln>
+          <a:effectLst/>
+        </p:spPr>
+        <p:style>
+          <a:lnRef idx="1">
+            <a:schemeClr val="accent1"/>
+          </a:lnRef>
+          <a:fillRef idx="3">
+            <a:schemeClr val="accent1"/>
+          </a:fillRef>
+          <a:effectRef idx="2">
+            <a:schemeClr val="accent1"/>
+          </a:effectRef>
+          <a:fontRef idx="minor">
+            <a:schemeClr val="lt1"/>
+          </a:fontRef>
+        </p:style>
+        <p:txBody>
+          <a:bodyPr rtlCol="0" anchor="ctr"/>
+          <a:lstStyle/>
+          <a:p>
+            <a:r>
+              <a:rPr kumimoji="1" lang="en-US" altLang="ja-JP" sz="800" i="1" dirty="0" smtClean="0">
+                <a:solidFill>
+                  <a:schemeClr val="bg1">
+                    <a:lumMod val="75000"/>
+                  </a:schemeClr>
+                </a:solidFill>
+              </a:rPr>
+              <a:t>New Password</a:t>
+            </a:r>
+            <a:endParaRPr kumimoji="1" lang="ja-JP" altLang="en-US" sz="800" i="1" dirty="0">
+              <a:solidFill>
+                <a:schemeClr val="bg1">
+                  <a:lumMod val="75000"/>
+                </a:schemeClr>
+              </a:solidFill>
+            </a:endParaRPr>
+          </a:p>
+        </p:txBody>
+      </p:sp>
+    </p:spTree>
+    <p:extLst>
+      <p:ext uri="{BB962C8B-B14F-4D97-AF65-F5344CB8AC3E}">
+        <p14:creationId xmlns:p14="http://schemas.microsoft.com/office/powerpoint/2010/main" val="2925567849"/>
       </p:ext>
     </p:extLst>
   </p:cSld>

--- a/doc/frontend/wireframe/TRN-MiniBlog_WireframeDesign_NguyenDongThuc.pptx
+++ b/doc/frontend/wireframe/TRN-MiniBlog_WireframeDesign_NguyenDongThuc.pptx
@@ -5,7 +5,7 @@
     <p:sldMasterId id="2147483648" r:id="rId1"/>
   </p:sldMasterIdLst>
   <p:notesMasterIdLst>
-    <p:notesMasterId r:id="rId11"/>
+    <p:notesMasterId r:id="rId14"/>
   </p:notesMasterIdLst>
   <p:sldIdLst>
     <p:sldId id="256" r:id="rId2"/>
@@ -17,6 +17,9 @@
     <p:sldId id="265" r:id="rId8"/>
     <p:sldId id="266" r:id="rId9"/>
     <p:sldId id="267" r:id="rId10"/>
+    <p:sldId id="268" r:id="rId11"/>
+    <p:sldId id="269" r:id="rId12"/>
+    <p:sldId id="270" r:id="rId13"/>
   </p:sldIdLst>
   <p:sldSz cx="12192000" cy="6858000"/>
   <p:notesSz cx="6858000" cy="9144000"/>
@@ -205,7 +208,7 @@
           <a:p>
             <a:fld id="{EE2A1413-FBF1-4637-B7B0-B80BC57DB6FB}" type="datetimeFigureOut">
               <a:rPr lang="en-GB" smtClean="0"/>
-              <a:t>14/01/2015</a:t>
+              <a:t>15/01/2015</a:t>
             </a:fld>
             <a:endParaRPr lang="en-GB"/>
           </a:p>
@@ -940,7 +943,7 @@
           <a:p>
             <a:fld id="{DEA7858C-26F2-4CAE-BF3E-C3BEE5348BC6}" type="datetimeFigureOut">
               <a:rPr lang="en-GB" smtClean="0"/>
-              <a:t>14/01/2015</a:t>
+              <a:t>15/01/2015</a:t>
             </a:fld>
             <a:endParaRPr lang="en-GB"/>
           </a:p>
@@ -1110,7 +1113,7 @@
           <a:p>
             <a:fld id="{DEA7858C-26F2-4CAE-BF3E-C3BEE5348BC6}" type="datetimeFigureOut">
               <a:rPr lang="en-GB" smtClean="0"/>
-              <a:t>14/01/2015</a:t>
+              <a:t>15/01/2015</a:t>
             </a:fld>
             <a:endParaRPr lang="en-GB"/>
           </a:p>
@@ -1290,7 +1293,7 @@
           <a:p>
             <a:fld id="{DEA7858C-26F2-4CAE-BF3E-C3BEE5348BC6}" type="datetimeFigureOut">
               <a:rPr lang="en-GB" smtClean="0"/>
-              <a:t>14/01/2015</a:t>
+              <a:t>15/01/2015</a:t>
             </a:fld>
             <a:endParaRPr lang="en-GB"/>
           </a:p>
@@ -1460,7 +1463,7 @@
           <a:p>
             <a:fld id="{DEA7858C-26F2-4CAE-BF3E-C3BEE5348BC6}" type="datetimeFigureOut">
               <a:rPr lang="en-GB" smtClean="0"/>
-              <a:t>14/01/2015</a:t>
+              <a:t>15/01/2015</a:t>
             </a:fld>
             <a:endParaRPr lang="en-GB"/>
           </a:p>
@@ -1706,7 +1709,7 @@
           <a:p>
             <a:fld id="{DEA7858C-26F2-4CAE-BF3E-C3BEE5348BC6}" type="datetimeFigureOut">
               <a:rPr lang="en-GB" smtClean="0"/>
-              <a:t>14/01/2015</a:t>
+              <a:t>15/01/2015</a:t>
             </a:fld>
             <a:endParaRPr lang="en-GB"/>
           </a:p>
@@ -1938,7 +1941,7 @@
           <a:p>
             <a:fld id="{DEA7858C-26F2-4CAE-BF3E-C3BEE5348BC6}" type="datetimeFigureOut">
               <a:rPr lang="en-GB" smtClean="0"/>
-              <a:t>14/01/2015</a:t>
+              <a:t>15/01/2015</a:t>
             </a:fld>
             <a:endParaRPr lang="en-GB"/>
           </a:p>
@@ -2305,7 +2308,7 @@
           <a:p>
             <a:fld id="{DEA7858C-26F2-4CAE-BF3E-C3BEE5348BC6}" type="datetimeFigureOut">
               <a:rPr lang="en-GB" smtClean="0"/>
-              <a:t>14/01/2015</a:t>
+              <a:t>15/01/2015</a:t>
             </a:fld>
             <a:endParaRPr lang="en-GB"/>
           </a:p>
@@ -2423,7 +2426,7 @@
           <a:p>
             <a:fld id="{DEA7858C-26F2-4CAE-BF3E-C3BEE5348BC6}" type="datetimeFigureOut">
               <a:rPr lang="en-GB" smtClean="0"/>
-              <a:t>14/01/2015</a:t>
+              <a:t>15/01/2015</a:t>
             </a:fld>
             <a:endParaRPr lang="en-GB"/>
           </a:p>
@@ -2518,7 +2521,7 @@
           <a:p>
             <a:fld id="{DEA7858C-26F2-4CAE-BF3E-C3BEE5348BC6}" type="datetimeFigureOut">
               <a:rPr lang="en-GB" smtClean="0"/>
-              <a:t>14/01/2015</a:t>
+              <a:t>15/01/2015</a:t>
             </a:fld>
             <a:endParaRPr lang="en-GB"/>
           </a:p>
@@ -2795,7 +2798,7 @@
           <a:p>
             <a:fld id="{DEA7858C-26F2-4CAE-BF3E-C3BEE5348BC6}" type="datetimeFigureOut">
               <a:rPr lang="en-GB" smtClean="0"/>
-              <a:t>14/01/2015</a:t>
+              <a:t>15/01/2015</a:t>
             </a:fld>
             <a:endParaRPr lang="en-GB"/>
           </a:p>
@@ -3048,7 +3051,7 @@
           <a:p>
             <a:fld id="{DEA7858C-26F2-4CAE-BF3E-C3BEE5348BC6}" type="datetimeFigureOut">
               <a:rPr lang="en-GB" smtClean="0"/>
-              <a:t>14/01/2015</a:t>
+              <a:t>15/01/2015</a:t>
             </a:fld>
             <a:endParaRPr lang="en-GB"/>
           </a:p>
@@ -3261,7 +3264,7 @@
           <a:p>
             <a:fld id="{DEA7858C-26F2-4CAE-BF3E-C3BEE5348BC6}" type="datetimeFigureOut">
               <a:rPr lang="en-GB" smtClean="0"/>
-              <a:t>14/01/2015</a:t>
+              <a:t>15/01/2015</a:t>
             </a:fld>
             <a:endParaRPr lang="en-GB"/>
           </a:p>
@@ -3917,6 +3920,6907 @@
 </p:sld>
 </file>
 
+<file path=ppt/slides/slide10.xml><?xml version="1.0" encoding="utf-8"?>
+<p:sld xmlns:a="http://schemas.openxmlformats.org/drawingml/2006/main" xmlns:r="http://schemas.openxmlformats.org/officeDocument/2006/relationships" xmlns:p="http://schemas.openxmlformats.org/presentationml/2006/main">
+  <p:cSld>
+    <p:spTree>
+      <p:nvGrpSpPr>
+        <p:cNvPr id="1" name=""/>
+        <p:cNvGrpSpPr/>
+        <p:nvPr/>
+      </p:nvGrpSpPr>
+      <p:grpSpPr>
+        <a:xfrm>
+          <a:off x="0" y="0"/>
+          <a:ext cx="0" cy="0"/>
+          <a:chOff x="0" y="0"/>
+          <a:chExt cx="0" cy="0"/>
+        </a:xfrm>
+      </p:grpSpPr>
+      <p:cxnSp>
+        <p:nvCxnSpPr>
+          <p:cNvPr id="65" name="Straight Connector 64"/>
+          <p:cNvCxnSpPr/>
+          <p:nvPr/>
+        </p:nvCxnSpPr>
+        <p:spPr>
+          <a:xfrm>
+            <a:off x="1524000" y="399143"/>
+            <a:ext cx="9144000" cy="0"/>
+          </a:xfrm>
+          <a:prstGeom prst="line">
+            <a:avLst/>
+          </a:prstGeom>
+        </p:spPr>
+        <p:style>
+          <a:lnRef idx="2">
+            <a:schemeClr val="accent1"/>
+          </a:lnRef>
+          <a:fillRef idx="0">
+            <a:schemeClr val="accent1"/>
+          </a:fillRef>
+          <a:effectRef idx="1">
+            <a:schemeClr val="accent1"/>
+          </a:effectRef>
+          <a:fontRef idx="minor">
+            <a:schemeClr val="tx1"/>
+          </a:fontRef>
+        </p:style>
+      </p:cxnSp>
+      <p:sp>
+        <p:nvSpPr>
+          <p:cNvPr id="66" name="TextBox 65"/>
+          <p:cNvSpPr txBox="1"/>
+          <p:nvPr/>
+        </p:nvSpPr>
+        <p:spPr>
+          <a:xfrm>
+            <a:off x="1717526" y="0"/>
+            <a:ext cx="1546898" cy="369332"/>
+          </a:xfrm>
+          <a:prstGeom prst="rect">
+            <a:avLst/>
+          </a:prstGeom>
+          <a:noFill/>
+        </p:spPr>
+        <p:txBody>
+          <a:bodyPr wrap="none" rtlCol="0">
+            <a:spAutoFit/>
+          </a:bodyPr>
+          <a:lstStyle/>
+          <a:p>
+            <a:r>
+              <a:rPr kumimoji="1" lang="en-US" altLang="ja-JP" dirty="0" smtClean="0"/>
+              <a:t>S-3-7 </a:t>
+            </a:r>
+            <a:r>
+              <a:rPr kumimoji="1" lang="en-US" altLang="ja-JP" dirty="0" err="1" smtClean="0"/>
+              <a:t>NewPost</a:t>
+            </a:r>
+            <a:endParaRPr kumimoji="1" lang="ja-JP" altLang="en-US" dirty="0"/>
+          </a:p>
+        </p:txBody>
+      </p:sp>
+      <p:sp useBgFill="1">
+        <p:nvSpPr>
+          <p:cNvPr id="2" name="Rectangle 1"/>
+          <p:cNvSpPr/>
+          <p:nvPr/>
+        </p:nvSpPr>
+        <p:spPr>
+          <a:xfrm>
+            <a:off x="1616738" y="699605"/>
+            <a:ext cx="4919133" cy="4258733"/>
+          </a:xfrm>
+          <a:prstGeom prst="rect">
+            <a:avLst/>
+          </a:prstGeom>
+          <a:ln>
+            <a:solidFill>
+              <a:schemeClr val="tx1"/>
+            </a:solidFill>
+          </a:ln>
+          <a:effectLst/>
+        </p:spPr>
+        <p:style>
+          <a:lnRef idx="1">
+            <a:schemeClr val="accent1"/>
+          </a:lnRef>
+          <a:fillRef idx="3">
+            <a:schemeClr val="accent1"/>
+          </a:fillRef>
+          <a:effectRef idx="2">
+            <a:schemeClr val="accent1"/>
+          </a:effectRef>
+          <a:fontRef idx="minor">
+            <a:schemeClr val="lt1"/>
+          </a:fontRef>
+        </p:style>
+        <p:txBody>
+          <a:bodyPr rtlCol="0" anchor="ctr"/>
+          <a:lstStyle/>
+          <a:p>
+            <a:pPr algn="ctr"/>
+            <a:endParaRPr kumimoji="1" lang="ja-JP" altLang="en-US">
+              <a:solidFill>
+                <a:srgbClr val="FF0000"/>
+              </a:solidFill>
+            </a:endParaRPr>
+          </a:p>
+        </p:txBody>
+      </p:sp>
+      <p:sp>
+        <p:nvSpPr>
+          <p:cNvPr id="3" name="Rectangle 2"/>
+          <p:cNvSpPr/>
+          <p:nvPr/>
+        </p:nvSpPr>
+        <p:spPr>
+          <a:xfrm>
+            <a:off x="2057857" y="916491"/>
+            <a:ext cx="1196687" cy="400110"/>
+          </a:xfrm>
+          <a:prstGeom prst="rect">
+            <a:avLst/>
+          </a:prstGeom>
+          <a:noFill/>
+        </p:spPr>
+        <p:txBody>
+          <a:bodyPr wrap="none" lIns="91440" tIns="45720" rIns="91440" bIns="45720">
+            <a:spAutoFit/>
+          </a:bodyPr>
+          <a:lstStyle/>
+          <a:p>
+            <a:pPr algn="ctr"/>
+            <a:r>
+              <a:rPr lang="en-US" altLang="ja-JP" sz="2000" b="1" dirty="0">
+                <a:ln w="12700">
+                  <a:solidFill>
+                    <a:schemeClr val="tx2">
+                      <a:satMod val="155000"/>
+                    </a:schemeClr>
+                  </a:solidFill>
+                  <a:prstDash val="solid"/>
+                </a:ln>
+                <a:solidFill>
+                  <a:schemeClr val="bg2">
+                    <a:tint val="85000"/>
+                    <a:satMod val="155000"/>
+                  </a:schemeClr>
+                </a:solidFill>
+                <a:effectLst>
+                  <a:outerShdw blurRad="41275" dist="20320" dir="1800000" algn="tl" rotWithShape="0">
+                    <a:srgbClr val="000000">
+                      <a:alpha val="40000"/>
+                    </a:srgbClr>
+                  </a:outerShdw>
+                </a:effectLst>
+              </a:rPr>
+              <a:t>Mini Blog</a:t>
+            </a:r>
+          </a:p>
+        </p:txBody>
+      </p:sp>
+      <p:sp>
+        <p:nvSpPr>
+          <p:cNvPr id="7" name="Rectangle 6"/>
+          <p:cNvSpPr/>
+          <p:nvPr/>
+        </p:nvSpPr>
+        <p:spPr>
+          <a:xfrm>
+            <a:off x="2059396" y="1532723"/>
+            <a:ext cx="1783449" cy="229218"/>
+          </a:xfrm>
+          <a:prstGeom prst="rect">
+            <a:avLst/>
+          </a:prstGeom>
+          <a:ln>
+            <a:solidFill>
+              <a:schemeClr val="tx1"/>
+            </a:solidFill>
+          </a:ln>
+          <a:effectLst/>
+        </p:spPr>
+        <p:style>
+          <a:lnRef idx="1">
+            <a:schemeClr val="accent1"/>
+          </a:lnRef>
+          <a:fillRef idx="3">
+            <a:schemeClr val="accent1"/>
+          </a:fillRef>
+          <a:effectRef idx="2">
+            <a:schemeClr val="accent1"/>
+          </a:effectRef>
+          <a:fontRef idx="minor">
+            <a:schemeClr val="lt1"/>
+          </a:fontRef>
+        </p:style>
+        <p:txBody>
+          <a:bodyPr rtlCol="0" anchor="ctr"/>
+          <a:lstStyle/>
+          <a:p>
+            <a:r>
+              <a:rPr kumimoji="1" lang="en-US" altLang="ja-JP" sz="800" i="1" dirty="0" smtClean="0">
+                <a:solidFill>
+                  <a:schemeClr val="bg1">
+                    <a:lumMod val="75000"/>
+                  </a:schemeClr>
+                </a:solidFill>
+              </a:rPr>
+              <a:t>Search user and post</a:t>
+            </a:r>
+            <a:endParaRPr kumimoji="1" lang="ja-JP" altLang="en-US" sz="800" i="1" dirty="0">
+              <a:solidFill>
+                <a:schemeClr val="bg1">
+                  <a:lumMod val="75000"/>
+                </a:schemeClr>
+              </a:solidFill>
+            </a:endParaRPr>
+          </a:p>
+        </p:txBody>
+      </p:sp>
+      <p:sp>
+        <p:nvSpPr>
+          <p:cNvPr id="8" name="Rectangle 7"/>
+          <p:cNvSpPr/>
+          <p:nvPr/>
+        </p:nvSpPr>
+        <p:spPr>
+          <a:xfrm>
+            <a:off x="3925590" y="1542508"/>
+            <a:ext cx="602751" cy="218077"/>
+          </a:xfrm>
+          <a:prstGeom prst="rect">
+            <a:avLst/>
+          </a:prstGeom>
+        </p:spPr>
+        <p:style>
+          <a:lnRef idx="1">
+            <a:schemeClr val="accent1"/>
+          </a:lnRef>
+          <a:fillRef idx="3">
+            <a:schemeClr val="accent1"/>
+          </a:fillRef>
+          <a:effectRef idx="2">
+            <a:schemeClr val="accent1"/>
+          </a:effectRef>
+          <a:fontRef idx="minor">
+            <a:schemeClr val="lt1"/>
+          </a:fontRef>
+        </p:style>
+        <p:txBody>
+          <a:bodyPr rtlCol="0" anchor="ctr"/>
+          <a:lstStyle/>
+          <a:p>
+            <a:pPr algn="ctr"/>
+            <a:r>
+              <a:rPr kumimoji="1" lang="en-US" altLang="ja-JP" sz="1000" dirty="0"/>
+              <a:t>Search</a:t>
+            </a:r>
+            <a:endParaRPr kumimoji="1" lang="ja-JP" altLang="en-US" sz="1000" dirty="0"/>
+          </a:p>
+        </p:txBody>
+      </p:sp>
+      <p:cxnSp>
+        <p:nvCxnSpPr>
+          <p:cNvPr id="13" name="Straight Connector 12"/>
+          <p:cNvCxnSpPr/>
+          <p:nvPr/>
+        </p:nvCxnSpPr>
+        <p:spPr>
+          <a:xfrm flipV="1">
+            <a:off x="2057857" y="2198813"/>
+            <a:ext cx="4358872" cy="42048"/>
+          </a:xfrm>
+          <a:prstGeom prst="line">
+            <a:avLst/>
+          </a:prstGeom>
+          <a:ln w="3175" cmpd="sng">
+            <a:solidFill>
+              <a:schemeClr val="bg1">
+                <a:lumMod val="75000"/>
+              </a:schemeClr>
+            </a:solidFill>
+          </a:ln>
+          <a:effectLst/>
+        </p:spPr>
+        <p:style>
+          <a:lnRef idx="2">
+            <a:schemeClr val="accent1"/>
+          </a:lnRef>
+          <a:fillRef idx="0">
+            <a:schemeClr val="accent1"/>
+          </a:fillRef>
+          <a:effectRef idx="1">
+            <a:schemeClr val="accent1"/>
+          </a:effectRef>
+          <a:fontRef idx="minor">
+            <a:schemeClr val="tx1"/>
+          </a:fontRef>
+        </p:style>
+      </p:cxnSp>
+      <p:sp>
+        <p:nvSpPr>
+          <p:cNvPr id="14" name="TextBox 13"/>
+          <p:cNvSpPr txBox="1"/>
+          <p:nvPr/>
+        </p:nvSpPr>
+        <p:spPr>
+          <a:xfrm>
+            <a:off x="1981675" y="1932468"/>
+            <a:ext cx="2287806" cy="253916"/>
+          </a:xfrm>
+          <a:prstGeom prst="rect">
+            <a:avLst/>
+          </a:prstGeom>
+          <a:noFill/>
+        </p:spPr>
+        <p:txBody>
+          <a:bodyPr wrap="none" rtlCol="0">
+            <a:spAutoFit/>
+          </a:bodyPr>
+          <a:lstStyle/>
+          <a:p>
+            <a:r>
+              <a:rPr kumimoji="1" lang="en-US" altLang="ja-JP" sz="1050" b="1" dirty="0" smtClean="0">
+                <a:solidFill>
+                  <a:schemeClr val="bg2">
+                    <a:lumMod val="75000"/>
+                  </a:schemeClr>
+                </a:solidFill>
+              </a:rPr>
+              <a:t>Home</a:t>
+            </a:r>
+            <a:r>
+              <a:rPr kumimoji="1" lang="en-US" altLang="ja-JP" sz="1050" dirty="0" smtClean="0">
+                <a:solidFill>
+                  <a:schemeClr val="bg2">
+                    <a:lumMod val="75000"/>
+                  </a:schemeClr>
+                </a:solidFill>
+              </a:rPr>
+              <a:t> | My Post | All </a:t>
+            </a:r>
+            <a:r>
+              <a:rPr kumimoji="1" lang="en-US" altLang="ja-JP" sz="1050" dirty="0" smtClean="0">
+                <a:solidFill>
+                  <a:schemeClr val="bg2">
+                    <a:lumMod val="75000"/>
+                  </a:schemeClr>
+                </a:solidFill>
+              </a:rPr>
+              <a:t>Post | </a:t>
+            </a:r>
+            <a:r>
+              <a:rPr kumimoji="1" lang="en-US" altLang="ja-JP" sz="1050" dirty="0" smtClean="0">
+                <a:solidFill>
+                  <a:schemeClr val="bg2">
+                    <a:lumMod val="50000"/>
+                  </a:schemeClr>
+                </a:solidFill>
+              </a:rPr>
+              <a:t>New Post </a:t>
+            </a:r>
+            <a:endParaRPr kumimoji="1" lang="ja-JP" altLang="en-US" sz="1050" dirty="0">
+              <a:solidFill>
+                <a:schemeClr val="bg2">
+                  <a:lumMod val="50000"/>
+                </a:schemeClr>
+              </a:solidFill>
+            </a:endParaRPr>
+          </a:p>
+        </p:txBody>
+      </p:sp>
+      <p:graphicFrame>
+        <p:nvGraphicFramePr>
+          <p:cNvPr id="25" name="Table 24"/>
+          <p:cNvGraphicFramePr>
+            <a:graphicFrameLocks noGrp="1"/>
+          </p:cNvGraphicFramePr>
+          <p:nvPr>
+            <p:extLst>
+              <p:ext uri="{D42A27DB-BD31-4B8C-83A1-F6EECF244321}">
+                <p14:modId xmlns:p14="http://schemas.microsoft.com/office/powerpoint/2010/main" val="1551123272"/>
+              </p:ext>
+            </p:extLst>
+          </p:nvPr>
+        </p:nvGraphicFramePr>
+        <p:xfrm>
+          <a:off x="6764863" y="746700"/>
+          <a:ext cx="3903137" cy="5063254"/>
+        </p:xfrm>
+        <a:graphic>
+          <a:graphicData uri="http://schemas.openxmlformats.org/drawingml/2006/table">
+            <a:tbl>
+              <a:tblPr firstRow="1" bandRow="1">
+                <a:tableStyleId>{5202B0CA-FC54-4496-8BCA-5EF66A818D29}</a:tableStyleId>
+              </a:tblPr>
+              <a:tblGrid>
+                <a:gridCol w="355505"/>
+                <a:gridCol w="992448"/>
+                <a:gridCol w="725819"/>
+                <a:gridCol w="1370172"/>
+                <a:gridCol w="459193"/>
+              </a:tblGrid>
+              <a:tr h="327082">
+                <a:tc>
+                  <a:txBody>
+                    <a:bodyPr/>
+                    <a:lstStyle/>
+                    <a:p>
+                      <a:r>
+                        <a:rPr kumimoji="1" lang="en-US" altLang="ja-JP" sz="1000" dirty="0"/>
+                        <a:t>No</a:t>
+                      </a:r>
+                      <a:endParaRPr kumimoji="1" lang="ja-JP" altLang="en-US" sz="1000" dirty="0"/>
+                    </a:p>
+                  </a:txBody>
+                  <a:tcPr/>
+                </a:tc>
+                <a:tc>
+                  <a:txBody>
+                    <a:bodyPr/>
+                    <a:lstStyle/>
+                    <a:p>
+                      <a:r>
+                        <a:rPr kumimoji="1" lang="en-US" altLang="ja-JP" sz="1000" dirty="0"/>
+                        <a:t>Content</a:t>
+                      </a:r>
+                      <a:endParaRPr kumimoji="1" lang="ja-JP" altLang="en-US" sz="1000" dirty="0"/>
+                    </a:p>
+                  </a:txBody>
+                  <a:tcPr/>
+                </a:tc>
+                <a:tc>
+                  <a:txBody>
+                    <a:bodyPr/>
+                    <a:lstStyle/>
+                    <a:p>
+                      <a:r>
+                        <a:rPr kumimoji="1" lang="en-US" altLang="ja-JP" sz="1000" dirty="0"/>
+                        <a:t>Function</a:t>
+                      </a:r>
+                      <a:endParaRPr kumimoji="1" lang="ja-JP" altLang="en-US" sz="1000" dirty="0"/>
+                    </a:p>
+                  </a:txBody>
+                  <a:tcPr/>
+                </a:tc>
+                <a:tc>
+                  <a:txBody>
+                    <a:bodyPr/>
+                    <a:lstStyle/>
+                    <a:p>
+                      <a:r>
+                        <a:rPr kumimoji="1" lang="en-US" altLang="ja-JP" sz="1000" dirty="0"/>
+                        <a:t>Detail/option</a:t>
+                      </a:r>
+                      <a:endParaRPr kumimoji="1" lang="ja-JP" altLang="en-US" sz="1000" dirty="0"/>
+                    </a:p>
+                  </a:txBody>
+                  <a:tcPr/>
+                </a:tc>
+                <a:tc>
+                  <a:txBody>
+                    <a:bodyPr/>
+                    <a:lstStyle/>
+                    <a:p>
+                      <a:r>
+                        <a:rPr kumimoji="1" lang="en-US" altLang="ja-JP" sz="1000"/>
+                        <a:t>Goto</a:t>
+                      </a:r>
+                      <a:endParaRPr kumimoji="1" lang="ja-JP" altLang="en-US" sz="1000"/>
+                    </a:p>
+                  </a:txBody>
+                  <a:tcPr/>
+                </a:tc>
+              </a:tr>
+              <a:tr h="327082">
+                <a:tc>
+                  <a:txBody>
+                    <a:bodyPr/>
+                    <a:lstStyle/>
+                    <a:p>
+                      <a:r>
+                        <a:rPr kumimoji="1" lang="en-GB" altLang="ja-JP" sz="1000" dirty="0" smtClean="0"/>
+                        <a:t>1</a:t>
+                      </a:r>
+                      <a:endParaRPr kumimoji="1" lang="ja-JP" altLang="en-US" sz="1000" dirty="0"/>
+                    </a:p>
+                  </a:txBody>
+                  <a:tcPr/>
+                </a:tc>
+                <a:tc>
+                  <a:txBody>
+                    <a:bodyPr/>
+                    <a:lstStyle/>
+                    <a:p>
+                      <a:r>
+                        <a:rPr kumimoji="1" lang="en-GB" altLang="ja-JP" sz="1000" dirty="0" smtClean="0"/>
+                        <a:t>Username</a:t>
+                      </a:r>
+                      <a:r>
+                        <a:rPr kumimoji="1" lang="en-GB" altLang="ja-JP" sz="1000" baseline="0" dirty="0" smtClean="0"/>
+                        <a:t> </a:t>
+                      </a:r>
+                      <a:r>
+                        <a:rPr kumimoji="1" lang="en-GB" altLang="ja-JP" sz="1000" dirty="0" smtClean="0"/>
+                        <a:t>button</a:t>
+                      </a:r>
+                      <a:endParaRPr kumimoji="1" lang="ja-JP" altLang="en-US" sz="1000" dirty="0"/>
+                    </a:p>
+                  </a:txBody>
+                  <a:tcPr/>
+                </a:tc>
+                <a:tc>
+                  <a:txBody>
+                    <a:bodyPr/>
+                    <a:lstStyle/>
+                    <a:p>
+                      <a:endParaRPr kumimoji="1" lang="ja-JP" altLang="en-US" sz="1000" dirty="0"/>
+                    </a:p>
+                  </a:txBody>
+                  <a:tcPr/>
+                </a:tc>
+                <a:tc>
+                  <a:txBody>
+                    <a:bodyPr/>
+                    <a:lstStyle/>
+                    <a:p>
+                      <a:r>
+                        <a:rPr kumimoji="1" lang="en-GB" altLang="ja-JP" sz="1000" dirty="0" smtClean="0"/>
+                        <a:t>Click =&gt; go</a:t>
+                      </a:r>
+                      <a:r>
+                        <a:rPr kumimoji="1" lang="en-GB" altLang="ja-JP" sz="1000" baseline="0" dirty="0" smtClean="0"/>
+                        <a:t> to home page</a:t>
+                      </a:r>
+                      <a:endParaRPr kumimoji="1" lang="ja-JP" altLang="en-US" sz="1000" dirty="0"/>
+                    </a:p>
+                  </a:txBody>
+                  <a:tcPr/>
+                </a:tc>
+                <a:tc>
+                  <a:txBody>
+                    <a:bodyPr/>
+                    <a:lstStyle/>
+                    <a:p>
+                      <a:endParaRPr kumimoji="1" lang="ja-JP" altLang="en-US" sz="1000" dirty="0"/>
+                    </a:p>
+                  </a:txBody>
+                  <a:tcPr/>
+                </a:tc>
+              </a:tr>
+              <a:tr h="327082">
+                <a:tc>
+                  <a:txBody>
+                    <a:bodyPr/>
+                    <a:lstStyle/>
+                    <a:p>
+                      <a:r>
+                        <a:rPr kumimoji="1" lang="en-US" altLang="ja-JP" sz="1000" dirty="0" smtClean="0"/>
+                        <a:t>2</a:t>
+                      </a:r>
+                      <a:endParaRPr kumimoji="1" lang="ja-JP" altLang="en-US" sz="1000" dirty="0"/>
+                    </a:p>
+                  </a:txBody>
+                  <a:tcPr/>
+                </a:tc>
+                <a:tc>
+                  <a:txBody>
+                    <a:bodyPr/>
+                    <a:lstStyle/>
+                    <a:p>
+                      <a:r>
+                        <a:rPr kumimoji="1" lang="en-US" altLang="ja-JP" sz="1000" dirty="0" smtClean="0"/>
+                        <a:t>Edit Profile </a:t>
+                      </a:r>
+                      <a:r>
+                        <a:rPr kumimoji="1" lang="en-US" altLang="ja-JP" sz="1000" baseline="0" dirty="0" smtClean="0"/>
+                        <a:t>button</a:t>
+                      </a:r>
+                      <a:endParaRPr kumimoji="1" lang="ja-JP" altLang="en-US" sz="1000" dirty="0"/>
+                    </a:p>
+                  </a:txBody>
+                  <a:tcPr/>
+                </a:tc>
+                <a:tc>
+                  <a:txBody>
+                    <a:bodyPr/>
+                    <a:lstStyle/>
+                    <a:p>
+                      <a:endParaRPr kumimoji="1" lang="ja-JP" altLang="en-US" sz="1000"/>
+                    </a:p>
+                  </a:txBody>
+                  <a:tcPr/>
+                </a:tc>
+                <a:tc>
+                  <a:txBody>
+                    <a:bodyPr/>
+                    <a:lstStyle/>
+                    <a:p>
+                      <a:r>
+                        <a:rPr kumimoji="1" lang="en-US" altLang="ja-JP" sz="1000" dirty="0" smtClean="0"/>
+                        <a:t>Click =&gt; go to update information user page</a:t>
+                      </a:r>
+                      <a:endParaRPr kumimoji="1" lang="ja-JP" altLang="en-US" sz="1000" dirty="0"/>
+                    </a:p>
+                  </a:txBody>
+                  <a:tcPr/>
+                </a:tc>
+                <a:tc>
+                  <a:txBody>
+                    <a:bodyPr/>
+                    <a:lstStyle/>
+                    <a:p>
+                      <a:endParaRPr kumimoji="1" lang="ja-JP" altLang="en-US" sz="1000" dirty="0">
+                        <a:latin typeface="Calibri"/>
+                        <a:cs typeface="Calibri"/>
+                      </a:endParaRPr>
+                    </a:p>
+                  </a:txBody>
+                  <a:tcPr/>
+                </a:tc>
+              </a:tr>
+              <a:tr h="327082">
+                <a:tc>
+                  <a:txBody>
+                    <a:bodyPr/>
+                    <a:lstStyle/>
+                    <a:p>
+                      <a:r>
+                        <a:rPr kumimoji="1" lang="en-US" altLang="ja-JP" sz="1000" dirty="0" smtClean="0"/>
+                        <a:t>3</a:t>
+                      </a:r>
+                      <a:endParaRPr kumimoji="1" lang="ja-JP" altLang="en-US" sz="1000" dirty="0"/>
+                    </a:p>
+                  </a:txBody>
+                  <a:tcPr/>
+                </a:tc>
+                <a:tc>
+                  <a:txBody>
+                    <a:bodyPr/>
+                    <a:lstStyle/>
+                    <a:p>
+                      <a:r>
+                        <a:rPr kumimoji="1" lang="en-US" altLang="ja-JP" sz="1000" dirty="0" smtClean="0"/>
+                        <a:t>Logout Button</a:t>
+                      </a:r>
+                      <a:endParaRPr kumimoji="1" lang="ja-JP" altLang="en-US" sz="1000" dirty="0"/>
+                    </a:p>
+                  </a:txBody>
+                  <a:tcPr/>
+                </a:tc>
+                <a:tc>
+                  <a:txBody>
+                    <a:bodyPr/>
+                    <a:lstStyle/>
+                    <a:p>
+                      <a:endParaRPr kumimoji="1" lang="ja-JP" altLang="en-US" sz="1000"/>
+                    </a:p>
+                  </a:txBody>
+                  <a:tcPr/>
+                </a:tc>
+                <a:tc>
+                  <a:txBody>
+                    <a:bodyPr/>
+                    <a:lstStyle/>
+                    <a:p>
+                      <a:endParaRPr kumimoji="1" lang="ja-JP" altLang="en-US" sz="1000" dirty="0"/>
+                    </a:p>
+                  </a:txBody>
+                  <a:tcPr/>
+                </a:tc>
+                <a:tc>
+                  <a:txBody>
+                    <a:bodyPr/>
+                    <a:lstStyle/>
+                    <a:p>
+                      <a:endParaRPr kumimoji="1" lang="ja-JP" altLang="en-US" sz="1000" dirty="0">
+                        <a:latin typeface="Calibri"/>
+                        <a:cs typeface="Calibri"/>
+                      </a:endParaRPr>
+                    </a:p>
+                  </a:txBody>
+                  <a:tcPr/>
+                </a:tc>
+              </a:tr>
+              <a:tr h="327082">
+                <a:tc>
+                  <a:txBody>
+                    <a:bodyPr/>
+                    <a:lstStyle/>
+                    <a:p>
+                      <a:r>
+                        <a:rPr kumimoji="1" lang="en-US" altLang="ja-JP" sz="1000" dirty="0" smtClean="0"/>
+                        <a:t>4</a:t>
+                      </a:r>
+                      <a:endParaRPr kumimoji="1" lang="ja-JP" altLang="en-US" sz="1000" dirty="0"/>
+                    </a:p>
+                  </a:txBody>
+                  <a:tcPr/>
+                </a:tc>
+                <a:tc>
+                  <a:txBody>
+                    <a:bodyPr/>
+                    <a:lstStyle/>
+                    <a:p>
+                      <a:r>
+                        <a:rPr kumimoji="1" lang="en-US" altLang="ja-JP" sz="1000" dirty="0" smtClean="0"/>
+                        <a:t>Search button</a:t>
+                      </a:r>
+                      <a:endParaRPr kumimoji="1" lang="ja-JP" altLang="en-US" sz="1000" dirty="0"/>
+                    </a:p>
+                  </a:txBody>
+                  <a:tcPr/>
+                </a:tc>
+                <a:tc>
+                  <a:txBody>
+                    <a:bodyPr/>
+                    <a:lstStyle/>
+                    <a:p>
+                      <a:endParaRPr kumimoji="1" lang="ja-JP" altLang="en-US" sz="1000" dirty="0"/>
+                    </a:p>
+                  </a:txBody>
+                  <a:tcPr/>
+                </a:tc>
+                <a:tc>
+                  <a:txBody>
+                    <a:bodyPr/>
+                    <a:lstStyle/>
+                    <a:p>
+                      <a:r>
+                        <a:rPr kumimoji="1" lang="en-GB" altLang="ja-JP" sz="1000" dirty="0" smtClean="0"/>
+                        <a:t>Search all user and all post</a:t>
+                      </a:r>
+                      <a:endParaRPr kumimoji="1" lang="ja-JP" altLang="en-US" sz="1000" dirty="0"/>
+                    </a:p>
+                  </a:txBody>
+                  <a:tcPr/>
+                </a:tc>
+                <a:tc>
+                  <a:txBody>
+                    <a:bodyPr/>
+                    <a:lstStyle/>
+                    <a:p>
+                      <a:endParaRPr kumimoji="1" lang="ja-JP" altLang="en-US" sz="1000" dirty="0">
+                        <a:latin typeface="Calibri"/>
+                        <a:cs typeface="Calibri"/>
+                      </a:endParaRPr>
+                    </a:p>
+                  </a:txBody>
+                  <a:tcPr/>
+                </a:tc>
+              </a:tr>
+              <a:tr h="327082">
+                <a:tc>
+                  <a:txBody>
+                    <a:bodyPr/>
+                    <a:lstStyle/>
+                    <a:p>
+                      <a:r>
+                        <a:rPr kumimoji="1" lang="en-GB" altLang="ja-JP" sz="1000" dirty="0" smtClean="0"/>
+                        <a:t>5</a:t>
+                      </a:r>
+                      <a:endParaRPr kumimoji="1" lang="ja-JP" altLang="en-US" sz="1000" dirty="0"/>
+                    </a:p>
+                  </a:txBody>
+                  <a:tcPr/>
+                </a:tc>
+                <a:tc>
+                  <a:txBody>
+                    <a:bodyPr/>
+                    <a:lstStyle/>
+                    <a:p>
+                      <a:r>
+                        <a:rPr kumimoji="1" lang="en-GB" altLang="ja-JP" sz="1000" dirty="0" smtClean="0"/>
+                        <a:t>User Search </a:t>
+                      </a:r>
+                      <a:r>
+                        <a:rPr kumimoji="1" lang="en-GB" altLang="ja-JP" sz="1000" dirty="0" err="1" smtClean="0"/>
+                        <a:t>buton</a:t>
+                      </a:r>
+                      <a:endParaRPr kumimoji="1" lang="ja-JP" altLang="en-US" sz="1000" dirty="0"/>
+                    </a:p>
+                  </a:txBody>
+                  <a:tcPr/>
+                </a:tc>
+                <a:tc>
+                  <a:txBody>
+                    <a:bodyPr/>
+                    <a:lstStyle/>
+                    <a:p>
+                      <a:endParaRPr kumimoji="1" lang="ja-JP" altLang="en-US" sz="1000"/>
+                    </a:p>
+                  </a:txBody>
+                  <a:tcPr/>
+                </a:tc>
+                <a:tc>
+                  <a:txBody>
+                    <a:bodyPr/>
+                    <a:lstStyle/>
+                    <a:p>
+                      <a:r>
+                        <a:rPr kumimoji="1" lang="en-GB" altLang="ja-JP" sz="1000" dirty="0" smtClean="0"/>
+                        <a:t>Click =&gt; go to user search page</a:t>
+                      </a:r>
+                      <a:endParaRPr kumimoji="1" lang="ja-JP" altLang="en-US" sz="1000" dirty="0"/>
+                    </a:p>
+                  </a:txBody>
+                  <a:tcPr/>
+                </a:tc>
+                <a:tc>
+                  <a:txBody>
+                    <a:bodyPr/>
+                    <a:lstStyle/>
+                    <a:p>
+                      <a:endParaRPr kumimoji="1" lang="ja-JP" altLang="en-US" sz="1000" dirty="0">
+                        <a:latin typeface="Calibri"/>
+                        <a:cs typeface="Calibri"/>
+                      </a:endParaRPr>
+                    </a:p>
+                  </a:txBody>
+                  <a:tcPr/>
+                </a:tc>
+              </a:tr>
+              <a:tr h="327082">
+                <a:tc>
+                  <a:txBody>
+                    <a:bodyPr/>
+                    <a:lstStyle/>
+                    <a:p>
+                      <a:r>
+                        <a:rPr kumimoji="1" lang="en-US" altLang="ja-JP" sz="1000" dirty="0" smtClean="0"/>
+                        <a:t>6</a:t>
+                      </a:r>
+                      <a:endParaRPr kumimoji="1" lang="ja-JP" altLang="en-US" sz="1000" dirty="0"/>
+                    </a:p>
+                  </a:txBody>
+                  <a:tcPr/>
+                </a:tc>
+                <a:tc>
+                  <a:txBody>
+                    <a:bodyPr/>
+                    <a:lstStyle/>
+                    <a:p>
+                      <a:r>
+                        <a:rPr kumimoji="1" lang="en-US" altLang="ja-JP" sz="1000" dirty="0" smtClean="0"/>
+                        <a:t>Home</a:t>
+                      </a:r>
+                      <a:endParaRPr kumimoji="1" lang="ja-JP" altLang="en-US" sz="1000" dirty="0"/>
+                    </a:p>
+                  </a:txBody>
+                  <a:tcPr/>
+                </a:tc>
+                <a:tc>
+                  <a:txBody>
+                    <a:bodyPr/>
+                    <a:lstStyle/>
+                    <a:p>
+                      <a:endParaRPr kumimoji="1" lang="ja-JP" altLang="en-US" sz="1000"/>
+                    </a:p>
+                  </a:txBody>
+                  <a:tcPr/>
+                </a:tc>
+                <a:tc>
+                  <a:txBody>
+                    <a:bodyPr/>
+                    <a:lstStyle/>
+                    <a:p>
+                      <a:r>
+                        <a:rPr kumimoji="1" lang="en-GB" altLang="ja-JP" sz="1000" dirty="0" smtClean="0"/>
+                        <a:t>Click =&gt; Show 10</a:t>
+                      </a:r>
+                      <a:r>
+                        <a:rPr kumimoji="1" lang="en-GB" altLang="ja-JP" sz="1000" baseline="0" dirty="0" smtClean="0"/>
+                        <a:t> newest post</a:t>
+                      </a:r>
+                      <a:endParaRPr kumimoji="1" lang="ja-JP" altLang="en-US" sz="1000" dirty="0"/>
+                    </a:p>
+                  </a:txBody>
+                  <a:tcPr/>
+                </a:tc>
+                <a:tc>
+                  <a:txBody>
+                    <a:bodyPr/>
+                    <a:lstStyle/>
+                    <a:p>
+                      <a:endParaRPr kumimoji="1" lang="ja-JP" altLang="en-US" sz="1000">
+                        <a:latin typeface="Calibri"/>
+                        <a:cs typeface="Calibri"/>
+                      </a:endParaRPr>
+                    </a:p>
+                  </a:txBody>
+                  <a:tcPr/>
+                </a:tc>
+              </a:tr>
+              <a:tr h="327082">
+                <a:tc>
+                  <a:txBody>
+                    <a:bodyPr/>
+                    <a:lstStyle/>
+                    <a:p>
+                      <a:r>
+                        <a:rPr kumimoji="1" lang="en-US" altLang="ja-JP" sz="1000" dirty="0" smtClean="0"/>
+                        <a:t>7</a:t>
+                      </a:r>
+                      <a:endParaRPr kumimoji="1" lang="ja-JP" altLang="en-US" sz="1000" dirty="0"/>
+                    </a:p>
+                  </a:txBody>
+                  <a:tcPr/>
+                </a:tc>
+                <a:tc>
+                  <a:txBody>
+                    <a:bodyPr/>
+                    <a:lstStyle/>
+                    <a:p>
+                      <a:r>
+                        <a:rPr kumimoji="1" lang="en-US" altLang="ja-JP" sz="1000" dirty="0" smtClean="0"/>
+                        <a:t>My</a:t>
+                      </a:r>
+                      <a:r>
+                        <a:rPr kumimoji="1" lang="en-US" altLang="ja-JP" sz="1000" baseline="0" dirty="0" smtClean="0"/>
+                        <a:t> Post</a:t>
+                      </a:r>
+                      <a:endParaRPr kumimoji="1" lang="ja-JP" altLang="en-US" sz="1000" dirty="0"/>
+                    </a:p>
+                  </a:txBody>
+                  <a:tcPr/>
+                </a:tc>
+                <a:tc>
+                  <a:txBody>
+                    <a:bodyPr/>
+                    <a:lstStyle/>
+                    <a:p>
+                      <a:endParaRPr kumimoji="1" lang="ja-JP" altLang="en-US" sz="1000"/>
+                    </a:p>
+                  </a:txBody>
+                  <a:tcPr/>
+                </a:tc>
+                <a:tc>
+                  <a:txBody>
+                    <a:bodyPr/>
+                    <a:lstStyle/>
+                    <a:p>
+                      <a:r>
+                        <a:rPr kumimoji="1" lang="en-US" altLang="ja-JP" sz="1000" dirty="0" smtClean="0"/>
+                        <a:t>Click =&gt; show all posts</a:t>
+                      </a:r>
+                      <a:r>
+                        <a:rPr kumimoji="1" lang="en-US" altLang="ja-JP" sz="1000" baseline="0" dirty="0" smtClean="0"/>
+                        <a:t> of user</a:t>
+                      </a:r>
+                      <a:endParaRPr kumimoji="1" lang="ja-JP" altLang="en-US" sz="1000" dirty="0"/>
+                    </a:p>
+                  </a:txBody>
+                  <a:tcPr/>
+                </a:tc>
+                <a:tc>
+                  <a:txBody>
+                    <a:bodyPr/>
+                    <a:lstStyle/>
+                    <a:p>
+                      <a:endParaRPr kumimoji="1" lang="ja-JP" altLang="en-US" sz="1000" dirty="0">
+                        <a:latin typeface="Calibri"/>
+                        <a:cs typeface="Calibri"/>
+                      </a:endParaRPr>
+                    </a:p>
+                  </a:txBody>
+                  <a:tcPr/>
+                </a:tc>
+              </a:tr>
+              <a:tr h="327082">
+                <a:tc>
+                  <a:txBody>
+                    <a:bodyPr/>
+                    <a:lstStyle/>
+                    <a:p>
+                      <a:r>
+                        <a:rPr kumimoji="1" lang="en-US" altLang="ja-JP" sz="1000" dirty="0" smtClean="0"/>
+                        <a:t>8</a:t>
+                      </a:r>
+                      <a:endParaRPr kumimoji="1" lang="ja-JP" altLang="en-US" sz="1000" dirty="0"/>
+                    </a:p>
+                  </a:txBody>
+                  <a:tcPr/>
+                </a:tc>
+                <a:tc>
+                  <a:txBody>
+                    <a:bodyPr/>
+                    <a:lstStyle/>
+                    <a:p>
+                      <a:r>
+                        <a:rPr kumimoji="1" lang="en-US" altLang="ja-JP" sz="1000" dirty="0" smtClean="0"/>
+                        <a:t>All Post</a:t>
+                      </a:r>
+                      <a:endParaRPr kumimoji="1" lang="ja-JP" altLang="en-US" sz="1000" dirty="0"/>
+                    </a:p>
+                  </a:txBody>
+                  <a:tcPr/>
+                </a:tc>
+                <a:tc>
+                  <a:txBody>
+                    <a:bodyPr/>
+                    <a:lstStyle/>
+                    <a:p>
+                      <a:endParaRPr kumimoji="1" lang="ja-JP" altLang="en-US" sz="1000"/>
+                    </a:p>
+                  </a:txBody>
+                  <a:tcPr/>
+                </a:tc>
+                <a:tc>
+                  <a:txBody>
+                    <a:bodyPr/>
+                    <a:lstStyle/>
+                    <a:p>
+                      <a:r>
+                        <a:rPr kumimoji="1" lang="en-GB" altLang="ja-JP" sz="1000" dirty="0" smtClean="0"/>
+                        <a:t>Click =&gt; show all posts</a:t>
+                      </a:r>
+                      <a:endParaRPr kumimoji="1" lang="ja-JP" altLang="en-US" sz="1000" dirty="0"/>
+                    </a:p>
+                  </a:txBody>
+                  <a:tcPr/>
+                </a:tc>
+                <a:tc>
+                  <a:txBody>
+                    <a:bodyPr/>
+                    <a:lstStyle/>
+                    <a:p>
+                      <a:endParaRPr kumimoji="1" lang="ja-JP" altLang="en-US" sz="1000">
+                        <a:latin typeface="Calibri"/>
+                        <a:cs typeface="Calibri"/>
+                      </a:endParaRPr>
+                    </a:p>
+                  </a:txBody>
+                  <a:tcPr/>
+                </a:tc>
+              </a:tr>
+              <a:tr h="327082">
+                <a:tc>
+                  <a:txBody>
+                    <a:bodyPr/>
+                    <a:lstStyle/>
+                    <a:p>
+                      <a:r>
+                        <a:rPr kumimoji="1" lang="en-GB" altLang="ja-JP" sz="1000" dirty="0" smtClean="0"/>
+                        <a:t>9</a:t>
+                      </a:r>
+                      <a:endParaRPr kumimoji="1" lang="ja-JP" altLang="en-US" sz="1000" dirty="0"/>
+                    </a:p>
+                  </a:txBody>
+                  <a:tcPr/>
+                </a:tc>
+                <a:tc>
+                  <a:txBody>
+                    <a:bodyPr/>
+                    <a:lstStyle/>
+                    <a:p>
+                      <a:r>
+                        <a:rPr kumimoji="1" lang="en-GB" altLang="ja-JP" sz="1000" dirty="0" smtClean="0"/>
+                        <a:t>New Post</a:t>
+                      </a:r>
+                      <a:endParaRPr kumimoji="1" lang="ja-JP" altLang="en-US" sz="1000" dirty="0"/>
+                    </a:p>
+                  </a:txBody>
+                  <a:tcPr/>
+                </a:tc>
+                <a:tc>
+                  <a:txBody>
+                    <a:bodyPr/>
+                    <a:lstStyle/>
+                    <a:p>
+                      <a:endParaRPr kumimoji="1" lang="ja-JP" altLang="en-US" sz="1000" dirty="0"/>
+                    </a:p>
+                  </a:txBody>
+                  <a:tcPr/>
+                </a:tc>
+                <a:tc>
+                  <a:txBody>
+                    <a:bodyPr/>
+                    <a:lstStyle/>
+                    <a:p>
+                      <a:r>
+                        <a:rPr kumimoji="1" lang="en-GB" altLang="ja-JP" sz="1000" dirty="0" smtClean="0"/>
+                        <a:t>Click =&gt; show create new post page</a:t>
+                      </a:r>
+                      <a:endParaRPr kumimoji="1" lang="ja-JP" altLang="en-US" sz="1000" dirty="0"/>
+                    </a:p>
+                  </a:txBody>
+                  <a:tcPr/>
+                </a:tc>
+                <a:tc>
+                  <a:txBody>
+                    <a:bodyPr/>
+                    <a:lstStyle/>
+                    <a:p>
+                      <a:endParaRPr kumimoji="1" lang="ja-JP" altLang="en-US" sz="1000" dirty="0">
+                        <a:latin typeface="Calibri"/>
+                        <a:cs typeface="Calibri"/>
+                      </a:endParaRPr>
+                    </a:p>
+                  </a:txBody>
+                  <a:tcPr/>
+                </a:tc>
+              </a:tr>
+              <a:tr h="327082">
+                <a:tc>
+                  <a:txBody>
+                    <a:bodyPr/>
+                    <a:lstStyle/>
+                    <a:p>
+                      <a:r>
+                        <a:rPr kumimoji="1" lang="en-US" altLang="ja-JP" sz="1000" dirty="0" smtClean="0"/>
+                        <a:t>10</a:t>
+                      </a:r>
+                      <a:endParaRPr kumimoji="1" lang="ja-JP" altLang="en-US" sz="1000" dirty="0"/>
+                    </a:p>
+                  </a:txBody>
+                  <a:tcPr/>
+                </a:tc>
+                <a:tc>
+                  <a:txBody>
+                    <a:bodyPr/>
+                    <a:lstStyle/>
+                    <a:p>
+                      <a:r>
+                        <a:rPr kumimoji="1" lang="en-US" altLang="ja-JP" sz="1000" dirty="0" smtClean="0"/>
+                        <a:t>Title</a:t>
+                      </a:r>
+                      <a:endParaRPr kumimoji="1" lang="ja-JP" altLang="en-US" sz="1000" dirty="0"/>
+                    </a:p>
+                  </a:txBody>
+                  <a:tcPr/>
+                </a:tc>
+                <a:tc>
+                  <a:txBody>
+                    <a:bodyPr/>
+                    <a:lstStyle/>
+                    <a:p>
+                      <a:endParaRPr kumimoji="1" lang="ja-JP" altLang="en-US" sz="1000"/>
+                    </a:p>
+                  </a:txBody>
+                  <a:tcPr/>
+                </a:tc>
+                <a:tc>
+                  <a:txBody>
+                    <a:bodyPr/>
+                    <a:lstStyle/>
+                    <a:p>
+                      <a:pPr marL="0" marR="0" indent="0" algn="l" defTabSz="457200" rtl="0" eaLnBrk="1" fontAlgn="auto" latinLnBrk="0" hangingPunct="1">
+                        <a:lnSpc>
+                          <a:spcPct val="100000"/>
+                        </a:lnSpc>
+                        <a:spcBef>
+                          <a:spcPts val="0"/>
+                        </a:spcBef>
+                        <a:spcAft>
+                          <a:spcPts val="0"/>
+                        </a:spcAft>
+                        <a:buClrTx/>
+                        <a:buSzTx/>
+                        <a:buFontTx/>
+                        <a:buNone/>
+                        <a:tabLst/>
+                        <a:defRPr/>
+                      </a:pPr>
+                      <a:r>
+                        <a:rPr kumimoji="1" lang="en-US" altLang="ja-JP" sz="1000" dirty="0" smtClean="0"/>
+                        <a:t>Input title</a:t>
+                      </a:r>
+                      <a:endParaRPr kumimoji="1" lang="ja-JP" altLang="en-US" sz="1000" dirty="0"/>
+                    </a:p>
+                  </a:txBody>
+                  <a:tcPr/>
+                </a:tc>
+                <a:tc>
+                  <a:txBody>
+                    <a:bodyPr/>
+                    <a:lstStyle/>
+                    <a:p>
+                      <a:endParaRPr kumimoji="1" lang="ja-JP" altLang="en-US" sz="1000" dirty="0">
+                        <a:latin typeface="Calibri"/>
+                        <a:cs typeface="Calibri"/>
+                      </a:endParaRPr>
+                    </a:p>
+                  </a:txBody>
+                  <a:tcPr/>
+                </a:tc>
+              </a:tr>
+              <a:tr h="327082">
+                <a:tc>
+                  <a:txBody>
+                    <a:bodyPr/>
+                    <a:lstStyle/>
+                    <a:p>
+                      <a:r>
+                        <a:rPr kumimoji="1" lang="en-US" altLang="ja-JP" sz="1000" dirty="0" smtClean="0"/>
+                        <a:t>11</a:t>
+                      </a:r>
+                      <a:endParaRPr kumimoji="1" lang="ja-JP" altLang="en-US" sz="1000" dirty="0"/>
+                    </a:p>
+                  </a:txBody>
+                  <a:tcPr/>
+                </a:tc>
+                <a:tc>
+                  <a:txBody>
+                    <a:bodyPr/>
+                    <a:lstStyle/>
+                    <a:p>
+                      <a:r>
+                        <a:rPr kumimoji="1" lang="en-US" altLang="ja-JP" sz="1000" dirty="0" smtClean="0"/>
+                        <a:t>Description</a:t>
+                      </a:r>
+                      <a:endParaRPr kumimoji="1" lang="ja-JP" altLang="en-US" sz="1000" dirty="0"/>
+                    </a:p>
+                  </a:txBody>
+                  <a:tcPr/>
+                </a:tc>
+                <a:tc>
+                  <a:txBody>
+                    <a:bodyPr/>
+                    <a:lstStyle/>
+                    <a:p>
+                      <a:endParaRPr kumimoji="1" lang="ja-JP" altLang="en-US" sz="1000" dirty="0"/>
+                    </a:p>
+                  </a:txBody>
+                  <a:tcPr/>
+                </a:tc>
+                <a:tc>
+                  <a:txBody>
+                    <a:bodyPr/>
+                    <a:lstStyle/>
+                    <a:p>
+                      <a:pPr marL="0" marR="0" indent="0" algn="l" defTabSz="457200" rtl="0" eaLnBrk="1" fontAlgn="auto" latinLnBrk="0" hangingPunct="1">
+                        <a:lnSpc>
+                          <a:spcPct val="100000"/>
+                        </a:lnSpc>
+                        <a:spcBef>
+                          <a:spcPts val="0"/>
+                        </a:spcBef>
+                        <a:spcAft>
+                          <a:spcPts val="0"/>
+                        </a:spcAft>
+                        <a:buClrTx/>
+                        <a:buSzTx/>
+                        <a:buFontTx/>
+                        <a:buNone/>
+                        <a:tabLst/>
+                        <a:defRPr/>
+                      </a:pPr>
+                      <a:r>
+                        <a:rPr kumimoji="1" lang="en-GB" altLang="ja-JP" sz="1000" dirty="0" smtClean="0">
+                          <a:latin typeface="Calibri" panose="020F0502020204030204" pitchFamily="34" charset="0"/>
+                        </a:rPr>
+                        <a:t>Input</a:t>
+                      </a:r>
+                      <a:r>
+                        <a:rPr kumimoji="1" lang="en-GB" altLang="ja-JP" sz="1000" baseline="0" dirty="0" smtClean="0">
+                          <a:latin typeface="Calibri" panose="020F0502020204030204" pitchFamily="34" charset="0"/>
+                        </a:rPr>
+                        <a:t> description</a:t>
+                      </a:r>
+                      <a:endParaRPr kumimoji="1" lang="ja-JP" altLang="en-US" sz="1000" dirty="0">
+                        <a:latin typeface="Calibri" panose="020F0502020204030204" pitchFamily="34" charset="0"/>
+                      </a:endParaRPr>
+                    </a:p>
+                  </a:txBody>
+                  <a:tcPr/>
+                </a:tc>
+                <a:tc>
+                  <a:txBody>
+                    <a:bodyPr/>
+                    <a:lstStyle/>
+                    <a:p>
+                      <a:endParaRPr kumimoji="1" lang="ja-JP" altLang="en-US" sz="1000"/>
+                    </a:p>
+                  </a:txBody>
+                  <a:tcPr/>
+                </a:tc>
+              </a:tr>
+              <a:tr h="327082">
+                <a:tc>
+                  <a:txBody>
+                    <a:bodyPr/>
+                    <a:lstStyle/>
+                    <a:p>
+                      <a:r>
+                        <a:rPr kumimoji="1" lang="en-US" altLang="ja-JP" sz="1000" dirty="0" smtClean="0"/>
+                        <a:t>12</a:t>
+                      </a:r>
+                      <a:endParaRPr kumimoji="1" lang="ja-JP" altLang="en-US" sz="1000" dirty="0"/>
+                    </a:p>
+                  </a:txBody>
+                  <a:tcPr/>
+                </a:tc>
+                <a:tc>
+                  <a:txBody>
+                    <a:bodyPr/>
+                    <a:lstStyle/>
+                    <a:p>
+                      <a:r>
+                        <a:rPr kumimoji="1" lang="en-US" altLang="ja-JP" sz="1000" dirty="0" smtClean="0"/>
+                        <a:t>Content</a:t>
+                      </a:r>
+                      <a:endParaRPr kumimoji="1" lang="ja-JP" altLang="en-US" sz="1000" dirty="0"/>
+                    </a:p>
+                  </a:txBody>
+                  <a:tcPr/>
+                </a:tc>
+                <a:tc>
+                  <a:txBody>
+                    <a:bodyPr/>
+                    <a:lstStyle/>
+                    <a:p>
+                      <a:endParaRPr kumimoji="1" lang="ja-JP" altLang="en-US" sz="1000" dirty="0"/>
+                    </a:p>
+                  </a:txBody>
+                  <a:tcPr/>
+                </a:tc>
+                <a:tc>
+                  <a:txBody>
+                    <a:bodyPr/>
+                    <a:lstStyle/>
+                    <a:p>
+                      <a:r>
+                        <a:rPr kumimoji="1" lang="en-GB" altLang="ja-JP" sz="1000" dirty="0" smtClean="0"/>
+                        <a:t>Input content</a:t>
+                      </a:r>
+                      <a:endParaRPr kumimoji="1" lang="ja-JP" altLang="en-US" sz="1000" dirty="0"/>
+                    </a:p>
+                  </a:txBody>
+                  <a:tcPr/>
+                </a:tc>
+                <a:tc>
+                  <a:txBody>
+                    <a:bodyPr/>
+                    <a:lstStyle/>
+                    <a:p>
+                      <a:endParaRPr kumimoji="1" lang="ja-JP" altLang="en-US" sz="1000" dirty="0"/>
+                    </a:p>
+                  </a:txBody>
+                  <a:tcPr/>
+                </a:tc>
+              </a:tr>
+              <a:tr h="327082">
+                <a:tc>
+                  <a:txBody>
+                    <a:bodyPr/>
+                    <a:lstStyle/>
+                    <a:p>
+                      <a:r>
+                        <a:rPr kumimoji="1" lang="en-GB" altLang="ja-JP" sz="1000" dirty="0" smtClean="0"/>
+                        <a:t>13</a:t>
+                      </a:r>
+                      <a:endParaRPr kumimoji="1" lang="ja-JP" altLang="en-US" sz="1000" dirty="0"/>
+                    </a:p>
+                  </a:txBody>
+                  <a:tcPr/>
+                </a:tc>
+                <a:tc>
+                  <a:txBody>
+                    <a:bodyPr/>
+                    <a:lstStyle/>
+                    <a:p>
+                      <a:r>
+                        <a:rPr kumimoji="1" lang="en-GB" altLang="ja-JP" sz="1000" dirty="0" smtClean="0"/>
+                        <a:t>Publish button</a:t>
+                      </a:r>
+                      <a:endParaRPr kumimoji="1" lang="ja-JP" altLang="en-US" sz="1000" dirty="0"/>
+                    </a:p>
+                  </a:txBody>
+                  <a:tcPr/>
+                </a:tc>
+                <a:tc>
+                  <a:txBody>
+                    <a:bodyPr/>
+                    <a:lstStyle/>
+                    <a:p>
+                      <a:endParaRPr kumimoji="1" lang="ja-JP" altLang="en-US" sz="1000" dirty="0"/>
+                    </a:p>
+                  </a:txBody>
+                  <a:tcPr/>
+                </a:tc>
+                <a:tc>
+                  <a:txBody>
+                    <a:bodyPr/>
+                    <a:lstStyle/>
+                    <a:p>
+                      <a:endParaRPr kumimoji="1" lang="ja-JP" altLang="en-US" sz="1000" dirty="0"/>
+                    </a:p>
+                  </a:txBody>
+                  <a:tcPr/>
+                </a:tc>
+                <a:tc>
+                  <a:txBody>
+                    <a:bodyPr/>
+                    <a:lstStyle/>
+                    <a:p>
+                      <a:endParaRPr kumimoji="1" lang="ja-JP" altLang="en-US" sz="1000" dirty="0"/>
+                    </a:p>
+                  </a:txBody>
+                  <a:tcPr/>
+                </a:tc>
+              </a:tr>
+            </a:tbl>
+          </a:graphicData>
+        </a:graphic>
+      </p:graphicFrame>
+      <p:sp>
+        <p:nvSpPr>
+          <p:cNvPr id="85" name="TextBox 84"/>
+          <p:cNvSpPr txBox="1"/>
+          <p:nvPr/>
+        </p:nvSpPr>
+        <p:spPr>
+          <a:xfrm>
+            <a:off x="6089296" y="503648"/>
+            <a:ext cx="327433" cy="246221"/>
+          </a:xfrm>
+          <a:prstGeom prst="rect">
+            <a:avLst/>
+          </a:prstGeom>
+          <a:noFill/>
+        </p:spPr>
+        <p:txBody>
+          <a:bodyPr wrap="none" rtlCol="0">
+            <a:spAutoFit/>
+          </a:bodyPr>
+          <a:lstStyle/>
+          <a:p>
+            <a:r>
+              <a:rPr kumimoji="1" lang="en-US" altLang="ja-JP" sz="1000" dirty="0" smtClean="0">
+                <a:solidFill>
+                  <a:srgbClr val="FF0000"/>
+                </a:solidFill>
+              </a:rPr>
+              <a:t>(3</a:t>
+            </a:r>
+            <a:r>
+              <a:rPr kumimoji="1" lang="en-US" altLang="ja-JP" sz="1000" dirty="0">
+                <a:solidFill>
+                  <a:srgbClr val="FF0000"/>
+                </a:solidFill>
+              </a:rPr>
+              <a:t>)</a:t>
+            </a:r>
+            <a:endParaRPr kumimoji="1" lang="ja-JP" altLang="en-US" sz="1000" dirty="0">
+              <a:solidFill>
+                <a:srgbClr val="FF0000"/>
+              </a:solidFill>
+            </a:endParaRPr>
+          </a:p>
+        </p:txBody>
+      </p:sp>
+      <p:sp>
+        <p:nvSpPr>
+          <p:cNvPr id="27" name="TextBox 26"/>
+          <p:cNvSpPr txBox="1"/>
+          <p:nvPr/>
+        </p:nvSpPr>
+        <p:spPr>
+          <a:xfrm>
+            <a:off x="4992941" y="501685"/>
+            <a:ext cx="327433" cy="246221"/>
+          </a:xfrm>
+          <a:prstGeom prst="rect">
+            <a:avLst/>
+          </a:prstGeom>
+          <a:noFill/>
+        </p:spPr>
+        <p:txBody>
+          <a:bodyPr wrap="none" rtlCol="0">
+            <a:spAutoFit/>
+          </a:bodyPr>
+          <a:lstStyle/>
+          <a:p>
+            <a:r>
+              <a:rPr kumimoji="1" lang="en-US" altLang="ja-JP" sz="1000" dirty="0">
+                <a:solidFill>
+                  <a:srgbClr val="FF0000"/>
+                </a:solidFill>
+              </a:rPr>
+              <a:t>(1)</a:t>
+            </a:r>
+            <a:endParaRPr kumimoji="1" lang="ja-JP" altLang="en-US" sz="1000" dirty="0">
+              <a:solidFill>
+                <a:srgbClr val="FF0000"/>
+              </a:solidFill>
+            </a:endParaRPr>
+          </a:p>
+        </p:txBody>
+      </p:sp>
+      <p:sp>
+        <p:nvSpPr>
+          <p:cNvPr id="28" name="TextBox 27"/>
+          <p:cNvSpPr txBox="1"/>
+          <p:nvPr/>
+        </p:nvSpPr>
+        <p:spPr>
+          <a:xfrm>
+            <a:off x="5576681" y="480341"/>
+            <a:ext cx="327433" cy="246221"/>
+          </a:xfrm>
+          <a:prstGeom prst="rect">
+            <a:avLst/>
+          </a:prstGeom>
+          <a:noFill/>
+        </p:spPr>
+        <p:txBody>
+          <a:bodyPr wrap="none" rtlCol="0">
+            <a:spAutoFit/>
+          </a:bodyPr>
+          <a:lstStyle/>
+          <a:p>
+            <a:r>
+              <a:rPr kumimoji="1" lang="en-US" altLang="ja-JP" sz="1000" dirty="0">
+                <a:solidFill>
+                  <a:srgbClr val="FF0000"/>
+                </a:solidFill>
+              </a:rPr>
+              <a:t>(2)</a:t>
+            </a:r>
+            <a:endParaRPr kumimoji="1" lang="ja-JP" altLang="en-US" sz="1000" dirty="0">
+              <a:solidFill>
+                <a:srgbClr val="FF0000"/>
+              </a:solidFill>
+            </a:endParaRPr>
+          </a:p>
+        </p:txBody>
+      </p:sp>
+      <p:sp>
+        <p:nvSpPr>
+          <p:cNvPr id="29" name="TextBox 28"/>
+          <p:cNvSpPr txBox="1"/>
+          <p:nvPr/>
+        </p:nvSpPr>
+        <p:spPr>
+          <a:xfrm>
+            <a:off x="4094592" y="1296287"/>
+            <a:ext cx="327433" cy="246221"/>
+          </a:xfrm>
+          <a:prstGeom prst="rect">
+            <a:avLst/>
+          </a:prstGeom>
+          <a:noFill/>
+        </p:spPr>
+        <p:txBody>
+          <a:bodyPr wrap="none" rtlCol="0">
+            <a:spAutoFit/>
+          </a:bodyPr>
+          <a:lstStyle/>
+          <a:p>
+            <a:r>
+              <a:rPr kumimoji="1" lang="en-US" altLang="ja-JP" sz="1000" dirty="0">
+                <a:solidFill>
+                  <a:srgbClr val="FF0000"/>
+                </a:solidFill>
+              </a:rPr>
+              <a:t>(4)</a:t>
+            </a:r>
+            <a:endParaRPr kumimoji="1" lang="ja-JP" altLang="en-US" sz="1000" dirty="0">
+              <a:solidFill>
+                <a:srgbClr val="FF0000"/>
+              </a:solidFill>
+            </a:endParaRPr>
+          </a:p>
+        </p:txBody>
+      </p:sp>
+      <p:sp>
+        <p:nvSpPr>
+          <p:cNvPr id="32" name="TextBox 31"/>
+          <p:cNvSpPr txBox="1"/>
+          <p:nvPr/>
+        </p:nvSpPr>
+        <p:spPr>
+          <a:xfrm>
+            <a:off x="2071235" y="1782789"/>
+            <a:ext cx="327334" cy="246221"/>
+          </a:xfrm>
+          <a:prstGeom prst="rect">
+            <a:avLst/>
+          </a:prstGeom>
+          <a:noFill/>
+        </p:spPr>
+        <p:txBody>
+          <a:bodyPr wrap="none" rtlCol="0">
+            <a:spAutoFit/>
+          </a:bodyPr>
+          <a:lstStyle/>
+          <a:p>
+            <a:r>
+              <a:rPr kumimoji="1" lang="en-US" altLang="ja-JP" sz="1000" dirty="0" smtClean="0">
+                <a:solidFill>
+                  <a:srgbClr val="FF0000"/>
+                </a:solidFill>
+              </a:rPr>
+              <a:t>(6)</a:t>
+            </a:r>
+            <a:endParaRPr kumimoji="1" lang="ja-JP" altLang="en-US" sz="1000" dirty="0">
+              <a:solidFill>
+                <a:srgbClr val="FF0000"/>
+              </a:solidFill>
+            </a:endParaRPr>
+          </a:p>
+        </p:txBody>
+      </p:sp>
+      <p:sp>
+        <p:nvSpPr>
+          <p:cNvPr id="33" name="TextBox 32"/>
+          <p:cNvSpPr txBox="1"/>
+          <p:nvPr/>
+        </p:nvSpPr>
+        <p:spPr>
+          <a:xfrm>
+            <a:off x="3180400" y="1752130"/>
+            <a:ext cx="327334" cy="246221"/>
+          </a:xfrm>
+          <a:prstGeom prst="rect">
+            <a:avLst/>
+          </a:prstGeom>
+          <a:noFill/>
+        </p:spPr>
+        <p:txBody>
+          <a:bodyPr wrap="none" rtlCol="0">
+            <a:spAutoFit/>
+          </a:bodyPr>
+          <a:lstStyle/>
+          <a:p>
+            <a:r>
+              <a:rPr kumimoji="1" lang="en-US" altLang="ja-JP" sz="1000" dirty="0" smtClean="0">
+                <a:solidFill>
+                  <a:srgbClr val="FF0000"/>
+                </a:solidFill>
+              </a:rPr>
+              <a:t>(8)</a:t>
+            </a:r>
+            <a:endParaRPr kumimoji="1" lang="ja-JP" altLang="en-US" sz="1000" dirty="0">
+              <a:solidFill>
+                <a:srgbClr val="FF0000"/>
+              </a:solidFill>
+            </a:endParaRPr>
+          </a:p>
+        </p:txBody>
+      </p:sp>
+      <p:sp>
+        <p:nvSpPr>
+          <p:cNvPr id="34" name="TextBox 33"/>
+          <p:cNvSpPr txBox="1"/>
+          <p:nvPr/>
+        </p:nvSpPr>
+        <p:spPr>
+          <a:xfrm>
+            <a:off x="5046623" y="2627025"/>
+            <a:ext cx="393056" cy="246221"/>
+          </a:xfrm>
+          <a:prstGeom prst="rect">
+            <a:avLst/>
+          </a:prstGeom>
+          <a:noFill/>
+        </p:spPr>
+        <p:txBody>
+          <a:bodyPr wrap="none" rtlCol="0">
+            <a:spAutoFit/>
+          </a:bodyPr>
+          <a:lstStyle/>
+          <a:p>
+            <a:r>
+              <a:rPr kumimoji="1" lang="en-US" altLang="ja-JP" sz="1000" dirty="0" smtClean="0">
+                <a:solidFill>
+                  <a:srgbClr val="FF0000"/>
+                </a:solidFill>
+              </a:rPr>
+              <a:t>(10)</a:t>
+            </a:r>
+            <a:endParaRPr kumimoji="1" lang="ja-JP" altLang="en-US" sz="1000" dirty="0">
+              <a:solidFill>
+                <a:srgbClr val="FF0000"/>
+              </a:solidFill>
+            </a:endParaRPr>
+          </a:p>
+        </p:txBody>
+      </p:sp>
+      <p:sp>
+        <p:nvSpPr>
+          <p:cNvPr id="38" name="TextBox 37"/>
+          <p:cNvSpPr txBox="1"/>
+          <p:nvPr/>
+        </p:nvSpPr>
+        <p:spPr>
+          <a:xfrm>
+            <a:off x="5034525" y="3206263"/>
+            <a:ext cx="393056" cy="246221"/>
+          </a:xfrm>
+          <a:prstGeom prst="rect">
+            <a:avLst/>
+          </a:prstGeom>
+          <a:noFill/>
+        </p:spPr>
+        <p:txBody>
+          <a:bodyPr wrap="none" rtlCol="0">
+            <a:spAutoFit/>
+          </a:bodyPr>
+          <a:lstStyle/>
+          <a:p>
+            <a:r>
+              <a:rPr kumimoji="1" lang="en-US" altLang="ja-JP" sz="1000" dirty="0" smtClean="0">
+                <a:solidFill>
+                  <a:srgbClr val="FF0000"/>
+                </a:solidFill>
+              </a:rPr>
+              <a:t>(</a:t>
+            </a:r>
+            <a:r>
+              <a:rPr kumimoji="1" lang="en-US" altLang="ja-JP" sz="1000" dirty="0" smtClean="0">
+                <a:solidFill>
+                  <a:srgbClr val="FF0000"/>
+                </a:solidFill>
+              </a:rPr>
+              <a:t>11)</a:t>
+            </a:r>
+            <a:endParaRPr kumimoji="1" lang="ja-JP" altLang="en-US" sz="1000" dirty="0">
+              <a:solidFill>
+                <a:srgbClr val="FF0000"/>
+              </a:solidFill>
+            </a:endParaRPr>
+          </a:p>
+        </p:txBody>
+      </p:sp>
+      <p:sp>
+        <p:nvSpPr>
+          <p:cNvPr id="72" name="TextBox 71"/>
+          <p:cNvSpPr txBox="1"/>
+          <p:nvPr/>
+        </p:nvSpPr>
+        <p:spPr>
+          <a:xfrm>
+            <a:off x="4274033" y="741764"/>
+            <a:ext cx="1336478" cy="246221"/>
+          </a:xfrm>
+          <a:prstGeom prst="rect">
+            <a:avLst/>
+          </a:prstGeom>
+          <a:noFill/>
+        </p:spPr>
+        <p:txBody>
+          <a:bodyPr wrap="square" rtlCol="0">
+            <a:spAutoFit/>
+          </a:bodyPr>
+          <a:lstStyle/>
+          <a:p>
+            <a:r>
+              <a:rPr kumimoji="1" lang="en-US" altLang="ja-JP" sz="1000" dirty="0" smtClean="0"/>
+              <a:t>Welcome, </a:t>
+            </a:r>
+            <a:r>
+              <a:rPr kumimoji="1" lang="en-US" altLang="ja-JP" sz="1000" dirty="0" err="1" smtClean="0"/>
+              <a:t>NguyenA</a:t>
+            </a:r>
+            <a:endParaRPr kumimoji="1" lang="ja-JP" altLang="en-US" sz="1000" dirty="0"/>
+          </a:p>
+        </p:txBody>
+      </p:sp>
+      <p:sp>
+        <p:nvSpPr>
+          <p:cNvPr id="78" name="TextBox 77"/>
+          <p:cNvSpPr txBox="1"/>
+          <p:nvPr/>
+        </p:nvSpPr>
+        <p:spPr>
+          <a:xfrm>
+            <a:off x="5012445" y="4010983"/>
+            <a:ext cx="393056" cy="246221"/>
+          </a:xfrm>
+          <a:prstGeom prst="rect">
+            <a:avLst/>
+          </a:prstGeom>
+          <a:noFill/>
+        </p:spPr>
+        <p:txBody>
+          <a:bodyPr wrap="none" rtlCol="0">
+            <a:spAutoFit/>
+          </a:bodyPr>
+          <a:lstStyle/>
+          <a:p>
+            <a:r>
+              <a:rPr kumimoji="1" lang="en-US" altLang="ja-JP" sz="1000" dirty="0" smtClean="0">
+                <a:solidFill>
+                  <a:srgbClr val="FF0000"/>
+                </a:solidFill>
+              </a:rPr>
+              <a:t>(</a:t>
+            </a:r>
+            <a:r>
+              <a:rPr kumimoji="1" lang="en-US" altLang="ja-JP" sz="1000" dirty="0" smtClean="0">
+                <a:solidFill>
+                  <a:srgbClr val="FF0000"/>
+                </a:solidFill>
+              </a:rPr>
+              <a:t>12)</a:t>
+            </a:r>
+            <a:endParaRPr kumimoji="1" lang="ja-JP" altLang="en-US" sz="1000" dirty="0">
+              <a:solidFill>
+                <a:srgbClr val="FF0000"/>
+              </a:solidFill>
+            </a:endParaRPr>
+          </a:p>
+        </p:txBody>
+      </p:sp>
+      <p:sp>
+        <p:nvSpPr>
+          <p:cNvPr id="79" name="TextBox 78"/>
+          <p:cNvSpPr txBox="1"/>
+          <p:nvPr/>
+        </p:nvSpPr>
+        <p:spPr>
+          <a:xfrm>
+            <a:off x="2572679" y="1774101"/>
+            <a:ext cx="327334" cy="246221"/>
+          </a:xfrm>
+          <a:prstGeom prst="rect">
+            <a:avLst/>
+          </a:prstGeom>
+          <a:noFill/>
+        </p:spPr>
+        <p:txBody>
+          <a:bodyPr wrap="none" rtlCol="0">
+            <a:spAutoFit/>
+          </a:bodyPr>
+          <a:lstStyle/>
+          <a:p>
+            <a:r>
+              <a:rPr kumimoji="1" lang="en-US" altLang="ja-JP" sz="1000" dirty="0" smtClean="0">
+                <a:solidFill>
+                  <a:srgbClr val="FF0000"/>
+                </a:solidFill>
+              </a:rPr>
+              <a:t>(7)</a:t>
+            </a:r>
+            <a:endParaRPr kumimoji="1" lang="ja-JP" altLang="en-US" sz="1000" dirty="0">
+              <a:solidFill>
+                <a:srgbClr val="FF0000"/>
+              </a:solidFill>
+            </a:endParaRPr>
+          </a:p>
+        </p:txBody>
+      </p:sp>
+      <p:sp>
+        <p:nvSpPr>
+          <p:cNvPr id="71" name="TextBox 70"/>
+          <p:cNvSpPr txBox="1"/>
+          <p:nvPr/>
+        </p:nvSpPr>
+        <p:spPr>
+          <a:xfrm>
+            <a:off x="4992941" y="4610971"/>
+            <a:ext cx="393056" cy="246221"/>
+          </a:xfrm>
+          <a:prstGeom prst="rect">
+            <a:avLst/>
+          </a:prstGeom>
+          <a:noFill/>
+        </p:spPr>
+        <p:txBody>
+          <a:bodyPr wrap="none" rtlCol="0">
+            <a:spAutoFit/>
+          </a:bodyPr>
+          <a:lstStyle/>
+          <a:p>
+            <a:r>
+              <a:rPr kumimoji="1" lang="en-US" altLang="ja-JP" sz="1000" dirty="0" smtClean="0">
+                <a:solidFill>
+                  <a:srgbClr val="FF0000"/>
+                </a:solidFill>
+              </a:rPr>
+              <a:t>(</a:t>
+            </a:r>
+            <a:r>
+              <a:rPr kumimoji="1" lang="en-US" altLang="ja-JP" sz="1000" dirty="0" smtClean="0">
+                <a:solidFill>
+                  <a:srgbClr val="FF0000"/>
+                </a:solidFill>
+              </a:rPr>
+              <a:t>13)</a:t>
+            </a:r>
+            <a:endParaRPr kumimoji="1" lang="ja-JP" altLang="en-US" sz="1000" dirty="0">
+              <a:solidFill>
+                <a:srgbClr val="FF0000"/>
+              </a:solidFill>
+            </a:endParaRPr>
+          </a:p>
+        </p:txBody>
+      </p:sp>
+      <p:sp>
+        <p:nvSpPr>
+          <p:cNvPr id="49" name="TextBox 48"/>
+          <p:cNvSpPr txBox="1"/>
+          <p:nvPr/>
+        </p:nvSpPr>
+        <p:spPr>
+          <a:xfrm>
+            <a:off x="5351964" y="741763"/>
+            <a:ext cx="810073" cy="246221"/>
+          </a:xfrm>
+          <a:prstGeom prst="rect">
+            <a:avLst/>
+          </a:prstGeom>
+          <a:noFill/>
+        </p:spPr>
+        <p:txBody>
+          <a:bodyPr wrap="square" rtlCol="0">
+            <a:spAutoFit/>
+          </a:bodyPr>
+          <a:lstStyle/>
+          <a:p>
+            <a:r>
+              <a:rPr kumimoji="1" lang="en-US" altLang="ja-JP" sz="1000" dirty="0" smtClean="0"/>
+              <a:t>Edit Profile</a:t>
+            </a:r>
+            <a:endParaRPr kumimoji="1" lang="ja-JP" altLang="en-US" sz="1000" dirty="0"/>
+          </a:p>
+        </p:txBody>
+      </p:sp>
+      <p:sp>
+        <p:nvSpPr>
+          <p:cNvPr id="57" name="TextBox 56"/>
+          <p:cNvSpPr txBox="1"/>
+          <p:nvPr/>
+        </p:nvSpPr>
+        <p:spPr>
+          <a:xfrm>
+            <a:off x="5952244" y="718211"/>
+            <a:ext cx="727307" cy="246221"/>
+          </a:xfrm>
+          <a:prstGeom prst="rect">
+            <a:avLst/>
+          </a:prstGeom>
+          <a:noFill/>
+        </p:spPr>
+        <p:txBody>
+          <a:bodyPr wrap="square" rtlCol="0">
+            <a:spAutoFit/>
+          </a:bodyPr>
+          <a:lstStyle/>
+          <a:p>
+            <a:r>
+              <a:rPr kumimoji="1" lang="en-US" altLang="ja-JP" sz="1000" dirty="0" smtClean="0"/>
+              <a:t>Log Out</a:t>
+            </a:r>
+            <a:endParaRPr kumimoji="1" lang="ja-JP" altLang="en-US" sz="1000" dirty="0"/>
+          </a:p>
+        </p:txBody>
+      </p:sp>
+      <p:sp>
+        <p:nvSpPr>
+          <p:cNvPr id="45" name="Rectangle 44"/>
+          <p:cNvSpPr/>
+          <p:nvPr/>
+        </p:nvSpPr>
+        <p:spPr>
+          <a:xfrm>
+            <a:off x="4598392" y="1551008"/>
+            <a:ext cx="602751" cy="218077"/>
+          </a:xfrm>
+          <a:prstGeom prst="rect">
+            <a:avLst/>
+          </a:prstGeom>
+        </p:spPr>
+        <p:style>
+          <a:lnRef idx="1">
+            <a:schemeClr val="accent1"/>
+          </a:lnRef>
+          <a:fillRef idx="3">
+            <a:schemeClr val="accent1"/>
+          </a:fillRef>
+          <a:effectRef idx="2">
+            <a:schemeClr val="accent1"/>
+          </a:effectRef>
+          <a:fontRef idx="minor">
+            <a:schemeClr val="lt1"/>
+          </a:fontRef>
+        </p:style>
+        <p:txBody>
+          <a:bodyPr rtlCol="0" anchor="ctr"/>
+          <a:lstStyle/>
+          <a:p>
+            <a:pPr algn="ctr"/>
+            <a:r>
+              <a:rPr kumimoji="1" lang="en-US" altLang="ja-JP" sz="800" dirty="0" smtClean="0"/>
+              <a:t>User Search</a:t>
+            </a:r>
+            <a:endParaRPr kumimoji="1" lang="ja-JP" altLang="en-US" sz="800" dirty="0"/>
+          </a:p>
+        </p:txBody>
+      </p:sp>
+      <p:sp>
+        <p:nvSpPr>
+          <p:cNvPr id="46" name="TextBox 45"/>
+          <p:cNvSpPr txBox="1"/>
+          <p:nvPr/>
+        </p:nvSpPr>
+        <p:spPr>
+          <a:xfrm>
+            <a:off x="4736050" y="1290715"/>
+            <a:ext cx="327334" cy="246221"/>
+          </a:xfrm>
+          <a:prstGeom prst="rect">
+            <a:avLst/>
+          </a:prstGeom>
+          <a:noFill/>
+        </p:spPr>
+        <p:txBody>
+          <a:bodyPr wrap="none" rtlCol="0">
+            <a:spAutoFit/>
+          </a:bodyPr>
+          <a:lstStyle/>
+          <a:p>
+            <a:r>
+              <a:rPr kumimoji="1" lang="en-US" altLang="ja-JP" sz="1000" dirty="0" smtClean="0">
+                <a:solidFill>
+                  <a:srgbClr val="FF0000"/>
+                </a:solidFill>
+              </a:rPr>
+              <a:t>(5)</a:t>
+            </a:r>
+            <a:endParaRPr kumimoji="1" lang="ja-JP" altLang="en-US" sz="1000" dirty="0">
+              <a:solidFill>
+                <a:srgbClr val="FF0000"/>
+              </a:solidFill>
+            </a:endParaRPr>
+          </a:p>
+        </p:txBody>
+      </p:sp>
+      <p:sp>
+        <p:nvSpPr>
+          <p:cNvPr id="53" name="TextBox 52"/>
+          <p:cNvSpPr txBox="1"/>
+          <p:nvPr/>
+        </p:nvSpPr>
+        <p:spPr>
+          <a:xfrm>
+            <a:off x="3705874" y="1740236"/>
+            <a:ext cx="327334" cy="246221"/>
+          </a:xfrm>
+          <a:prstGeom prst="rect">
+            <a:avLst/>
+          </a:prstGeom>
+          <a:noFill/>
+        </p:spPr>
+        <p:txBody>
+          <a:bodyPr wrap="none" rtlCol="0">
+            <a:spAutoFit/>
+          </a:bodyPr>
+          <a:lstStyle/>
+          <a:p>
+            <a:r>
+              <a:rPr kumimoji="1" lang="en-US" altLang="ja-JP" sz="1000" dirty="0" smtClean="0">
+                <a:solidFill>
+                  <a:srgbClr val="FF0000"/>
+                </a:solidFill>
+              </a:rPr>
+              <a:t>(9)</a:t>
+            </a:r>
+            <a:endParaRPr kumimoji="1" lang="ja-JP" altLang="en-US" sz="1000" dirty="0">
+              <a:solidFill>
+                <a:srgbClr val="FF0000"/>
+              </a:solidFill>
+            </a:endParaRPr>
+          </a:p>
+        </p:txBody>
+      </p:sp>
+      <p:sp>
+        <p:nvSpPr>
+          <p:cNvPr id="61" name="TextBox 60"/>
+          <p:cNvSpPr txBox="1"/>
+          <p:nvPr/>
+        </p:nvSpPr>
+        <p:spPr>
+          <a:xfrm>
+            <a:off x="2951120" y="2409421"/>
+            <a:ext cx="412292" cy="246221"/>
+          </a:xfrm>
+          <a:prstGeom prst="rect">
+            <a:avLst/>
+          </a:prstGeom>
+          <a:noFill/>
+        </p:spPr>
+        <p:txBody>
+          <a:bodyPr wrap="none" rtlCol="0">
+            <a:spAutoFit/>
+          </a:bodyPr>
+          <a:lstStyle/>
+          <a:p>
+            <a:r>
+              <a:rPr kumimoji="1" lang="en-US" altLang="ja-JP" sz="1000" dirty="0" smtClean="0"/>
+              <a:t>Title</a:t>
+            </a:r>
+            <a:endParaRPr kumimoji="1" lang="ja-JP" altLang="en-US" sz="1000" dirty="0"/>
+          </a:p>
+        </p:txBody>
+      </p:sp>
+      <p:sp>
+        <p:nvSpPr>
+          <p:cNvPr id="67" name="Rectangle 66"/>
+          <p:cNvSpPr/>
+          <p:nvPr/>
+        </p:nvSpPr>
+        <p:spPr>
+          <a:xfrm>
+            <a:off x="3037697" y="2634057"/>
+            <a:ext cx="2008926" cy="235137"/>
+          </a:xfrm>
+          <a:prstGeom prst="rect">
+            <a:avLst/>
+          </a:prstGeom>
+          <a:ln>
+            <a:solidFill>
+              <a:schemeClr val="tx1"/>
+            </a:solidFill>
+          </a:ln>
+          <a:effectLst/>
+        </p:spPr>
+        <p:style>
+          <a:lnRef idx="1">
+            <a:schemeClr val="accent1"/>
+          </a:lnRef>
+          <a:fillRef idx="3">
+            <a:schemeClr val="accent1"/>
+          </a:fillRef>
+          <a:effectRef idx="2">
+            <a:schemeClr val="accent1"/>
+          </a:effectRef>
+          <a:fontRef idx="minor">
+            <a:schemeClr val="lt1"/>
+          </a:fontRef>
+        </p:style>
+        <p:txBody>
+          <a:bodyPr rtlCol="0" anchor="ctr"/>
+          <a:lstStyle/>
+          <a:p>
+            <a:r>
+              <a:rPr kumimoji="1" lang="en-US" altLang="ja-JP" sz="800" i="1" dirty="0" smtClean="0">
+                <a:solidFill>
+                  <a:schemeClr val="bg1">
+                    <a:lumMod val="75000"/>
+                  </a:schemeClr>
+                </a:solidFill>
+              </a:rPr>
+              <a:t>Title</a:t>
+            </a:r>
+            <a:endParaRPr kumimoji="1" lang="ja-JP" altLang="en-US" sz="800" i="1" dirty="0">
+              <a:solidFill>
+                <a:schemeClr val="bg1">
+                  <a:lumMod val="75000"/>
+                </a:schemeClr>
+              </a:solidFill>
+            </a:endParaRPr>
+          </a:p>
+        </p:txBody>
+      </p:sp>
+      <p:sp>
+        <p:nvSpPr>
+          <p:cNvPr id="73" name="TextBox 72"/>
+          <p:cNvSpPr txBox="1"/>
+          <p:nvPr/>
+        </p:nvSpPr>
+        <p:spPr>
+          <a:xfrm>
+            <a:off x="2951120" y="2892720"/>
+            <a:ext cx="779381" cy="246221"/>
+          </a:xfrm>
+          <a:prstGeom prst="rect">
+            <a:avLst/>
+          </a:prstGeom>
+          <a:noFill/>
+        </p:spPr>
+        <p:txBody>
+          <a:bodyPr wrap="none" rtlCol="0">
+            <a:spAutoFit/>
+          </a:bodyPr>
+          <a:lstStyle/>
+          <a:p>
+            <a:r>
+              <a:rPr kumimoji="1" lang="en-US" altLang="ja-JP" sz="1000" dirty="0" smtClean="0"/>
+              <a:t>Description</a:t>
+            </a:r>
+            <a:endParaRPr kumimoji="1" lang="ja-JP" altLang="en-US" sz="1000" dirty="0"/>
+          </a:p>
+        </p:txBody>
+      </p:sp>
+      <p:sp>
+        <p:nvSpPr>
+          <p:cNvPr id="74" name="Rectangle 73"/>
+          <p:cNvSpPr/>
+          <p:nvPr/>
+        </p:nvSpPr>
+        <p:spPr>
+          <a:xfrm>
+            <a:off x="3022399" y="3153385"/>
+            <a:ext cx="2024224" cy="423653"/>
+          </a:xfrm>
+          <a:prstGeom prst="rect">
+            <a:avLst/>
+          </a:prstGeom>
+          <a:ln>
+            <a:solidFill>
+              <a:schemeClr val="tx1"/>
+            </a:solidFill>
+          </a:ln>
+          <a:effectLst/>
+        </p:spPr>
+        <p:style>
+          <a:lnRef idx="1">
+            <a:schemeClr val="accent1"/>
+          </a:lnRef>
+          <a:fillRef idx="3">
+            <a:schemeClr val="accent1"/>
+          </a:fillRef>
+          <a:effectRef idx="2">
+            <a:schemeClr val="accent1"/>
+          </a:effectRef>
+          <a:fontRef idx="minor">
+            <a:schemeClr val="lt1"/>
+          </a:fontRef>
+        </p:style>
+        <p:txBody>
+          <a:bodyPr rtlCol="0" anchor="ctr"/>
+          <a:lstStyle/>
+          <a:p>
+            <a:r>
+              <a:rPr kumimoji="1" lang="en-US" altLang="ja-JP" sz="800" i="1" dirty="0" smtClean="0">
+                <a:solidFill>
+                  <a:schemeClr val="bg1">
+                    <a:lumMod val="75000"/>
+                  </a:schemeClr>
+                </a:solidFill>
+              </a:rPr>
+              <a:t>Description</a:t>
+            </a:r>
+            <a:endParaRPr kumimoji="1" lang="ja-JP" altLang="en-US" sz="800" i="1" dirty="0">
+              <a:solidFill>
+                <a:schemeClr val="bg1">
+                  <a:lumMod val="75000"/>
+                </a:schemeClr>
+              </a:solidFill>
+            </a:endParaRPr>
+          </a:p>
+        </p:txBody>
+      </p:sp>
+      <p:sp>
+        <p:nvSpPr>
+          <p:cNvPr id="75" name="TextBox 74"/>
+          <p:cNvSpPr txBox="1"/>
+          <p:nvPr/>
+        </p:nvSpPr>
+        <p:spPr>
+          <a:xfrm>
+            <a:off x="2951120" y="3586614"/>
+            <a:ext cx="606256" cy="246221"/>
+          </a:xfrm>
+          <a:prstGeom prst="rect">
+            <a:avLst/>
+          </a:prstGeom>
+          <a:noFill/>
+        </p:spPr>
+        <p:txBody>
+          <a:bodyPr wrap="none" rtlCol="0">
+            <a:spAutoFit/>
+          </a:bodyPr>
+          <a:lstStyle/>
+          <a:p>
+            <a:r>
+              <a:rPr kumimoji="1" lang="en-US" altLang="ja-JP" sz="1000" dirty="0"/>
+              <a:t>Content</a:t>
+            </a:r>
+            <a:endParaRPr kumimoji="1" lang="ja-JP" altLang="en-US" sz="1000" dirty="0"/>
+          </a:p>
+        </p:txBody>
+      </p:sp>
+      <p:sp>
+        <p:nvSpPr>
+          <p:cNvPr id="76" name="Rectangle 75"/>
+          <p:cNvSpPr/>
+          <p:nvPr/>
+        </p:nvSpPr>
+        <p:spPr>
+          <a:xfrm>
+            <a:off x="3005636" y="3816878"/>
+            <a:ext cx="2040987" cy="725782"/>
+          </a:xfrm>
+          <a:prstGeom prst="rect">
+            <a:avLst/>
+          </a:prstGeom>
+          <a:ln>
+            <a:solidFill>
+              <a:schemeClr val="tx1"/>
+            </a:solidFill>
+          </a:ln>
+          <a:effectLst/>
+        </p:spPr>
+        <p:style>
+          <a:lnRef idx="1">
+            <a:schemeClr val="accent1"/>
+          </a:lnRef>
+          <a:fillRef idx="3">
+            <a:schemeClr val="accent1"/>
+          </a:fillRef>
+          <a:effectRef idx="2">
+            <a:schemeClr val="accent1"/>
+          </a:effectRef>
+          <a:fontRef idx="minor">
+            <a:schemeClr val="lt1"/>
+          </a:fontRef>
+        </p:style>
+        <p:txBody>
+          <a:bodyPr rtlCol="0" anchor="ctr"/>
+          <a:lstStyle/>
+          <a:p>
+            <a:r>
+              <a:rPr kumimoji="1" lang="en-US" altLang="ja-JP" sz="800" i="1" dirty="0" smtClean="0">
+                <a:solidFill>
+                  <a:schemeClr val="bg1">
+                    <a:lumMod val="75000"/>
+                  </a:schemeClr>
+                </a:solidFill>
+              </a:rPr>
+              <a:t>Content</a:t>
+            </a:r>
+            <a:endParaRPr kumimoji="1" lang="ja-JP" altLang="en-US" sz="800" i="1" dirty="0">
+              <a:solidFill>
+                <a:schemeClr val="bg1">
+                  <a:lumMod val="75000"/>
+                </a:schemeClr>
+              </a:solidFill>
+            </a:endParaRPr>
+          </a:p>
+        </p:txBody>
+      </p:sp>
+      <p:sp>
+        <p:nvSpPr>
+          <p:cNvPr id="77" name="Rectangle 76"/>
+          <p:cNvSpPr/>
+          <p:nvPr/>
+        </p:nvSpPr>
+        <p:spPr>
+          <a:xfrm>
+            <a:off x="4460633" y="4625044"/>
+            <a:ext cx="602751" cy="218077"/>
+          </a:xfrm>
+          <a:prstGeom prst="rect">
+            <a:avLst/>
+          </a:prstGeom>
+        </p:spPr>
+        <p:style>
+          <a:lnRef idx="1">
+            <a:schemeClr val="accent1"/>
+          </a:lnRef>
+          <a:fillRef idx="3">
+            <a:schemeClr val="accent1"/>
+          </a:fillRef>
+          <a:effectRef idx="2">
+            <a:schemeClr val="accent1"/>
+          </a:effectRef>
+          <a:fontRef idx="minor">
+            <a:schemeClr val="lt1"/>
+          </a:fontRef>
+        </p:style>
+        <p:txBody>
+          <a:bodyPr rtlCol="0" anchor="ctr"/>
+          <a:lstStyle/>
+          <a:p>
+            <a:pPr algn="ctr"/>
+            <a:r>
+              <a:rPr kumimoji="1" lang="en-US" altLang="ja-JP" sz="1000" dirty="0" smtClean="0"/>
+              <a:t>Publish</a:t>
+            </a:r>
+            <a:endParaRPr kumimoji="1" lang="ja-JP" altLang="en-US" sz="1000" dirty="0"/>
+          </a:p>
+        </p:txBody>
+      </p:sp>
+    </p:spTree>
+    <p:extLst>
+      <p:ext uri="{BB962C8B-B14F-4D97-AF65-F5344CB8AC3E}">
+        <p14:creationId xmlns:p14="http://schemas.microsoft.com/office/powerpoint/2010/main" val="2035254071"/>
+      </p:ext>
+    </p:extLst>
+  </p:cSld>
+  <p:clrMapOvr>
+    <a:masterClrMapping/>
+  </p:clrMapOvr>
+  <p:timing>
+    <p:tnLst>
+      <p:par>
+        <p:cTn id="1" dur="indefinite" restart="never" nodeType="tmRoot"/>
+      </p:par>
+    </p:tnLst>
+  </p:timing>
+</p:sld>
+</file>
+
+<file path=ppt/slides/slide11.xml><?xml version="1.0" encoding="utf-8"?>
+<p:sld xmlns:a="http://schemas.openxmlformats.org/drawingml/2006/main" xmlns:r="http://schemas.openxmlformats.org/officeDocument/2006/relationships" xmlns:p="http://schemas.openxmlformats.org/presentationml/2006/main">
+  <p:cSld>
+    <p:spTree>
+      <p:nvGrpSpPr>
+        <p:cNvPr id="1" name=""/>
+        <p:cNvGrpSpPr/>
+        <p:nvPr/>
+      </p:nvGrpSpPr>
+      <p:grpSpPr>
+        <a:xfrm>
+          <a:off x="0" y="0"/>
+          <a:ext cx="0" cy="0"/>
+          <a:chOff x="0" y="0"/>
+          <a:chExt cx="0" cy="0"/>
+        </a:xfrm>
+      </p:grpSpPr>
+      <p:cxnSp>
+        <p:nvCxnSpPr>
+          <p:cNvPr id="65" name="Straight Connector 64"/>
+          <p:cNvCxnSpPr/>
+          <p:nvPr/>
+        </p:nvCxnSpPr>
+        <p:spPr>
+          <a:xfrm>
+            <a:off x="1524000" y="399143"/>
+            <a:ext cx="9144000" cy="0"/>
+          </a:xfrm>
+          <a:prstGeom prst="line">
+            <a:avLst/>
+          </a:prstGeom>
+        </p:spPr>
+        <p:style>
+          <a:lnRef idx="2">
+            <a:schemeClr val="accent1"/>
+          </a:lnRef>
+          <a:fillRef idx="0">
+            <a:schemeClr val="accent1"/>
+          </a:fillRef>
+          <a:effectRef idx="1">
+            <a:schemeClr val="accent1"/>
+          </a:effectRef>
+          <a:fontRef idx="minor">
+            <a:schemeClr val="tx1"/>
+          </a:fontRef>
+        </p:style>
+      </p:cxnSp>
+      <p:sp>
+        <p:nvSpPr>
+          <p:cNvPr id="66" name="TextBox 65"/>
+          <p:cNvSpPr txBox="1"/>
+          <p:nvPr/>
+        </p:nvSpPr>
+        <p:spPr>
+          <a:xfrm>
+            <a:off x="1717526" y="0"/>
+            <a:ext cx="1478931" cy="369332"/>
+          </a:xfrm>
+          <a:prstGeom prst="rect">
+            <a:avLst/>
+          </a:prstGeom>
+          <a:noFill/>
+        </p:spPr>
+        <p:txBody>
+          <a:bodyPr wrap="none" rtlCol="0">
+            <a:spAutoFit/>
+          </a:bodyPr>
+          <a:lstStyle/>
+          <a:p>
+            <a:r>
+              <a:rPr kumimoji="1" lang="en-US" altLang="ja-JP" dirty="0" smtClean="0"/>
+              <a:t>S-3-9 </a:t>
+            </a:r>
+            <a:r>
+              <a:rPr kumimoji="1" lang="en-US" altLang="ja-JP" dirty="0" err="1" smtClean="0"/>
+              <a:t>EditPost</a:t>
+            </a:r>
+            <a:endParaRPr kumimoji="1" lang="ja-JP" altLang="en-US" dirty="0"/>
+          </a:p>
+        </p:txBody>
+      </p:sp>
+      <p:sp useBgFill="1">
+        <p:nvSpPr>
+          <p:cNvPr id="2" name="Rectangle 1"/>
+          <p:cNvSpPr/>
+          <p:nvPr/>
+        </p:nvSpPr>
+        <p:spPr>
+          <a:xfrm>
+            <a:off x="1616738" y="699605"/>
+            <a:ext cx="4919133" cy="4258733"/>
+          </a:xfrm>
+          <a:prstGeom prst="rect">
+            <a:avLst/>
+          </a:prstGeom>
+          <a:ln>
+            <a:solidFill>
+              <a:schemeClr val="tx1"/>
+            </a:solidFill>
+          </a:ln>
+          <a:effectLst/>
+        </p:spPr>
+        <p:style>
+          <a:lnRef idx="1">
+            <a:schemeClr val="accent1"/>
+          </a:lnRef>
+          <a:fillRef idx="3">
+            <a:schemeClr val="accent1"/>
+          </a:fillRef>
+          <a:effectRef idx="2">
+            <a:schemeClr val="accent1"/>
+          </a:effectRef>
+          <a:fontRef idx="minor">
+            <a:schemeClr val="lt1"/>
+          </a:fontRef>
+        </p:style>
+        <p:txBody>
+          <a:bodyPr rtlCol="0" anchor="ctr"/>
+          <a:lstStyle/>
+          <a:p>
+            <a:pPr algn="ctr"/>
+            <a:endParaRPr kumimoji="1" lang="ja-JP" altLang="en-US">
+              <a:solidFill>
+                <a:srgbClr val="FF0000"/>
+              </a:solidFill>
+            </a:endParaRPr>
+          </a:p>
+        </p:txBody>
+      </p:sp>
+      <p:sp>
+        <p:nvSpPr>
+          <p:cNvPr id="3" name="Rectangle 2"/>
+          <p:cNvSpPr/>
+          <p:nvPr/>
+        </p:nvSpPr>
+        <p:spPr>
+          <a:xfrm>
+            <a:off x="2057857" y="916491"/>
+            <a:ext cx="1196687" cy="400110"/>
+          </a:xfrm>
+          <a:prstGeom prst="rect">
+            <a:avLst/>
+          </a:prstGeom>
+          <a:noFill/>
+        </p:spPr>
+        <p:txBody>
+          <a:bodyPr wrap="none" lIns="91440" tIns="45720" rIns="91440" bIns="45720">
+            <a:spAutoFit/>
+          </a:bodyPr>
+          <a:lstStyle/>
+          <a:p>
+            <a:pPr algn="ctr"/>
+            <a:r>
+              <a:rPr lang="en-US" altLang="ja-JP" sz="2000" b="1" dirty="0">
+                <a:ln w="12700">
+                  <a:solidFill>
+                    <a:schemeClr val="tx2">
+                      <a:satMod val="155000"/>
+                    </a:schemeClr>
+                  </a:solidFill>
+                  <a:prstDash val="solid"/>
+                </a:ln>
+                <a:solidFill>
+                  <a:schemeClr val="bg2">
+                    <a:tint val="85000"/>
+                    <a:satMod val="155000"/>
+                  </a:schemeClr>
+                </a:solidFill>
+                <a:effectLst>
+                  <a:outerShdw blurRad="41275" dist="20320" dir="1800000" algn="tl" rotWithShape="0">
+                    <a:srgbClr val="000000">
+                      <a:alpha val="40000"/>
+                    </a:srgbClr>
+                  </a:outerShdw>
+                </a:effectLst>
+              </a:rPr>
+              <a:t>Mini Blog</a:t>
+            </a:r>
+          </a:p>
+        </p:txBody>
+      </p:sp>
+      <p:sp>
+        <p:nvSpPr>
+          <p:cNvPr id="7" name="Rectangle 6"/>
+          <p:cNvSpPr/>
+          <p:nvPr/>
+        </p:nvSpPr>
+        <p:spPr>
+          <a:xfrm>
+            <a:off x="2059396" y="1532723"/>
+            <a:ext cx="1783449" cy="229218"/>
+          </a:xfrm>
+          <a:prstGeom prst="rect">
+            <a:avLst/>
+          </a:prstGeom>
+          <a:ln>
+            <a:solidFill>
+              <a:schemeClr val="tx1"/>
+            </a:solidFill>
+          </a:ln>
+          <a:effectLst/>
+        </p:spPr>
+        <p:style>
+          <a:lnRef idx="1">
+            <a:schemeClr val="accent1"/>
+          </a:lnRef>
+          <a:fillRef idx="3">
+            <a:schemeClr val="accent1"/>
+          </a:fillRef>
+          <a:effectRef idx="2">
+            <a:schemeClr val="accent1"/>
+          </a:effectRef>
+          <a:fontRef idx="minor">
+            <a:schemeClr val="lt1"/>
+          </a:fontRef>
+        </p:style>
+        <p:txBody>
+          <a:bodyPr rtlCol="0" anchor="ctr"/>
+          <a:lstStyle/>
+          <a:p>
+            <a:r>
+              <a:rPr kumimoji="1" lang="en-US" altLang="ja-JP" sz="800" i="1" dirty="0" smtClean="0">
+                <a:solidFill>
+                  <a:schemeClr val="bg1">
+                    <a:lumMod val="75000"/>
+                  </a:schemeClr>
+                </a:solidFill>
+              </a:rPr>
+              <a:t>Search user and post</a:t>
+            </a:r>
+            <a:endParaRPr kumimoji="1" lang="ja-JP" altLang="en-US" sz="800" i="1" dirty="0">
+              <a:solidFill>
+                <a:schemeClr val="bg1">
+                  <a:lumMod val="75000"/>
+                </a:schemeClr>
+              </a:solidFill>
+            </a:endParaRPr>
+          </a:p>
+        </p:txBody>
+      </p:sp>
+      <p:sp>
+        <p:nvSpPr>
+          <p:cNvPr id="8" name="Rectangle 7"/>
+          <p:cNvSpPr/>
+          <p:nvPr/>
+        </p:nvSpPr>
+        <p:spPr>
+          <a:xfrm>
+            <a:off x="3925590" y="1542508"/>
+            <a:ext cx="602751" cy="218077"/>
+          </a:xfrm>
+          <a:prstGeom prst="rect">
+            <a:avLst/>
+          </a:prstGeom>
+        </p:spPr>
+        <p:style>
+          <a:lnRef idx="1">
+            <a:schemeClr val="accent1"/>
+          </a:lnRef>
+          <a:fillRef idx="3">
+            <a:schemeClr val="accent1"/>
+          </a:fillRef>
+          <a:effectRef idx="2">
+            <a:schemeClr val="accent1"/>
+          </a:effectRef>
+          <a:fontRef idx="minor">
+            <a:schemeClr val="lt1"/>
+          </a:fontRef>
+        </p:style>
+        <p:txBody>
+          <a:bodyPr rtlCol="0" anchor="ctr"/>
+          <a:lstStyle/>
+          <a:p>
+            <a:pPr algn="ctr"/>
+            <a:r>
+              <a:rPr kumimoji="1" lang="en-US" altLang="ja-JP" sz="1000" dirty="0"/>
+              <a:t>Search</a:t>
+            </a:r>
+            <a:endParaRPr kumimoji="1" lang="ja-JP" altLang="en-US" sz="1000" dirty="0"/>
+          </a:p>
+        </p:txBody>
+      </p:sp>
+      <p:cxnSp>
+        <p:nvCxnSpPr>
+          <p:cNvPr id="13" name="Straight Connector 12"/>
+          <p:cNvCxnSpPr/>
+          <p:nvPr/>
+        </p:nvCxnSpPr>
+        <p:spPr>
+          <a:xfrm flipV="1">
+            <a:off x="2047529" y="2038184"/>
+            <a:ext cx="4369200" cy="6592"/>
+          </a:xfrm>
+          <a:prstGeom prst="line">
+            <a:avLst/>
+          </a:prstGeom>
+          <a:ln w="3175" cmpd="sng">
+            <a:solidFill>
+              <a:schemeClr val="bg1">
+                <a:lumMod val="75000"/>
+              </a:schemeClr>
+            </a:solidFill>
+          </a:ln>
+          <a:effectLst/>
+        </p:spPr>
+        <p:style>
+          <a:lnRef idx="2">
+            <a:schemeClr val="accent1"/>
+          </a:lnRef>
+          <a:fillRef idx="0">
+            <a:schemeClr val="accent1"/>
+          </a:fillRef>
+          <a:effectRef idx="1">
+            <a:schemeClr val="accent1"/>
+          </a:effectRef>
+          <a:fontRef idx="minor">
+            <a:schemeClr val="tx1"/>
+          </a:fontRef>
+        </p:style>
+      </p:cxnSp>
+      <p:graphicFrame>
+        <p:nvGraphicFramePr>
+          <p:cNvPr id="25" name="Table 24"/>
+          <p:cNvGraphicFramePr>
+            <a:graphicFrameLocks noGrp="1"/>
+          </p:cNvGraphicFramePr>
+          <p:nvPr>
+            <p:extLst>
+              <p:ext uri="{D42A27DB-BD31-4B8C-83A1-F6EECF244321}">
+                <p14:modId xmlns:p14="http://schemas.microsoft.com/office/powerpoint/2010/main" val="1948741342"/>
+              </p:ext>
+            </p:extLst>
+          </p:nvPr>
+        </p:nvGraphicFramePr>
+        <p:xfrm>
+          <a:off x="6764863" y="746700"/>
+          <a:ext cx="3903137" cy="3769010"/>
+        </p:xfrm>
+        <a:graphic>
+          <a:graphicData uri="http://schemas.openxmlformats.org/drawingml/2006/table">
+            <a:tbl>
+              <a:tblPr firstRow="1" bandRow="1">
+                <a:tableStyleId>{5202B0CA-FC54-4496-8BCA-5EF66A818D29}</a:tableStyleId>
+              </a:tblPr>
+              <a:tblGrid>
+                <a:gridCol w="355505"/>
+                <a:gridCol w="992448"/>
+                <a:gridCol w="725819"/>
+                <a:gridCol w="1370172"/>
+                <a:gridCol w="459193"/>
+              </a:tblGrid>
+              <a:tr h="327082">
+                <a:tc>
+                  <a:txBody>
+                    <a:bodyPr/>
+                    <a:lstStyle/>
+                    <a:p>
+                      <a:r>
+                        <a:rPr kumimoji="1" lang="en-US" altLang="ja-JP" sz="1000" dirty="0"/>
+                        <a:t>No</a:t>
+                      </a:r>
+                      <a:endParaRPr kumimoji="1" lang="ja-JP" altLang="en-US" sz="1000" dirty="0"/>
+                    </a:p>
+                  </a:txBody>
+                  <a:tcPr/>
+                </a:tc>
+                <a:tc>
+                  <a:txBody>
+                    <a:bodyPr/>
+                    <a:lstStyle/>
+                    <a:p>
+                      <a:r>
+                        <a:rPr kumimoji="1" lang="en-US" altLang="ja-JP" sz="1000" dirty="0"/>
+                        <a:t>Content</a:t>
+                      </a:r>
+                      <a:endParaRPr kumimoji="1" lang="ja-JP" altLang="en-US" sz="1000" dirty="0"/>
+                    </a:p>
+                  </a:txBody>
+                  <a:tcPr/>
+                </a:tc>
+                <a:tc>
+                  <a:txBody>
+                    <a:bodyPr/>
+                    <a:lstStyle/>
+                    <a:p>
+                      <a:r>
+                        <a:rPr kumimoji="1" lang="en-US" altLang="ja-JP" sz="1000" dirty="0"/>
+                        <a:t>Function</a:t>
+                      </a:r>
+                      <a:endParaRPr kumimoji="1" lang="ja-JP" altLang="en-US" sz="1000" dirty="0"/>
+                    </a:p>
+                  </a:txBody>
+                  <a:tcPr/>
+                </a:tc>
+                <a:tc>
+                  <a:txBody>
+                    <a:bodyPr/>
+                    <a:lstStyle/>
+                    <a:p>
+                      <a:r>
+                        <a:rPr kumimoji="1" lang="en-US" altLang="ja-JP" sz="1000" dirty="0"/>
+                        <a:t>Detail/option</a:t>
+                      </a:r>
+                      <a:endParaRPr kumimoji="1" lang="ja-JP" altLang="en-US" sz="1000" dirty="0"/>
+                    </a:p>
+                  </a:txBody>
+                  <a:tcPr/>
+                </a:tc>
+                <a:tc>
+                  <a:txBody>
+                    <a:bodyPr/>
+                    <a:lstStyle/>
+                    <a:p>
+                      <a:r>
+                        <a:rPr kumimoji="1" lang="en-US" altLang="ja-JP" sz="1000"/>
+                        <a:t>Goto</a:t>
+                      </a:r>
+                      <a:endParaRPr kumimoji="1" lang="ja-JP" altLang="en-US" sz="1000"/>
+                    </a:p>
+                  </a:txBody>
+                  <a:tcPr/>
+                </a:tc>
+              </a:tr>
+              <a:tr h="327082">
+                <a:tc>
+                  <a:txBody>
+                    <a:bodyPr/>
+                    <a:lstStyle/>
+                    <a:p>
+                      <a:r>
+                        <a:rPr kumimoji="1" lang="en-GB" altLang="ja-JP" sz="1000" dirty="0" smtClean="0"/>
+                        <a:t>1</a:t>
+                      </a:r>
+                      <a:endParaRPr kumimoji="1" lang="ja-JP" altLang="en-US" sz="1000" dirty="0"/>
+                    </a:p>
+                  </a:txBody>
+                  <a:tcPr/>
+                </a:tc>
+                <a:tc>
+                  <a:txBody>
+                    <a:bodyPr/>
+                    <a:lstStyle/>
+                    <a:p>
+                      <a:r>
+                        <a:rPr kumimoji="1" lang="en-GB" altLang="ja-JP" sz="1000" dirty="0" smtClean="0"/>
+                        <a:t>Username</a:t>
+                      </a:r>
+                      <a:r>
+                        <a:rPr kumimoji="1" lang="en-GB" altLang="ja-JP" sz="1000" baseline="0" dirty="0" smtClean="0"/>
+                        <a:t> </a:t>
+                      </a:r>
+                      <a:r>
+                        <a:rPr kumimoji="1" lang="en-GB" altLang="ja-JP" sz="1000" dirty="0" smtClean="0"/>
+                        <a:t>button</a:t>
+                      </a:r>
+                      <a:endParaRPr kumimoji="1" lang="ja-JP" altLang="en-US" sz="1000" dirty="0"/>
+                    </a:p>
+                  </a:txBody>
+                  <a:tcPr/>
+                </a:tc>
+                <a:tc>
+                  <a:txBody>
+                    <a:bodyPr/>
+                    <a:lstStyle/>
+                    <a:p>
+                      <a:endParaRPr kumimoji="1" lang="ja-JP" altLang="en-US" sz="1000" dirty="0"/>
+                    </a:p>
+                  </a:txBody>
+                  <a:tcPr/>
+                </a:tc>
+                <a:tc>
+                  <a:txBody>
+                    <a:bodyPr/>
+                    <a:lstStyle/>
+                    <a:p>
+                      <a:r>
+                        <a:rPr kumimoji="1" lang="en-GB" altLang="ja-JP" sz="1000" dirty="0" smtClean="0"/>
+                        <a:t>Click =&gt; go</a:t>
+                      </a:r>
+                      <a:r>
+                        <a:rPr kumimoji="1" lang="en-GB" altLang="ja-JP" sz="1000" baseline="0" dirty="0" smtClean="0"/>
+                        <a:t> to home page</a:t>
+                      </a:r>
+                      <a:endParaRPr kumimoji="1" lang="ja-JP" altLang="en-US" sz="1000" dirty="0"/>
+                    </a:p>
+                  </a:txBody>
+                  <a:tcPr/>
+                </a:tc>
+                <a:tc>
+                  <a:txBody>
+                    <a:bodyPr/>
+                    <a:lstStyle/>
+                    <a:p>
+                      <a:endParaRPr kumimoji="1" lang="ja-JP" altLang="en-US" sz="1000" dirty="0"/>
+                    </a:p>
+                  </a:txBody>
+                  <a:tcPr/>
+                </a:tc>
+              </a:tr>
+              <a:tr h="327082">
+                <a:tc>
+                  <a:txBody>
+                    <a:bodyPr/>
+                    <a:lstStyle/>
+                    <a:p>
+                      <a:r>
+                        <a:rPr kumimoji="1" lang="en-US" altLang="ja-JP" sz="1000" dirty="0" smtClean="0"/>
+                        <a:t>2</a:t>
+                      </a:r>
+                      <a:endParaRPr kumimoji="1" lang="ja-JP" altLang="en-US" sz="1000" dirty="0"/>
+                    </a:p>
+                  </a:txBody>
+                  <a:tcPr/>
+                </a:tc>
+                <a:tc>
+                  <a:txBody>
+                    <a:bodyPr/>
+                    <a:lstStyle/>
+                    <a:p>
+                      <a:r>
+                        <a:rPr kumimoji="1" lang="en-US" altLang="ja-JP" sz="1000" dirty="0" smtClean="0"/>
+                        <a:t>Edit Profile </a:t>
+                      </a:r>
+                      <a:r>
+                        <a:rPr kumimoji="1" lang="en-US" altLang="ja-JP" sz="1000" baseline="0" dirty="0" smtClean="0"/>
+                        <a:t>button</a:t>
+                      </a:r>
+                      <a:endParaRPr kumimoji="1" lang="ja-JP" altLang="en-US" sz="1000" dirty="0"/>
+                    </a:p>
+                  </a:txBody>
+                  <a:tcPr/>
+                </a:tc>
+                <a:tc>
+                  <a:txBody>
+                    <a:bodyPr/>
+                    <a:lstStyle/>
+                    <a:p>
+                      <a:endParaRPr kumimoji="1" lang="ja-JP" altLang="en-US" sz="1000"/>
+                    </a:p>
+                  </a:txBody>
+                  <a:tcPr/>
+                </a:tc>
+                <a:tc>
+                  <a:txBody>
+                    <a:bodyPr/>
+                    <a:lstStyle/>
+                    <a:p>
+                      <a:r>
+                        <a:rPr kumimoji="1" lang="en-US" altLang="ja-JP" sz="1000" dirty="0" smtClean="0"/>
+                        <a:t>Click =&gt; go to update information user page</a:t>
+                      </a:r>
+                      <a:endParaRPr kumimoji="1" lang="ja-JP" altLang="en-US" sz="1000" dirty="0"/>
+                    </a:p>
+                  </a:txBody>
+                  <a:tcPr/>
+                </a:tc>
+                <a:tc>
+                  <a:txBody>
+                    <a:bodyPr/>
+                    <a:lstStyle/>
+                    <a:p>
+                      <a:endParaRPr kumimoji="1" lang="ja-JP" altLang="en-US" sz="1000" dirty="0">
+                        <a:latin typeface="Calibri"/>
+                        <a:cs typeface="Calibri"/>
+                      </a:endParaRPr>
+                    </a:p>
+                  </a:txBody>
+                  <a:tcPr/>
+                </a:tc>
+              </a:tr>
+              <a:tr h="327082">
+                <a:tc>
+                  <a:txBody>
+                    <a:bodyPr/>
+                    <a:lstStyle/>
+                    <a:p>
+                      <a:r>
+                        <a:rPr kumimoji="1" lang="en-US" altLang="ja-JP" sz="1000" dirty="0" smtClean="0"/>
+                        <a:t>3</a:t>
+                      </a:r>
+                      <a:endParaRPr kumimoji="1" lang="ja-JP" altLang="en-US" sz="1000" dirty="0"/>
+                    </a:p>
+                  </a:txBody>
+                  <a:tcPr/>
+                </a:tc>
+                <a:tc>
+                  <a:txBody>
+                    <a:bodyPr/>
+                    <a:lstStyle/>
+                    <a:p>
+                      <a:r>
+                        <a:rPr kumimoji="1" lang="en-US" altLang="ja-JP" sz="1000" dirty="0" smtClean="0"/>
+                        <a:t>Logout Button</a:t>
+                      </a:r>
+                      <a:endParaRPr kumimoji="1" lang="ja-JP" altLang="en-US" sz="1000" dirty="0"/>
+                    </a:p>
+                  </a:txBody>
+                  <a:tcPr/>
+                </a:tc>
+                <a:tc>
+                  <a:txBody>
+                    <a:bodyPr/>
+                    <a:lstStyle/>
+                    <a:p>
+                      <a:endParaRPr kumimoji="1" lang="ja-JP" altLang="en-US" sz="1000"/>
+                    </a:p>
+                  </a:txBody>
+                  <a:tcPr/>
+                </a:tc>
+                <a:tc>
+                  <a:txBody>
+                    <a:bodyPr/>
+                    <a:lstStyle/>
+                    <a:p>
+                      <a:endParaRPr kumimoji="1" lang="ja-JP" altLang="en-US" sz="1000" dirty="0"/>
+                    </a:p>
+                  </a:txBody>
+                  <a:tcPr/>
+                </a:tc>
+                <a:tc>
+                  <a:txBody>
+                    <a:bodyPr/>
+                    <a:lstStyle/>
+                    <a:p>
+                      <a:endParaRPr kumimoji="1" lang="ja-JP" altLang="en-US" sz="1000" dirty="0">
+                        <a:latin typeface="Calibri"/>
+                        <a:cs typeface="Calibri"/>
+                      </a:endParaRPr>
+                    </a:p>
+                  </a:txBody>
+                  <a:tcPr/>
+                </a:tc>
+              </a:tr>
+              <a:tr h="327082">
+                <a:tc>
+                  <a:txBody>
+                    <a:bodyPr/>
+                    <a:lstStyle/>
+                    <a:p>
+                      <a:r>
+                        <a:rPr kumimoji="1" lang="en-US" altLang="ja-JP" sz="1000" dirty="0" smtClean="0"/>
+                        <a:t>4</a:t>
+                      </a:r>
+                      <a:endParaRPr kumimoji="1" lang="ja-JP" altLang="en-US" sz="1000" dirty="0"/>
+                    </a:p>
+                  </a:txBody>
+                  <a:tcPr/>
+                </a:tc>
+                <a:tc>
+                  <a:txBody>
+                    <a:bodyPr/>
+                    <a:lstStyle/>
+                    <a:p>
+                      <a:r>
+                        <a:rPr kumimoji="1" lang="en-US" altLang="ja-JP" sz="1000" dirty="0" smtClean="0"/>
+                        <a:t>Search button</a:t>
+                      </a:r>
+                      <a:endParaRPr kumimoji="1" lang="ja-JP" altLang="en-US" sz="1000" dirty="0"/>
+                    </a:p>
+                  </a:txBody>
+                  <a:tcPr/>
+                </a:tc>
+                <a:tc>
+                  <a:txBody>
+                    <a:bodyPr/>
+                    <a:lstStyle/>
+                    <a:p>
+                      <a:endParaRPr kumimoji="1" lang="ja-JP" altLang="en-US" sz="1000" dirty="0"/>
+                    </a:p>
+                  </a:txBody>
+                  <a:tcPr/>
+                </a:tc>
+                <a:tc>
+                  <a:txBody>
+                    <a:bodyPr/>
+                    <a:lstStyle/>
+                    <a:p>
+                      <a:r>
+                        <a:rPr kumimoji="1" lang="en-GB" altLang="ja-JP" sz="1000" dirty="0" smtClean="0"/>
+                        <a:t>Search all user and all post</a:t>
+                      </a:r>
+                      <a:endParaRPr kumimoji="1" lang="ja-JP" altLang="en-US" sz="1000" dirty="0"/>
+                    </a:p>
+                  </a:txBody>
+                  <a:tcPr/>
+                </a:tc>
+                <a:tc>
+                  <a:txBody>
+                    <a:bodyPr/>
+                    <a:lstStyle/>
+                    <a:p>
+                      <a:endParaRPr kumimoji="1" lang="ja-JP" altLang="en-US" sz="1000" dirty="0">
+                        <a:latin typeface="Calibri"/>
+                        <a:cs typeface="Calibri"/>
+                      </a:endParaRPr>
+                    </a:p>
+                  </a:txBody>
+                  <a:tcPr/>
+                </a:tc>
+              </a:tr>
+              <a:tr h="327082">
+                <a:tc>
+                  <a:txBody>
+                    <a:bodyPr/>
+                    <a:lstStyle/>
+                    <a:p>
+                      <a:r>
+                        <a:rPr kumimoji="1" lang="en-GB" altLang="ja-JP" sz="1000" dirty="0" smtClean="0"/>
+                        <a:t>5</a:t>
+                      </a:r>
+                      <a:endParaRPr kumimoji="1" lang="ja-JP" altLang="en-US" sz="1000" dirty="0"/>
+                    </a:p>
+                  </a:txBody>
+                  <a:tcPr/>
+                </a:tc>
+                <a:tc>
+                  <a:txBody>
+                    <a:bodyPr/>
+                    <a:lstStyle/>
+                    <a:p>
+                      <a:r>
+                        <a:rPr kumimoji="1" lang="en-GB" altLang="ja-JP" sz="1000" dirty="0" smtClean="0"/>
+                        <a:t>User Search </a:t>
+                      </a:r>
+                      <a:r>
+                        <a:rPr kumimoji="1" lang="en-GB" altLang="ja-JP" sz="1000" dirty="0" err="1" smtClean="0"/>
+                        <a:t>buton</a:t>
+                      </a:r>
+                      <a:endParaRPr kumimoji="1" lang="ja-JP" altLang="en-US" sz="1000" dirty="0"/>
+                    </a:p>
+                  </a:txBody>
+                  <a:tcPr/>
+                </a:tc>
+                <a:tc>
+                  <a:txBody>
+                    <a:bodyPr/>
+                    <a:lstStyle/>
+                    <a:p>
+                      <a:endParaRPr kumimoji="1" lang="ja-JP" altLang="en-US" sz="1000"/>
+                    </a:p>
+                  </a:txBody>
+                  <a:tcPr/>
+                </a:tc>
+                <a:tc>
+                  <a:txBody>
+                    <a:bodyPr/>
+                    <a:lstStyle/>
+                    <a:p>
+                      <a:r>
+                        <a:rPr kumimoji="1" lang="en-GB" altLang="ja-JP" sz="1000" dirty="0" smtClean="0"/>
+                        <a:t>Click =&gt; go to user search page</a:t>
+                      </a:r>
+                      <a:endParaRPr kumimoji="1" lang="ja-JP" altLang="en-US" sz="1000" dirty="0"/>
+                    </a:p>
+                  </a:txBody>
+                  <a:tcPr/>
+                </a:tc>
+                <a:tc>
+                  <a:txBody>
+                    <a:bodyPr/>
+                    <a:lstStyle/>
+                    <a:p>
+                      <a:endParaRPr kumimoji="1" lang="ja-JP" altLang="en-US" sz="1000" dirty="0">
+                        <a:latin typeface="Calibri"/>
+                        <a:cs typeface="Calibri"/>
+                      </a:endParaRPr>
+                    </a:p>
+                  </a:txBody>
+                  <a:tcPr/>
+                </a:tc>
+              </a:tr>
+              <a:tr h="327082">
+                <a:tc>
+                  <a:txBody>
+                    <a:bodyPr/>
+                    <a:lstStyle/>
+                    <a:p>
+                      <a:r>
+                        <a:rPr kumimoji="1" lang="en-US" altLang="ja-JP" sz="1000" dirty="0" smtClean="0"/>
+                        <a:t>6</a:t>
+                      </a:r>
+                      <a:endParaRPr kumimoji="1" lang="ja-JP" altLang="en-US" sz="1000" dirty="0"/>
+                    </a:p>
+                  </a:txBody>
+                  <a:tcPr/>
+                </a:tc>
+                <a:tc>
+                  <a:txBody>
+                    <a:bodyPr/>
+                    <a:lstStyle/>
+                    <a:p>
+                      <a:r>
+                        <a:rPr kumimoji="1" lang="en-US" altLang="ja-JP" sz="1000" dirty="0" smtClean="0"/>
+                        <a:t>Title</a:t>
+                      </a:r>
+                      <a:endParaRPr kumimoji="1" lang="ja-JP" altLang="en-US" sz="1000" dirty="0"/>
+                    </a:p>
+                  </a:txBody>
+                  <a:tcPr/>
+                </a:tc>
+                <a:tc>
+                  <a:txBody>
+                    <a:bodyPr/>
+                    <a:lstStyle/>
+                    <a:p>
+                      <a:endParaRPr kumimoji="1" lang="ja-JP" altLang="en-US" sz="1000"/>
+                    </a:p>
+                  </a:txBody>
+                  <a:tcPr/>
+                </a:tc>
+                <a:tc>
+                  <a:txBody>
+                    <a:bodyPr/>
+                    <a:lstStyle/>
+                    <a:p>
+                      <a:pPr marL="0" marR="0" indent="0" algn="l" defTabSz="457200" rtl="0" eaLnBrk="1" fontAlgn="auto" latinLnBrk="0" hangingPunct="1">
+                        <a:lnSpc>
+                          <a:spcPct val="100000"/>
+                        </a:lnSpc>
+                        <a:spcBef>
+                          <a:spcPts val="0"/>
+                        </a:spcBef>
+                        <a:spcAft>
+                          <a:spcPts val="0"/>
+                        </a:spcAft>
+                        <a:buClrTx/>
+                        <a:buSzTx/>
+                        <a:buFontTx/>
+                        <a:buNone/>
+                        <a:tabLst/>
+                        <a:defRPr/>
+                      </a:pPr>
+                      <a:r>
+                        <a:rPr kumimoji="1" lang="en-US" altLang="ja-JP" sz="1000" dirty="0" smtClean="0"/>
+                        <a:t>Input title</a:t>
+                      </a:r>
+                      <a:endParaRPr kumimoji="1" lang="ja-JP" altLang="en-US" sz="1000" dirty="0"/>
+                    </a:p>
+                  </a:txBody>
+                  <a:tcPr/>
+                </a:tc>
+                <a:tc>
+                  <a:txBody>
+                    <a:bodyPr/>
+                    <a:lstStyle/>
+                    <a:p>
+                      <a:endParaRPr kumimoji="1" lang="ja-JP" altLang="en-US" sz="1000" dirty="0">
+                        <a:latin typeface="Calibri"/>
+                        <a:cs typeface="Calibri"/>
+                      </a:endParaRPr>
+                    </a:p>
+                  </a:txBody>
+                  <a:tcPr/>
+                </a:tc>
+              </a:tr>
+              <a:tr h="327082">
+                <a:tc>
+                  <a:txBody>
+                    <a:bodyPr/>
+                    <a:lstStyle/>
+                    <a:p>
+                      <a:r>
+                        <a:rPr kumimoji="1" lang="en-US" altLang="ja-JP" sz="1000" dirty="0" smtClean="0"/>
+                        <a:t>7</a:t>
+                      </a:r>
+                      <a:endParaRPr kumimoji="1" lang="ja-JP" altLang="en-US" sz="1000" dirty="0"/>
+                    </a:p>
+                  </a:txBody>
+                  <a:tcPr/>
+                </a:tc>
+                <a:tc>
+                  <a:txBody>
+                    <a:bodyPr/>
+                    <a:lstStyle/>
+                    <a:p>
+                      <a:r>
+                        <a:rPr kumimoji="1" lang="en-US" altLang="ja-JP" sz="1000" dirty="0" smtClean="0"/>
+                        <a:t>Description</a:t>
+                      </a:r>
+                      <a:endParaRPr kumimoji="1" lang="ja-JP" altLang="en-US" sz="1000" dirty="0"/>
+                    </a:p>
+                  </a:txBody>
+                  <a:tcPr/>
+                </a:tc>
+                <a:tc>
+                  <a:txBody>
+                    <a:bodyPr/>
+                    <a:lstStyle/>
+                    <a:p>
+                      <a:endParaRPr kumimoji="1" lang="ja-JP" altLang="en-US" sz="1000" dirty="0"/>
+                    </a:p>
+                  </a:txBody>
+                  <a:tcPr/>
+                </a:tc>
+                <a:tc>
+                  <a:txBody>
+                    <a:bodyPr/>
+                    <a:lstStyle/>
+                    <a:p>
+                      <a:pPr marL="0" marR="0" indent="0" algn="l" defTabSz="457200" rtl="0" eaLnBrk="1" fontAlgn="auto" latinLnBrk="0" hangingPunct="1">
+                        <a:lnSpc>
+                          <a:spcPct val="100000"/>
+                        </a:lnSpc>
+                        <a:spcBef>
+                          <a:spcPts val="0"/>
+                        </a:spcBef>
+                        <a:spcAft>
+                          <a:spcPts val="0"/>
+                        </a:spcAft>
+                        <a:buClrTx/>
+                        <a:buSzTx/>
+                        <a:buFontTx/>
+                        <a:buNone/>
+                        <a:tabLst/>
+                        <a:defRPr/>
+                      </a:pPr>
+                      <a:r>
+                        <a:rPr kumimoji="1" lang="en-GB" altLang="ja-JP" sz="1000" dirty="0" smtClean="0">
+                          <a:latin typeface="Calibri" panose="020F0502020204030204" pitchFamily="34" charset="0"/>
+                        </a:rPr>
+                        <a:t>Input</a:t>
+                      </a:r>
+                      <a:r>
+                        <a:rPr kumimoji="1" lang="en-GB" altLang="ja-JP" sz="1000" baseline="0" dirty="0" smtClean="0">
+                          <a:latin typeface="Calibri" panose="020F0502020204030204" pitchFamily="34" charset="0"/>
+                        </a:rPr>
+                        <a:t> description</a:t>
+                      </a:r>
+                      <a:endParaRPr kumimoji="1" lang="ja-JP" altLang="en-US" sz="1000" dirty="0">
+                        <a:latin typeface="Calibri" panose="020F0502020204030204" pitchFamily="34" charset="0"/>
+                      </a:endParaRPr>
+                    </a:p>
+                  </a:txBody>
+                  <a:tcPr/>
+                </a:tc>
+                <a:tc>
+                  <a:txBody>
+                    <a:bodyPr/>
+                    <a:lstStyle/>
+                    <a:p>
+                      <a:endParaRPr kumimoji="1" lang="ja-JP" altLang="en-US" sz="1000"/>
+                    </a:p>
+                  </a:txBody>
+                  <a:tcPr/>
+                </a:tc>
+              </a:tr>
+              <a:tr h="327082">
+                <a:tc>
+                  <a:txBody>
+                    <a:bodyPr/>
+                    <a:lstStyle/>
+                    <a:p>
+                      <a:r>
+                        <a:rPr kumimoji="1" lang="en-US" altLang="ja-JP" sz="1000" dirty="0" smtClean="0"/>
+                        <a:t>8</a:t>
+                      </a:r>
+                      <a:endParaRPr kumimoji="1" lang="ja-JP" altLang="en-US" sz="1000" dirty="0"/>
+                    </a:p>
+                  </a:txBody>
+                  <a:tcPr/>
+                </a:tc>
+                <a:tc>
+                  <a:txBody>
+                    <a:bodyPr/>
+                    <a:lstStyle/>
+                    <a:p>
+                      <a:r>
+                        <a:rPr kumimoji="1" lang="en-US" altLang="ja-JP" sz="1000" dirty="0" smtClean="0"/>
+                        <a:t>Content</a:t>
+                      </a:r>
+                      <a:endParaRPr kumimoji="1" lang="ja-JP" altLang="en-US" sz="1000" dirty="0"/>
+                    </a:p>
+                  </a:txBody>
+                  <a:tcPr/>
+                </a:tc>
+                <a:tc>
+                  <a:txBody>
+                    <a:bodyPr/>
+                    <a:lstStyle/>
+                    <a:p>
+                      <a:endParaRPr kumimoji="1" lang="ja-JP" altLang="en-US" sz="1000" dirty="0"/>
+                    </a:p>
+                  </a:txBody>
+                  <a:tcPr/>
+                </a:tc>
+                <a:tc>
+                  <a:txBody>
+                    <a:bodyPr/>
+                    <a:lstStyle/>
+                    <a:p>
+                      <a:r>
+                        <a:rPr kumimoji="1" lang="en-GB" altLang="ja-JP" sz="1000" dirty="0" smtClean="0"/>
+                        <a:t>Input content</a:t>
+                      </a:r>
+                      <a:endParaRPr kumimoji="1" lang="ja-JP" altLang="en-US" sz="1000" dirty="0"/>
+                    </a:p>
+                  </a:txBody>
+                  <a:tcPr/>
+                </a:tc>
+                <a:tc>
+                  <a:txBody>
+                    <a:bodyPr/>
+                    <a:lstStyle/>
+                    <a:p>
+                      <a:endParaRPr kumimoji="1" lang="ja-JP" altLang="en-US" sz="1000" dirty="0"/>
+                    </a:p>
+                  </a:txBody>
+                  <a:tcPr/>
+                </a:tc>
+              </a:tr>
+              <a:tr h="327082">
+                <a:tc>
+                  <a:txBody>
+                    <a:bodyPr/>
+                    <a:lstStyle/>
+                    <a:p>
+                      <a:r>
+                        <a:rPr kumimoji="1" lang="en-GB" altLang="ja-JP" sz="1000" dirty="0" smtClean="0"/>
+                        <a:t>9</a:t>
+                      </a:r>
+                      <a:endParaRPr kumimoji="1" lang="ja-JP" altLang="en-US" sz="1000" dirty="0"/>
+                    </a:p>
+                  </a:txBody>
+                  <a:tcPr/>
+                </a:tc>
+                <a:tc>
+                  <a:txBody>
+                    <a:bodyPr/>
+                    <a:lstStyle/>
+                    <a:p>
+                      <a:r>
+                        <a:rPr kumimoji="1" lang="en-GB" altLang="ja-JP" sz="1000" dirty="0" smtClean="0"/>
+                        <a:t>Edit button</a:t>
+                      </a:r>
+                      <a:endParaRPr kumimoji="1" lang="ja-JP" altLang="en-US" sz="1000" dirty="0"/>
+                    </a:p>
+                  </a:txBody>
+                  <a:tcPr/>
+                </a:tc>
+                <a:tc>
+                  <a:txBody>
+                    <a:bodyPr/>
+                    <a:lstStyle/>
+                    <a:p>
+                      <a:endParaRPr kumimoji="1" lang="ja-JP" altLang="en-US" sz="1000" dirty="0"/>
+                    </a:p>
+                  </a:txBody>
+                  <a:tcPr/>
+                </a:tc>
+                <a:tc>
+                  <a:txBody>
+                    <a:bodyPr/>
+                    <a:lstStyle/>
+                    <a:p>
+                      <a:r>
+                        <a:rPr kumimoji="1" lang="en-GB" altLang="ja-JP" sz="1000" dirty="0" smtClean="0"/>
+                        <a:t>Click =&gt; edit the</a:t>
+                      </a:r>
+                      <a:r>
+                        <a:rPr kumimoji="1" lang="en-GB" altLang="ja-JP" sz="1000" baseline="0" dirty="0" smtClean="0"/>
+                        <a:t> post and go to my post page</a:t>
+                      </a:r>
+                      <a:endParaRPr kumimoji="1" lang="ja-JP" altLang="en-US" sz="1000" dirty="0"/>
+                    </a:p>
+                  </a:txBody>
+                  <a:tcPr/>
+                </a:tc>
+                <a:tc>
+                  <a:txBody>
+                    <a:bodyPr/>
+                    <a:lstStyle/>
+                    <a:p>
+                      <a:endParaRPr kumimoji="1" lang="ja-JP" altLang="en-US" sz="1000" dirty="0"/>
+                    </a:p>
+                  </a:txBody>
+                  <a:tcPr/>
+                </a:tc>
+              </a:tr>
+            </a:tbl>
+          </a:graphicData>
+        </a:graphic>
+      </p:graphicFrame>
+      <p:sp>
+        <p:nvSpPr>
+          <p:cNvPr id="85" name="TextBox 84"/>
+          <p:cNvSpPr txBox="1"/>
+          <p:nvPr/>
+        </p:nvSpPr>
+        <p:spPr>
+          <a:xfrm>
+            <a:off x="6089296" y="503648"/>
+            <a:ext cx="327433" cy="246221"/>
+          </a:xfrm>
+          <a:prstGeom prst="rect">
+            <a:avLst/>
+          </a:prstGeom>
+          <a:noFill/>
+        </p:spPr>
+        <p:txBody>
+          <a:bodyPr wrap="none" rtlCol="0">
+            <a:spAutoFit/>
+          </a:bodyPr>
+          <a:lstStyle/>
+          <a:p>
+            <a:r>
+              <a:rPr kumimoji="1" lang="en-US" altLang="ja-JP" sz="1000" dirty="0" smtClean="0">
+                <a:solidFill>
+                  <a:srgbClr val="FF0000"/>
+                </a:solidFill>
+              </a:rPr>
+              <a:t>(3</a:t>
+            </a:r>
+            <a:r>
+              <a:rPr kumimoji="1" lang="en-US" altLang="ja-JP" sz="1000" dirty="0">
+                <a:solidFill>
+                  <a:srgbClr val="FF0000"/>
+                </a:solidFill>
+              </a:rPr>
+              <a:t>)</a:t>
+            </a:r>
+            <a:endParaRPr kumimoji="1" lang="ja-JP" altLang="en-US" sz="1000" dirty="0">
+              <a:solidFill>
+                <a:srgbClr val="FF0000"/>
+              </a:solidFill>
+            </a:endParaRPr>
+          </a:p>
+        </p:txBody>
+      </p:sp>
+      <p:sp>
+        <p:nvSpPr>
+          <p:cNvPr id="27" name="TextBox 26"/>
+          <p:cNvSpPr txBox="1"/>
+          <p:nvPr/>
+        </p:nvSpPr>
+        <p:spPr>
+          <a:xfrm>
+            <a:off x="4992941" y="501685"/>
+            <a:ext cx="327433" cy="246221"/>
+          </a:xfrm>
+          <a:prstGeom prst="rect">
+            <a:avLst/>
+          </a:prstGeom>
+          <a:noFill/>
+        </p:spPr>
+        <p:txBody>
+          <a:bodyPr wrap="none" rtlCol="0">
+            <a:spAutoFit/>
+          </a:bodyPr>
+          <a:lstStyle/>
+          <a:p>
+            <a:r>
+              <a:rPr kumimoji="1" lang="en-US" altLang="ja-JP" sz="1000" dirty="0">
+                <a:solidFill>
+                  <a:srgbClr val="FF0000"/>
+                </a:solidFill>
+              </a:rPr>
+              <a:t>(1)</a:t>
+            </a:r>
+            <a:endParaRPr kumimoji="1" lang="ja-JP" altLang="en-US" sz="1000" dirty="0">
+              <a:solidFill>
+                <a:srgbClr val="FF0000"/>
+              </a:solidFill>
+            </a:endParaRPr>
+          </a:p>
+        </p:txBody>
+      </p:sp>
+      <p:sp>
+        <p:nvSpPr>
+          <p:cNvPr id="28" name="TextBox 27"/>
+          <p:cNvSpPr txBox="1"/>
+          <p:nvPr/>
+        </p:nvSpPr>
+        <p:spPr>
+          <a:xfrm>
+            <a:off x="5576681" y="480341"/>
+            <a:ext cx="327433" cy="246221"/>
+          </a:xfrm>
+          <a:prstGeom prst="rect">
+            <a:avLst/>
+          </a:prstGeom>
+          <a:noFill/>
+        </p:spPr>
+        <p:txBody>
+          <a:bodyPr wrap="none" rtlCol="0">
+            <a:spAutoFit/>
+          </a:bodyPr>
+          <a:lstStyle/>
+          <a:p>
+            <a:r>
+              <a:rPr kumimoji="1" lang="en-US" altLang="ja-JP" sz="1000" dirty="0">
+                <a:solidFill>
+                  <a:srgbClr val="FF0000"/>
+                </a:solidFill>
+              </a:rPr>
+              <a:t>(2)</a:t>
+            </a:r>
+            <a:endParaRPr kumimoji="1" lang="ja-JP" altLang="en-US" sz="1000" dirty="0">
+              <a:solidFill>
+                <a:srgbClr val="FF0000"/>
+              </a:solidFill>
+            </a:endParaRPr>
+          </a:p>
+        </p:txBody>
+      </p:sp>
+      <p:sp>
+        <p:nvSpPr>
+          <p:cNvPr id="29" name="TextBox 28"/>
+          <p:cNvSpPr txBox="1"/>
+          <p:nvPr/>
+        </p:nvSpPr>
+        <p:spPr>
+          <a:xfrm>
+            <a:off x="4094592" y="1296287"/>
+            <a:ext cx="327433" cy="246221"/>
+          </a:xfrm>
+          <a:prstGeom prst="rect">
+            <a:avLst/>
+          </a:prstGeom>
+          <a:noFill/>
+        </p:spPr>
+        <p:txBody>
+          <a:bodyPr wrap="none" rtlCol="0">
+            <a:spAutoFit/>
+          </a:bodyPr>
+          <a:lstStyle/>
+          <a:p>
+            <a:r>
+              <a:rPr kumimoji="1" lang="en-US" altLang="ja-JP" sz="1000" dirty="0">
+                <a:solidFill>
+                  <a:srgbClr val="FF0000"/>
+                </a:solidFill>
+              </a:rPr>
+              <a:t>(4)</a:t>
+            </a:r>
+            <a:endParaRPr kumimoji="1" lang="ja-JP" altLang="en-US" sz="1000" dirty="0">
+              <a:solidFill>
+                <a:srgbClr val="FF0000"/>
+              </a:solidFill>
+            </a:endParaRPr>
+          </a:p>
+        </p:txBody>
+      </p:sp>
+      <p:sp>
+        <p:nvSpPr>
+          <p:cNvPr id="34" name="TextBox 33"/>
+          <p:cNvSpPr txBox="1"/>
+          <p:nvPr/>
+        </p:nvSpPr>
+        <p:spPr>
+          <a:xfrm>
+            <a:off x="5046623" y="2627025"/>
+            <a:ext cx="327334" cy="246221"/>
+          </a:xfrm>
+          <a:prstGeom prst="rect">
+            <a:avLst/>
+          </a:prstGeom>
+          <a:noFill/>
+        </p:spPr>
+        <p:txBody>
+          <a:bodyPr wrap="none" rtlCol="0">
+            <a:spAutoFit/>
+          </a:bodyPr>
+          <a:lstStyle/>
+          <a:p>
+            <a:r>
+              <a:rPr kumimoji="1" lang="en-US" altLang="ja-JP" sz="1000" dirty="0" smtClean="0">
+                <a:solidFill>
+                  <a:srgbClr val="FF0000"/>
+                </a:solidFill>
+              </a:rPr>
+              <a:t>(6)</a:t>
+            </a:r>
+            <a:endParaRPr kumimoji="1" lang="ja-JP" altLang="en-US" sz="1000" dirty="0">
+              <a:solidFill>
+                <a:srgbClr val="FF0000"/>
+              </a:solidFill>
+            </a:endParaRPr>
+          </a:p>
+        </p:txBody>
+      </p:sp>
+      <p:sp>
+        <p:nvSpPr>
+          <p:cNvPr id="38" name="TextBox 37"/>
+          <p:cNvSpPr txBox="1"/>
+          <p:nvPr/>
+        </p:nvSpPr>
+        <p:spPr>
+          <a:xfrm>
+            <a:off x="5034525" y="3206263"/>
+            <a:ext cx="327334" cy="246221"/>
+          </a:xfrm>
+          <a:prstGeom prst="rect">
+            <a:avLst/>
+          </a:prstGeom>
+          <a:noFill/>
+        </p:spPr>
+        <p:txBody>
+          <a:bodyPr wrap="none" rtlCol="0">
+            <a:spAutoFit/>
+          </a:bodyPr>
+          <a:lstStyle/>
+          <a:p>
+            <a:r>
+              <a:rPr kumimoji="1" lang="en-US" altLang="ja-JP" sz="1000" dirty="0" smtClean="0">
+                <a:solidFill>
+                  <a:srgbClr val="FF0000"/>
+                </a:solidFill>
+              </a:rPr>
+              <a:t>(7)</a:t>
+            </a:r>
+            <a:endParaRPr kumimoji="1" lang="ja-JP" altLang="en-US" sz="1000" dirty="0">
+              <a:solidFill>
+                <a:srgbClr val="FF0000"/>
+              </a:solidFill>
+            </a:endParaRPr>
+          </a:p>
+        </p:txBody>
+      </p:sp>
+      <p:sp>
+        <p:nvSpPr>
+          <p:cNvPr id="72" name="TextBox 71"/>
+          <p:cNvSpPr txBox="1"/>
+          <p:nvPr/>
+        </p:nvSpPr>
+        <p:spPr>
+          <a:xfrm>
+            <a:off x="4274033" y="741764"/>
+            <a:ext cx="1336478" cy="246221"/>
+          </a:xfrm>
+          <a:prstGeom prst="rect">
+            <a:avLst/>
+          </a:prstGeom>
+          <a:noFill/>
+        </p:spPr>
+        <p:txBody>
+          <a:bodyPr wrap="square" rtlCol="0">
+            <a:spAutoFit/>
+          </a:bodyPr>
+          <a:lstStyle/>
+          <a:p>
+            <a:r>
+              <a:rPr kumimoji="1" lang="en-US" altLang="ja-JP" sz="1000" dirty="0" smtClean="0"/>
+              <a:t>Welcome, </a:t>
+            </a:r>
+            <a:r>
+              <a:rPr kumimoji="1" lang="en-US" altLang="ja-JP" sz="1000" dirty="0" err="1" smtClean="0"/>
+              <a:t>NguyenA</a:t>
+            </a:r>
+            <a:endParaRPr kumimoji="1" lang="ja-JP" altLang="en-US" sz="1000" dirty="0"/>
+          </a:p>
+        </p:txBody>
+      </p:sp>
+      <p:sp>
+        <p:nvSpPr>
+          <p:cNvPr id="78" name="TextBox 77"/>
+          <p:cNvSpPr txBox="1"/>
+          <p:nvPr/>
+        </p:nvSpPr>
+        <p:spPr>
+          <a:xfrm>
+            <a:off x="5012445" y="4010983"/>
+            <a:ext cx="327334" cy="246221"/>
+          </a:xfrm>
+          <a:prstGeom prst="rect">
+            <a:avLst/>
+          </a:prstGeom>
+          <a:noFill/>
+        </p:spPr>
+        <p:txBody>
+          <a:bodyPr wrap="none" rtlCol="0">
+            <a:spAutoFit/>
+          </a:bodyPr>
+          <a:lstStyle/>
+          <a:p>
+            <a:r>
+              <a:rPr kumimoji="1" lang="en-US" altLang="ja-JP" sz="1000" dirty="0" smtClean="0">
+                <a:solidFill>
+                  <a:srgbClr val="FF0000"/>
+                </a:solidFill>
+              </a:rPr>
+              <a:t>(8)</a:t>
+            </a:r>
+            <a:endParaRPr kumimoji="1" lang="ja-JP" altLang="en-US" sz="1000" dirty="0">
+              <a:solidFill>
+                <a:srgbClr val="FF0000"/>
+              </a:solidFill>
+            </a:endParaRPr>
+          </a:p>
+        </p:txBody>
+      </p:sp>
+      <p:sp>
+        <p:nvSpPr>
+          <p:cNvPr id="71" name="TextBox 70"/>
+          <p:cNvSpPr txBox="1"/>
+          <p:nvPr/>
+        </p:nvSpPr>
+        <p:spPr>
+          <a:xfrm>
+            <a:off x="4992941" y="4610971"/>
+            <a:ext cx="327334" cy="246221"/>
+          </a:xfrm>
+          <a:prstGeom prst="rect">
+            <a:avLst/>
+          </a:prstGeom>
+          <a:noFill/>
+        </p:spPr>
+        <p:txBody>
+          <a:bodyPr wrap="none" rtlCol="0">
+            <a:spAutoFit/>
+          </a:bodyPr>
+          <a:lstStyle/>
+          <a:p>
+            <a:r>
+              <a:rPr kumimoji="1" lang="en-US" altLang="ja-JP" sz="1000" dirty="0" smtClean="0">
+                <a:solidFill>
+                  <a:srgbClr val="FF0000"/>
+                </a:solidFill>
+              </a:rPr>
+              <a:t>(9)</a:t>
+            </a:r>
+            <a:endParaRPr kumimoji="1" lang="ja-JP" altLang="en-US" sz="1000" dirty="0">
+              <a:solidFill>
+                <a:srgbClr val="FF0000"/>
+              </a:solidFill>
+            </a:endParaRPr>
+          </a:p>
+        </p:txBody>
+      </p:sp>
+      <p:sp>
+        <p:nvSpPr>
+          <p:cNvPr id="49" name="TextBox 48"/>
+          <p:cNvSpPr txBox="1"/>
+          <p:nvPr/>
+        </p:nvSpPr>
+        <p:spPr>
+          <a:xfrm>
+            <a:off x="5351964" y="741763"/>
+            <a:ext cx="810073" cy="246221"/>
+          </a:xfrm>
+          <a:prstGeom prst="rect">
+            <a:avLst/>
+          </a:prstGeom>
+          <a:noFill/>
+        </p:spPr>
+        <p:txBody>
+          <a:bodyPr wrap="square" rtlCol="0">
+            <a:spAutoFit/>
+          </a:bodyPr>
+          <a:lstStyle/>
+          <a:p>
+            <a:r>
+              <a:rPr kumimoji="1" lang="en-US" altLang="ja-JP" sz="1000" dirty="0" smtClean="0"/>
+              <a:t>Edit Profile</a:t>
+            </a:r>
+            <a:endParaRPr kumimoji="1" lang="ja-JP" altLang="en-US" sz="1000" dirty="0"/>
+          </a:p>
+        </p:txBody>
+      </p:sp>
+      <p:sp>
+        <p:nvSpPr>
+          <p:cNvPr id="57" name="TextBox 56"/>
+          <p:cNvSpPr txBox="1"/>
+          <p:nvPr/>
+        </p:nvSpPr>
+        <p:spPr>
+          <a:xfrm>
+            <a:off x="5952244" y="718211"/>
+            <a:ext cx="727307" cy="246221"/>
+          </a:xfrm>
+          <a:prstGeom prst="rect">
+            <a:avLst/>
+          </a:prstGeom>
+          <a:noFill/>
+        </p:spPr>
+        <p:txBody>
+          <a:bodyPr wrap="square" rtlCol="0">
+            <a:spAutoFit/>
+          </a:bodyPr>
+          <a:lstStyle/>
+          <a:p>
+            <a:r>
+              <a:rPr kumimoji="1" lang="en-US" altLang="ja-JP" sz="1000" dirty="0" smtClean="0"/>
+              <a:t>Log Out</a:t>
+            </a:r>
+            <a:endParaRPr kumimoji="1" lang="ja-JP" altLang="en-US" sz="1000" dirty="0"/>
+          </a:p>
+        </p:txBody>
+      </p:sp>
+      <p:sp>
+        <p:nvSpPr>
+          <p:cNvPr id="45" name="Rectangle 44"/>
+          <p:cNvSpPr/>
+          <p:nvPr/>
+        </p:nvSpPr>
+        <p:spPr>
+          <a:xfrm>
+            <a:off x="4598392" y="1551008"/>
+            <a:ext cx="602751" cy="218077"/>
+          </a:xfrm>
+          <a:prstGeom prst="rect">
+            <a:avLst/>
+          </a:prstGeom>
+        </p:spPr>
+        <p:style>
+          <a:lnRef idx="1">
+            <a:schemeClr val="accent1"/>
+          </a:lnRef>
+          <a:fillRef idx="3">
+            <a:schemeClr val="accent1"/>
+          </a:fillRef>
+          <a:effectRef idx="2">
+            <a:schemeClr val="accent1"/>
+          </a:effectRef>
+          <a:fontRef idx="minor">
+            <a:schemeClr val="lt1"/>
+          </a:fontRef>
+        </p:style>
+        <p:txBody>
+          <a:bodyPr rtlCol="0" anchor="ctr"/>
+          <a:lstStyle/>
+          <a:p>
+            <a:pPr algn="ctr"/>
+            <a:r>
+              <a:rPr kumimoji="1" lang="en-US" altLang="ja-JP" sz="800" dirty="0" smtClean="0"/>
+              <a:t>User Search</a:t>
+            </a:r>
+            <a:endParaRPr kumimoji="1" lang="ja-JP" altLang="en-US" sz="800" dirty="0"/>
+          </a:p>
+        </p:txBody>
+      </p:sp>
+      <p:sp>
+        <p:nvSpPr>
+          <p:cNvPr id="46" name="TextBox 45"/>
+          <p:cNvSpPr txBox="1"/>
+          <p:nvPr/>
+        </p:nvSpPr>
+        <p:spPr>
+          <a:xfrm>
+            <a:off x="4736050" y="1290715"/>
+            <a:ext cx="327334" cy="246221"/>
+          </a:xfrm>
+          <a:prstGeom prst="rect">
+            <a:avLst/>
+          </a:prstGeom>
+          <a:noFill/>
+        </p:spPr>
+        <p:txBody>
+          <a:bodyPr wrap="none" rtlCol="0">
+            <a:spAutoFit/>
+          </a:bodyPr>
+          <a:lstStyle/>
+          <a:p>
+            <a:r>
+              <a:rPr kumimoji="1" lang="en-US" altLang="ja-JP" sz="1000" dirty="0" smtClean="0">
+                <a:solidFill>
+                  <a:srgbClr val="FF0000"/>
+                </a:solidFill>
+              </a:rPr>
+              <a:t>(5)</a:t>
+            </a:r>
+            <a:endParaRPr kumimoji="1" lang="ja-JP" altLang="en-US" sz="1000" dirty="0">
+              <a:solidFill>
+                <a:srgbClr val="FF0000"/>
+              </a:solidFill>
+            </a:endParaRPr>
+          </a:p>
+        </p:txBody>
+      </p:sp>
+      <p:sp>
+        <p:nvSpPr>
+          <p:cNvPr id="61" name="TextBox 60"/>
+          <p:cNvSpPr txBox="1"/>
+          <p:nvPr/>
+        </p:nvSpPr>
+        <p:spPr>
+          <a:xfrm>
+            <a:off x="2951120" y="2409421"/>
+            <a:ext cx="412292" cy="246221"/>
+          </a:xfrm>
+          <a:prstGeom prst="rect">
+            <a:avLst/>
+          </a:prstGeom>
+          <a:noFill/>
+        </p:spPr>
+        <p:txBody>
+          <a:bodyPr wrap="none" rtlCol="0">
+            <a:spAutoFit/>
+          </a:bodyPr>
+          <a:lstStyle/>
+          <a:p>
+            <a:r>
+              <a:rPr kumimoji="1" lang="en-US" altLang="ja-JP" sz="1000" dirty="0" smtClean="0"/>
+              <a:t>Title</a:t>
+            </a:r>
+            <a:endParaRPr kumimoji="1" lang="ja-JP" altLang="en-US" sz="1000" dirty="0"/>
+          </a:p>
+        </p:txBody>
+      </p:sp>
+      <p:sp>
+        <p:nvSpPr>
+          <p:cNvPr id="67" name="Rectangle 66"/>
+          <p:cNvSpPr/>
+          <p:nvPr/>
+        </p:nvSpPr>
+        <p:spPr>
+          <a:xfrm>
+            <a:off x="3037697" y="2634057"/>
+            <a:ext cx="2008926" cy="235137"/>
+          </a:xfrm>
+          <a:prstGeom prst="rect">
+            <a:avLst/>
+          </a:prstGeom>
+          <a:ln>
+            <a:solidFill>
+              <a:schemeClr val="tx1"/>
+            </a:solidFill>
+          </a:ln>
+          <a:effectLst/>
+        </p:spPr>
+        <p:style>
+          <a:lnRef idx="1">
+            <a:schemeClr val="accent1"/>
+          </a:lnRef>
+          <a:fillRef idx="3">
+            <a:schemeClr val="accent1"/>
+          </a:fillRef>
+          <a:effectRef idx="2">
+            <a:schemeClr val="accent1"/>
+          </a:effectRef>
+          <a:fontRef idx="minor">
+            <a:schemeClr val="lt1"/>
+          </a:fontRef>
+        </p:style>
+        <p:txBody>
+          <a:bodyPr rtlCol="0" anchor="ctr"/>
+          <a:lstStyle/>
+          <a:p>
+            <a:r>
+              <a:rPr lang="en-GB" sz="800" b="1" dirty="0"/>
+              <a:t>Spring MVC </a:t>
+            </a:r>
+            <a:r>
+              <a:rPr lang="en-GB" sz="800" b="1" dirty="0" smtClean="0"/>
+              <a:t>Tutorial</a:t>
+            </a:r>
+            <a:endParaRPr lang="en-GB" sz="800" b="1" dirty="0"/>
+          </a:p>
+        </p:txBody>
+      </p:sp>
+      <p:sp>
+        <p:nvSpPr>
+          <p:cNvPr id="73" name="TextBox 72"/>
+          <p:cNvSpPr txBox="1"/>
+          <p:nvPr/>
+        </p:nvSpPr>
+        <p:spPr>
+          <a:xfrm>
+            <a:off x="2951120" y="2892720"/>
+            <a:ext cx="779381" cy="246221"/>
+          </a:xfrm>
+          <a:prstGeom prst="rect">
+            <a:avLst/>
+          </a:prstGeom>
+          <a:noFill/>
+        </p:spPr>
+        <p:txBody>
+          <a:bodyPr wrap="none" rtlCol="0">
+            <a:spAutoFit/>
+          </a:bodyPr>
+          <a:lstStyle/>
+          <a:p>
+            <a:r>
+              <a:rPr kumimoji="1" lang="en-US" altLang="ja-JP" sz="1000" dirty="0" smtClean="0"/>
+              <a:t>Description</a:t>
+            </a:r>
+            <a:endParaRPr kumimoji="1" lang="ja-JP" altLang="en-US" sz="1000" dirty="0"/>
+          </a:p>
+        </p:txBody>
+      </p:sp>
+      <p:sp>
+        <p:nvSpPr>
+          <p:cNvPr id="74" name="Rectangle 73"/>
+          <p:cNvSpPr/>
+          <p:nvPr/>
+        </p:nvSpPr>
+        <p:spPr>
+          <a:xfrm>
+            <a:off x="3022399" y="3153385"/>
+            <a:ext cx="2024224" cy="423653"/>
+          </a:xfrm>
+          <a:prstGeom prst="rect">
+            <a:avLst/>
+          </a:prstGeom>
+          <a:ln>
+            <a:solidFill>
+              <a:schemeClr val="tx1"/>
+            </a:solidFill>
+          </a:ln>
+          <a:effectLst/>
+        </p:spPr>
+        <p:style>
+          <a:lnRef idx="1">
+            <a:schemeClr val="accent1"/>
+          </a:lnRef>
+          <a:fillRef idx="3">
+            <a:schemeClr val="accent1"/>
+          </a:fillRef>
+          <a:effectRef idx="2">
+            <a:schemeClr val="accent1"/>
+          </a:effectRef>
+          <a:fontRef idx="minor">
+            <a:schemeClr val="lt1"/>
+          </a:fontRef>
+        </p:style>
+        <p:txBody>
+          <a:bodyPr rtlCol="0" anchor="ctr"/>
+          <a:lstStyle/>
+          <a:p>
+            <a:r>
+              <a:rPr lang="en-GB" sz="800" dirty="0" smtClean="0"/>
+              <a:t>it’s provides many step by step examples and explanations on using Spring MVC </a:t>
+            </a:r>
+            <a:r>
+              <a:rPr lang="en-GB" sz="800" dirty="0" err="1" smtClean="0"/>
+              <a:t>framewor</a:t>
+            </a:r>
+            <a:endParaRPr kumimoji="1" lang="ja-JP" altLang="en-US" sz="800" i="1" dirty="0">
+              <a:solidFill>
+                <a:schemeClr val="bg1">
+                  <a:lumMod val="75000"/>
+                </a:schemeClr>
+              </a:solidFill>
+            </a:endParaRPr>
+          </a:p>
+        </p:txBody>
+      </p:sp>
+      <p:sp>
+        <p:nvSpPr>
+          <p:cNvPr id="75" name="TextBox 74"/>
+          <p:cNvSpPr txBox="1"/>
+          <p:nvPr/>
+        </p:nvSpPr>
+        <p:spPr>
+          <a:xfrm>
+            <a:off x="2951120" y="3586614"/>
+            <a:ext cx="606256" cy="246221"/>
+          </a:xfrm>
+          <a:prstGeom prst="rect">
+            <a:avLst/>
+          </a:prstGeom>
+          <a:noFill/>
+        </p:spPr>
+        <p:txBody>
+          <a:bodyPr wrap="none" rtlCol="0">
+            <a:spAutoFit/>
+          </a:bodyPr>
+          <a:lstStyle/>
+          <a:p>
+            <a:r>
+              <a:rPr kumimoji="1" lang="en-US" altLang="ja-JP" sz="1000" dirty="0"/>
+              <a:t>Content</a:t>
+            </a:r>
+            <a:endParaRPr kumimoji="1" lang="ja-JP" altLang="en-US" sz="1000" dirty="0"/>
+          </a:p>
+        </p:txBody>
+      </p:sp>
+      <p:sp>
+        <p:nvSpPr>
+          <p:cNvPr id="76" name="Rectangle 75"/>
+          <p:cNvSpPr/>
+          <p:nvPr/>
+        </p:nvSpPr>
+        <p:spPr>
+          <a:xfrm>
+            <a:off x="3005636" y="3816878"/>
+            <a:ext cx="2040987" cy="725782"/>
+          </a:xfrm>
+          <a:prstGeom prst="rect">
+            <a:avLst/>
+          </a:prstGeom>
+          <a:ln>
+            <a:solidFill>
+              <a:schemeClr val="tx1"/>
+            </a:solidFill>
+          </a:ln>
+          <a:effectLst/>
+        </p:spPr>
+        <p:style>
+          <a:lnRef idx="1">
+            <a:schemeClr val="accent1"/>
+          </a:lnRef>
+          <a:fillRef idx="3">
+            <a:schemeClr val="accent1"/>
+          </a:fillRef>
+          <a:effectRef idx="2">
+            <a:schemeClr val="accent1"/>
+          </a:effectRef>
+          <a:fontRef idx="minor">
+            <a:schemeClr val="lt1"/>
+          </a:fontRef>
+        </p:style>
+        <p:txBody>
+          <a:bodyPr rtlCol="0" anchor="ctr"/>
+          <a:lstStyle/>
+          <a:p>
+            <a:r>
+              <a:rPr lang="en-GB" sz="800" dirty="0" smtClean="0"/>
+              <a:t>Spring MVC, </a:t>
+            </a:r>
+            <a:r>
+              <a:rPr lang="en-GB" sz="800" dirty="0"/>
+              <a:t>a Java </a:t>
+            </a:r>
+            <a:r>
+              <a:rPr lang="en-GB" sz="800" b="1" dirty="0"/>
+              <a:t>Model-View-</a:t>
+            </a:r>
+            <a:r>
+              <a:rPr lang="en-GB" sz="800" b="1" dirty="0" err="1"/>
+              <a:t>Contraller</a:t>
+            </a:r>
+            <a:r>
+              <a:rPr lang="en-GB" sz="800" b="1" dirty="0"/>
+              <a:t> (MVC)</a:t>
+            </a:r>
+            <a:r>
+              <a:rPr lang="en-GB" sz="800" dirty="0"/>
+              <a:t> web framework, which builds on the Spring Inversion of control(</a:t>
+            </a:r>
+            <a:r>
+              <a:rPr lang="en-GB" sz="800" dirty="0" err="1"/>
+              <a:t>IoC</a:t>
+            </a:r>
+            <a:r>
+              <a:rPr lang="en-GB" sz="800" dirty="0"/>
+              <a:t>) framework, extensive use of the Spring’s features make the Spring MVC framework </a:t>
+            </a:r>
+            <a:r>
+              <a:rPr lang="en-GB" sz="800" dirty="0" err="1" smtClean="0"/>
+              <a:t>hig</a:t>
+            </a:r>
+            <a:endParaRPr kumimoji="1" lang="ja-JP" altLang="en-US" sz="800" i="1" dirty="0">
+              <a:solidFill>
+                <a:schemeClr val="bg1">
+                  <a:lumMod val="75000"/>
+                </a:schemeClr>
+              </a:solidFill>
+            </a:endParaRPr>
+          </a:p>
+        </p:txBody>
+      </p:sp>
+      <p:sp>
+        <p:nvSpPr>
+          <p:cNvPr id="77" name="Rectangle 76"/>
+          <p:cNvSpPr/>
+          <p:nvPr/>
+        </p:nvSpPr>
+        <p:spPr>
+          <a:xfrm>
+            <a:off x="4460633" y="4625044"/>
+            <a:ext cx="602751" cy="218077"/>
+          </a:xfrm>
+          <a:prstGeom prst="rect">
+            <a:avLst/>
+          </a:prstGeom>
+        </p:spPr>
+        <p:style>
+          <a:lnRef idx="1">
+            <a:schemeClr val="accent1"/>
+          </a:lnRef>
+          <a:fillRef idx="3">
+            <a:schemeClr val="accent1"/>
+          </a:fillRef>
+          <a:effectRef idx="2">
+            <a:schemeClr val="accent1"/>
+          </a:effectRef>
+          <a:fontRef idx="minor">
+            <a:schemeClr val="lt1"/>
+          </a:fontRef>
+        </p:style>
+        <p:txBody>
+          <a:bodyPr rtlCol="0" anchor="ctr"/>
+          <a:lstStyle/>
+          <a:p>
+            <a:pPr algn="ctr"/>
+            <a:r>
+              <a:rPr kumimoji="1" lang="en-US" altLang="ja-JP" sz="1000" dirty="0" smtClean="0"/>
+              <a:t>Edit</a:t>
+            </a:r>
+            <a:endParaRPr kumimoji="1" lang="ja-JP" altLang="en-US" sz="1000" dirty="0"/>
+          </a:p>
+        </p:txBody>
+      </p:sp>
+      <p:sp>
+        <p:nvSpPr>
+          <p:cNvPr id="37" name="TextBox 36"/>
+          <p:cNvSpPr txBox="1"/>
+          <p:nvPr/>
+        </p:nvSpPr>
+        <p:spPr>
+          <a:xfrm>
+            <a:off x="3654905" y="2120675"/>
+            <a:ext cx="742447" cy="276999"/>
+          </a:xfrm>
+          <a:prstGeom prst="rect">
+            <a:avLst/>
+          </a:prstGeom>
+          <a:noFill/>
+        </p:spPr>
+        <p:txBody>
+          <a:bodyPr wrap="none" rtlCol="0">
+            <a:spAutoFit/>
+          </a:bodyPr>
+          <a:lstStyle/>
+          <a:p>
+            <a:r>
+              <a:rPr kumimoji="1" lang="en-US" altLang="ja-JP" sz="1200" b="1" dirty="0" smtClean="0"/>
+              <a:t>Edit Post</a:t>
+            </a:r>
+            <a:endParaRPr kumimoji="1" lang="ja-JP" altLang="en-US" sz="1200" b="1" dirty="0"/>
+          </a:p>
+        </p:txBody>
+      </p:sp>
+    </p:spTree>
+    <p:extLst>
+      <p:ext uri="{BB962C8B-B14F-4D97-AF65-F5344CB8AC3E}">
+        <p14:creationId xmlns:p14="http://schemas.microsoft.com/office/powerpoint/2010/main" val="3641273326"/>
+      </p:ext>
+    </p:extLst>
+  </p:cSld>
+  <p:clrMapOvr>
+    <a:masterClrMapping/>
+  </p:clrMapOvr>
+  <p:timing>
+    <p:tnLst>
+      <p:par>
+        <p:cTn id="1" dur="indefinite" restart="never" nodeType="tmRoot"/>
+      </p:par>
+    </p:tnLst>
+  </p:timing>
+</p:sld>
+</file>
+
+<file path=ppt/slides/slide12.xml><?xml version="1.0" encoding="utf-8"?>
+<p:sld xmlns:a="http://schemas.openxmlformats.org/drawingml/2006/main" xmlns:r="http://schemas.openxmlformats.org/officeDocument/2006/relationships" xmlns:p="http://schemas.openxmlformats.org/presentationml/2006/main">
+  <p:cSld>
+    <p:spTree>
+      <p:nvGrpSpPr>
+        <p:cNvPr id="1" name=""/>
+        <p:cNvGrpSpPr/>
+        <p:nvPr/>
+      </p:nvGrpSpPr>
+      <p:grpSpPr>
+        <a:xfrm>
+          <a:off x="0" y="0"/>
+          <a:ext cx="0" cy="0"/>
+          <a:chOff x="0" y="0"/>
+          <a:chExt cx="0" cy="0"/>
+        </a:xfrm>
+      </p:grpSpPr>
+      <p:cxnSp>
+        <p:nvCxnSpPr>
+          <p:cNvPr id="65" name="Straight Connector 64"/>
+          <p:cNvCxnSpPr/>
+          <p:nvPr/>
+        </p:nvCxnSpPr>
+        <p:spPr>
+          <a:xfrm>
+            <a:off x="1524000" y="399143"/>
+            <a:ext cx="9144000" cy="0"/>
+          </a:xfrm>
+          <a:prstGeom prst="line">
+            <a:avLst/>
+          </a:prstGeom>
+        </p:spPr>
+        <p:style>
+          <a:lnRef idx="2">
+            <a:schemeClr val="accent1"/>
+          </a:lnRef>
+          <a:fillRef idx="0">
+            <a:schemeClr val="accent1"/>
+          </a:fillRef>
+          <a:effectRef idx="1">
+            <a:schemeClr val="accent1"/>
+          </a:effectRef>
+          <a:fontRef idx="minor">
+            <a:schemeClr val="tx1"/>
+          </a:fontRef>
+        </p:style>
+      </p:cxnSp>
+      <p:sp>
+        <p:nvSpPr>
+          <p:cNvPr id="66" name="TextBox 65"/>
+          <p:cNvSpPr txBox="1"/>
+          <p:nvPr/>
+        </p:nvSpPr>
+        <p:spPr>
+          <a:xfrm>
+            <a:off x="1717526" y="0"/>
+            <a:ext cx="1782860" cy="369332"/>
+          </a:xfrm>
+          <a:prstGeom prst="rect">
+            <a:avLst/>
+          </a:prstGeom>
+          <a:noFill/>
+        </p:spPr>
+        <p:txBody>
+          <a:bodyPr wrap="none" rtlCol="0">
+            <a:spAutoFit/>
+          </a:bodyPr>
+          <a:lstStyle/>
+          <a:p>
+            <a:r>
+              <a:rPr kumimoji="1" lang="en-US" altLang="ja-JP" dirty="0" smtClean="0"/>
+              <a:t>S-3-10 </a:t>
+            </a:r>
+            <a:r>
+              <a:rPr kumimoji="1" lang="en-US" altLang="ja-JP" dirty="0" err="1" smtClean="0"/>
+              <a:t>DetailPost</a:t>
+            </a:r>
+            <a:endParaRPr kumimoji="1" lang="ja-JP" altLang="en-US" dirty="0"/>
+          </a:p>
+        </p:txBody>
+      </p:sp>
+      <p:sp useBgFill="1">
+        <p:nvSpPr>
+          <p:cNvPr id="2" name="Rectangle 1"/>
+          <p:cNvSpPr/>
+          <p:nvPr/>
+        </p:nvSpPr>
+        <p:spPr>
+          <a:xfrm>
+            <a:off x="1616738" y="699605"/>
+            <a:ext cx="4919133" cy="5785601"/>
+          </a:xfrm>
+          <a:prstGeom prst="rect">
+            <a:avLst/>
+          </a:prstGeom>
+          <a:ln>
+            <a:solidFill>
+              <a:schemeClr val="tx1"/>
+            </a:solidFill>
+          </a:ln>
+          <a:effectLst/>
+        </p:spPr>
+        <p:style>
+          <a:lnRef idx="1">
+            <a:schemeClr val="accent1"/>
+          </a:lnRef>
+          <a:fillRef idx="3">
+            <a:schemeClr val="accent1"/>
+          </a:fillRef>
+          <a:effectRef idx="2">
+            <a:schemeClr val="accent1"/>
+          </a:effectRef>
+          <a:fontRef idx="minor">
+            <a:schemeClr val="lt1"/>
+          </a:fontRef>
+        </p:style>
+        <p:txBody>
+          <a:bodyPr rtlCol="0" anchor="ctr"/>
+          <a:lstStyle/>
+          <a:p>
+            <a:pPr algn="ctr"/>
+            <a:endParaRPr kumimoji="1" lang="ja-JP" altLang="en-US">
+              <a:solidFill>
+                <a:srgbClr val="FF0000"/>
+              </a:solidFill>
+            </a:endParaRPr>
+          </a:p>
+        </p:txBody>
+      </p:sp>
+      <p:sp>
+        <p:nvSpPr>
+          <p:cNvPr id="3" name="Rectangle 2"/>
+          <p:cNvSpPr/>
+          <p:nvPr/>
+        </p:nvSpPr>
+        <p:spPr>
+          <a:xfrm>
+            <a:off x="2057857" y="916491"/>
+            <a:ext cx="1196687" cy="400110"/>
+          </a:xfrm>
+          <a:prstGeom prst="rect">
+            <a:avLst/>
+          </a:prstGeom>
+          <a:noFill/>
+        </p:spPr>
+        <p:txBody>
+          <a:bodyPr wrap="none" lIns="91440" tIns="45720" rIns="91440" bIns="45720">
+            <a:spAutoFit/>
+          </a:bodyPr>
+          <a:lstStyle/>
+          <a:p>
+            <a:pPr algn="ctr"/>
+            <a:r>
+              <a:rPr lang="en-US" altLang="ja-JP" sz="2000" b="1" dirty="0">
+                <a:ln w="12700">
+                  <a:solidFill>
+                    <a:schemeClr val="tx2">
+                      <a:satMod val="155000"/>
+                    </a:schemeClr>
+                  </a:solidFill>
+                  <a:prstDash val="solid"/>
+                </a:ln>
+                <a:solidFill>
+                  <a:schemeClr val="bg2">
+                    <a:tint val="85000"/>
+                    <a:satMod val="155000"/>
+                  </a:schemeClr>
+                </a:solidFill>
+                <a:effectLst>
+                  <a:outerShdw blurRad="41275" dist="20320" dir="1800000" algn="tl" rotWithShape="0">
+                    <a:srgbClr val="000000">
+                      <a:alpha val="40000"/>
+                    </a:srgbClr>
+                  </a:outerShdw>
+                </a:effectLst>
+              </a:rPr>
+              <a:t>Mini Blog</a:t>
+            </a:r>
+          </a:p>
+        </p:txBody>
+      </p:sp>
+      <p:sp>
+        <p:nvSpPr>
+          <p:cNvPr id="7" name="Rectangle 6"/>
+          <p:cNvSpPr/>
+          <p:nvPr/>
+        </p:nvSpPr>
+        <p:spPr>
+          <a:xfrm>
+            <a:off x="2059396" y="1532723"/>
+            <a:ext cx="1783449" cy="229218"/>
+          </a:xfrm>
+          <a:prstGeom prst="rect">
+            <a:avLst/>
+          </a:prstGeom>
+          <a:ln>
+            <a:solidFill>
+              <a:schemeClr val="tx1"/>
+            </a:solidFill>
+          </a:ln>
+          <a:effectLst/>
+        </p:spPr>
+        <p:style>
+          <a:lnRef idx="1">
+            <a:schemeClr val="accent1"/>
+          </a:lnRef>
+          <a:fillRef idx="3">
+            <a:schemeClr val="accent1"/>
+          </a:fillRef>
+          <a:effectRef idx="2">
+            <a:schemeClr val="accent1"/>
+          </a:effectRef>
+          <a:fontRef idx="minor">
+            <a:schemeClr val="lt1"/>
+          </a:fontRef>
+        </p:style>
+        <p:txBody>
+          <a:bodyPr rtlCol="0" anchor="ctr"/>
+          <a:lstStyle/>
+          <a:p>
+            <a:r>
+              <a:rPr kumimoji="1" lang="en-US" altLang="ja-JP" sz="800" i="1" dirty="0" smtClean="0">
+                <a:solidFill>
+                  <a:schemeClr val="bg1">
+                    <a:lumMod val="75000"/>
+                  </a:schemeClr>
+                </a:solidFill>
+              </a:rPr>
+              <a:t>Search user and post</a:t>
+            </a:r>
+            <a:endParaRPr kumimoji="1" lang="ja-JP" altLang="en-US" sz="800" i="1" dirty="0">
+              <a:solidFill>
+                <a:schemeClr val="bg1">
+                  <a:lumMod val="75000"/>
+                </a:schemeClr>
+              </a:solidFill>
+            </a:endParaRPr>
+          </a:p>
+        </p:txBody>
+      </p:sp>
+      <p:sp>
+        <p:nvSpPr>
+          <p:cNvPr id="8" name="Rectangle 7"/>
+          <p:cNvSpPr/>
+          <p:nvPr/>
+        </p:nvSpPr>
+        <p:spPr>
+          <a:xfrm>
+            <a:off x="3925590" y="1542508"/>
+            <a:ext cx="602751" cy="218077"/>
+          </a:xfrm>
+          <a:prstGeom prst="rect">
+            <a:avLst/>
+          </a:prstGeom>
+        </p:spPr>
+        <p:style>
+          <a:lnRef idx="1">
+            <a:schemeClr val="accent1"/>
+          </a:lnRef>
+          <a:fillRef idx="3">
+            <a:schemeClr val="accent1"/>
+          </a:fillRef>
+          <a:effectRef idx="2">
+            <a:schemeClr val="accent1"/>
+          </a:effectRef>
+          <a:fontRef idx="minor">
+            <a:schemeClr val="lt1"/>
+          </a:fontRef>
+        </p:style>
+        <p:txBody>
+          <a:bodyPr rtlCol="0" anchor="ctr"/>
+          <a:lstStyle/>
+          <a:p>
+            <a:pPr algn="ctr"/>
+            <a:r>
+              <a:rPr kumimoji="1" lang="en-US" altLang="ja-JP" sz="1000" dirty="0"/>
+              <a:t>Search</a:t>
+            </a:r>
+            <a:endParaRPr kumimoji="1" lang="ja-JP" altLang="en-US" sz="1000" dirty="0"/>
+          </a:p>
+        </p:txBody>
+      </p:sp>
+      <p:cxnSp>
+        <p:nvCxnSpPr>
+          <p:cNvPr id="13" name="Straight Connector 12"/>
+          <p:cNvCxnSpPr/>
+          <p:nvPr/>
+        </p:nvCxnSpPr>
+        <p:spPr>
+          <a:xfrm flipV="1">
+            <a:off x="2029750" y="2114405"/>
+            <a:ext cx="4358872" cy="42048"/>
+          </a:xfrm>
+          <a:prstGeom prst="line">
+            <a:avLst/>
+          </a:prstGeom>
+          <a:ln w="3175" cmpd="sng">
+            <a:solidFill>
+              <a:schemeClr val="bg1">
+                <a:lumMod val="75000"/>
+              </a:schemeClr>
+            </a:solidFill>
+          </a:ln>
+          <a:effectLst/>
+        </p:spPr>
+        <p:style>
+          <a:lnRef idx="2">
+            <a:schemeClr val="accent1"/>
+          </a:lnRef>
+          <a:fillRef idx="0">
+            <a:schemeClr val="accent1"/>
+          </a:fillRef>
+          <a:effectRef idx="1">
+            <a:schemeClr val="accent1"/>
+          </a:effectRef>
+          <a:fontRef idx="minor">
+            <a:schemeClr val="tx1"/>
+          </a:fontRef>
+        </p:style>
+      </p:cxnSp>
+      <p:graphicFrame>
+        <p:nvGraphicFramePr>
+          <p:cNvPr id="25" name="Table 24"/>
+          <p:cNvGraphicFramePr>
+            <a:graphicFrameLocks noGrp="1"/>
+          </p:cNvGraphicFramePr>
+          <p:nvPr>
+            <p:extLst>
+              <p:ext uri="{D42A27DB-BD31-4B8C-83A1-F6EECF244321}">
+                <p14:modId xmlns:p14="http://schemas.microsoft.com/office/powerpoint/2010/main" val="1171781558"/>
+              </p:ext>
+            </p:extLst>
+          </p:nvPr>
+        </p:nvGraphicFramePr>
+        <p:xfrm>
+          <a:off x="6764863" y="746700"/>
+          <a:ext cx="3903137" cy="4667014"/>
+        </p:xfrm>
+        <a:graphic>
+          <a:graphicData uri="http://schemas.openxmlformats.org/drawingml/2006/table">
+            <a:tbl>
+              <a:tblPr firstRow="1" bandRow="1">
+                <a:tableStyleId>{5202B0CA-FC54-4496-8BCA-5EF66A818D29}</a:tableStyleId>
+              </a:tblPr>
+              <a:tblGrid>
+                <a:gridCol w="355505"/>
+                <a:gridCol w="992448"/>
+                <a:gridCol w="725819"/>
+                <a:gridCol w="1370172"/>
+                <a:gridCol w="459193"/>
+              </a:tblGrid>
+              <a:tr h="327082">
+                <a:tc>
+                  <a:txBody>
+                    <a:bodyPr/>
+                    <a:lstStyle/>
+                    <a:p>
+                      <a:r>
+                        <a:rPr kumimoji="1" lang="en-US" altLang="ja-JP" sz="1000" dirty="0"/>
+                        <a:t>No</a:t>
+                      </a:r>
+                      <a:endParaRPr kumimoji="1" lang="ja-JP" altLang="en-US" sz="1000" dirty="0"/>
+                    </a:p>
+                  </a:txBody>
+                  <a:tcPr/>
+                </a:tc>
+                <a:tc>
+                  <a:txBody>
+                    <a:bodyPr/>
+                    <a:lstStyle/>
+                    <a:p>
+                      <a:r>
+                        <a:rPr kumimoji="1" lang="en-US" altLang="ja-JP" sz="1000" dirty="0"/>
+                        <a:t>Content</a:t>
+                      </a:r>
+                      <a:endParaRPr kumimoji="1" lang="ja-JP" altLang="en-US" sz="1000" dirty="0"/>
+                    </a:p>
+                  </a:txBody>
+                  <a:tcPr/>
+                </a:tc>
+                <a:tc>
+                  <a:txBody>
+                    <a:bodyPr/>
+                    <a:lstStyle/>
+                    <a:p>
+                      <a:r>
+                        <a:rPr kumimoji="1" lang="en-US" altLang="ja-JP" sz="1000" dirty="0"/>
+                        <a:t>Function</a:t>
+                      </a:r>
+                      <a:endParaRPr kumimoji="1" lang="ja-JP" altLang="en-US" sz="1000" dirty="0"/>
+                    </a:p>
+                  </a:txBody>
+                  <a:tcPr/>
+                </a:tc>
+                <a:tc>
+                  <a:txBody>
+                    <a:bodyPr/>
+                    <a:lstStyle/>
+                    <a:p>
+                      <a:r>
+                        <a:rPr kumimoji="1" lang="en-US" altLang="ja-JP" sz="1000" dirty="0"/>
+                        <a:t>Detail/option</a:t>
+                      </a:r>
+                      <a:endParaRPr kumimoji="1" lang="ja-JP" altLang="en-US" sz="1000" dirty="0"/>
+                    </a:p>
+                  </a:txBody>
+                  <a:tcPr/>
+                </a:tc>
+                <a:tc>
+                  <a:txBody>
+                    <a:bodyPr/>
+                    <a:lstStyle/>
+                    <a:p>
+                      <a:r>
+                        <a:rPr kumimoji="1" lang="en-US" altLang="ja-JP" sz="1000"/>
+                        <a:t>Goto</a:t>
+                      </a:r>
+                      <a:endParaRPr kumimoji="1" lang="ja-JP" altLang="en-US" sz="1000"/>
+                    </a:p>
+                  </a:txBody>
+                  <a:tcPr/>
+                </a:tc>
+              </a:tr>
+              <a:tr h="327082">
+                <a:tc>
+                  <a:txBody>
+                    <a:bodyPr/>
+                    <a:lstStyle/>
+                    <a:p>
+                      <a:r>
+                        <a:rPr kumimoji="1" lang="en-GB" altLang="ja-JP" sz="1000" dirty="0" smtClean="0"/>
+                        <a:t>1</a:t>
+                      </a:r>
+                      <a:endParaRPr kumimoji="1" lang="ja-JP" altLang="en-US" sz="1000" dirty="0"/>
+                    </a:p>
+                  </a:txBody>
+                  <a:tcPr/>
+                </a:tc>
+                <a:tc>
+                  <a:txBody>
+                    <a:bodyPr/>
+                    <a:lstStyle/>
+                    <a:p>
+                      <a:r>
+                        <a:rPr kumimoji="1" lang="en-GB" altLang="ja-JP" sz="1000" dirty="0" smtClean="0"/>
+                        <a:t>Username</a:t>
+                      </a:r>
+                      <a:r>
+                        <a:rPr kumimoji="1" lang="en-GB" altLang="ja-JP" sz="1000" baseline="0" dirty="0" smtClean="0"/>
+                        <a:t> </a:t>
+                      </a:r>
+                      <a:r>
+                        <a:rPr kumimoji="1" lang="en-GB" altLang="ja-JP" sz="1000" dirty="0" smtClean="0"/>
+                        <a:t>button</a:t>
+                      </a:r>
+                      <a:endParaRPr kumimoji="1" lang="ja-JP" altLang="en-US" sz="1000" dirty="0"/>
+                    </a:p>
+                  </a:txBody>
+                  <a:tcPr/>
+                </a:tc>
+                <a:tc>
+                  <a:txBody>
+                    <a:bodyPr/>
+                    <a:lstStyle/>
+                    <a:p>
+                      <a:endParaRPr kumimoji="1" lang="ja-JP" altLang="en-US" sz="1000" dirty="0"/>
+                    </a:p>
+                  </a:txBody>
+                  <a:tcPr/>
+                </a:tc>
+                <a:tc>
+                  <a:txBody>
+                    <a:bodyPr/>
+                    <a:lstStyle/>
+                    <a:p>
+                      <a:r>
+                        <a:rPr kumimoji="1" lang="en-GB" altLang="ja-JP" sz="1000" dirty="0" smtClean="0"/>
+                        <a:t>Click =&gt; go</a:t>
+                      </a:r>
+                      <a:r>
+                        <a:rPr kumimoji="1" lang="en-GB" altLang="ja-JP" sz="1000" baseline="0" dirty="0" smtClean="0"/>
+                        <a:t> to home page</a:t>
+                      </a:r>
+                      <a:endParaRPr kumimoji="1" lang="ja-JP" altLang="en-US" sz="1000" dirty="0"/>
+                    </a:p>
+                  </a:txBody>
+                  <a:tcPr/>
+                </a:tc>
+                <a:tc>
+                  <a:txBody>
+                    <a:bodyPr/>
+                    <a:lstStyle/>
+                    <a:p>
+                      <a:endParaRPr kumimoji="1" lang="ja-JP" altLang="en-US" sz="1000" dirty="0"/>
+                    </a:p>
+                  </a:txBody>
+                  <a:tcPr/>
+                </a:tc>
+              </a:tr>
+              <a:tr h="327082">
+                <a:tc>
+                  <a:txBody>
+                    <a:bodyPr/>
+                    <a:lstStyle/>
+                    <a:p>
+                      <a:r>
+                        <a:rPr kumimoji="1" lang="en-US" altLang="ja-JP" sz="1000" dirty="0" smtClean="0"/>
+                        <a:t>2</a:t>
+                      </a:r>
+                      <a:endParaRPr kumimoji="1" lang="ja-JP" altLang="en-US" sz="1000" dirty="0"/>
+                    </a:p>
+                  </a:txBody>
+                  <a:tcPr/>
+                </a:tc>
+                <a:tc>
+                  <a:txBody>
+                    <a:bodyPr/>
+                    <a:lstStyle/>
+                    <a:p>
+                      <a:r>
+                        <a:rPr kumimoji="1" lang="en-US" altLang="ja-JP" sz="1000" dirty="0" smtClean="0"/>
+                        <a:t>Edit Profile </a:t>
+                      </a:r>
+                      <a:r>
+                        <a:rPr kumimoji="1" lang="en-US" altLang="ja-JP" sz="1000" baseline="0" dirty="0" smtClean="0"/>
+                        <a:t>button</a:t>
+                      </a:r>
+                      <a:endParaRPr kumimoji="1" lang="ja-JP" altLang="en-US" sz="1000" dirty="0"/>
+                    </a:p>
+                  </a:txBody>
+                  <a:tcPr/>
+                </a:tc>
+                <a:tc>
+                  <a:txBody>
+                    <a:bodyPr/>
+                    <a:lstStyle/>
+                    <a:p>
+                      <a:endParaRPr kumimoji="1" lang="ja-JP" altLang="en-US" sz="1000"/>
+                    </a:p>
+                  </a:txBody>
+                  <a:tcPr/>
+                </a:tc>
+                <a:tc>
+                  <a:txBody>
+                    <a:bodyPr/>
+                    <a:lstStyle/>
+                    <a:p>
+                      <a:r>
+                        <a:rPr kumimoji="1" lang="en-US" altLang="ja-JP" sz="1000" dirty="0" smtClean="0"/>
+                        <a:t>Click =&gt; go to update information user page</a:t>
+                      </a:r>
+                      <a:endParaRPr kumimoji="1" lang="ja-JP" altLang="en-US" sz="1000" dirty="0"/>
+                    </a:p>
+                  </a:txBody>
+                  <a:tcPr/>
+                </a:tc>
+                <a:tc>
+                  <a:txBody>
+                    <a:bodyPr/>
+                    <a:lstStyle/>
+                    <a:p>
+                      <a:endParaRPr kumimoji="1" lang="ja-JP" altLang="en-US" sz="1000" dirty="0">
+                        <a:latin typeface="Calibri"/>
+                        <a:cs typeface="Calibri"/>
+                      </a:endParaRPr>
+                    </a:p>
+                  </a:txBody>
+                  <a:tcPr/>
+                </a:tc>
+              </a:tr>
+              <a:tr h="327082">
+                <a:tc>
+                  <a:txBody>
+                    <a:bodyPr/>
+                    <a:lstStyle/>
+                    <a:p>
+                      <a:r>
+                        <a:rPr kumimoji="1" lang="en-US" altLang="ja-JP" sz="1000" dirty="0" smtClean="0"/>
+                        <a:t>3</a:t>
+                      </a:r>
+                      <a:endParaRPr kumimoji="1" lang="ja-JP" altLang="en-US" sz="1000" dirty="0"/>
+                    </a:p>
+                  </a:txBody>
+                  <a:tcPr/>
+                </a:tc>
+                <a:tc>
+                  <a:txBody>
+                    <a:bodyPr/>
+                    <a:lstStyle/>
+                    <a:p>
+                      <a:r>
+                        <a:rPr kumimoji="1" lang="en-US" altLang="ja-JP" sz="1000" dirty="0" smtClean="0"/>
+                        <a:t>Logout Button</a:t>
+                      </a:r>
+                      <a:endParaRPr kumimoji="1" lang="ja-JP" altLang="en-US" sz="1000" dirty="0"/>
+                    </a:p>
+                  </a:txBody>
+                  <a:tcPr/>
+                </a:tc>
+                <a:tc>
+                  <a:txBody>
+                    <a:bodyPr/>
+                    <a:lstStyle/>
+                    <a:p>
+                      <a:endParaRPr kumimoji="1" lang="ja-JP" altLang="en-US" sz="1000"/>
+                    </a:p>
+                  </a:txBody>
+                  <a:tcPr/>
+                </a:tc>
+                <a:tc>
+                  <a:txBody>
+                    <a:bodyPr/>
+                    <a:lstStyle/>
+                    <a:p>
+                      <a:endParaRPr kumimoji="1" lang="ja-JP" altLang="en-US" sz="1000" dirty="0"/>
+                    </a:p>
+                  </a:txBody>
+                  <a:tcPr/>
+                </a:tc>
+                <a:tc>
+                  <a:txBody>
+                    <a:bodyPr/>
+                    <a:lstStyle/>
+                    <a:p>
+                      <a:endParaRPr kumimoji="1" lang="ja-JP" altLang="en-US" sz="1000" dirty="0">
+                        <a:latin typeface="Calibri"/>
+                        <a:cs typeface="Calibri"/>
+                      </a:endParaRPr>
+                    </a:p>
+                  </a:txBody>
+                  <a:tcPr/>
+                </a:tc>
+              </a:tr>
+              <a:tr h="327082">
+                <a:tc>
+                  <a:txBody>
+                    <a:bodyPr/>
+                    <a:lstStyle/>
+                    <a:p>
+                      <a:r>
+                        <a:rPr kumimoji="1" lang="en-US" altLang="ja-JP" sz="1000" dirty="0" smtClean="0"/>
+                        <a:t>4</a:t>
+                      </a:r>
+                      <a:endParaRPr kumimoji="1" lang="ja-JP" altLang="en-US" sz="1000" dirty="0"/>
+                    </a:p>
+                  </a:txBody>
+                  <a:tcPr/>
+                </a:tc>
+                <a:tc>
+                  <a:txBody>
+                    <a:bodyPr/>
+                    <a:lstStyle/>
+                    <a:p>
+                      <a:r>
+                        <a:rPr kumimoji="1" lang="en-US" altLang="ja-JP" sz="1000" dirty="0" smtClean="0"/>
+                        <a:t>Search button</a:t>
+                      </a:r>
+                      <a:endParaRPr kumimoji="1" lang="ja-JP" altLang="en-US" sz="1000" dirty="0"/>
+                    </a:p>
+                  </a:txBody>
+                  <a:tcPr/>
+                </a:tc>
+                <a:tc>
+                  <a:txBody>
+                    <a:bodyPr/>
+                    <a:lstStyle/>
+                    <a:p>
+                      <a:endParaRPr kumimoji="1" lang="ja-JP" altLang="en-US" sz="1000" dirty="0"/>
+                    </a:p>
+                  </a:txBody>
+                  <a:tcPr/>
+                </a:tc>
+                <a:tc>
+                  <a:txBody>
+                    <a:bodyPr/>
+                    <a:lstStyle/>
+                    <a:p>
+                      <a:r>
+                        <a:rPr kumimoji="1" lang="en-GB" altLang="ja-JP" sz="1000" dirty="0" smtClean="0"/>
+                        <a:t>Search all user and all post</a:t>
+                      </a:r>
+                      <a:endParaRPr kumimoji="1" lang="ja-JP" altLang="en-US" sz="1000" dirty="0"/>
+                    </a:p>
+                  </a:txBody>
+                  <a:tcPr/>
+                </a:tc>
+                <a:tc>
+                  <a:txBody>
+                    <a:bodyPr/>
+                    <a:lstStyle/>
+                    <a:p>
+                      <a:endParaRPr kumimoji="1" lang="ja-JP" altLang="en-US" sz="1000" dirty="0">
+                        <a:latin typeface="Calibri"/>
+                        <a:cs typeface="Calibri"/>
+                      </a:endParaRPr>
+                    </a:p>
+                  </a:txBody>
+                  <a:tcPr/>
+                </a:tc>
+              </a:tr>
+              <a:tr h="327082">
+                <a:tc>
+                  <a:txBody>
+                    <a:bodyPr/>
+                    <a:lstStyle/>
+                    <a:p>
+                      <a:r>
+                        <a:rPr kumimoji="1" lang="en-GB" altLang="ja-JP" sz="1000" dirty="0" smtClean="0"/>
+                        <a:t>5</a:t>
+                      </a:r>
+                      <a:endParaRPr kumimoji="1" lang="ja-JP" altLang="en-US" sz="1000" dirty="0"/>
+                    </a:p>
+                  </a:txBody>
+                  <a:tcPr/>
+                </a:tc>
+                <a:tc>
+                  <a:txBody>
+                    <a:bodyPr/>
+                    <a:lstStyle/>
+                    <a:p>
+                      <a:r>
+                        <a:rPr kumimoji="1" lang="en-GB" altLang="ja-JP" sz="1000" dirty="0" smtClean="0"/>
+                        <a:t>User Search </a:t>
+                      </a:r>
+                      <a:r>
+                        <a:rPr kumimoji="1" lang="en-GB" altLang="ja-JP" sz="1000" dirty="0" err="1" smtClean="0"/>
+                        <a:t>buton</a:t>
+                      </a:r>
+                      <a:endParaRPr kumimoji="1" lang="ja-JP" altLang="en-US" sz="1000" dirty="0"/>
+                    </a:p>
+                  </a:txBody>
+                  <a:tcPr/>
+                </a:tc>
+                <a:tc>
+                  <a:txBody>
+                    <a:bodyPr/>
+                    <a:lstStyle/>
+                    <a:p>
+                      <a:endParaRPr kumimoji="1" lang="ja-JP" altLang="en-US" sz="1000"/>
+                    </a:p>
+                  </a:txBody>
+                  <a:tcPr/>
+                </a:tc>
+                <a:tc>
+                  <a:txBody>
+                    <a:bodyPr/>
+                    <a:lstStyle/>
+                    <a:p>
+                      <a:r>
+                        <a:rPr kumimoji="1" lang="en-GB" altLang="ja-JP" sz="1000" dirty="0" smtClean="0"/>
+                        <a:t>Click =&gt; go to user search page</a:t>
+                      </a:r>
+                      <a:endParaRPr kumimoji="1" lang="ja-JP" altLang="en-US" sz="1000" dirty="0"/>
+                    </a:p>
+                  </a:txBody>
+                  <a:tcPr/>
+                </a:tc>
+                <a:tc>
+                  <a:txBody>
+                    <a:bodyPr/>
+                    <a:lstStyle/>
+                    <a:p>
+                      <a:endParaRPr kumimoji="1" lang="ja-JP" altLang="en-US" sz="1000" dirty="0">
+                        <a:latin typeface="Calibri"/>
+                        <a:cs typeface="Calibri"/>
+                      </a:endParaRPr>
+                    </a:p>
+                  </a:txBody>
+                  <a:tcPr/>
+                </a:tc>
+              </a:tr>
+              <a:tr h="327082">
+                <a:tc>
+                  <a:txBody>
+                    <a:bodyPr/>
+                    <a:lstStyle/>
+                    <a:p>
+                      <a:r>
+                        <a:rPr kumimoji="1" lang="en-US" altLang="ja-JP" sz="1000" dirty="0" smtClean="0"/>
+                        <a:t>6</a:t>
+                      </a:r>
+                      <a:endParaRPr kumimoji="1" lang="ja-JP" altLang="en-US" sz="1000" dirty="0"/>
+                    </a:p>
+                  </a:txBody>
+                  <a:tcPr/>
+                </a:tc>
+                <a:tc>
+                  <a:txBody>
+                    <a:bodyPr/>
+                    <a:lstStyle/>
+                    <a:p>
+                      <a:r>
+                        <a:rPr kumimoji="1" lang="en-US" altLang="ja-JP" sz="1000" dirty="0" smtClean="0"/>
+                        <a:t>Title Post</a:t>
+                      </a:r>
+                      <a:endParaRPr kumimoji="1" lang="ja-JP" altLang="en-US" sz="1000" dirty="0"/>
+                    </a:p>
+                  </a:txBody>
+                  <a:tcPr/>
+                </a:tc>
+                <a:tc>
+                  <a:txBody>
+                    <a:bodyPr/>
+                    <a:lstStyle/>
+                    <a:p>
+                      <a:endParaRPr kumimoji="1" lang="ja-JP" altLang="en-US" sz="1000"/>
+                    </a:p>
+                  </a:txBody>
+                  <a:tcPr/>
+                </a:tc>
+                <a:tc>
+                  <a:txBody>
+                    <a:bodyPr/>
+                    <a:lstStyle/>
+                    <a:p>
+                      <a:endParaRPr kumimoji="1" lang="ja-JP" altLang="en-US" sz="1000" dirty="0"/>
+                    </a:p>
+                  </a:txBody>
+                  <a:tcPr/>
+                </a:tc>
+                <a:tc>
+                  <a:txBody>
+                    <a:bodyPr/>
+                    <a:lstStyle/>
+                    <a:p>
+                      <a:endParaRPr kumimoji="1" lang="ja-JP" altLang="en-US" sz="1000">
+                        <a:latin typeface="Calibri"/>
+                        <a:cs typeface="Calibri"/>
+                      </a:endParaRPr>
+                    </a:p>
+                  </a:txBody>
+                  <a:tcPr/>
+                </a:tc>
+              </a:tr>
+              <a:tr h="327082">
+                <a:tc>
+                  <a:txBody>
+                    <a:bodyPr/>
+                    <a:lstStyle/>
+                    <a:p>
+                      <a:r>
+                        <a:rPr kumimoji="1" lang="en-US" altLang="ja-JP" sz="1000" dirty="0" smtClean="0"/>
+                        <a:t>7</a:t>
+                      </a:r>
+                      <a:endParaRPr kumimoji="1" lang="ja-JP" altLang="en-US" sz="1000" dirty="0"/>
+                    </a:p>
+                  </a:txBody>
+                  <a:tcPr/>
+                </a:tc>
+                <a:tc>
+                  <a:txBody>
+                    <a:bodyPr/>
+                    <a:lstStyle/>
+                    <a:p>
+                      <a:r>
+                        <a:rPr kumimoji="1" lang="en-US" altLang="ja-JP" sz="1000" dirty="0" smtClean="0"/>
+                        <a:t>Information Post</a:t>
+                      </a:r>
+                      <a:endParaRPr kumimoji="1" lang="ja-JP" altLang="en-US" sz="1000" dirty="0"/>
+                    </a:p>
+                  </a:txBody>
+                  <a:tcPr/>
+                </a:tc>
+                <a:tc>
+                  <a:txBody>
+                    <a:bodyPr/>
+                    <a:lstStyle/>
+                    <a:p>
+                      <a:endParaRPr kumimoji="1" lang="ja-JP" altLang="en-US" sz="1000"/>
+                    </a:p>
+                  </a:txBody>
+                  <a:tcPr/>
+                </a:tc>
+                <a:tc>
+                  <a:txBody>
+                    <a:bodyPr/>
+                    <a:lstStyle/>
+                    <a:p>
+                      <a:endParaRPr kumimoji="1" lang="ja-JP" altLang="en-US" sz="1000" dirty="0"/>
+                    </a:p>
+                  </a:txBody>
+                  <a:tcPr/>
+                </a:tc>
+                <a:tc>
+                  <a:txBody>
+                    <a:bodyPr/>
+                    <a:lstStyle/>
+                    <a:p>
+                      <a:endParaRPr kumimoji="1" lang="ja-JP" altLang="en-US" sz="1000" dirty="0">
+                        <a:latin typeface="Calibri"/>
+                        <a:cs typeface="Calibri"/>
+                      </a:endParaRPr>
+                    </a:p>
+                  </a:txBody>
+                  <a:tcPr/>
+                </a:tc>
+              </a:tr>
+              <a:tr h="327082">
+                <a:tc>
+                  <a:txBody>
+                    <a:bodyPr/>
+                    <a:lstStyle/>
+                    <a:p>
+                      <a:r>
+                        <a:rPr kumimoji="1" lang="en-US" altLang="ja-JP" sz="1000" dirty="0" smtClean="0"/>
+                        <a:t>8</a:t>
+                      </a:r>
+                      <a:endParaRPr kumimoji="1" lang="ja-JP" altLang="en-US" sz="1000" dirty="0"/>
+                    </a:p>
+                  </a:txBody>
+                  <a:tcPr/>
+                </a:tc>
+                <a:tc>
+                  <a:txBody>
+                    <a:bodyPr/>
+                    <a:lstStyle/>
+                    <a:p>
+                      <a:r>
+                        <a:rPr kumimoji="1" lang="en-US" altLang="ja-JP" sz="1000" dirty="0" smtClean="0"/>
+                        <a:t>Content Post</a:t>
+                      </a:r>
+                      <a:endParaRPr kumimoji="1" lang="ja-JP" altLang="en-US" sz="1000" dirty="0"/>
+                    </a:p>
+                  </a:txBody>
+                  <a:tcPr/>
+                </a:tc>
+                <a:tc>
+                  <a:txBody>
+                    <a:bodyPr/>
+                    <a:lstStyle/>
+                    <a:p>
+                      <a:endParaRPr kumimoji="1" lang="ja-JP" altLang="en-US" sz="1000"/>
+                    </a:p>
+                  </a:txBody>
+                  <a:tcPr/>
+                </a:tc>
+                <a:tc>
+                  <a:txBody>
+                    <a:bodyPr/>
+                    <a:lstStyle/>
+                    <a:p>
+                      <a:endParaRPr kumimoji="1" lang="ja-JP" altLang="en-US" sz="1000" dirty="0"/>
+                    </a:p>
+                  </a:txBody>
+                  <a:tcPr/>
+                </a:tc>
+                <a:tc>
+                  <a:txBody>
+                    <a:bodyPr/>
+                    <a:lstStyle/>
+                    <a:p>
+                      <a:endParaRPr kumimoji="1" lang="ja-JP" altLang="en-US" sz="1000">
+                        <a:latin typeface="Calibri"/>
+                        <a:cs typeface="Calibri"/>
+                      </a:endParaRPr>
+                    </a:p>
+                  </a:txBody>
+                  <a:tcPr/>
+                </a:tc>
+              </a:tr>
+              <a:tr h="327082">
+                <a:tc>
+                  <a:txBody>
+                    <a:bodyPr/>
+                    <a:lstStyle/>
+                    <a:p>
+                      <a:r>
+                        <a:rPr kumimoji="1" lang="en-GB" altLang="ja-JP" sz="1000" dirty="0" smtClean="0"/>
+                        <a:t>9</a:t>
+                      </a:r>
+                      <a:endParaRPr kumimoji="1" lang="ja-JP" altLang="en-US" sz="1000" dirty="0"/>
+                    </a:p>
+                  </a:txBody>
+                  <a:tcPr/>
+                </a:tc>
+                <a:tc>
+                  <a:txBody>
+                    <a:bodyPr/>
+                    <a:lstStyle/>
+                    <a:p>
+                      <a:r>
+                        <a:rPr kumimoji="1" lang="en-GB" altLang="ja-JP" sz="1000" dirty="0" smtClean="0"/>
+                        <a:t>Comment</a:t>
+                      </a:r>
+                      <a:endParaRPr kumimoji="1" lang="ja-JP" altLang="en-US" sz="1000" dirty="0"/>
+                    </a:p>
+                  </a:txBody>
+                  <a:tcPr/>
+                </a:tc>
+                <a:tc>
+                  <a:txBody>
+                    <a:bodyPr/>
+                    <a:lstStyle/>
+                    <a:p>
+                      <a:endParaRPr kumimoji="1" lang="ja-JP" altLang="en-US" sz="1000" dirty="0"/>
+                    </a:p>
+                  </a:txBody>
+                  <a:tcPr/>
+                </a:tc>
+                <a:tc>
+                  <a:txBody>
+                    <a:bodyPr/>
+                    <a:lstStyle/>
+                    <a:p>
+                      <a:r>
+                        <a:rPr kumimoji="1" lang="en-GB" altLang="ja-JP" sz="1000" dirty="0" smtClean="0"/>
+                        <a:t>Input Comment</a:t>
+                      </a:r>
+                      <a:endParaRPr kumimoji="1" lang="ja-JP" altLang="en-US" sz="1000" dirty="0"/>
+                    </a:p>
+                  </a:txBody>
+                  <a:tcPr/>
+                </a:tc>
+                <a:tc>
+                  <a:txBody>
+                    <a:bodyPr/>
+                    <a:lstStyle/>
+                    <a:p>
+                      <a:endParaRPr kumimoji="1" lang="ja-JP" altLang="en-US" sz="1000" dirty="0">
+                        <a:latin typeface="Calibri"/>
+                        <a:cs typeface="Calibri"/>
+                      </a:endParaRPr>
+                    </a:p>
+                  </a:txBody>
+                  <a:tcPr/>
+                </a:tc>
+              </a:tr>
+              <a:tr h="327082">
+                <a:tc>
+                  <a:txBody>
+                    <a:bodyPr/>
+                    <a:lstStyle/>
+                    <a:p>
+                      <a:r>
+                        <a:rPr kumimoji="1" lang="en-US" altLang="ja-JP" sz="1000" dirty="0" smtClean="0"/>
+                        <a:t>10</a:t>
+                      </a:r>
+                      <a:endParaRPr kumimoji="1" lang="ja-JP" altLang="en-US" sz="1000" dirty="0"/>
+                    </a:p>
+                  </a:txBody>
+                  <a:tcPr/>
+                </a:tc>
+                <a:tc>
+                  <a:txBody>
+                    <a:bodyPr/>
+                    <a:lstStyle/>
+                    <a:p>
+                      <a:r>
+                        <a:rPr kumimoji="1" lang="en-US" altLang="ja-JP" sz="1000" dirty="0" smtClean="0"/>
+                        <a:t>Send Button</a:t>
+                      </a:r>
+                      <a:endParaRPr kumimoji="1" lang="ja-JP" altLang="en-US" sz="1000" dirty="0"/>
+                    </a:p>
+                  </a:txBody>
+                  <a:tcPr/>
+                </a:tc>
+                <a:tc>
+                  <a:txBody>
+                    <a:bodyPr/>
+                    <a:lstStyle/>
+                    <a:p>
+                      <a:endParaRPr kumimoji="1" lang="ja-JP" altLang="en-US" sz="1000"/>
+                    </a:p>
+                  </a:txBody>
+                  <a:tcPr/>
+                </a:tc>
+                <a:tc>
+                  <a:txBody>
+                    <a:bodyPr/>
+                    <a:lstStyle/>
+                    <a:p>
+                      <a:pPr marL="0" marR="0" indent="0" algn="l" defTabSz="457200" rtl="0" eaLnBrk="1" fontAlgn="auto" latinLnBrk="0" hangingPunct="1">
+                        <a:lnSpc>
+                          <a:spcPct val="100000"/>
+                        </a:lnSpc>
+                        <a:spcBef>
+                          <a:spcPts val="0"/>
+                        </a:spcBef>
+                        <a:spcAft>
+                          <a:spcPts val="0"/>
+                        </a:spcAft>
+                        <a:buClrTx/>
+                        <a:buSzTx/>
+                        <a:buFontTx/>
+                        <a:buNone/>
+                        <a:tabLst/>
+                        <a:defRPr/>
+                      </a:pPr>
+                      <a:r>
+                        <a:rPr kumimoji="1" lang="en-GB" altLang="ja-JP" sz="1000" dirty="0" smtClean="0"/>
+                        <a:t>Click =&gt; send a comment</a:t>
+                      </a:r>
+                      <a:endParaRPr kumimoji="1" lang="ja-JP" altLang="en-US" sz="1000" dirty="0"/>
+                    </a:p>
+                  </a:txBody>
+                  <a:tcPr/>
+                </a:tc>
+                <a:tc>
+                  <a:txBody>
+                    <a:bodyPr/>
+                    <a:lstStyle/>
+                    <a:p>
+                      <a:endParaRPr kumimoji="1" lang="ja-JP" altLang="en-US" sz="1000" dirty="0">
+                        <a:latin typeface="Calibri"/>
+                        <a:cs typeface="Calibri"/>
+                      </a:endParaRPr>
+                    </a:p>
+                  </a:txBody>
+                  <a:tcPr/>
+                </a:tc>
+              </a:tr>
+              <a:tr h="327082">
+                <a:tc>
+                  <a:txBody>
+                    <a:bodyPr/>
+                    <a:lstStyle/>
+                    <a:p>
+                      <a:r>
+                        <a:rPr kumimoji="1" lang="en-US" altLang="ja-JP" sz="1000" dirty="0" smtClean="0"/>
+                        <a:t>11</a:t>
+                      </a:r>
+                      <a:endParaRPr kumimoji="1" lang="ja-JP" altLang="en-US" sz="1000" dirty="0"/>
+                    </a:p>
+                  </a:txBody>
+                  <a:tcPr/>
+                </a:tc>
+                <a:tc>
+                  <a:txBody>
+                    <a:bodyPr/>
+                    <a:lstStyle/>
+                    <a:p>
+                      <a:r>
+                        <a:rPr kumimoji="1" lang="en-US" altLang="ja-JP" sz="1000" dirty="0" smtClean="0"/>
+                        <a:t>Delete Button</a:t>
+                      </a:r>
+                      <a:endParaRPr kumimoji="1" lang="ja-JP" altLang="en-US" sz="1000" dirty="0"/>
+                    </a:p>
+                  </a:txBody>
+                  <a:tcPr/>
+                </a:tc>
+                <a:tc>
+                  <a:txBody>
+                    <a:bodyPr/>
+                    <a:lstStyle/>
+                    <a:p>
+                      <a:endParaRPr kumimoji="1" lang="ja-JP" altLang="en-US" sz="1000"/>
+                    </a:p>
+                  </a:txBody>
+                  <a:tcPr/>
+                </a:tc>
+                <a:tc>
+                  <a:txBody>
+                    <a:bodyPr/>
+                    <a:lstStyle/>
+                    <a:p>
+                      <a:pPr marL="0" marR="0" indent="0" algn="l" defTabSz="457200" rtl="0" eaLnBrk="1" fontAlgn="auto" latinLnBrk="0" hangingPunct="1">
+                        <a:lnSpc>
+                          <a:spcPct val="100000"/>
+                        </a:lnSpc>
+                        <a:spcBef>
+                          <a:spcPts val="0"/>
+                        </a:spcBef>
+                        <a:spcAft>
+                          <a:spcPts val="0"/>
+                        </a:spcAft>
+                        <a:buClrTx/>
+                        <a:buSzTx/>
+                        <a:buFontTx/>
+                        <a:buNone/>
+                        <a:tabLst/>
+                        <a:defRPr/>
+                      </a:pPr>
+                      <a:r>
+                        <a:rPr kumimoji="1" lang="en-GB" altLang="ja-JP" sz="1000" dirty="0" smtClean="0">
+                          <a:latin typeface="Calibri" panose="020F0502020204030204" pitchFamily="34" charset="0"/>
+                        </a:rPr>
+                        <a:t>Click =&gt;</a:t>
+                      </a:r>
+                      <a:r>
+                        <a:rPr kumimoji="1" lang="en-GB" altLang="ja-JP" sz="1000" baseline="0" dirty="0" smtClean="0">
+                          <a:latin typeface="Calibri" panose="020F0502020204030204" pitchFamily="34" charset="0"/>
+                        </a:rPr>
+                        <a:t> delete post</a:t>
+                      </a:r>
+                      <a:endParaRPr kumimoji="1" lang="ja-JP" altLang="en-US" sz="1000" dirty="0">
+                        <a:latin typeface="Calibri" panose="020F0502020204030204" pitchFamily="34" charset="0"/>
+                      </a:endParaRPr>
+                    </a:p>
+                  </a:txBody>
+                  <a:tcPr/>
+                </a:tc>
+                <a:tc>
+                  <a:txBody>
+                    <a:bodyPr/>
+                    <a:lstStyle/>
+                    <a:p>
+                      <a:endParaRPr kumimoji="1" lang="ja-JP" altLang="en-US" sz="1000"/>
+                    </a:p>
+                  </a:txBody>
+                  <a:tcPr/>
+                </a:tc>
+              </a:tr>
+              <a:tr h="327082">
+                <a:tc>
+                  <a:txBody>
+                    <a:bodyPr/>
+                    <a:lstStyle/>
+                    <a:p>
+                      <a:r>
+                        <a:rPr kumimoji="1" lang="en-US" altLang="ja-JP" sz="1000" dirty="0" smtClean="0"/>
+                        <a:t>12</a:t>
+                      </a:r>
+                      <a:endParaRPr kumimoji="1" lang="ja-JP" altLang="en-US" sz="1000" dirty="0"/>
+                    </a:p>
+                  </a:txBody>
+                  <a:tcPr/>
+                </a:tc>
+                <a:tc>
+                  <a:txBody>
+                    <a:bodyPr/>
+                    <a:lstStyle/>
+                    <a:p>
+                      <a:r>
+                        <a:rPr kumimoji="1" lang="en-US" altLang="ja-JP" sz="1000" dirty="0" smtClean="0"/>
+                        <a:t>Edit post</a:t>
+                      </a:r>
+                      <a:endParaRPr kumimoji="1" lang="ja-JP" altLang="en-US" sz="1000" dirty="0"/>
+                    </a:p>
+                  </a:txBody>
+                  <a:tcPr/>
+                </a:tc>
+                <a:tc>
+                  <a:txBody>
+                    <a:bodyPr/>
+                    <a:lstStyle/>
+                    <a:p>
+                      <a:endParaRPr kumimoji="1" lang="ja-JP" altLang="en-US" sz="1000"/>
+                    </a:p>
+                  </a:txBody>
+                  <a:tcPr/>
+                </a:tc>
+                <a:tc>
+                  <a:txBody>
+                    <a:bodyPr/>
+                    <a:lstStyle/>
+                    <a:p>
+                      <a:r>
+                        <a:rPr kumimoji="1" lang="en-GB" altLang="ja-JP" sz="1000" dirty="0" smtClean="0"/>
+                        <a:t>Click </a:t>
+                      </a:r>
+                      <a:r>
+                        <a:rPr kumimoji="1" lang="en-GB" altLang="ja-JP" sz="1000" dirty="0" smtClean="0"/>
+                        <a:t>=&gt; edit</a:t>
+                      </a:r>
+                      <a:r>
+                        <a:rPr kumimoji="1" lang="en-GB" altLang="ja-JP" sz="1000" baseline="0" dirty="0" smtClean="0"/>
+                        <a:t> post</a:t>
+                      </a:r>
+                      <a:endParaRPr kumimoji="1" lang="ja-JP" altLang="en-US" sz="1000" dirty="0"/>
+                    </a:p>
+                  </a:txBody>
+                  <a:tcPr/>
+                </a:tc>
+                <a:tc>
+                  <a:txBody>
+                    <a:bodyPr/>
+                    <a:lstStyle/>
+                    <a:p>
+                      <a:endParaRPr kumimoji="1" lang="ja-JP" altLang="en-US" sz="1000" dirty="0"/>
+                    </a:p>
+                  </a:txBody>
+                  <a:tcPr/>
+                </a:tc>
+              </a:tr>
+            </a:tbl>
+          </a:graphicData>
+        </a:graphic>
+      </p:graphicFrame>
+      <p:sp>
+        <p:nvSpPr>
+          <p:cNvPr id="85" name="TextBox 84"/>
+          <p:cNvSpPr txBox="1"/>
+          <p:nvPr/>
+        </p:nvSpPr>
+        <p:spPr>
+          <a:xfrm>
+            <a:off x="6089296" y="503648"/>
+            <a:ext cx="327433" cy="246221"/>
+          </a:xfrm>
+          <a:prstGeom prst="rect">
+            <a:avLst/>
+          </a:prstGeom>
+          <a:noFill/>
+        </p:spPr>
+        <p:txBody>
+          <a:bodyPr wrap="none" rtlCol="0">
+            <a:spAutoFit/>
+          </a:bodyPr>
+          <a:lstStyle/>
+          <a:p>
+            <a:r>
+              <a:rPr kumimoji="1" lang="en-US" altLang="ja-JP" sz="1000" dirty="0" smtClean="0">
+                <a:solidFill>
+                  <a:srgbClr val="FF0000"/>
+                </a:solidFill>
+              </a:rPr>
+              <a:t>(3</a:t>
+            </a:r>
+            <a:r>
+              <a:rPr kumimoji="1" lang="en-US" altLang="ja-JP" sz="1000" dirty="0">
+                <a:solidFill>
+                  <a:srgbClr val="FF0000"/>
+                </a:solidFill>
+              </a:rPr>
+              <a:t>)</a:t>
+            </a:r>
+            <a:endParaRPr kumimoji="1" lang="ja-JP" altLang="en-US" sz="1000" dirty="0">
+              <a:solidFill>
+                <a:srgbClr val="FF0000"/>
+              </a:solidFill>
+            </a:endParaRPr>
+          </a:p>
+        </p:txBody>
+      </p:sp>
+      <p:sp>
+        <p:nvSpPr>
+          <p:cNvPr id="27" name="TextBox 26"/>
+          <p:cNvSpPr txBox="1"/>
+          <p:nvPr/>
+        </p:nvSpPr>
+        <p:spPr>
+          <a:xfrm>
+            <a:off x="4992941" y="501685"/>
+            <a:ext cx="327433" cy="246221"/>
+          </a:xfrm>
+          <a:prstGeom prst="rect">
+            <a:avLst/>
+          </a:prstGeom>
+          <a:noFill/>
+        </p:spPr>
+        <p:txBody>
+          <a:bodyPr wrap="none" rtlCol="0">
+            <a:spAutoFit/>
+          </a:bodyPr>
+          <a:lstStyle/>
+          <a:p>
+            <a:r>
+              <a:rPr kumimoji="1" lang="en-US" altLang="ja-JP" sz="1000" dirty="0">
+                <a:solidFill>
+                  <a:srgbClr val="FF0000"/>
+                </a:solidFill>
+              </a:rPr>
+              <a:t>(1)</a:t>
+            </a:r>
+            <a:endParaRPr kumimoji="1" lang="ja-JP" altLang="en-US" sz="1000" dirty="0">
+              <a:solidFill>
+                <a:srgbClr val="FF0000"/>
+              </a:solidFill>
+            </a:endParaRPr>
+          </a:p>
+        </p:txBody>
+      </p:sp>
+      <p:sp>
+        <p:nvSpPr>
+          <p:cNvPr id="28" name="TextBox 27"/>
+          <p:cNvSpPr txBox="1"/>
+          <p:nvPr/>
+        </p:nvSpPr>
+        <p:spPr>
+          <a:xfrm>
+            <a:off x="5576681" y="480341"/>
+            <a:ext cx="327433" cy="246221"/>
+          </a:xfrm>
+          <a:prstGeom prst="rect">
+            <a:avLst/>
+          </a:prstGeom>
+          <a:noFill/>
+        </p:spPr>
+        <p:txBody>
+          <a:bodyPr wrap="none" rtlCol="0">
+            <a:spAutoFit/>
+          </a:bodyPr>
+          <a:lstStyle/>
+          <a:p>
+            <a:r>
+              <a:rPr kumimoji="1" lang="en-US" altLang="ja-JP" sz="1000" dirty="0">
+                <a:solidFill>
+                  <a:srgbClr val="FF0000"/>
+                </a:solidFill>
+              </a:rPr>
+              <a:t>(2)</a:t>
+            </a:r>
+            <a:endParaRPr kumimoji="1" lang="ja-JP" altLang="en-US" sz="1000" dirty="0">
+              <a:solidFill>
+                <a:srgbClr val="FF0000"/>
+              </a:solidFill>
+            </a:endParaRPr>
+          </a:p>
+        </p:txBody>
+      </p:sp>
+      <p:sp>
+        <p:nvSpPr>
+          <p:cNvPr id="29" name="TextBox 28"/>
+          <p:cNvSpPr txBox="1"/>
+          <p:nvPr/>
+        </p:nvSpPr>
+        <p:spPr>
+          <a:xfrm>
+            <a:off x="4094592" y="1296287"/>
+            <a:ext cx="327433" cy="246221"/>
+          </a:xfrm>
+          <a:prstGeom prst="rect">
+            <a:avLst/>
+          </a:prstGeom>
+          <a:noFill/>
+        </p:spPr>
+        <p:txBody>
+          <a:bodyPr wrap="none" rtlCol="0">
+            <a:spAutoFit/>
+          </a:bodyPr>
+          <a:lstStyle/>
+          <a:p>
+            <a:r>
+              <a:rPr kumimoji="1" lang="en-US" altLang="ja-JP" sz="1000" dirty="0">
+                <a:solidFill>
+                  <a:srgbClr val="FF0000"/>
+                </a:solidFill>
+              </a:rPr>
+              <a:t>(4)</a:t>
+            </a:r>
+            <a:endParaRPr kumimoji="1" lang="ja-JP" altLang="en-US" sz="1000" dirty="0">
+              <a:solidFill>
+                <a:srgbClr val="FF0000"/>
+              </a:solidFill>
+            </a:endParaRPr>
+          </a:p>
+        </p:txBody>
+      </p:sp>
+      <p:sp>
+        <p:nvSpPr>
+          <p:cNvPr id="32" name="TextBox 31"/>
+          <p:cNvSpPr txBox="1"/>
+          <p:nvPr/>
+        </p:nvSpPr>
+        <p:spPr>
+          <a:xfrm>
+            <a:off x="3933773" y="2190887"/>
+            <a:ext cx="327334" cy="246221"/>
+          </a:xfrm>
+          <a:prstGeom prst="rect">
+            <a:avLst/>
+          </a:prstGeom>
+          <a:noFill/>
+        </p:spPr>
+        <p:txBody>
+          <a:bodyPr wrap="none" rtlCol="0">
+            <a:spAutoFit/>
+          </a:bodyPr>
+          <a:lstStyle/>
+          <a:p>
+            <a:r>
+              <a:rPr kumimoji="1" lang="en-US" altLang="ja-JP" sz="1000" dirty="0" smtClean="0">
+                <a:solidFill>
+                  <a:srgbClr val="FF0000"/>
+                </a:solidFill>
+              </a:rPr>
+              <a:t>(6)</a:t>
+            </a:r>
+            <a:endParaRPr kumimoji="1" lang="ja-JP" altLang="en-US" sz="1000" dirty="0">
+              <a:solidFill>
+                <a:srgbClr val="FF0000"/>
+              </a:solidFill>
+            </a:endParaRPr>
+          </a:p>
+        </p:txBody>
+      </p:sp>
+      <p:sp>
+        <p:nvSpPr>
+          <p:cNvPr id="33" name="TextBox 32"/>
+          <p:cNvSpPr txBox="1"/>
+          <p:nvPr/>
+        </p:nvSpPr>
+        <p:spPr>
+          <a:xfrm>
+            <a:off x="5853004" y="3426255"/>
+            <a:ext cx="327334" cy="246221"/>
+          </a:xfrm>
+          <a:prstGeom prst="rect">
+            <a:avLst/>
+          </a:prstGeom>
+          <a:noFill/>
+        </p:spPr>
+        <p:txBody>
+          <a:bodyPr wrap="none" rtlCol="0">
+            <a:spAutoFit/>
+          </a:bodyPr>
+          <a:lstStyle/>
+          <a:p>
+            <a:r>
+              <a:rPr kumimoji="1" lang="en-US" altLang="ja-JP" sz="1000" dirty="0" smtClean="0">
+                <a:solidFill>
+                  <a:srgbClr val="FF0000"/>
+                </a:solidFill>
+              </a:rPr>
+              <a:t>(8)</a:t>
+            </a:r>
+            <a:endParaRPr kumimoji="1" lang="ja-JP" altLang="en-US" sz="1000" dirty="0">
+              <a:solidFill>
+                <a:srgbClr val="FF0000"/>
+              </a:solidFill>
+            </a:endParaRPr>
+          </a:p>
+        </p:txBody>
+      </p:sp>
+      <p:sp>
+        <p:nvSpPr>
+          <p:cNvPr id="34" name="TextBox 33"/>
+          <p:cNvSpPr txBox="1"/>
+          <p:nvPr/>
+        </p:nvSpPr>
+        <p:spPr>
+          <a:xfrm>
+            <a:off x="5532082" y="4845698"/>
+            <a:ext cx="393056" cy="246221"/>
+          </a:xfrm>
+          <a:prstGeom prst="rect">
+            <a:avLst/>
+          </a:prstGeom>
+          <a:noFill/>
+        </p:spPr>
+        <p:txBody>
+          <a:bodyPr wrap="none" rtlCol="0">
+            <a:spAutoFit/>
+          </a:bodyPr>
+          <a:lstStyle/>
+          <a:p>
+            <a:r>
+              <a:rPr kumimoji="1" lang="en-US" altLang="ja-JP" sz="1000" dirty="0" smtClean="0">
+                <a:solidFill>
+                  <a:srgbClr val="FF0000"/>
+                </a:solidFill>
+              </a:rPr>
+              <a:t>(10)</a:t>
+            </a:r>
+            <a:endParaRPr kumimoji="1" lang="ja-JP" altLang="en-US" sz="1000" dirty="0">
+              <a:solidFill>
+                <a:srgbClr val="FF0000"/>
+              </a:solidFill>
+            </a:endParaRPr>
+          </a:p>
+        </p:txBody>
+      </p:sp>
+      <p:sp>
+        <p:nvSpPr>
+          <p:cNvPr id="38" name="TextBox 37"/>
+          <p:cNvSpPr txBox="1"/>
+          <p:nvPr/>
+        </p:nvSpPr>
+        <p:spPr>
+          <a:xfrm>
+            <a:off x="4808087" y="5254652"/>
+            <a:ext cx="393056" cy="246221"/>
+          </a:xfrm>
+          <a:prstGeom prst="rect">
+            <a:avLst/>
+          </a:prstGeom>
+          <a:noFill/>
+        </p:spPr>
+        <p:txBody>
+          <a:bodyPr wrap="none" rtlCol="0">
+            <a:spAutoFit/>
+          </a:bodyPr>
+          <a:lstStyle/>
+          <a:p>
+            <a:r>
+              <a:rPr kumimoji="1" lang="en-US" altLang="ja-JP" sz="1000" dirty="0" smtClean="0">
+                <a:solidFill>
+                  <a:srgbClr val="FF0000"/>
+                </a:solidFill>
+              </a:rPr>
+              <a:t>(</a:t>
+            </a:r>
+            <a:r>
+              <a:rPr kumimoji="1" lang="en-US" altLang="ja-JP" sz="1000" dirty="0" smtClean="0">
+                <a:solidFill>
+                  <a:srgbClr val="FF0000"/>
+                </a:solidFill>
+              </a:rPr>
+              <a:t>11)</a:t>
+            </a:r>
+            <a:endParaRPr kumimoji="1" lang="ja-JP" altLang="en-US" sz="1000" dirty="0">
+              <a:solidFill>
+                <a:srgbClr val="FF0000"/>
+              </a:solidFill>
+            </a:endParaRPr>
+          </a:p>
+        </p:txBody>
+      </p:sp>
+      <p:sp>
+        <p:nvSpPr>
+          <p:cNvPr id="37" name="TextBox 36"/>
+          <p:cNvSpPr txBox="1"/>
+          <p:nvPr/>
+        </p:nvSpPr>
+        <p:spPr>
+          <a:xfrm>
+            <a:off x="3450171" y="2348838"/>
+            <a:ext cx="1252266" cy="246221"/>
+          </a:xfrm>
+          <a:prstGeom prst="rect">
+            <a:avLst/>
+          </a:prstGeom>
+          <a:noFill/>
+        </p:spPr>
+        <p:txBody>
+          <a:bodyPr wrap="none" rtlCol="0">
+            <a:spAutoFit/>
+          </a:bodyPr>
+          <a:lstStyle/>
+          <a:p>
+            <a:r>
+              <a:rPr lang="en-GB" sz="1000" b="1" dirty="0"/>
+              <a:t>Spring MVC Tutorial</a:t>
+            </a:r>
+            <a:endParaRPr lang="en-GB" sz="1000" b="1" dirty="0"/>
+          </a:p>
+        </p:txBody>
+      </p:sp>
+      <p:sp>
+        <p:nvSpPr>
+          <p:cNvPr id="47" name="TextBox 46"/>
+          <p:cNvSpPr txBox="1"/>
+          <p:nvPr/>
+        </p:nvSpPr>
+        <p:spPr>
+          <a:xfrm>
+            <a:off x="3408603" y="2533301"/>
+            <a:ext cx="1491114" cy="461665"/>
+          </a:xfrm>
+          <a:prstGeom prst="rect">
+            <a:avLst/>
+          </a:prstGeom>
+          <a:noFill/>
+        </p:spPr>
+        <p:txBody>
+          <a:bodyPr wrap="none" rtlCol="0">
+            <a:spAutoFit/>
+          </a:bodyPr>
+          <a:lstStyle/>
+          <a:p>
+            <a:r>
+              <a:rPr kumimoji="1" lang="en-US" altLang="ja-JP" sz="800" i="1" dirty="0" smtClean="0">
+                <a:solidFill>
+                  <a:schemeClr val="bg1">
+                    <a:lumMod val="65000"/>
+                  </a:schemeClr>
+                </a:solidFill>
+              </a:rPr>
+              <a:t>Posted : </a:t>
+            </a:r>
+            <a:r>
+              <a:rPr kumimoji="1" lang="en-US" altLang="ja-JP" sz="800" i="1" dirty="0">
+                <a:solidFill>
+                  <a:schemeClr val="bg1">
+                    <a:lumMod val="65000"/>
+                  </a:schemeClr>
+                </a:solidFill>
+              </a:rPr>
+              <a:t>08/12/2015 12:40 | </a:t>
+            </a:r>
+            <a:endParaRPr kumimoji="1" lang="en-US" altLang="ja-JP" sz="800" i="1" dirty="0" smtClean="0">
+              <a:solidFill>
+                <a:schemeClr val="bg1">
+                  <a:lumMod val="65000"/>
+                </a:schemeClr>
+              </a:solidFill>
+            </a:endParaRPr>
+          </a:p>
+          <a:p>
+            <a:r>
+              <a:rPr kumimoji="1" lang="en-US" altLang="ja-JP" sz="800" i="1" dirty="0" smtClean="0">
+                <a:solidFill>
+                  <a:schemeClr val="bg1">
+                    <a:lumMod val="65000"/>
+                  </a:schemeClr>
+                </a:solidFill>
+              </a:rPr>
+              <a:t>Last modified: 08/12/215 12:40</a:t>
+            </a:r>
+            <a:endParaRPr kumimoji="1" lang="en-US" altLang="ja-JP" sz="800" i="1" dirty="0" smtClean="0">
+              <a:solidFill>
+                <a:schemeClr val="bg1">
+                  <a:lumMod val="65000"/>
+                </a:schemeClr>
+              </a:solidFill>
+            </a:endParaRPr>
+          </a:p>
+          <a:p>
+            <a:r>
+              <a:rPr kumimoji="1" lang="en-US" altLang="ja-JP" sz="800" i="1" dirty="0" smtClean="0">
+                <a:solidFill>
+                  <a:schemeClr val="bg1">
+                    <a:lumMod val="65000"/>
+                  </a:schemeClr>
+                </a:solidFill>
+              </a:rPr>
+              <a:t>By: </a:t>
+            </a:r>
+            <a:r>
+              <a:rPr kumimoji="1" lang="en-US" altLang="ja-JP" sz="800" i="1" dirty="0">
+                <a:solidFill>
+                  <a:schemeClr val="bg1">
+                    <a:lumMod val="65000"/>
+                  </a:schemeClr>
+                </a:solidFill>
+              </a:rPr>
+              <a:t>Tam Pham</a:t>
+            </a:r>
+            <a:endParaRPr kumimoji="1" lang="ja-JP" altLang="en-US" sz="800" i="1" dirty="0">
+              <a:solidFill>
+                <a:schemeClr val="bg1">
+                  <a:lumMod val="65000"/>
+                </a:schemeClr>
+              </a:solidFill>
+            </a:endParaRPr>
+          </a:p>
+        </p:txBody>
+      </p:sp>
+      <p:sp>
+        <p:nvSpPr>
+          <p:cNvPr id="48" name="TextBox 47"/>
+          <p:cNvSpPr txBox="1"/>
+          <p:nvPr/>
+        </p:nvSpPr>
+        <p:spPr>
+          <a:xfrm>
+            <a:off x="2471247" y="3185156"/>
+            <a:ext cx="3475878" cy="861774"/>
+          </a:xfrm>
+          <a:prstGeom prst="rect">
+            <a:avLst/>
+          </a:prstGeom>
+          <a:noFill/>
+        </p:spPr>
+        <p:txBody>
+          <a:bodyPr wrap="square" rtlCol="0">
+            <a:spAutoFit/>
+          </a:bodyPr>
+          <a:lstStyle/>
+          <a:p>
+            <a:pPr algn="just"/>
+            <a:r>
+              <a:rPr lang="en-GB" sz="1000" dirty="0"/>
+              <a:t>Spring MVC, a Java</a:t>
+            </a:r>
+            <a:r>
+              <a:rPr lang="en-GB" sz="1000" b="1" dirty="0"/>
+              <a:t> </a:t>
+            </a:r>
+            <a:r>
+              <a:rPr lang="en-GB" sz="1000" dirty="0"/>
+              <a:t>Model-View-</a:t>
+            </a:r>
+            <a:r>
+              <a:rPr lang="en-GB" sz="1000" dirty="0" err="1"/>
+              <a:t>Contraller</a:t>
+            </a:r>
+            <a:r>
+              <a:rPr lang="en-GB" sz="1000" dirty="0"/>
+              <a:t> (MVC) web framework, which builds on the Spring Inversion of control(</a:t>
+            </a:r>
+            <a:r>
+              <a:rPr lang="en-GB" sz="1000" dirty="0" err="1"/>
+              <a:t>IoC</a:t>
+            </a:r>
+            <a:r>
+              <a:rPr lang="en-GB" sz="1000" dirty="0"/>
+              <a:t>) framework, extensive use of the Spring’s features make the Spring MVC framework </a:t>
+            </a:r>
+            <a:r>
+              <a:rPr lang="en-GB" sz="1000" dirty="0" smtClean="0"/>
+              <a:t>hig</a:t>
+            </a:r>
+            <a:r>
+              <a:rPr lang="en-GB" sz="1000" dirty="0"/>
+              <a:t>hly decouple the components dependency and simplify the whole MVC configuration.</a:t>
+            </a:r>
+            <a:endParaRPr kumimoji="1" lang="ja-JP" altLang="en-US" sz="1000" i="1" dirty="0">
+              <a:solidFill>
+                <a:schemeClr val="bg1">
+                  <a:lumMod val="75000"/>
+                </a:schemeClr>
+              </a:solidFill>
+            </a:endParaRPr>
+          </a:p>
+        </p:txBody>
+      </p:sp>
+      <p:sp>
+        <p:nvSpPr>
+          <p:cNvPr id="72" name="TextBox 71"/>
+          <p:cNvSpPr txBox="1"/>
+          <p:nvPr/>
+        </p:nvSpPr>
+        <p:spPr>
+          <a:xfrm>
+            <a:off x="4274033" y="741764"/>
+            <a:ext cx="1336478" cy="246221"/>
+          </a:xfrm>
+          <a:prstGeom prst="rect">
+            <a:avLst/>
+          </a:prstGeom>
+          <a:noFill/>
+        </p:spPr>
+        <p:txBody>
+          <a:bodyPr wrap="square" rtlCol="0">
+            <a:spAutoFit/>
+          </a:bodyPr>
+          <a:lstStyle/>
+          <a:p>
+            <a:r>
+              <a:rPr kumimoji="1" lang="en-US" altLang="ja-JP" sz="1000" dirty="0" smtClean="0"/>
+              <a:t>Welcome, </a:t>
+            </a:r>
+            <a:r>
+              <a:rPr kumimoji="1" lang="en-US" altLang="ja-JP" sz="1000" dirty="0" err="1" smtClean="0"/>
+              <a:t>NguyenA</a:t>
+            </a:r>
+            <a:endParaRPr kumimoji="1" lang="ja-JP" altLang="en-US" sz="1000" dirty="0"/>
+          </a:p>
+        </p:txBody>
+      </p:sp>
+      <p:sp>
+        <p:nvSpPr>
+          <p:cNvPr id="78" name="TextBox 77"/>
+          <p:cNvSpPr txBox="1"/>
+          <p:nvPr/>
+        </p:nvSpPr>
+        <p:spPr>
+          <a:xfrm>
+            <a:off x="5046887" y="5253260"/>
+            <a:ext cx="393056" cy="246221"/>
+          </a:xfrm>
+          <a:prstGeom prst="rect">
+            <a:avLst/>
+          </a:prstGeom>
+          <a:noFill/>
+        </p:spPr>
+        <p:txBody>
+          <a:bodyPr wrap="none" rtlCol="0">
+            <a:spAutoFit/>
+          </a:bodyPr>
+          <a:lstStyle/>
+          <a:p>
+            <a:r>
+              <a:rPr kumimoji="1" lang="en-US" altLang="ja-JP" sz="1000" dirty="0" smtClean="0">
+                <a:solidFill>
+                  <a:srgbClr val="FF0000"/>
+                </a:solidFill>
+              </a:rPr>
+              <a:t>(</a:t>
+            </a:r>
+            <a:r>
+              <a:rPr kumimoji="1" lang="en-US" altLang="ja-JP" sz="1000" dirty="0" smtClean="0">
+                <a:solidFill>
+                  <a:srgbClr val="FF0000"/>
+                </a:solidFill>
+              </a:rPr>
+              <a:t>12)</a:t>
+            </a:r>
+            <a:endParaRPr kumimoji="1" lang="ja-JP" altLang="en-US" sz="1000" dirty="0">
+              <a:solidFill>
+                <a:srgbClr val="FF0000"/>
+              </a:solidFill>
+            </a:endParaRPr>
+          </a:p>
+        </p:txBody>
+      </p:sp>
+      <p:sp>
+        <p:nvSpPr>
+          <p:cNvPr id="79" name="TextBox 78"/>
+          <p:cNvSpPr txBox="1"/>
+          <p:nvPr/>
+        </p:nvSpPr>
+        <p:spPr>
+          <a:xfrm>
+            <a:off x="3226992" y="2632368"/>
+            <a:ext cx="327334" cy="246221"/>
+          </a:xfrm>
+          <a:prstGeom prst="rect">
+            <a:avLst/>
+          </a:prstGeom>
+          <a:noFill/>
+        </p:spPr>
+        <p:txBody>
+          <a:bodyPr wrap="none" rtlCol="0">
+            <a:spAutoFit/>
+          </a:bodyPr>
+          <a:lstStyle/>
+          <a:p>
+            <a:r>
+              <a:rPr kumimoji="1" lang="en-US" altLang="ja-JP" sz="1000" dirty="0" smtClean="0">
+                <a:solidFill>
+                  <a:srgbClr val="FF0000"/>
+                </a:solidFill>
+              </a:rPr>
+              <a:t>(7)</a:t>
+            </a:r>
+            <a:endParaRPr kumimoji="1" lang="ja-JP" altLang="en-US" sz="1000" dirty="0">
+              <a:solidFill>
+                <a:srgbClr val="FF0000"/>
+              </a:solidFill>
+            </a:endParaRPr>
+          </a:p>
+        </p:txBody>
+      </p:sp>
+      <p:sp>
+        <p:nvSpPr>
+          <p:cNvPr id="49" name="TextBox 48"/>
+          <p:cNvSpPr txBox="1"/>
+          <p:nvPr/>
+        </p:nvSpPr>
+        <p:spPr>
+          <a:xfrm>
+            <a:off x="5351964" y="741763"/>
+            <a:ext cx="810073" cy="246221"/>
+          </a:xfrm>
+          <a:prstGeom prst="rect">
+            <a:avLst/>
+          </a:prstGeom>
+          <a:noFill/>
+        </p:spPr>
+        <p:txBody>
+          <a:bodyPr wrap="square" rtlCol="0">
+            <a:spAutoFit/>
+          </a:bodyPr>
+          <a:lstStyle/>
+          <a:p>
+            <a:r>
+              <a:rPr kumimoji="1" lang="en-US" altLang="ja-JP" sz="1000" dirty="0" smtClean="0"/>
+              <a:t>Edit Profile</a:t>
+            </a:r>
+            <a:endParaRPr kumimoji="1" lang="ja-JP" altLang="en-US" sz="1000" dirty="0"/>
+          </a:p>
+        </p:txBody>
+      </p:sp>
+      <p:sp>
+        <p:nvSpPr>
+          <p:cNvPr id="57" name="TextBox 56"/>
+          <p:cNvSpPr txBox="1"/>
+          <p:nvPr/>
+        </p:nvSpPr>
+        <p:spPr>
+          <a:xfrm>
+            <a:off x="5952244" y="718211"/>
+            <a:ext cx="727307" cy="246221"/>
+          </a:xfrm>
+          <a:prstGeom prst="rect">
+            <a:avLst/>
+          </a:prstGeom>
+          <a:noFill/>
+        </p:spPr>
+        <p:txBody>
+          <a:bodyPr wrap="square" rtlCol="0">
+            <a:spAutoFit/>
+          </a:bodyPr>
+          <a:lstStyle/>
+          <a:p>
+            <a:r>
+              <a:rPr kumimoji="1" lang="en-US" altLang="ja-JP" sz="1000" dirty="0" smtClean="0"/>
+              <a:t>Log Out</a:t>
+            </a:r>
+            <a:endParaRPr kumimoji="1" lang="ja-JP" altLang="en-US" sz="1000" dirty="0"/>
+          </a:p>
+        </p:txBody>
+      </p:sp>
+      <p:sp>
+        <p:nvSpPr>
+          <p:cNvPr id="45" name="Rectangle 44"/>
+          <p:cNvSpPr/>
+          <p:nvPr/>
+        </p:nvSpPr>
+        <p:spPr>
+          <a:xfrm>
+            <a:off x="4598392" y="1551008"/>
+            <a:ext cx="602751" cy="218077"/>
+          </a:xfrm>
+          <a:prstGeom prst="rect">
+            <a:avLst/>
+          </a:prstGeom>
+        </p:spPr>
+        <p:style>
+          <a:lnRef idx="1">
+            <a:schemeClr val="accent1"/>
+          </a:lnRef>
+          <a:fillRef idx="3">
+            <a:schemeClr val="accent1"/>
+          </a:fillRef>
+          <a:effectRef idx="2">
+            <a:schemeClr val="accent1"/>
+          </a:effectRef>
+          <a:fontRef idx="minor">
+            <a:schemeClr val="lt1"/>
+          </a:fontRef>
+        </p:style>
+        <p:txBody>
+          <a:bodyPr rtlCol="0" anchor="ctr"/>
+          <a:lstStyle/>
+          <a:p>
+            <a:pPr algn="ctr"/>
+            <a:r>
+              <a:rPr kumimoji="1" lang="en-US" altLang="ja-JP" sz="800" dirty="0" smtClean="0"/>
+              <a:t>User Search</a:t>
+            </a:r>
+            <a:endParaRPr kumimoji="1" lang="ja-JP" altLang="en-US" sz="800" dirty="0"/>
+          </a:p>
+        </p:txBody>
+      </p:sp>
+      <p:sp>
+        <p:nvSpPr>
+          <p:cNvPr id="46" name="TextBox 45"/>
+          <p:cNvSpPr txBox="1"/>
+          <p:nvPr/>
+        </p:nvSpPr>
+        <p:spPr>
+          <a:xfrm>
+            <a:off x="4736050" y="1290715"/>
+            <a:ext cx="327334" cy="246221"/>
+          </a:xfrm>
+          <a:prstGeom prst="rect">
+            <a:avLst/>
+          </a:prstGeom>
+          <a:noFill/>
+        </p:spPr>
+        <p:txBody>
+          <a:bodyPr wrap="none" rtlCol="0">
+            <a:spAutoFit/>
+          </a:bodyPr>
+          <a:lstStyle/>
+          <a:p>
+            <a:r>
+              <a:rPr kumimoji="1" lang="en-US" altLang="ja-JP" sz="1000" dirty="0" smtClean="0">
+                <a:solidFill>
+                  <a:srgbClr val="FF0000"/>
+                </a:solidFill>
+              </a:rPr>
+              <a:t>(5)</a:t>
+            </a:r>
+            <a:endParaRPr kumimoji="1" lang="ja-JP" altLang="en-US" sz="1000" dirty="0">
+              <a:solidFill>
+                <a:srgbClr val="FF0000"/>
+              </a:solidFill>
+            </a:endParaRPr>
+          </a:p>
+        </p:txBody>
+      </p:sp>
+      <p:sp>
+        <p:nvSpPr>
+          <p:cNvPr id="53" name="TextBox 52"/>
+          <p:cNvSpPr txBox="1"/>
+          <p:nvPr/>
+        </p:nvSpPr>
+        <p:spPr>
+          <a:xfrm>
+            <a:off x="3800581" y="4687536"/>
+            <a:ext cx="327334" cy="246221"/>
+          </a:xfrm>
+          <a:prstGeom prst="rect">
+            <a:avLst/>
+          </a:prstGeom>
+          <a:noFill/>
+        </p:spPr>
+        <p:txBody>
+          <a:bodyPr wrap="none" rtlCol="0">
+            <a:spAutoFit/>
+          </a:bodyPr>
+          <a:lstStyle/>
+          <a:p>
+            <a:r>
+              <a:rPr kumimoji="1" lang="en-US" altLang="ja-JP" sz="1000" dirty="0" smtClean="0">
+                <a:solidFill>
+                  <a:srgbClr val="FF0000"/>
+                </a:solidFill>
+              </a:rPr>
+              <a:t>(9)</a:t>
+            </a:r>
+            <a:endParaRPr kumimoji="1" lang="ja-JP" altLang="en-US" sz="1000" dirty="0">
+              <a:solidFill>
+                <a:srgbClr val="FF0000"/>
+              </a:solidFill>
+            </a:endParaRPr>
+          </a:p>
+        </p:txBody>
+      </p:sp>
+      <p:sp>
+        <p:nvSpPr>
+          <p:cNvPr id="61" name="TextBox 60"/>
+          <p:cNvSpPr txBox="1"/>
+          <p:nvPr/>
+        </p:nvSpPr>
+        <p:spPr>
+          <a:xfrm>
+            <a:off x="2436360" y="2940573"/>
+            <a:ext cx="3563796" cy="215444"/>
+          </a:xfrm>
+          <a:prstGeom prst="rect">
+            <a:avLst/>
+          </a:prstGeom>
+          <a:noFill/>
+        </p:spPr>
+        <p:txBody>
+          <a:bodyPr wrap="none" rtlCol="0">
+            <a:spAutoFit/>
+          </a:bodyPr>
+          <a:lstStyle/>
+          <a:p>
+            <a:r>
+              <a:rPr kumimoji="1" lang="en-US" altLang="ja-JP" sz="800" i="1" dirty="0" smtClean="0">
+                <a:solidFill>
+                  <a:schemeClr val="bg2">
+                    <a:lumMod val="50000"/>
+                  </a:schemeClr>
+                </a:solidFill>
+              </a:rPr>
+              <a:t>- - - - - - - - </a:t>
+            </a:r>
+            <a:r>
+              <a:rPr kumimoji="1" lang="en-US" altLang="ja-JP" sz="800" i="1" dirty="0">
+                <a:solidFill>
+                  <a:schemeClr val="bg2">
+                    <a:lumMod val="50000"/>
+                  </a:schemeClr>
+                </a:solidFill>
+              </a:rPr>
+              <a:t>- - - - - - - - - - - - - - - - - - - - - - - - - - - - - - - - - - - - - - - - - - - - - - - - - - - -  </a:t>
+            </a:r>
+            <a:r>
+              <a:rPr kumimoji="1" lang="en-US" altLang="ja-JP" sz="800" i="1" dirty="0" smtClean="0">
+                <a:solidFill>
+                  <a:schemeClr val="bg2">
+                    <a:lumMod val="50000"/>
+                  </a:schemeClr>
+                </a:solidFill>
+              </a:rPr>
+              <a:t>- -</a:t>
+            </a:r>
+            <a:endParaRPr kumimoji="1" lang="ja-JP" altLang="en-US" sz="800" i="1" dirty="0">
+              <a:solidFill>
+                <a:schemeClr val="bg2">
+                  <a:lumMod val="50000"/>
+                </a:schemeClr>
+              </a:solidFill>
+            </a:endParaRPr>
+          </a:p>
+        </p:txBody>
+      </p:sp>
+      <p:sp>
+        <p:nvSpPr>
+          <p:cNvPr id="67" name="TextBox 66"/>
+          <p:cNvSpPr txBox="1"/>
+          <p:nvPr/>
+        </p:nvSpPr>
+        <p:spPr>
+          <a:xfrm>
+            <a:off x="2436360" y="4158472"/>
+            <a:ext cx="3563796" cy="215444"/>
+          </a:xfrm>
+          <a:prstGeom prst="rect">
+            <a:avLst/>
+          </a:prstGeom>
+          <a:noFill/>
+        </p:spPr>
+        <p:txBody>
+          <a:bodyPr wrap="none" rtlCol="0">
+            <a:spAutoFit/>
+          </a:bodyPr>
+          <a:lstStyle/>
+          <a:p>
+            <a:r>
+              <a:rPr kumimoji="1" lang="en-US" altLang="ja-JP" sz="800" i="1" dirty="0" smtClean="0">
+                <a:solidFill>
+                  <a:schemeClr val="bg2">
+                    <a:lumMod val="50000"/>
+                  </a:schemeClr>
+                </a:solidFill>
+              </a:rPr>
+              <a:t>- - - - - - - - </a:t>
+            </a:r>
+            <a:r>
+              <a:rPr kumimoji="1" lang="en-US" altLang="ja-JP" sz="800" i="1" dirty="0">
+                <a:solidFill>
+                  <a:schemeClr val="bg2">
+                    <a:lumMod val="50000"/>
+                  </a:schemeClr>
+                </a:solidFill>
+              </a:rPr>
+              <a:t>- - - - - - - - - - - - - - - - - - - - - - - - - - - - - - - - - - - - - - - - - - - - - - - - - - - -  </a:t>
+            </a:r>
+            <a:r>
+              <a:rPr kumimoji="1" lang="en-US" altLang="ja-JP" sz="800" i="1" dirty="0" smtClean="0">
+                <a:solidFill>
+                  <a:schemeClr val="bg2">
+                    <a:lumMod val="50000"/>
+                  </a:schemeClr>
+                </a:solidFill>
+              </a:rPr>
+              <a:t>- -</a:t>
+            </a:r>
+            <a:endParaRPr kumimoji="1" lang="ja-JP" altLang="en-US" sz="800" i="1" dirty="0">
+              <a:solidFill>
+                <a:schemeClr val="bg2">
+                  <a:lumMod val="50000"/>
+                </a:schemeClr>
+              </a:solidFill>
+            </a:endParaRPr>
+          </a:p>
+        </p:txBody>
+      </p:sp>
+      <p:sp>
+        <p:nvSpPr>
+          <p:cNvPr id="73" name="TextBox 72"/>
+          <p:cNvSpPr txBox="1"/>
+          <p:nvPr/>
+        </p:nvSpPr>
+        <p:spPr>
+          <a:xfrm>
+            <a:off x="2436360" y="4514067"/>
+            <a:ext cx="845103" cy="246221"/>
+          </a:xfrm>
+          <a:prstGeom prst="rect">
+            <a:avLst/>
+          </a:prstGeom>
+          <a:noFill/>
+        </p:spPr>
+        <p:txBody>
+          <a:bodyPr wrap="none" rtlCol="0">
+            <a:spAutoFit/>
+          </a:bodyPr>
+          <a:lstStyle/>
+          <a:p>
+            <a:r>
+              <a:rPr kumimoji="1" lang="en-US" altLang="ja-JP" sz="1000" dirty="0" smtClean="0"/>
+              <a:t>1 Comments</a:t>
+            </a:r>
+            <a:endParaRPr kumimoji="1" lang="ja-JP" altLang="en-US" sz="1000" dirty="0"/>
+          </a:p>
+        </p:txBody>
+      </p:sp>
+      <p:cxnSp>
+        <p:nvCxnSpPr>
+          <p:cNvPr id="75" name="Straight Connector 74"/>
+          <p:cNvCxnSpPr/>
+          <p:nvPr/>
+        </p:nvCxnSpPr>
+        <p:spPr>
+          <a:xfrm>
+            <a:off x="2500484" y="4772851"/>
+            <a:ext cx="3499672" cy="0"/>
+          </a:xfrm>
+          <a:prstGeom prst="line">
+            <a:avLst/>
+          </a:prstGeom>
+          <a:ln w="6350" cmpd="sng">
+            <a:solidFill>
+              <a:schemeClr val="bg1">
+                <a:lumMod val="75000"/>
+              </a:schemeClr>
+            </a:solidFill>
+          </a:ln>
+          <a:effectLst/>
+        </p:spPr>
+        <p:style>
+          <a:lnRef idx="2">
+            <a:schemeClr val="accent1"/>
+          </a:lnRef>
+          <a:fillRef idx="0">
+            <a:schemeClr val="accent1"/>
+          </a:fillRef>
+          <a:effectRef idx="1">
+            <a:schemeClr val="accent1"/>
+          </a:effectRef>
+          <a:fontRef idx="minor">
+            <a:schemeClr val="tx1"/>
+          </a:fontRef>
+        </p:style>
+      </p:cxnSp>
+      <p:sp>
+        <p:nvSpPr>
+          <p:cNvPr id="76" name="Rectangle 75"/>
+          <p:cNvSpPr/>
+          <p:nvPr/>
+        </p:nvSpPr>
+        <p:spPr>
+          <a:xfrm>
+            <a:off x="2482961" y="4874707"/>
+            <a:ext cx="2869003" cy="400678"/>
+          </a:xfrm>
+          <a:prstGeom prst="rect">
+            <a:avLst/>
+          </a:prstGeom>
+          <a:ln>
+            <a:solidFill>
+              <a:schemeClr val="tx1"/>
+            </a:solidFill>
+          </a:ln>
+          <a:effectLst/>
+        </p:spPr>
+        <p:style>
+          <a:lnRef idx="1">
+            <a:schemeClr val="accent1"/>
+          </a:lnRef>
+          <a:fillRef idx="3">
+            <a:schemeClr val="accent1"/>
+          </a:fillRef>
+          <a:effectRef idx="2">
+            <a:schemeClr val="accent1"/>
+          </a:effectRef>
+          <a:fontRef idx="minor">
+            <a:schemeClr val="lt1"/>
+          </a:fontRef>
+        </p:style>
+        <p:txBody>
+          <a:bodyPr rtlCol="0" anchor="ctr"/>
+          <a:lstStyle/>
+          <a:p>
+            <a:r>
+              <a:rPr kumimoji="1" lang="en-US" altLang="ja-JP" sz="800" i="1" dirty="0" smtClean="0">
+                <a:solidFill>
+                  <a:schemeClr val="bg1">
+                    <a:lumMod val="75000"/>
+                  </a:schemeClr>
+                </a:solidFill>
+              </a:rPr>
+              <a:t>Comments</a:t>
+            </a:r>
+            <a:endParaRPr kumimoji="1" lang="ja-JP" altLang="en-US" sz="800" i="1" dirty="0">
+              <a:solidFill>
+                <a:schemeClr val="bg1">
+                  <a:lumMod val="75000"/>
+                </a:schemeClr>
+              </a:solidFill>
+            </a:endParaRPr>
+          </a:p>
+        </p:txBody>
+      </p:sp>
+      <p:sp>
+        <p:nvSpPr>
+          <p:cNvPr id="77" name="Rectangle 76"/>
+          <p:cNvSpPr/>
+          <p:nvPr/>
+        </p:nvSpPr>
+        <p:spPr>
+          <a:xfrm>
+            <a:off x="5413920" y="5048919"/>
+            <a:ext cx="602751" cy="218077"/>
+          </a:xfrm>
+          <a:prstGeom prst="rect">
+            <a:avLst/>
+          </a:prstGeom>
+        </p:spPr>
+        <p:style>
+          <a:lnRef idx="1">
+            <a:schemeClr val="accent1"/>
+          </a:lnRef>
+          <a:fillRef idx="3">
+            <a:schemeClr val="accent1"/>
+          </a:fillRef>
+          <a:effectRef idx="2">
+            <a:schemeClr val="accent1"/>
+          </a:effectRef>
+          <a:fontRef idx="minor">
+            <a:schemeClr val="lt1"/>
+          </a:fontRef>
+        </p:style>
+        <p:txBody>
+          <a:bodyPr rtlCol="0" anchor="ctr"/>
+          <a:lstStyle/>
+          <a:p>
+            <a:pPr algn="ctr"/>
+            <a:r>
+              <a:rPr kumimoji="1" lang="en-US" altLang="ja-JP" sz="1000" dirty="0" smtClean="0"/>
+              <a:t>Send</a:t>
+            </a:r>
+            <a:endParaRPr kumimoji="1" lang="ja-JP" altLang="en-US" sz="1000" dirty="0"/>
+          </a:p>
+        </p:txBody>
+      </p:sp>
+      <p:sp>
+        <p:nvSpPr>
+          <p:cNvPr id="80" name="TextBox 79"/>
+          <p:cNvSpPr txBox="1"/>
+          <p:nvPr/>
+        </p:nvSpPr>
+        <p:spPr>
+          <a:xfrm>
+            <a:off x="2396173" y="5329625"/>
+            <a:ext cx="1537600" cy="246221"/>
+          </a:xfrm>
+          <a:prstGeom prst="rect">
+            <a:avLst/>
+          </a:prstGeom>
+          <a:noFill/>
+        </p:spPr>
+        <p:txBody>
+          <a:bodyPr wrap="none" rtlCol="0">
+            <a:spAutoFit/>
+          </a:bodyPr>
+          <a:lstStyle/>
+          <a:p>
+            <a:r>
+              <a:rPr lang="en-GB" sz="1000" b="1" dirty="0" err="1" smtClean="0"/>
+              <a:t>NguyenB</a:t>
+            </a:r>
+            <a:r>
+              <a:rPr lang="en-GB" sz="1000" b="1" dirty="0" smtClean="0"/>
+              <a:t> – 2 minutes ago</a:t>
+            </a:r>
+            <a:endParaRPr lang="en-GB" sz="1000" b="1" dirty="0"/>
+          </a:p>
+        </p:txBody>
+      </p:sp>
+      <p:sp>
+        <p:nvSpPr>
+          <p:cNvPr id="81" name="TextBox 80"/>
+          <p:cNvSpPr txBox="1"/>
+          <p:nvPr/>
+        </p:nvSpPr>
+        <p:spPr>
+          <a:xfrm>
+            <a:off x="2426498" y="5535050"/>
+            <a:ext cx="2889906" cy="400110"/>
+          </a:xfrm>
+          <a:prstGeom prst="rect">
+            <a:avLst/>
+          </a:prstGeom>
+          <a:noFill/>
+        </p:spPr>
+        <p:txBody>
+          <a:bodyPr wrap="square" rtlCol="0">
+            <a:spAutoFit/>
+          </a:bodyPr>
+          <a:lstStyle/>
+          <a:p>
+            <a:pPr algn="just"/>
+            <a:r>
+              <a:rPr lang="en-GB" sz="1000" dirty="0"/>
+              <a:t>it’s provides many step by step examples and explanations on using Spring MVC </a:t>
+            </a:r>
+            <a:r>
+              <a:rPr lang="en-GB" sz="1000" dirty="0" err="1"/>
+              <a:t>framewor</a:t>
+            </a:r>
+            <a:endParaRPr kumimoji="1" lang="ja-JP" altLang="en-US" sz="1000" i="1" dirty="0">
+              <a:solidFill>
+                <a:schemeClr val="bg1">
+                  <a:lumMod val="75000"/>
+                </a:schemeClr>
+              </a:solidFill>
+            </a:endParaRPr>
+          </a:p>
+        </p:txBody>
+      </p:sp>
+      <p:pic>
+        <p:nvPicPr>
+          <p:cNvPr id="82" name="Picture 81"/>
+          <p:cNvPicPr>
+            <a:picLocks noChangeAspect="1"/>
+          </p:cNvPicPr>
+          <p:nvPr/>
+        </p:nvPicPr>
+        <p:blipFill>
+          <a:blip r:embed="rId2" cstate="print">
+            <a:extLst>
+              <a:ext uri="{28A0092B-C50C-407E-A947-70E740481C1C}">
+                <a14:useLocalDpi xmlns:a14="http://schemas.microsoft.com/office/drawing/2010/main" val="0"/>
+              </a:ext>
+            </a:extLst>
+          </a:blip>
+          <a:stretch>
+            <a:fillRect/>
+          </a:stretch>
+        </p:blipFill>
+        <p:spPr>
+          <a:xfrm rot="-5400000" flipV="1">
+            <a:off x="5136431" y="5443264"/>
+            <a:ext cx="72000" cy="72000"/>
+          </a:xfrm>
+          <a:prstGeom prst="rect">
+            <a:avLst/>
+          </a:prstGeom>
+        </p:spPr>
+      </p:pic>
+      <p:pic>
+        <p:nvPicPr>
+          <p:cNvPr id="83" name="Picture 82"/>
+          <p:cNvPicPr>
+            <a:picLocks noChangeAspect="1"/>
+          </p:cNvPicPr>
+          <p:nvPr/>
+        </p:nvPicPr>
+        <p:blipFill>
+          <a:blip r:embed="rId3" cstate="print">
+            <a:extLst>
+              <a:ext uri="{28A0092B-C50C-407E-A947-70E740481C1C}">
+                <a14:useLocalDpi xmlns:a14="http://schemas.microsoft.com/office/drawing/2010/main" val="0"/>
+              </a:ext>
+            </a:extLst>
+          </a:blip>
+          <a:stretch>
+            <a:fillRect/>
+          </a:stretch>
+        </p:blipFill>
+        <p:spPr>
+          <a:xfrm>
+            <a:off x="4979888" y="5449993"/>
+            <a:ext cx="72000" cy="72000"/>
+          </a:xfrm>
+          <a:prstGeom prst="rect">
+            <a:avLst/>
+          </a:prstGeom>
+        </p:spPr>
+      </p:pic>
+    </p:spTree>
+    <p:extLst>
+      <p:ext uri="{BB962C8B-B14F-4D97-AF65-F5344CB8AC3E}">
+        <p14:creationId xmlns:p14="http://schemas.microsoft.com/office/powerpoint/2010/main" val="3998192736"/>
+      </p:ext>
+    </p:extLst>
+  </p:cSld>
+  <p:clrMapOvr>
+    <a:masterClrMapping/>
+  </p:clrMapOvr>
+  <p:timing>
+    <p:tnLst>
+      <p:par>
+        <p:cTn id="1" dur="indefinite" restart="never" nodeType="tmRoot"/>
+      </p:par>
+    </p:tnLst>
+  </p:timing>
+</p:sld>
+</file>
+
 <file path=ppt/slides/slide2.xml><?xml version="1.0" encoding="utf-8"?>
 <p:sld xmlns:a="http://schemas.openxmlformats.org/drawingml/2006/main" xmlns:r="http://schemas.openxmlformats.org/officeDocument/2006/relationships" xmlns:p="http://schemas.openxmlformats.org/presentationml/2006/main">
   <p:cSld>
@@ -8943,61 +15847,45 @@
                   <a:srgbClr val="FF0000"/>
                 </a:solidFill>
               </a:rPr>
-              <a:t>(</a:t>
-            </a:r>
+              <a:t>(11)</a:t>
+            </a:r>
+            <a:endParaRPr kumimoji="1" lang="ja-JP" altLang="en-US" sz="1000" dirty="0">
+              <a:solidFill>
+                <a:srgbClr val="FF0000"/>
+              </a:solidFill>
+            </a:endParaRPr>
+          </a:p>
+        </p:txBody>
+      </p:sp>
+      <p:sp>
+        <p:nvSpPr>
+          <p:cNvPr id="47" name="TextBox 46"/>
+          <p:cNvSpPr txBox="1"/>
+          <p:nvPr/>
+        </p:nvSpPr>
+        <p:spPr>
+          <a:xfrm>
+            <a:off x="4345154" y="1941581"/>
+            <a:ext cx="393056" cy="246221"/>
+          </a:xfrm>
+          <a:prstGeom prst="rect">
+            <a:avLst/>
+          </a:prstGeom>
+          <a:noFill/>
+        </p:spPr>
+        <p:txBody>
+          <a:bodyPr wrap="none" rtlCol="0">
+            <a:spAutoFit/>
+          </a:bodyPr>
+          <a:lstStyle/>
+          <a:p>
             <a:r>
               <a:rPr kumimoji="1" lang="en-US" altLang="ja-JP" sz="1000" dirty="0" smtClean="0">
                 <a:solidFill>
                   <a:srgbClr val="FF0000"/>
                 </a:solidFill>
               </a:rPr>
-              <a:t>11)</a:t>
-            </a:r>
-            <a:endParaRPr kumimoji="1" lang="ja-JP" altLang="en-US" sz="1000" dirty="0">
-              <a:solidFill>
-                <a:srgbClr val="FF0000"/>
-              </a:solidFill>
-            </a:endParaRPr>
-          </a:p>
-        </p:txBody>
-      </p:sp>
-      <p:sp>
-        <p:nvSpPr>
-          <p:cNvPr id="47" name="TextBox 46"/>
-          <p:cNvSpPr txBox="1"/>
-          <p:nvPr/>
-        </p:nvSpPr>
-        <p:spPr>
-          <a:xfrm>
-            <a:off x="4345154" y="1941581"/>
-            <a:ext cx="393056" cy="246221"/>
-          </a:xfrm>
-          <a:prstGeom prst="rect">
-            <a:avLst/>
-          </a:prstGeom>
-          <a:noFill/>
-        </p:spPr>
-        <p:txBody>
-          <a:bodyPr wrap="none" rtlCol="0">
-            <a:spAutoFit/>
-          </a:bodyPr>
-          <a:lstStyle/>
-          <a:p>
-            <a:r>
-              <a:rPr kumimoji="1" lang="en-US" altLang="ja-JP" sz="1000" dirty="0" smtClean="0">
-                <a:solidFill>
-                  <a:srgbClr val="FF0000"/>
-                </a:solidFill>
-              </a:rPr>
-              <a:t>(</a:t>
-            </a:r>
-            <a:r>
-              <a:rPr kumimoji="1" lang="en-US" altLang="ja-JP" sz="1000" dirty="0" smtClean="0">
-                <a:solidFill>
-                  <a:srgbClr val="FF0000"/>
-                </a:solidFill>
-              </a:rPr>
-              <a:t>12)</a:t>
+              <a:t>(12)</a:t>
             </a:r>
             <a:endParaRPr kumimoji="1" lang="ja-JP" altLang="en-US" sz="1000" dirty="0">
               <a:solidFill>
@@ -9124,15 +16012,7 @@
                   <a:srgbClr val="FF0000"/>
                 </a:solidFill>
               </a:rPr>
-              <a:t>(</a:t>
-            </a:r>
-            <a:r>
-              <a:rPr kumimoji="1" lang="en-US" altLang="ja-JP" sz="1000" dirty="0" smtClean="0">
-                <a:solidFill>
-                  <a:srgbClr val="FF0000"/>
-                </a:solidFill>
-              </a:rPr>
-              <a:t>13)</a:t>
+              <a:t>(13)</a:t>
             </a:r>
             <a:endParaRPr kumimoji="1" lang="ja-JP" altLang="en-US" sz="1000" dirty="0">
               <a:solidFill>
@@ -9567,7 +16447,7 @@
         <p:spPr>
           <a:xfrm>
             <a:off x="1981675" y="1932468"/>
-            <a:ext cx="1646605" cy="253916"/>
+            <a:ext cx="2287806" cy="253916"/>
           </a:xfrm>
           <a:prstGeom prst="rect">
             <a:avLst/>
@@ -9608,7 +16488,17 @@
                   </a:schemeClr>
                 </a:solidFill>
               </a:rPr>
-              <a:t>| My Post | All Post</a:t>
+              <a:t>| My Post | All </a:t>
+            </a:r>
+            <a:r>
+              <a:rPr kumimoji="1" lang="en-US" altLang="ja-JP" sz="1050" dirty="0" smtClean="0">
+                <a:solidFill>
+                  <a:schemeClr val="bg2">
+                    <a:lumMod val="75000"/>
+                  </a:schemeClr>
+                </a:solidFill>
+              </a:rPr>
+              <a:t>Post | New Post</a:t>
             </a:r>
             <a:r>
               <a:rPr kumimoji="1" lang="en-US" altLang="ja-JP" sz="1050" dirty="0" smtClean="0"/>
@@ -9627,14 +16517,14 @@
           <p:nvPr>
             <p:extLst>
               <p:ext uri="{D42A27DB-BD31-4B8C-83A1-F6EECF244321}">
-                <p14:modId xmlns:p14="http://schemas.microsoft.com/office/powerpoint/2010/main" val="2252758022"/>
+                <p14:modId xmlns:p14="http://schemas.microsoft.com/office/powerpoint/2010/main" val="3926940924"/>
               </p:ext>
             </p:extLst>
           </p:nvPr>
         </p:nvGraphicFramePr>
         <p:xfrm>
           <a:off x="6764863" y="746700"/>
-          <a:ext cx="3903137" cy="4805330"/>
+          <a:ext cx="3903137" cy="5201570"/>
         </p:xfrm>
         <a:graphic>
           <a:graphicData uri="http://schemas.openxmlformats.org/drawingml/2006/table">
@@ -10289,8 +17179,75 @@
                     <a:lstStyle/>
                     <a:p>
                       <a:r>
+                        <a:rPr kumimoji="1" lang="en-GB" altLang="ja-JP" sz="1000" dirty="0" smtClean="0"/>
+                        <a:t>9</a:t>
+                      </a:r>
+                      <a:endParaRPr kumimoji="1" lang="ja-JP" altLang="en-US" sz="1000" dirty="0"/>
+                    </a:p>
+                  </a:txBody>
+                  <a:tcPr/>
+                </a:tc>
+                <a:tc>
+                  <a:txBody>
+                    <a:bodyPr/>
+                    <a:lstStyle/>
+                    <a:p>
+                      <a:r>
+                        <a:rPr kumimoji="1" lang="en-GB" altLang="ja-JP" sz="1000" dirty="0" smtClean="0"/>
+                        <a:t>New Post</a:t>
+                      </a:r>
+                      <a:endParaRPr kumimoji="1" lang="ja-JP" altLang="en-US" sz="1000" dirty="0"/>
+                    </a:p>
+                  </a:txBody>
+                  <a:tcPr/>
+                </a:tc>
+                <a:tc>
+                  <a:txBody>
+                    <a:bodyPr/>
+                    <a:lstStyle/>
+                    <a:p>
+                      <a:endParaRPr kumimoji="1" lang="ja-JP" altLang="en-US" sz="1000" dirty="0"/>
+                    </a:p>
+                  </a:txBody>
+                  <a:tcPr/>
+                </a:tc>
+                <a:tc>
+                  <a:txBody>
+                    <a:bodyPr/>
+                    <a:lstStyle/>
+                    <a:p>
+                      <a:r>
+                        <a:rPr kumimoji="1" lang="en-GB" altLang="ja-JP" sz="1000" dirty="0" smtClean="0"/>
+                        <a:t>Click =&gt; show create new post page</a:t>
+                      </a:r>
+                      <a:endParaRPr kumimoji="1" lang="ja-JP" altLang="en-US" sz="1000" dirty="0"/>
+                    </a:p>
+                  </a:txBody>
+                  <a:tcPr/>
+                </a:tc>
+                <a:tc>
+                  <a:txBody>
+                    <a:bodyPr/>
+                    <a:lstStyle/>
+                    <a:p>
+                      <a:endParaRPr kumimoji="1" lang="ja-JP" altLang="en-US" sz="1000" dirty="0">
+                        <a:latin typeface="Calibri"/>
+                        <a:cs typeface="Calibri"/>
+                      </a:endParaRPr>
+                    </a:p>
+                  </a:txBody>
+                  <a:tcPr/>
+                </a:tc>
+              </a:tr>
+              <a:tr h="327082">
+                <a:tc>
+                  <a:txBody>
+                    <a:bodyPr/>
+                    <a:lstStyle/>
+                    <a:p>
+                      <a:r>
                         <a:rPr kumimoji="1" lang="en-US" altLang="ja-JP" sz="1000" dirty="0" smtClean="0"/>
-                        <a:t>9</a:t>
+                        <a:t>10</a:t>
                       </a:r>
                       <a:endParaRPr kumimoji="1" lang="ja-JP" altLang="en-US" sz="1000" dirty="0"/>
                     </a:p>
@@ -10378,7 +17335,7 @@
                     <a:p>
                       <a:r>
                         <a:rPr kumimoji="1" lang="en-US" altLang="ja-JP" sz="1000" dirty="0" smtClean="0"/>
-                        <a:t>10</a:t>
+                        <a:t>11</a:t>
                       </a:r>
                       <a:endParaRPr kumimoji="1" lang="ja-JP" altLang="en-US" sz="1000" dirty="0"/>
                     </a:p>
@@ -10457,7 +17414,7 @@
                     <a:p>
                       <a:r>
                         <a:rPr kumimoji="1" lang="en-US" altLang="ja-JP" sz="1000" dirty="0" smtClean="0"/>
-                        <a:t>11</a:t>
+                        <a:t>12</a:t>
                       </a:r>
                       <a:endParaRPr kumimoji="1" lang="ja-JP" altLang="en-US" sz="1000" dirty="0"/>
                     </a:p>
@@ -10525,7 +17482,7 @@
                     <a:p>
                       <a:r>
                         <a:rPr kumimoji="1" lang="en-GB" altLang="ja-JP" sz="1000" dirty="0" smtClean="0"/>
-                        <a:t>12</a:t>
+                        <a:t>13</a:t>
                       </a:r>
                       <a:endParaRPr kumimoji="1" lang="ja-JP" altLang="en-US" sz="1000" dirty="0"/>
                     </a:p>
@@ -10883,45 +17840,7 @@
         </p:nvSpPr>
         <p:spPr>
           <a:xfrm>
-            <a:off x="1853047" y="2793492"/>
-            <a:ext cx="327334" cy="246221"/>
-          </a:xfrm>
-          <a:prstGeom prst="rect">
-            <a:avLst/>
-          </a:prstGeom>
-          <a:noFill/>
-        </p:spPr>
-        <p:txBody>
-          <a:bodyPr wrap="none" rtlCol="0">
-            <a:spAutoFit/>
-          </a:bodyPr>
-          <a:lstStyle/>
-          <a:p>
-            <a:r>
-              <a:rPr kumimoji="1" lang="en-US" altLang="ja-JP" sz="1000" dirty="0" smtClean="0">
-                <a:solidFill>
-                  <a:srgbClr val="FF0000"/>
-                </a:solidFill>
-              </a:rPr>
-              <a:t>(9)</a:t>
-            </a:r>
-            <a:endParaRPr kumimoji="1" lang="ja-JP" altLang="en-US" sz="1000" dirty="0">
-              <a:solidFill>
-                <a:srgbClr val="FF0000"/>
-              </a:solidFill>
-            </a:endParaRPr>
-          </a:p>
-        </p:txBody>
-      </p:sp>
-      <p:sp>
-        <p:nvSpPr>
-          <p:cNvPr id="38" name="TextBox 37"/>
-          <p:cNvSpPr txBox="1"/>
-          <p:nvPr/>
-        </p:nvSpPr>
-        <p:spPr>
-          <a:xfrm>
-            <a:off x="2510629" y="2805542"/>
+            <a:off x="1813099" y="2794261"/>
             <a:ext cx="393056" cy="246221"/>
           </a:xfrm>
           <a:prstGeom prst="rect">
@@ -10942,6 +17861,52 @@
                 </a:solidFill>
               </a:rPr>
               <a:t>(10)</a:t>
+            </a:r>
+            <a:endParaRPr kumimoji="1" lang="ja-JP" altLang="en-US" sz="1000" dirty="0">
+              <a:solidFill>
+                <a:srgbClr val="FF0000"/>
+              </a:solidFill>
+            </a:endParaRPr>
+          </a:p>
+        </p:txBody>
+      </p:sp>
+      <p:sp>
+        <p:nvSpPr>
+          <p:cNvPr id="38" name="TextBox 37"/>
+          <p:cNvSpPr txBox="1"/>
+          <p:nvPr/>
+        </p:nvSpPr>
+        <p:spPr>
+          <a:xfrm>
+            <a:off x="2510629" y="2805542"/>
+            <a:ext cx="393056" cy="246221"/>
+          </a:xfrm>
+          <a:prstGeom prst="rect">
+            <a:avLst/>
+          </a:prstGeom>
+          <a:noFill/>
+        </p:spPr>
+        <p:txBody>
+          <a:bodyPr wrap="none" rtlCol="0">
+            <a:spAutoFit/>
+          </a:bodyPr>
+          <a:lstStyle/>
+          <a:p>
+            <a:r>
+              <a:rPr kumimoji="1" lang="en-US" altLang="ja-JP" sz="1000" dirty="0" smtClean="0">
+                <a:solidFill>
+                  <a:srgbClr val="FF0000"/>
+                </a:solidFill>
+              </a:rPr>
+              <a:t>(</a:t>
+            </a:r>
+            <a:r>
+              <a:rPr kumimoji="1" lang="en-US" altLang="ja-JP" sz="1000" dirty="0" smtClean="0">
+                <a:solidFill>
+                  <a:srgbClr val="FF0000"/>
+                </a:solidFill>
+              </a:rPr>
+              <a:t>11)</a:t>
             </a:r>
             <a:endParaRPr kumimoji="1" lang="ja-JP" altLang="en-US" sz="1000" dirty="0">
               <a:solidFill>
@@ -11639,7 +18604,7 @@
                   <a:srgbClr val="FF0000"/>
                 </a:solidFill>
               </a:rPr>
-              <a:t>11)</a:t>
+              <a:t>12)</a:t>
             </a:r>
             <a:endParaRPr kumimoji="1" lang="ja-JP" altLang="en-US" sz="1000" dirty="0">
               <a:solidFill>
@@ -11723,7 +18688,7 @@
                   <a:srgbClr val="FF0000"/>
                 </a:solidFill>
               </a:rPr>
-              <a:t>12)</a:t>
+              <a:t>13)</a:t>
             </a:r>
             <a:endParaRPr kumimoji="1" lang="ja-JP" altLang="en-US" sz="1000" dirty="0">
               <a:solidFill>
@@ -11864,6 +18829,44 @@
                 </a:solidFill>
               </a:rPr>
               <a:t>(5)</a:t>
+            </a:r>
+            <a:endParaRPr kumimoji="1" lang="ja-JP" altLang="en-US" sz="1000" dirty="0">
+              <a:solidFill>
+                <a:srgbClr val="FF0000"/>
+              </a:solidFill>
+            </a:endParaRPr>
+          </a:p>
+        </p:txBody>
+      </p:sp>
+      <p:sp>
+        <p:nvSpPr>
+          <p:cNvPr id="53" name="TextBox 52"/>
+          <p:cNvSpPr txBox="1"/>
+          <p:nvPr/>
+        </p:nvSpPr>
+        <p:spPr>
+          <a:xfrm>
+            <a:off x="3705874" y="1740236"/>
+            <a:ext cx="327334" cy="246221"/>
+          </a:xfrm>
+          <a:prstGeom prst="rect">
+            <a:avLst/>
+          </a:prstGeom>
+          <a:noFill/>
+        </p:spPr>
+        <p:txBody>
+          <a:bodyPr wrap="none" rtlCol="0">
+            <a:spAutoFit/>
+          </a:bodyPr>
+          <a:lstStyle/>
+          <a:p>
+            <a:r>
+              <a:rPr kumimoji="1" lang="en-US" altLang="ja-JP" sz="1000" dirty="0" smtClean="0">
+                <a:solidFill>
+                  <a:srgbClr val="FF0000"/>
+                </a:solidFill>
+              </a:rPr>
+              <a:t>(9)</a:t>
             </a:r>
             <a:endParaRPr kumimoji="1" lang="ja-JP" altLang="en-US" sz="1000" dirty="0">
               <a:solidFill>
@@ -12583,15 +19586,45 @@
                   <a:srgbClr val="FF0000"/>
                 </a:solidFill>
               </a:rPr>
-              <a:t>(</a:t>
-            </a:r>
+              <a:t>(11)</a:t>
+            </a:r>
+            <a:endParaRPr kumimoji="1" lang="ja-JP" altLang="en-US" sz="1000" dirty="0">
+              <a:solidFill>
+                <a:srgbClr val="FF0000"/>
+              </a:solidFill>
+            </a:endParaRPr>
+          </a:p>
+        </p:txBody>
+      </p:sp>
+      <p:sp>
+        <p:nvSpPr>
+          <p:cNvPr id="47" name="TextBox 46"/>
+          <p:cNvSpPr txBox="1"/>
+          <p:nvPr/>
+        </p:nvSpPr>
+        <p:spPr>
+          <a:xfrm>
+            <a:off x="2116336" y="1877754"/>
+            <a:ext cx="393056" cy="246221"/>
+          </a:xfrm>
+          <a:prstGeom prst="rect">
+            <a:avLst/>
+          </a:prstGeom>
+          <a:noFill/>
+        </p:spPr>
+        <p:txBody>
+          <a:bodyPr wrap="none" rtlCol="0">
+            <a:spAutoFit/>
+          </a:bodyPr>
+          <a:lstStyle/>
+          <a:p>
             <a:r>
               <a:rPr kumimoji="1" lang="en-US" altLang="ja-JP" sz="1000" dirty="0" smtClean="0">
                 <a:solidFill>
                   <a:srgbClr val="FF0000"/>
                 </a:solidFill>
               </a:rPr>
-              <a:t>11)</a:t>
+              <a:t>(14)</a:t>
             </a:r>
             <a:endParaRPr kumimoji="1" lang="ja-JP" altLang="en-US" sz="1000" dirty="0">
               <a:solidFill>
@@ -12603,13 +19636,13 @@
       </p:sp>
       <p:sp>
         <p:nvSpPr>
-          <p:cNvPr id="47" name="TextBox 46"/>
+          <p:cNvPr id="49" name="TextBox 48"/>
           <p:cNvSpPr txBox="1"/>
           <p:nvPr/>
         </p:nvSpPr>
         <p:spPr>
           <a:xfrm>
-            <a:off x="2116336" y="1877754"/>
+            <a:off x="3037371" y="1844574"/>
             <a:ext cx="393056" cy="246221"/>
           </a:xfrm>
           <a:prstGeom prst="rect">
@@ -12629,61 +19662,7 @@
                   <a:srgbClr val="FF0000"/>
                 </a:solidFill>
               </a:rPr>
-              <a:t>(</a:t>
-            </a:r>
-            <a:r>
-              <a:rPr kumimoji="1" lang="en-US" altLang="ja-JP" sz="1000" dirty="0" smtClean="0">
-                <a:solidFill>
-                  <a:srgbClr val="FF0000"/>
-                </a:solidFill>
-              </a:rPr>
-              <a:t>14)</a:t>
-            </a:r>
-            <a:endParaRPr kumimoji="1" lang="ja-JP" altLang="en-US" sz="1000" dirty="0">
-              <a:solidFill>
-                <a:srgbClr val="FF0000"/>
-              </a:solidFill>
-            </a:endParaRPr>
-          </a:p>
-        </p:txBody>
-      </p:sp>
-      <p:sp>
-        <p:nvSpPr>
-          <p:cNvPr id="49" name="TextBox 48"/>
-          <p:cNvSpPr txBox="1"/>
-          <p:nvPr/>
-        </p:nvSpPr>
-        <p:spPr>
-          <a:xfrm>
-            <a:off x="3037371" y="1844574"/>
-            <a:ext cx="393056" cy="246221"/>
-          </a:xfrm>
-          <a:prstGeom prst="rect">
-            <a:avLst/>
-          </a:prstGeom>
-          <a:noFill/>
-        </p:spPr>
-        <p:txBody>
-          <a:bodyPr wrap="none" rtlCol="0">
-            <a:spAutoFit/>
-          </a:bodyPr>
-          <a:lstStyle/>
-          <a:p>
-            <a:r>
-              <a:rPr kumimoji="1" lang="en-US" altLang="ja-JP" sz="1000" dirty="0" smtClean="0">
-                <a:solidFill>
-                  <a:srgbClr val="FF0000"/>
-                </a:solidFill>
-              </a:rPr>
-              <a:t>(</a:t>
-            </a:r>
-            <a:r>
-              <a:rPr kumimoji="1" lang="en-US" altLang="ja-JP" sz="1000" dirty="0" smtClean="0">
-                <a:solidFill>
-                  <a:srgbClr val="FF0000"/>
-                </a:solidFill>
-              </a:rPr>
-              <a:t>15)</a:t>
+              <a:t>(15)</a:t>
             </a:r>
             <a:endParaRPr kumimoji="1" lang="ja-JP" altLang="en-US" sz="1000" dirty="0">
               <a:solidFill>
@@ -14704,15 +21683,7 @@
                   <a:srgbClr val="FF0000"/>
                 </a:solidFill>
               </a:rPr>
-              <a:t>(</a:t>
-            </a:r>
-            <a:r>
-              <a:rPr kumimoji="1" lang="en-US" altLang="ja-JP" sz="1000" dirty="0" smtClean="0">
-                <a:solidFill>
-                  <a:srgbClr val="FF0000"/>
-                </a:solidFill>
-              </a:rPr>
-              <a:t>16)</a:t>
+              <a:t>(16)</a:t>
             </a:r>
             <a:endParaRPr kumimoji="1" lang="ja-JP" altLang="en-US" sz="1000" dirty="0">
               <a:solidFill>
@@ -15082,61 +22053,45 @@
                   <a:srgbClr val="FF0000"/>
                 </a:solidFill>
               </a:rPr>
-              <a:t>(</a:t>
-            </a:r>
+              <a:t>(13)</a:t>
+            </a:r>
+            <a:endParaRPr kumimoji="1" lang="ja-JP" altLang="en-US" sz="1000" dirty="0">
+              <a:solidFill>
+                <a:srgbClr val="FF0000"/>
+              </a:solidFill>
+            </a:endParaRPr>
+          </a:p>
+        </p:txBody>
+      </p:sp>
+      <p:sp>
+        <p:nvSpPr>
+          <p:cNvPr id="56" name="TextBox 55"/>
+          <p:cNvSpPr txBox="1"/>
+          <p:nvPr/>
+        </p:nvSpPr>
+        <p:spPr>
+          <a:xfrm>
+            <a:off x="4078258" y="5282961"/>
+            <a:ext cx="393056" cy="246221"/>
+          </a:xfrm>
+          <a:prstGeom prst="rect">
+            <a:avLst/>
+          </a:prstGeom>
+          <a:noFill/>
+        </p:spPr>
+        <p:txBody>
+          <a:bodyPr wrap="none" rtlCol="0">
+            <a:spAutoFit/>
+          </a:bodyPr>
+          <a:lstStyle/>
+          <a:p>
             <a:r>
               <a:rPr kumimoji="1" lang="en-US" altLang="ja-JP" sz="1000" dirty="0" smtClean="0">
                 <a:solidFill>
                   <a:srgbClr val="FF0000"/>
                 </a:solidFill>
               </a:rPr>
-              <a:t>13)</a:t>
-            </a:r>
-            <a:endParaRPr kumimoji="1" lang="ja-JP" altLang="en-US" sz="1000" dirty="0">
-              <a:solidFill>
-                <a:srgbClr val="FF0000"/>
-              </a:solidFill>
-            </a:endParaRPr>
-          </a:p>
-        </p:txBody>
-      </p:sp>
-      <p:sp>
-        <p:nvSpPr>
-          <p:cNvPr id="56" name="TextBox 55"/>
-          <p:cNvSpPr txBox="1"/>
-          <p:nvPr/>
-        </p:nvSpPr>
-        <p:spPr>
-          <a:xfrm>
-            <a:off x="4078258" y="5282961"/>
-            <a:ext cx="393056" cy="246221"/>
-          </a:xfrm>
-          <a:prstGeom prst="rect">
-            <a:avLst/>
-          </a:prstGeom>
-          <a:noFill/>
-        </p:spPr>
-        <p:txBody>
-          <a:bodyPr wrap="none" rtlCol="0">
-            <a:spAutoFit/>
-          </a:bodyPr>
-          <a:lstStyle/>
-          <a:p>
-            <a:r>
-              <a:rPr kumimoji="1" lang="en-US" altLang="ja-JP" sz="1000" dirty="0" smtClean="0">
-                <a:solidFill>
-                  <a:srgbClr val="FF0000"/>
-                </a:solidFill>
-              </a:rPr>
-              <a:t>(</a:t>
-            </a:r>
-            <a:r>
-              <a:rPr kumimoji="1" lang="en-US" altLang="ja-JP" sz="1000" dirty="0" smtClean="0">
-                <a:solidFill>
-                  <a:srgbClr val="FF0000"/>
-                </a:solidFill>
-              </a:rPr>
-              <a:t>12)</a:t>
+              <a:t>(12)</a:t>
             </a:r>
             <a:endParaRPr kumimoji="1" lang="ja-JP" altLang="en-US" sz="1000" dirty="0">
               <a:solidFill>
@@ -15936,15 +22891,45 @@
                   <a:srgbClr val="FF0000"/>
                 </a:solidFill>
               </a:rPr>
-              <a:t>(</a:t>
-            </a:r>
+              <a:t>(11)</a:t>
+            </a:r>
+            <a:endParaRPr kumimoji="1" lang="ja-JP" altLang="en-US" sz="1000" dirty="0">
+              <a:solidFill>
+                <a:srgbClr val="FF0000"/>
+              </a:solidFill>
+            </a:endParaRPr>
+          </a:p>
+        </p:txBody>
+      </p:sp>
+      <p:sp>
+        <p:nvSpPr>
+          <p:cNvPr id="47" name="TextBox 46"/>
+          <p:cNvSpPr txBox="1"/>
+          <p:nvPr/>
+        </p:nvSpPr>
+        <p:spPr>
+          <a:xfrm>
+            <a:off x="2993879" y="1864764"/>
+            <a:ext cx="393056" cy="246221"/>
+          </a:xfrm>
+          <a:prstGeom prst="rect">
+            <a:avLst/>
+          </a:prstGeom>
+          <a:noFill/>
+        </p:spPr>
+        <p:txBody>
+          <a:bodyPr wrap="none" rtlCol="0">
+            <a:spAutoFit/>
+          </a:bodyPr>
+          <a:lstStyle/>
+          <a:p>
             <a:r>
               <a:rPr kumimoji="1" lang="en-US" altLang="ja-JP" sz="1000" dirty="0" smtClean="0">
                 <a:solidFill>
                   <a:srgbClr val="FF0000"/>
                 </a:solidFill>
               </a:rPr>
-              <a:t>11)</a:t>
+              <a:t>(12)</a:t>
             </a:r>
             <a:endParaRPr kumimoji="1" lang="ja-JP" altLang="en-US" sz="1000" dirty="0">
               <a:solidFill>
@@ -15956,13 +22941,13 @@
       </p:sp>
       <p:sp>
         <p:nvSpPr>
-          <p:cNvPr id="47" name="TextBox 46"/>
+          <p:cNvPr id="49" name="TextBox 48"/>
           <p:cNvSpPr txBox="1"/>
           <p:nvPr/>
         </p:nvSpPr>
         <p:spPr>
           <a:xfrm>
-            <a:off x="2993879" y="1864764"/>
+            <a:off x="4613451" y="1916548"/>
             <a:ext cx="393056" cy="246221"/>
           </a:xfrm>
           <a:prstGeom prst="rect">
@@ -15982,61 +22967,7 @@
                   <a:srgbClr val="FF0000"/>
                 </a:solidFill>
               </a:rPr>
-              <a:t>(</a:t>
-            </a:r>
-            <a:r>
-              <a:rPr kumimoji="1" lang="en-US" altLang="ja-JP" sz="1000" dirty="0" smtClean="0">
-                <a:solidFill>
-                  <a:srgbClr val="FF0000"/>
-                </a:solidFill>
-              </a:rPr>
-              <a:t>12)</a:t>
-            </a:r>
-            <a:endParaRPr kumimoji="1" lang="ja-JP" altLang="en-US" sz="1000" dirty="0">
-              <a:solidFill>
-                <a:srgbClr val="FF0000"/>
-              </a:solidFill>
-            </a:endParaRPr>
-          </a:p>
-        </p:txBody>
-      </p:sp>
-      <p:sp>
-        <p:nvSpPr>
-          <p:cNvPr id="49" name="TextBox 48"/>
-          <p:cNvSpPr txBox="1"/>
-          <p:nvPr/>
-        </p:nvSpPr>
-        <p:spPr>
-          <a:xfrm>
-            <a:off x="4613451" y="1916548"/>
-            <a:ext cx="393056" cy="246221"/>
-          </a:xfrm>
-          <a:prstGeom prst="rect">
-            <a:avLst/>
-          </a:prstGeom>
-          <a:noFill/>
-        </p:spPr>
-        <p:txBody>
-          <a:bodyPr wrap="none" rtlCol="0">
-            <a:spAutoFit/>
-          </a:bodyPr>
-          <a:lstStyle/>
-          <a:p>
-            <a:r>
-              <a:rPr kumimoji="1" lang="en-US" altLang="ja-JP" sz="1000" dirty="0" smtClean="0">
-                <a:solidFill>
-                  <a:srgbClr val="FF0000"/>
-                </a:solidFill>
-              </a:rPr>
-              <a:t>(</a:t>
-            </a:r>
-            <a:r>
-              <a:rPr kumimoji="1" lang="en-US" altLang="ja-JP" sz="1000" dirty="0" smtClean="0">
-                <a:solidFill>
-                  <a:srgbClr val="FF0000"/>
-                </a:solidFill>
-              </a:rPr>
-              <a:t>13)</a:t>
+              <a:t>(13)</a:t>
             </a:r>
             <a:endParaRPr kumimoji="1" lang="ja-JP" altLang="en-US" sz="1000" dirty="0">
               <a:solidFill>
@@ -19503,13 +26434,7 @@
                         <a:rPr kumimoji="1" lang="en-GB" altLang="ja-JP" sz="1000" dirty="0" smtClean="0">
                           <a:latin typeface="Calibri" panose="020F0502020204030204" pitchFamily="34" charset="0"/>
                         </a:rPr>
-                        <a:t>Click =&gt; </a:t>
-                      </a:r>
-                      <a:r>
-                        <a:rPr kumimoji="1" lang="en-GB" altLang="ja-JP" sz="1000" dirty="0" smtClean="0">
-                          <a:latin typeface="Calibri" panose="020F0502020204030204" pitchFamily="34" charset="0"/>
-                        </a:rPr>
-                        <a:t>show</a:t>
+                        <a:t>Click =&gt; show</a:t>
                       </a:r>
                       <a:r>
                         <a:rPr kumimoji="1" lang="en-GB" altLang="ja-JP" sz="1000" baseline="0" dirty="0" smtClean="0">
@@ -20690,7 +27615,7 @@
         <p:spPr>
           <a:xfrm>
             <a:off x="1981675" y="1932468"/>
-            <a:ext cx="1646605" cy="253916"/>
+            <a:ext cx="2287806" cy="253916"/>
           </a:xfrm>
           <a:prstGeom prst="rect">
             <a:avLst/>
@@ -20731,7 +27656,37 @@
                   </a:schemeClr>
                 </a:solidFill>
               </a:rPr>
-              <a:t>All Post </a:t>
+              <a:t>All </a:t>
+            </a:r>
+            <a:r>
+              <a:rPr kumimoji="1" lang="en-US" altLang="ja-JP" sz="1050" dirty="0" smtClean="0">
+                <a:solidFill>
+                  <a:schemeClr val="bg2">
+                    <a:lumMod val="50000"/>
+                  </a:schemeClr>
+                </a:solidFill>
+              </a:rPr>
+              <a:t>Post </a:t>
+            </a:r>
+            <a:r>
+              <a:rPr kumimoji="1" lang="en-US" altLang="ja-JP" sz="1050" dirty="0" smtClean="0">
+                <a:solidFill>
+                  <a:schemeClr val="bg2">
+                    <a:lumMod val="75000"/>
+                  </a:schemeClr>
+                </a:solidFill>
+              </a:rPr>
+              <a:t>| New Post</a:t>
+            </a:r>
+            <a:r>
+              <a:rPr kumimoji="1" lang="en-US" altLang="ja-JP" sz="1050" dirty="0" smtClean="0">
+                <a:solidFill>
+                  <a:schemeClr val="bg2">
+                    <a:lumMod val="50000"/>
+                  </a:schemeClr>
+                </a:solidFill>
+              </a:rPr>
+              <a:t> </a:t>
             </a:r>
             <a:endParaRPr kumimoji="1" lang="ja-JP" altLang="en-US" sz="1050" dirty="0">
               <a:solidFill>
@@ -20750,12 +27705,16 @@
             <a:graphicFrameLocks noGrp="1"/>
           </p:cNvGraphicFramePr>
           <p:nvPr>
-            <p:extLst/>
+            <p:extLst>
+              <p:ext uri="{D42A27DB-BD31-4B8C-83A1-F6EECF244321}">
+                <p14:modId xmlns:p14="http://schemas.microsoft.com/office/powerpoint/2010/main" val="488388940"/>
+              </p:ext>
+            </p:extLst>
           </p:nvPr>
         </p:nvGraphicFramePr>
         <p:xfrm>
           <a:off x="6764863" y="746700"/>
-          <a:ext cx="3903137" cy="4805330"/>
+          <a:ext cx="3903137" cy="5201570"/>
         </p:xfrm>
         <a:graphic>
           <a:graphicData uri="http://schemas.openxmlformats.org/drawingml/2006/table">
@@ -21410,8 +28369,75 @@
                     <a:lstStyle/>
                     <a:p>
                       <a:r>
+                        <a:rPr kumimoji="1" lang="en-GB" altLang="ja-JP" sz="1000" dirty="0" smtClean="0"/>
+                        <a:t>9</a:t>
+                      </a:r>
+                      <a:endParaRPr kumimoji="1" lang="ja-JP" altLang="en-US" sz="1000" dirty="0"/>
+                    </a:p>
+                  </a:txBody>
+                  <a:tcPr/>
+                </a:tc>
+                <a:tc>
+                  <a:txBody>
+                    <a:bodyPr/>
+                    <a:lstStyle/>
+                    <a:p>
+                      <a:r>
+                        <a:rPr kumimoji="1" lang="en-GB" altLang="ja-JP" sz="1000" dirty="0" smtClean="0"/>
+                        <a:t>New Post</a:t>
+                      </a:r>
+                      <a:endParaRPr kumimoji="1" lang="ja-JP" altLang="en-US" sz="1000" dirty="0"/>
+                    </a:p>
+                  </a:txBody>
+                  <a:tcPr/>
+                </a:tc>
+                <a:tc>
+                  <a:txBody>
+                    <a:bodyPr/>
+                    <a:lstStyle/>
+                    <a:p>
+                      <a:endParaRPr kumimoji="1" lang="ja-JP" altLang="en-US" sz="1000" dirty="0"/>
+                    </a:p>
+                  </a:txBody>
+                  <a:tcPr/>
+                </a:tc>
+                <a:tc>
+                  <a:txBody>
+                    <a:bodyPr/>
+                    <a:lstStyle/>
+                    <a:p>
+                      <a:r>
+                        <a:rPr kumimoji="1" lang="en-GB" altLang="ja-JP" sz="1000" dirty="0" smtClean="0"/>
+                        <a:t>Click =&gt; show create new post page</a:t>
+                      </a:r>
+                      <a:endParaRPr kumimoji="1" lang="ja-JP" altLang="en-US" sz="1000" dirty="0"/>
+                    </a:p>
+                  </a:txBody>
+                  <a:tcPr/>
+                </a:tc>
+                <a:tc>
+                  <a:txBody>
+                    <a:bodyPr/>
+                    <a:lstStyle/>
+                    <a:p>
+                      <a:endParaRPr kumimoji="1" lang="ja-JP" altLang="en-US" sz="1000" dirty="0">
+                        <a:latin typeface="Calibri"/>
+                        <a:cs typeface="Calibri"/>
+                      </a:endParaRPr>
+                    </a:p>
+                  </a:txBody>
+                  <a:tcPr/>
+                </a:tc>
+              </a:tr>
+              <a:tr h="327082">
+                <a:tc>
+                  <a:txBody>
+                    <a:bodyPr/>
+                    <a:lstStyle/>
+                    <a:p>
+                      <a:r>
                         <a:rPr kumimoji="1" lang="en-US" altLang="ja-JP" sz="1000" dirty="0" smtClean="0"/>
-                        <a:t>9</a:t>
+                        <a:t>10</a:t>
                       </a:r>
                       <a:endParaRPr kumimoji="1" lang="ja-JP" altLang="en-US" sz="1000" dirty="0"/>
                     </a:p>
@@ -21499,7 +28525,7 @@
                     <a:p>
                       <a:r>
                         <a:rPr kumimoji="1" lang="en-US" altLang="ja-JP" sz="1000" dirty="0" smtClean="0"/>
-                        <a:t>10</a:t>
+                        <a:t>11</a:t>
                       </a:r>
                       <a:endParaRPr kumimoji="1" lang="ja-JP" altLang="en-US" sz="1000" dirty="0"/>
                     </a:p>
@@ -21578,7 +28604,7 @@
                     <a:p>
                       <a:r>
                         <a:rPr kumimoji="1" lang="en-US" altLang="ja-JP" sz="1000" dirty="0" smtClean="0"/>
-                        <a:t>11</a:t>
+                        <a:t>12</a:t>
                       </a:r>
                       <a:endParaRPr kumimoji="1" lang="ja-JP" altLang="en-US" sz="1000" dirty="0"/>
                     </a:p>
@@ -21646,7 +28672,7 @@
                     <a:p>
                       <a:r>
                         <a:rPr kumimoji="1" lang="en-GB" altLang="ja-JP" sz="1000" dirty="0" smtClean="0"/>
-                        <a:t>12</a:t>
+                        <a:t>13</a:t>
                       </a:r>
                       <a:endParaRPr kumimoji="1" lang="ja-JP" altLang="en-US" sz="1000" dirty="0"/>
                     </a:p>
@@ -21974,45 +29000,7 @@
         </p:nvSpPr>
         <p:spPr>
           <a:xfrm>
-            <a:off x="1853047" y="2793492"/>
-            <a:ext cx="327334" cy="246221"/>
-          </a:xfrm>
-          <a:prstGeom prst="rect">
-            <a:avLst/>
-          </a:prstGeom>
-          <a:noFill/>
-        </p:spPr>
-        <p:txBody>
-          <a:bodyPr wrap="none" rtlCol="0">
-            <a:spAutoFit/>
-          </a:bodyPr>
-          <a:lstStyle/>
-          <a:p>
-            <a:r>
-              <a:rPr kumimoji="1" lang="en-US" altLang="ja-JP" sz="1000" dirty="0" smtClean="0">
-                <a:solidFill>
-                  <a:srgbClr val="FF0000"/>
-                </a:solidFill>
-              </a:rPr>
-              <a:t>(9)</a:t>
-            </a:r>
-            <a:endParaRPr kumimoji="1" lang="ja-JP" altLang="en-US" sz="1000" dirty="0">
-              <a:solidFill>
-                <a:srgbClr val="FF0000"/>
-              </a:solidFill>
-            </a:endParaRPr>
-          </a:p>
-        </p:txBody>
-      </p:sp>
-      <p:sp>
-        <p:nvSpPr>
-          <p:cNvPr id="38" name="TextBox 37"/>
-          <p:cNvSpPr txBox="1"/>
-          <p:nvPr/>
-        </p:nvSpPr>
-        <p:spPr>
-          <a:xfrm>
-            <a:off x="2510629" y="2805542"/>
+            <a:off x="2089609" y="2621397"/>
             <a:ext cx="393056" cy="246221"/>
           </a:xfrm>
           <a:prstGeom prst="rect">
@@ -22033,6 +29021,52 @@
                 </a:solidFill>
               </a:rPr>
               <a:t>(10)</a:t>
+            </a:r>
+            <a:endParaRPr kumimoji="1" lang="ja-JP" altLang="en-US" sz="1000" dirty="0">
+              <a:solidFill>
+                <a:srgbClr val="FF0000"/>
+              </a:solidFill>
+            </a:endParaRPr>
+          </a:p>
+        </p:txBody>
+      </p:sp>
+      <p:sp>
+        <p:nvSpPr>
+          <p:cNvPr id="38" name="TextBox 37"/>
+          <p:cNvSpPr txBox="1"/>
+          <p:nvPr/>
+        </p:nvSpPr>
+        <p:spPr>
+          <a:xfrm>
+            <a:off x="2510629" y="2805542"/>
+            <a:ext cx="393056" cy="246221"/>
+          </a:xfrm>
+          <a:prstGeom prst="rect">
+            <a:avLst/>
+          </a:prstGeom>
+          <a:noFill/>
+        </p:spPr>
+        <p:txBody>
+          <a:bodyPr wrap="none" rtlCol="0">
+            <a:spAutoFit/>
+          </a:bodyPr>
+          <a:lstStyle/>
+          <a:p>
+            <a:r>
+              <a:rPr kumimoji="1" lang="en-US" altLang="ja-JP" sz="1000" dirty="0" smtClean="0">
+                <a:solidFill>
+                  <a:srgbClr val="FF0000"/>
+                </a:solidFill>
+              </a:rPr>
+              <a:t>(</a:t>
+            </a:r>
+            <a:r>
+              <a:rPr kumimoji="1" lang="en-US" altLang="ja-JP" sz="1000" dirty="0" smtClean="0">
+                <a:solidFill>
+                  <a:srgbClr val="FF0000"/>
+                </a:solidFill>
+              </a:rPr>
+              <a:t>11)</a:t>
             </a:r>
             <a:endParaRPr kumimoji="1" lang="ja-JP" altLang="en-US" sz="1000" dirty="0">
               <a:solidFill>
@@ -22730,7 +29764,7 @@
                   <a:srgbClr val="FF0000"/>
                 </a:solidFill>
               </a:rPr>
-              <a:t>11)</a:t>
+              <a:t>12)</a:t>
             </a:r>
             <a:endParaRPr kumimoji="1" lang="ja-JP" altLang="en-US" sz="1000" dirty="0">
               <a:solidFill>
@@ -22814,7 +29848,7 @@
                   <a:srgbClr val="FF0000"/>
                 </a:solidFill>
               </a:rPr>
-              <a:t>12)</a:t>
+              <a:t>13)</a:t>
             </a:r>
             <a:endParaRPr kumimoji="1" lang="ja-JP" altLang="en-US" sz="1000" dirty="0">
               <a:solidFill>
@@ -22955,6 +29989,44 @@
                 </a:solidFill>
               </a:rPr>
               <a:t>(5)</a:t>
+            </a:r>
+            <a:endParaRPr kumimoji="1" lang="ja-JP" altLang="en-US" sz="1000" dirty="0">
+              <a:solidFill>
+                <a:srgbClr val="FF0000"/>
+              </a:solidFill>
+            </a:endParaRPr>
+          </a:p>
+        </p:txBody>
+      </p:sp>
+      <p:sp>
+        <p:nvSpPr>
+          <p:cNvPr id="53" name="TextBox 52"/>
+          <p:cNvSpPr txBox="1"/>
+          <p:nvPr/>
+        </p:nvSpPr>
+        <p:spPr>
+          <a:xfrm>
+            <a:off x="3690133" y="1754217"/>
+            <a:ext cx="327334" cy="246221"/>
+          </a:xfrm>
+          <a:prstGeom prst="rect">
+            <a:avLst/>
+          </a:prstGeom>
+          <a:noFill/>
+        </p:spPr>
+        <p:txBody>
+          <a:bodyPr wrap="none" rtlCol="0">
+            <a:spAutoFit/>
+          </a:bodyPr>
+          <a:lstStyle/>
+          <a:p>
+            <a:r>
+              <a:rPr kumimoji="1" lang="en-US" altLang="ja-JP" sz="1000" dirty="0" smtClean="0">
+                <a:solidFill>
+                  <a:srgbClr val="FF0000"/>
+                </a:solidFill>
+              </a:rPr>
+              <a:t>(9)</a:t>
             </a:r>
             <a:endParaRPr kumimoji="1" lang="ja-JP" altLang="en-US" sz="1000" dirty="0">
               <a:solidFill>
@@ -23313,7 +30385,7 @@
         <p:spPr>
           <a:xfrm>
             <a:off x="1981675" y="1932468"/>
-            <a:ext cx="1646605" cy="253916"/>
+            <a:ext cx="2287806" cy="253916"/>
           </a:xfrm>
           <a:prstGeom prst="rect">
             <a:avLst/>
@@ -23364,7 +30436,17 @@
                   </a:schemeClr>
                 </a:solidFill>
               </a:rPr>
-              <a:t>| All Post </a:t>
+              <a:t>| All </a:t>
+            </a:r>
+            <a:r>
+              <a:rPr kumimoji="1" lang="en-US" altLang="ja-JP" sz="1050" dirty="0" smtClean="0">
+                <a:solidFill>
+                  <a:schemeClr val="bg2">
+                    <a:lumMod val="75000"/>
+                  </a:schemeClr>
+                </a:solidFill>
+              </a:rPr>
+              <a:t>Post | New Post </a:t>
             </a:r>
             <a:endParaRPr kumimoji="1" lang="ja-JP" altLang="en-US" sz="1050" dirty="0">
               <a:solidFill>
@@ -23385,14 +30467,14 @@
           <p:nvPr>
             <p:extLst>
               <p:ext uri="{D42A27DB-BD31-4B8C-83A1-F6EECF244321}">
-                <p14:modId xmlns:p14="http://schemas.microsoft.com/office/powerpoint/2010/main" val="311247599"/>
+                <p14:modId xmlns:p14="http://schemas.microsoft.com/office/powerpoint/2010/main" val="292009044"/>
               </p:ext>
             </p:extLst>
           </p:nvPr>
         </p:nvGraphicFramePr>
         <p:xfrm>
           <a:off x="6764863" y="746700"/>
-          <a:ext cx="3903137" cy="4874488"/>
+          <a:ext cx="3903137" cy="5597810"/>
         </p:xfrm>
         <a:graphic>
           <a:graphicData uri="http://schemas.openxmlformats.org/drawingml/2006/table">
@@ -24043,8 +31125,75 @@
                     <a:lstStyle/>
                     <a:p>
                       <a:r>
+                        <a:rPr kumimoji="1" lang="en-GB" altLang="ja-JP" sz="1000" dirty="0" smtClean="0"/>
+                        <a:t>9</a:t>
+                      </a:r>
+                      <a:endParaRPr kumimoji="1" lang="ja-JP" altLang="en-US" sz="1000" dirty="0"/>
+                    </a:p>
+                  </a:txBody>
+                  <a:tcPr/>
+                </a:tc>
+                <a:tc>
+                  <a:txBody>
+                    <a:bodyPr/>
+                    <a:lstStyle/>
+                    <a:p>
+                      <a:r>
+                        <a:rPr kumimoji="1" lang="en-GB" altLang="ja-JP" sz="1000" dirty="0" smtClean="0"/>
+                        <a:t>New Post</a:t>
+                      </a:r>
+                      <a:endParaRPr kumimoji="1" lang="ja-JP" altLang="en-US" sz="1000" dirty="0"/>
+                    </a:p>
+                  </a:txBody>
+                  <a:tcPr/>
+                </a:tc>
+                <a:tc>
+                  <a:txBody>
+                    <a:bodyPr/>
+                    <a:lstStyle/>
+                    <a:p>
+                      <a:endParaRPr kumimoji="1" lang="ja-JP" altLang="en-US" sz="1000" dirty="0"/>
+                    </a:p>
+                  </a:txBody>
+                  <a:tcPr/>
+                </a:tc>
+                <a:tc>
+                  <a:txBody>
+                    <a:bodyPr/>
+                    <a:lstStyle/>
+                    <a:p>
+                      <a:r>
+                        <a:rPr kumimoji="1" lang="en-GB" altLang="ja-JP" sz="1000" dirty="0" smtClean="0"/>
+                        <a:t>Click =&gt; show create post page</a:t>
+                      </a:r>
+                      <a:endParaRPr kumimoji="1" lang="ja-JP" altLang="en-US" sz="1000" dirty="0"/>
+                    </a:p>
+                  </a:txBody>
+                  <a:tcPr/>
+                </a:tc>
+                <a:tc>
+                  <a:txBody>
+                    <a:bodyPr/>
+                    <a:lstStyle/>
+                    <a:p>
+                      <a:endParaRPr kumimoji="1" lang="ja-JP" altLang="en-US" sz="1000" dirty="0">
+                        <a:latin typeface="Calibri"/>
+                        <a:cs typeface="Calibri"/>
+                      </a:endParaRPr>
+                    </a:p>
+                  </a:txBody>
+                  <a:tcPr/>
+                </a:tc>
+              </a:tr>
+              <a:tr h="327082">
+                <a:tc>
+                  <a:txBody>
+                    <a:bodyPr/>
+                    <a:lstStyle/>
+                    <a:p>
+                      <a:r>
                         <a:rPr kumimoji="1" lang="en-US" altLang="ja-JP" sz="1000" dirty="0" smtClean="0"/>
-                        <a:t>9</a:t>
+                        <a:t>10</a:t>
                       </a:r>
                       <a:endParaRPr kumimoji="1" lang="ja-JP" altLang="en-US" sz="1000" dirty="0"/>
                     </a:p>
@@ -24132,7 +31281,7 @@
                     <a:p>
                       <a:r>
                         <a:rPr kumimoji="1" lang="en-US" altLang="ja-JP" sz="1000" dirty="0" smtClean="0"/>
-                        <a:t>10</a:t>
+                        <a:t>11</a:t>
                       </a:r>
                       <a:endParaRPr kumimoji="1" lang="ja-JP" altLang="en-US" sz="1000" dirty="0"/>
                     </a:p>
@@ -24211,7 +31360,7 @@
                     <a:p>
                       <a:r>
                         <a:rPr kumimoji="1" lang="en-US" altLang="ja-JP" sz="1000" dirty="0" smtClean="0"/>
-                        <a:t>11</a:t>
+                        <a:t>12</a:t>
                       </a:r>
                       <a:endParaRPr kumimoji="1" lang="ja-JP" altLang="en-US" sz="1000" dirty="0"/>
                     </a:p>
@@ -24253,11 +31402,7 @@
                       </a:r>
                       <a:r>
                         <a:rPr kumimoji="1" lang="en-GB" altLang="ja-JP" sz="1000" baseline="0" dirty="0" smtClean="0"/>
-                        <a:t> </a:t>
-                      </a:r>
-                      <a:r>
-                        <a:rPr kumimoji="1" lang="en-GB" altLang="ja-JP" sz="1000" baseline="0" dirty="0" smtClean="0"/>
-                        <a:t>go to edit post page</a:t>
+                        <a:t> go to edit post page</a:t>
                       </a:r>
                       <a:endParaRPr kumimoji="1" lang="ja-JP" altLang="en-US" sz="1000" dirty="0"/>
                     </a:p>
@@ -24283,7 +31428,71 @@
                     <a:p>
                       <a:r>
                         <a:rPr kumimoji="1" lang="en-GB" altLang="ja-JP" sz="1000" dirty="0" smtClean="0"/>
-                        <a:t>12</a:t>
+                        <a:t>13</a:t>
+                      </a:r>
+                      <a:endParaRPr kumimoji="1" lang="ja-JP" altLang="en-US" sz="1000" dirty="0"/>
+                    </a:p>
+                  </a:txBody>
+                  <a:tcPr/>
+                </a:tc>
+                <a:tc>
+                  <a:txBody>
+                    <a:bodyPr/>
+                    <a:lstStyle/>
+                    <a:p>
+                      <a:r>
+                        <a:rPr kumimoji="1" lang="en-GB" altLang="ja-JP" sz="1000" dirty="0" smtClean="0"/>
+                        <a:t>Delete button</a:t>
+                      </a:r>
+                      <a:endParaRPr kumimoji="1" lang="ja-JP" altLang="en-US" sz="1000" dirty="0"/>
+                    </a:p>
+                  </a:txBody>
+                  <a:tcPr/>
+                </a:tc>
+                <a:tc>
+                  <a:txBody>
+                    <a:bodyPr/>
+                    <a:lstStyle/>
+                    <a:p>
+                      <a:endParaRPr kumimoji="1" lang="ja-JP" altLang="en-US" sz="1000" dirty="0"/>
+                    </a:p>
+                  </a:txBody>
+                  <a:tcPr/>
+                </a:tc>
+                <a:tc>
+                  <a:txBody>
+                    <a:bodyPr/>
+                    <a:lstStyle/>
+                    <a:p>
+                      <a:r>
+                        <a:rPr kumimoji="1" lang="en-GB" altLang="ja-JP" sz="1000" dirty="0" smtClean="0"/>
+                        <a:t>Click =&gt; delete a post</a:t>
+                      </a:r>
+                      <a:endParaRPr kumimoji="1" lang="ja-JP" altLang="en-US" sz="1000" dirty="0"/>
+                    </a:p>
+                  </a:txBody>
+                  <a:tcPr/>
+                </a:tc>
+                <a:tc>
+                  <a:txBody>
+                    <a:bodyPr/>
+                    <a:lstStyle/>
+                    <a:p>
+                      <a:endParaRPr kumimoji="1" lang="ja-JP" altLang="en-US" sz="1000" dirty="0"/>
+                    </a:p>
+                  </a:txBody>
+                  <a:tcPr/>
+                </a:tc>
+              </a:tr>
+              <a:tr h="327082">
+                <a:tc>
+                  <a:txBody>
+                    <a:bodyPr/>
+                    <a:lstStyle/>
+                    <a:p>
+                      <a:r>
+                        <a:rPr kumimoji="1" lang="en-GB" altLang="ja-JP" sz="1000" dirty="0" smtClean="0"/>
+                        <a:t>14</a:t>
                       </a:r>
                       <a:endParaRPr kumimoji="1" lang="ja-JP" altLang="en-US" sz="1000" dirty="0"/>
                     </a:p>
@@ -24611,45 +31820,7 @@
         </p:nvSpPr>
         <p:spPr>
           <a:xfrm>
-            <a:off x="1853047" y="2793492"/>
-            <a:ext cx="327334" cy="246221"/>
-          </a:xfrm>
-          <a:prstGeom prst="rect">
-            <a:avLst/>
-          </a:prstGeom>
-          <a:noFill/>
-        </p:spPr>
-        <p:txBody>
-          <a:bodyPr wrap="none" rtlCol="0">
-            <a:spAutoFit/>
-          </a:bodyPr>
-          <a:lstStyle/>
-          <a:p>
-            <a:r>
-              <a:rPr kumimoji="1" lang="en-US" altLang="ja-JP" sz="1000" dirty="0" smtClean="0">
-                <a:solidFill>
-                  <a:srgbClr val="FF0000"/>
-                </a:solidFill>
-              </a:rPr>
-              <a:t>(9)</a:t>
-            </a:r>
-            <a:endParaRPr kumimoji="1" lang="ja-JP" altLang="en-US" sz="1000" dirty="0">
-              <a:solidFill>
-                <a:srgbClr val="FF0000"/>
-              </a:solidFill>
-            </a:endParaRPr>
-          </a:p>
-        </p:txBody>
-      </p:sp>
-      <p:sp>
-        <p:nvSpPr>
-          <p:cNvPr id="38" name="TextBox 37"/>
-          <p:cNvSpPr txBox="1"/>
-          <p:nvPr/>
-        </p:nvSpPr>
-        <p:spPr>
-          <a:xfrm>
-            <a:off x="2510629" y="2805542"/>
+            <a:off x="2091740" y="2648853"/>
             <a:ext cx="393056" cy="246221"/>
           </a:xfrm>
           <a:prstGeom prst="rect">
@@ -24670,6 +31841,52 @@
                 </a:solidFill>
               </a:rPr>
               <a:t>(10)</a:t>
+            </a:r>
+            <a:endParaRPr kumimoji="1" lang="ja-JP" altLang="en-US" sz="1000" dirty="0">
+              <a:solidFill>
+                <a:srgbClr val="FF0000"/>
+              </a:solidFill>
+            </a:endParaRPr>
+          </a:p>
+        </p:txBody>
+      </p:sp>
+      <p:sp>
+        <p:nvSpPr>
+          <p:cNvPr id="38" name="TextBox 37"/>
+          <p:cNvSpPr txBox="1"/>
+          <p:nvPr/>
+        </p:nvSpPr>
+        <p:spPr>
+          <a:xfrm>
+            <a:off x="2510629" y="2805542"/>
+            <a:ext cx="393056" cy="246221"/>
+          </a:xfrm>
+          <a:prstGeom prst="rect">
+            <a:avLst/>
+          </a:prstGeom>
+          <a:noFill/>
+        </p:spPr>
+        <p:txBody>
+          <a:bodyPr wrap="none" rtlCol="0">
+            <a:spAutoFit/>
+          </a:bodyPr>
+          <a:lstStyle/>
+          <a:p>
+            <a:r>
+              <a:rPr kumimoji="1" lang="en-US" altLang="ja-JP" sz="1000" dirty="0" smtClean="0">
+                <a:solidFill>
+                  <a:srgbClr val="FF0000"/>
+                </a:solidFill>
+              </a:rPr>
+              <a:t>(</a:t>
+            </a:r>
+            <a:r>
+              <a:rPr kumimoji="1" lang="en-US" altLang="ja-JP" sz="1000" dirty="0" smtClean="0">
+                <a:solidFill>
+                  <a:srgbClr val="FF0000"/>
+                </a:solidFill>
+              </a:rPr>
+              <a:t>11)</a:t>
             </a:r>
             <a:endParaRPr kumimoji="1" lang="ja-JP" altLang="en-US" sz="1000" dirty="0">
               <a:solidFill>
@@ -25367,7 +32584,7 @@
                   <a:srgbClr val="FF0000"/>
                 </a:solidFill>
               </a:rPr>
-              <a:t>11)</a:t>
+              <a:t>12)</a:t>
             </a:r>
             <a:endParaRPr kumimoji="1" lang="ja-JP" altLang="en-US" sz="1000" dirty="0">
               <a:solidFill>
@@ -25423,7 +32640,7 @@
         </p:nvSpPr>
         <p:spPr>
           <a:xfrm>
-            <a:off x="3467662" y="3164001"/>
+            <a:off x="3523281" y="2616112"/>
             <a:ext cx="393056" cy="246221"/>
           </a:xfrm>
           <a:prstGeom prst="rect">
@@ -25451,7 +32668,7 @@
                   <a:srgbClr val="FF0000"/>
                 </a:solidFill>
               </a:rPr>
-              <a:t>12)</a:t>
+              <a:t>13)</a:t>
             </a:r>
             <a:endParaRPr kumimoji="1" lang="ja-JP" altLang="en-US" sz="1000" dirty="0">
               <a:solidFill>
@@ -25781,6 +32998,270 @@
           </a:prstGeom>
         </p:spPr>
       </p:pic>
+      <p:sp>
+        <p:nvSpPr>
+          <p:cNvPr id="77" name="TextBox 76"/>
+          <p:cNvSpPr txBox="1"/>
+          <p:nvPr/>
+        </p:nvSpPr>
+        <p:spPr>
+          <a:xfrm>
+            <a:off x="3714204" y="1766556"/>
+            <a:ext cx="327334" cy="246221"/>
+          </a:xfrm>
+          <a:prstGeom prst="rect">
+            <a:avLst/>
+          </a:prstGeom>
+          <a:noFill/>
+        </p:spPr>
+        <p:txBody>
+          <a:bodyPr wrap="none" rtlCol="0">
+            <a:spAutoFit/>
+          </a:bodyPr>
+          <a:lstStyle/>
+          <a:p>
+            <a:r>
+              <a:rPr kumimoji="1" lang="en-US" altLang="ja-JP" sz="1000" dirty="0" smtClean="0">
+                <a:solidFill>
+                  <a:srgbClr val="FF0000"/>
+                </a:solidFill>
+              </a:rPr>
+              <a:t>(9)</a:t>
+            </a:r>
+            <a:endParaRPr kumimoji="1" lang="ja-JP" altLang="en-US" sz="1000" dirty="0">
+              <a:solidFill>
+                <a:srgbClr val="FF0000"/>
+              </a:solidFill>
+            </a:endParaRPr>
+          </a:p>
+        </p:txBody>
+      </p:sp>
+      <p:pic>
+        <p:nvPicPr>
+          <p:cNvPr id="80" name="Picture 79"/>
+          <p:cNvPicPr>
+            <a:picLocks noChangeAspect="1"/>
+          </p:cNvPicPr>
+          <p:nvPr/>
+        </p:nvPicPr>
+        <p:blipFill>
+          <a:blip r:embed="rId3" cstate="print">
+            <a:extLst>
+              <a:ext uri="{28A0092B-C50C-407E-A947-70E740481C1C}">
+                <a14:useLocalDpi xmlns:a14="http://schemas.microsoft.com/office/drawing/2010/main" val="0"/>
+              </a:ext>
+            </a:extLst>
+          </a:blip>
+          <a:stretch>
+            <a:fillRect/>
+          </a:stretch>
+        </p:blipFill>
+        <p:spPr>
+          <a:xfrm>
+            <a:off x="3713795" y="3466444"/>
+            <a:ext cx="72000" cy="72000"/>
+          </a:xfrm>
+          <a:prstGeom prst="rect">
+            <a:avLst/>
+          </a:prstGeom>
+        </p:spPr>
+      </p:pic>
+      <p:pic>
+        <p:nvPicPr>
+          <p:cNvPr id="81" name="Picture 80"/>
+          <p:cNvPicPr>
+            <a:picLocks noChangeAspect="1"/>
+          </p:cNvPicPr>
+          <p:nvPr/>
+        </p:nvPicPr>
+        <p:blipFill>
+          <a:blip r:embed="rId3" cstate="print">
+            <a:extLst>
+              <a:ext uri="{28A0092B-C50C-407E-A947-70E740481C1C}">
+                <a14:useLocalDpi xmlns:a14="http://schemas.microsoft.com/office/drawing/2010/main" val="0"/>
+              </a:ext>
+            </a:extLst>
+          </a:blip>
+          <a:stretch>
+            <a:fillRect/>
+          </a:stretch>
+        </p:blipFill>
+        <p:spPr>
+          <a:xfrm>
+            <a:off x="3716141" y="4172170"/>
+            <a:ext cx="72000" cy="72000"/>
+          </a:xfrm>
+          <a:prstGeom prst="rect">
+            <a:avLst/>
+          </a:prstGeom>
+        </p:spPr>
+      </p:pic>
+      <p:pic>
+        <p:nvPicPr>
+          <p:cNvPr id="82" name="Picture 81"/>
+          <p:cNvPicPr>
+            <a:picLocks noChangeAspect="1"/>
+          </p:cNvPicPr>
+          <p:nvPr/>
+        </p:nvPicPr>
+        <p:blipFill>
+          <a:blip r:embed="rId3" cstate="print">
+            <a:extLst>
+              <a:ext uri="{28A0092B-C50C-407E-A947-70E740481C1C}">
+                <a14:useLocalDpi xmlns:a14="http://schemas.microsoft.com/office/drawing/2010/main" val="0"/>
+              </a:ext>
+            </a:extLst>
+          </a:blip>
+          <a:stretch>
+            <a:fillRect/>
+          </a:stretch>
+        </p:blipFill>
+        <p:spPr>
+          <a:xfrm>
+            <a:off x="6163922" y="2835741"/>
+            <a:ext cx="72000" cy="72000"/>
+          </a:xfrm>
+          <a:prstGeom prst="rect">
+            <a:avLst/>
+          </a:prstGeom>
+        </p:spPr>
+      </p:pic>
+      <p:pic>
+        <p:nvPicPr>
+          <p:cNvPr id="83" name="Picture 82"/>
+          <p:cNvPicPr>
+            <a:picLocks noChangeAspect="1"/>
+          </p:cNvPicPr>
+          <p:nvPr/>
+        </p:nvPicPr>
+        <p:blipFill>
+          <a:blip r:embed="rId3" cstate="print">
+            <a:extLst>
+              <a:ext uri="{28A0092B-C50C-407E-A947-70E740481C1C}">
+                <a14:useLocalDpi xmlns:a14="http://schemas.microsoft.com/office/drawing/2010/main" val="0"/>
+              </a:ext>
+            </a:extLst>
+          </a:blip>
+          <a:stretch>
+            <a:fillRect/>
+          </a:stretch>
+        </p:blipFill>
+        <p:spPr>
+          <a:xfrm>
+            <a:off x="3716141" y="2835741"/>
+            <a:ext cx="72000" cy="72000"/>
+          </a:xfrm>
+          <a:prstGeom prst="rect">
+            <a:avLst/>
+          </a:prstGeom>
+        </p:spPr>
+      </p:pic>
+      <p:pic>
+        <p:nvPicPr>
+          <p:cNvPr id="84" name="Picture 83"/>
+          <p:cNvPicPr>
+            <a:picLocks noChangeAspect="1"/>
+          </p:cNvPicPr>
+          <p:nvPr/>
+        </p:nvPicPr>
+        <p:blipFill>
+          <a:blip r:embed="rId3" cstate="print">
+            <a:extLst>
+              <a:ext uri="{28A0092B-C50C-407E-A947-70E740481C1C}">
+                <a14:useLocalDpi xmlns:a14="http://schemas.microsoft.com/office/drawing/2010/main" val="0"/>
+              </a:ext>
+            </a:extLst>
+          </a:blip>
+          <a:stretch>
+            <a:fillRect/>
+          </a:stretch>
+        </p:blipFill>
+        <p:spPr>
+          <a:xfrm>
+            <a:off x="6189713" y="3522714"/>
+            <a:ext cx="72000" cy="72000"/>
+          </a:xfrm>
+          <a:prstGeom prst="rect">
+            <a:avLst/>
+          </a:prstGeom>
+        </p:spPr>
+      </p:pic>
+      <p:pic>
+        <p:nvPicPr>
+          <p:cNvPr id="86" name="Picture 85"/>
+          <p:cNvPicPr>
+            <a:picLocks noChangeAspect="1"/>
+          </p:cNvPicPr>
+          <p:nvPr/>
+        </p:nvPicPr>
+        <p:blipFill>
+          <a:blip r:embed="rId3" cstate="print">
+            <a:extLst>
+              <a:ext uri="{28A0092B-C50C-407E-A947-70E740481C1C}">
+                <a14:useLocalDpi xmlns:a14="http://schemas.microsoft.com/office/drawing/2010/main" val="0"/>
+              </a:ext>
+            </a:extLst>
+          </a:blip>
+          <a:stretch>
+            <a:fillRect/>
+          </a:stretch>
+        </p:blipFill>
+        <p:spPr>
+          <a:xfrm>
+            <a:off x="6217849" y="4183896"/>
+            <a:ext cx="72000" cy="72000"/>
+          </a:xfrm>
+          <a:prstGeom prst="rect">
+            <a:avLst/>
+          </a:prstGeom>
+        </p:spPr>
+      </p:pic>
+      <p:sp>
+        <p:nvSpPr>
+          <p:cNvPr id="87" name="TextBox 86"/>
+          <p:cNvSpPr txBox="1"/>
+          <p:nvPr/>
+        </p:nvSpPr>
+        <p:spPr>
+          <a:xfrm>
+            <a:off x="3478732" y="3148340"/>
+            <a:ext cx="393056" cy="246221"/>
+          </a:xfrm>
+          <a:prstGeom prst="rect">
+            <a:avLst/>
+          </a:prstGeom>
+          <a:noFill/>
+        </p:spPr>
+        <p:txBody>
+          <a:bodyPr wrap="none" rtlCol="0">
+            <a:spAutoFit/>
+          </a:bodyPr>
+          <a:lstStyle/>
+          <a:p>
+            <a:r>
+              <a:rPr kumimoji="1" lang="en-US" altLang="ja-JP" sz="1000" dirty="0" smtClean="0">
+                <a:solidFill>
+                  <a:srgbClr val="FF0000"/>
+                </a:solidFill>
+              </a:rPr>
+              <a:t>(</a:t>
+            </a:r>
+            <a:r>
+              <a:rPr kumimoji="1" lang="en-US" altLang="ja-JP" sz="1000" dirty="0" smtClean="0">
+                <a:solidFill>
+                  <a:srgbClr val="FF0000"/>
+                </a:solidFill>
+              </a:rPr>
+              <a:t>14)</a:t>
+            </a:r>
+            <a:endParaRPr kumimoji="1" lang="ja-JP" altLang="en-US" sz="1000" dirty="0">
+              <a:solidFill>
+                <a:srgbClr val="FF0000"/>
+              </a:solidFill>
+            </a:endParaRPr>
+          </a:p>
+        </p:txBody>
+      </p:sp>
     </p:spTree>
     <p:extLst>
       <p:ext uri="{BB962C8B-B14F-4D97-AF65-F5344CB8AC3E}">

--- a/doc/frontend/wireframe/TRN-MiniBlog_WireframeDesign_NguyenDongThuc.pptx
+++ b/doc/frontend/wireframe/TRN-MiniBlog_WireframeDesign_NguyenDongThuc.pptx
@@ -5,7 +5,7 @@
     <p:sldMasterId id="2147483648" r:id="rId1"/>
   </p:sldMasterIdLst>
   <p:notesMasterIdLst>
-    <p:notesMasterId r:id="rId14"/>
+    <p:notesMasterId r:id="rId15"/>
   </p:notesMasterIdLst>
   <p:sldIdLst>
     <p:sldId id="256" r:id="rId2"/>
@@ -18,8 +18,9 @@
     <p:sldId id="266" r:id="rId9"/>
     <p:sldId id="267" r:id="rId10"/>
     <p:sldId id="268" r:id="rId11"/>
-    <p:sldId id="269" r:id="rId12"/>
-    <p:sldId id="270" r:id="rId13"/>
+    <p:sldId id="271" r:id="rId12"/>
+    <p:sldId id="269" r:id="rId13"/>
+    <p:sldId id="270" r:id="rId14"/>
   </p:sldIdLst>
   <p:sldSz cx="12192000" cy="6858000"/>
   <p:notesSz cx="6858000" cy="9144000"/>
@@ -4280,17 +4281,7 @@
                   </a:schemeClr>
                 </a:solidFill>
               </a:rPr>
-              <a:t> | My Post | All </a:t>
-            </a:r>
-            <a:r>
-              <a:rPr kumimoji="1" lang="en-US" altLang="ja-JP" sz="1050" dirty="0" smtClean="0">
-                <a:solidFill>
-                  <a:schemeClr val="bg2">
-                    <a:lumMod val="75000"/>
-                  </a:schemeClr>
-                </a:solidFill>
-              </a:rPr>
-              <a:t>Post | </a:t>
+              <a:t> | My Post | All Post | </a:t>
             </a:r>
             <a:r>
               <a:rPr kumimoji="1" lang="en-US" altLang="ja-JP" sz="1050" dirty="0" smtClean="0">
@@ -4321,14 +4312,14 @@
           <p:nvPr>
             <p:extLst>
               <p:ext uri="{D42A27DB-BD31-4B8C-83A1-F6EECF244321}">
-                <p14:modId xmlns:p14="http://schemas.microsoft.com/office/powerpoint/2010/main" val="1551123272"/>
+                <p14:modId xmlns:p14="http://schemas.microsoft.com/office/powerpoint/2010/main" val="1233572096"/>
               </p:ext>
             </p:extLst>
           </p:nvPr>
         </p:nvGraphicFramePr>
         <p:xfrm>
           <a:off x="6764863" y="746700"/>
-          <a:ext cx="3903137" cy="5063254"/>
+          <a:ext cx="3903137" cy="5459494"/>
         </p:xfrm>
         <a:graphic>
           <a:graphicData uri="http://schemas.openxmlformats.org/drawingml/2006/table">
@@ -5342,6 +5333,74 @@
                   <a:tcPr/>
                 </a:tc>
               </a:tr>
+              <a:tr h="327082">
+                <a:tc>
+                  <a:txBody>
+                    <a:bodyPr/>
+                    <a:lstStyle/>
+                    <a:p>
+                      <a:r>
+                        <a:rPr kumimoji="1" lang="en-GB" altLang="ja-JP" sz="1000" dirty="0" smtClean="0"/>
+                        <a:t>14</a:t>
+                      </a:r>
+                      <a:endParaRPr kumimoji="1" lang="ja-JP" altLang="en-US" sz="1000" dirty="0"/>
+                    </a:p>
+                  </a:txBody>
+                  <a:tcPr/>
+                </a:tc>
+                <a:tc>
+                  <a:txBody>
+                    <a:bodyPr/>
+                    <a:lstStyle/>
+                    <a:p>
+                      <a:r>
+                        <a:rPr kumimoji="1" lang="en-GB" altLang="ja-JP" sz="1000" dirty="0" smtClean="0"/>
+                        <a:t>Preview button</a:t>
+                      </a:r>
+                      <a:endParaRPr kumimoji="1" lang="ja-JP" altLang="en-US" sz="1000" dirty="0"/>
+                    </a:p>
+                  </a:txBody>
+                  <a:tcPr/>
+                </a:tc>
+                <a:tc>
+                  <a:txBody>
+                    <a:bodyPr/>
+                    <a:lstStyle/>
+                    <a:p>
+                      <a:endParaRPr kumimoji="1" lang="ja-JP" altLang="en-US" sz="1000" dirty="0"/>
+                    </a:p>
+                  </a:txBody>
+                  <a:tcPr/>
+                </a:tc>
+                <a:tc>
+                  <a:txBody>
+                    <a:bodyPr/>
+                    <a:lstStyle/>
+                    <a:p>
+                      <a:r>
+                        <a:rPr kumimoji="1" lang="en-GB" altLang="ja-JP" sz="1000" dirty="0" smtClean="0"/>
+                        <a:t>Click =&gt; go to preview</a:t>
+                      </a:r>
+                      <a:r>
+                        <a:rPr kumimoji="1" lang="en-GB" altLang="ja-JP" sz="1000" baseline="0" dirty="0" smtClean="0"/>
+                        <a:t> page</a:t>
+                      </a:r>
+                      <a:endParaRPr kumimoji="1" lang="ja-JP" altLang="en-US" sz="1000" dirty="0"/>
+                    </a:p>
+                  </a:txBody>
+                  <a:tcPr/>
+                </a:tc>
+                <a:tc>
+                  <a:txBody>
+                    <a:bodyPr/>
+                    <a:lstStyle/>
+                    <a:p>
+                      <a:endParaRPr kumimoji="1" lang="ja-JP" altLang="en-US" sz="1000" dirty="0"/>
+                    </a:p>
+                  </a:txBody>
+                  <a:tcPr/>
+                </a:tc>
+              </a:tr>
             </a:tbl>
           </a:graphicData>
         </a:graphic>
@@ -5648,95 +5707,79 @@
                   <a:srgbClr val="FF0000"/>
                 </a:solidFill>
               </a:rPr>
-              <a:t>(</a:t>
-            </a:r>
+              <a:t>(11)</a:t>
+            </a:r>
+            <a:endParaRPr kumimoji="1" lang="ja-JP" altLang="en-US" sz="1000" dirty="0">
+              <a:solidFill>
+                <a:srgbClr val="FF0000"/>
+              </a:solidFill>
+            </a:endParaRPr>
+          </a:p>
+        </p:txBody>
+      </p:sp>
+      <p:sp>
+        <p:nvSpPr>
+          <p:cNvPr id="72" name="TextBox 71"/>
+          <p:cNvSpPr txBox="1"/>
+          <p:nvPr/>
+        </p:nvSpPr>
+        <p:spPr>
+          <a:xfrm>
+            <a:off x="4274033" y="741764"/>
+            <a:ext cx="1336478" cy="246221"/>
+          </a:xfrm>
+          <a:prstGeom prst="rect">
+            <a:avLst/>
+          </a:prstGeom>
+          <a:noFill/>
+        </p:spPr>
+        <p:txBody>
+          <a:bodyPr wrap="square" rtlCol="0">
+            <a:spAutoFit/>
+          </a:bodyPr>
+          <a:lstStyle/>
+          <a:p>
+            <a:r>
+              <a:rPr kumimoji="1" lang="en-US" altLang="ja-JP" sz="1000" dirty="0" smtClean="0"/>
+              <a:t>Welcome, </a:t>
+            </a:r>
+            <a:r>
+              <a:rPr kumimoji="1" lang="en-US" altLang="ja-JP" sz="1000" dirty="0" err="1" smtClean="0"/>
+              <a:t>NguyenA</a:t>
+            </a:r>
+            <a:endParaRPr kumimoji="1" lang="ja-JP" altLang="en-US" sz="1000" dirty="0"/>
+          </a:p>
+        </p:txBody>
+      </p:sp>
+      <p:sp>
+        <p:nvSpPr>
+          <p:cNvPr id="78" name="TextBox 77"/>
+          <p:cNvSpPr txBox="1"/>
+          <p:nvPr/>
+        </p:nvSpPr>
+        <p:spPr>
+          <a:xfrm>
+            <a:off x="5012445" y="4010983"/>
+            <a:ext cx="393056" cy="246221"/>
+          </a:xfrm>
+          <a:prstGeom prst="rect">
+            <a:avLst/>
+          </a:prstGeom>
+          <a:noFill/>
+        </p:spPr>
+        <p:txBody>
+          <a:bodyPr wrap="none" rtlCol="0">
+            <a:spAutoFit/>
+          </a:bodyPr>
+          <a:lstStyle/>
+          <a:p>
             <a:r>
               <a:rPr kumimoji="1" lang="en-US" altLang="ja-JP" sz="1000" dirty="0" smtClean="0">
                 <a:solidFill>
                   <a:srgbClr val="FF0000"/>
                 </a:solidFill>
               </a:rPr>
-              <a:t>11)</a:t>
-            </a:r>
-            <a:endParaRPr kumimoji="1" lang="ja-JP" altLang="en-US" sz="1000" dirty="0">
-              <a:solidFill>
-                <a:srgbClr val="FF0000"/>
-              </a:solidFill>
-            </a:endParaRPr>
-          </a:p>
-        </p:txBody>
-      </p:sp>
-      <p:sp>
-        <p:nvSpPr>
-          <p:cNvPr id="72" name="TextBox 71"/>
-          <p:cNvSpPr txBox="1"/>
-          <p:nvPr/>
-        </p:nvSpPr>
-        <p:spPr>
-          <a:xfrm>
-            <a:off x="4274033" y="741764"/>
-            <a:ext cx="1336478" cy="246221"/>
-          </a:xfrm>
-          <a:prstGeom prst="rect">
-            <a:avLst/>
-          </a:prstGeom>
-          <a:noFill/>
-        </p:spPr>
-        <p:txBody>
-          <a:bodyPr wrap="square" rtlCol="0">
-            <a:spAutoFit/>
-          </a:bodyPr>
-          <a:lstStyle/>
-          <a:p>
-            <a:r>
-              <a:rPr kumimoji="1" lang="en-US" altLang="ja-JP" sz="1000" dirty="0" smtClean="0"/>
-              <a:t>Welcome, </a:t>
-            </a:r>
-            <a:r>
-              <a:rPr kumimoji="1" lang="en-US" altLang="ja-JP" sz="1000" dirty="0" err="1" smtClean="0"/>
-              <a:t>NguyenA</a:t>
-            </a:r>
-            <a:endParaRPr kumimoji="1" lang="ja-JP" altLang="en-US" sz="1000" dirty="0"/>
-          </a:p>
-        </p:txBody>
-      </p:sp>
-      <p:sp>
-        <p:nvSpPr>
-          <p:cNvPr id="78" name="TextBox 77"/>
-          <p:cNvSpPr txBox="1"/>
-          <p:nvPr/>
-        </p:nvSpPr>
-        <p:spPr>
-          <a:xfrm>
-            <a:off x="5012445" y="4010983"/>
-            <a:ext cx="393056" cy="246221"/>
-          </a:xfrm>
-          <a:prstGeom prst="rect">
-            <a:avLst/>
-          </a:prstGeom>
-          <a:noFill/>
-        </p:spPr>
-        <p:txBody>
-          <a:bodyPr wrap="none" rtlCol="0">
-            <a:spAutoFit/>
-          </a:bodyPr>
-          <a:lstStyle/>
-          <a:p>
-            <a:r>
-              <a:rPr kumimoji="1" lang="en-US" altLang="ja-JP" sz="1000" dirty="0" smtClean="0">
-                <a:solidFill>
-                  <a:srgbClr val="FF0000"/>
-                </a:solidFill>
-              </a:rPr>
-              <a:t>(</a:t>
-            </a:r>
-            <a:r>
-              <a:rPr kumimoji="1" lang="en-US" altLang="ja-JP" sz="1000" dirty="0" smtClean="0">
-                <a:solidFill>
-                  <a:srgbClr val="FF0000"/>
-                </a:solidFill>
-              </a:rPr>
-              <a:t>12)</a:t>
+              <a:t>(12)</a:t>
             </a:r>
             <a:endParaRPr kumimoji="1" lang="ja-JP" altLang="en-US" sz="1000" dirty="0">
               <a:solidFill>
@@ -5812,15 +5855,7 @@
                   <a:srgbClr val="FF0000"/>
                 </a:solidFill>
               </a:rPr>
-              <a:t>(</a:t>
-            </a:r>
-            <a:r>
-              <a:rPr kumimoji="1" lang="en-US" altLang="ja-JP" sz="1000" dirty="0" smtClean="0">
-                <a:solidFill>
-                  <a:srgbClr val="FF0000"/>
-                </a:solidFill>
-              </a:rPr>
-              <a:t>13)</a:t>
+              <a:t>(13)</a:t>
             </a:r>
             <a:endParaRPr kumimoji="1" lang="ja-JP" altLang="en-US" sz="1000" dirty="0">
               <a:solidFill>
@@ -6314,6 +6349,94 @@
               <a:t>Publish</a:t>
             </a:r>
             <a:endParaRPr kumimoji="1" lang="ja-JP" altLang="en-US" sz="1000" dirty="0"/>
+          </a:p>
+        </p:txBody>
+      </p:sp>
+      <p:sp>
+        <p:nvSpPr>
+          <p:cNvPr id="35" name="Rectangle 34"/>
+          <p:cNvSpPr/>
+          <p:nvPr/>
+        </p:nvSpPr>
+        <p:spPr>
+          <a:xfrm>
+            <a:off x="3793216" y="4625042"/>
+            <a:ext cx="602751" cy="218077"/>
+          </a:xfrm>
+          <a:prstGeom prst="rect">
+            <a:avLst/>
+          </a:prstGeom>
+        </p:spPr>
+        <p:style>
+          <a:lnRef idx="1">
+            <a:schemeClr val="accent1"/>
+          </a:lnRef>
+          <a:fillRef idx="3">
+            <a:schemeClr val="accent1"/>
+          </a:fillRef>
+          <a:effectRef idx="2">
+            <a:schemeClr val="accent1"/>
+          </a:effectRef>
+          <a:fontRef idx="minor">
+            <a:schemeClr val="lt1"/>
+          </a:fontRef>
+        </p:style>
+        <p:txBody>
+          <a:bodyPr rtlCol="0" anchor="ctr"/>
+          <a:lstStyle/>
+          <a:p>
+            <a:pPr algn="ctr"/>
+            <a:r>
+              <a:rPr kumimoji="1" lang="en-US" altLang="ja-JP" sz="1000" dirty="0" smtClean="0"/>
+              <a:t>Preview</a:t>
+            </a:r>
+            <a:endParaRPr kumimoji="1" lang="ja-JP" altLang="en-US" sz="1000" dirty="0"/>
+          </a:p>
+        </p:txBody>
+      </p:sp>
+      <p:sp>
+        <p:nvSpPr>
+          <p:cNvPr id="36" name="TextBox 35"/>
+          <p:cNvSpPr txBox="1"/>
+          <p:nvPr/>
+        </p:nvSpPr>
+        <p:spPr>
+          <a:xfrm>
+            <a:off x="3465868" y="4617469"/>
+            <a:ext cx="393056" cy="246221"/>
+          </a:xfrm>
+          <a:prstGeom prst="rect">
+            <a:avLst/>
+          </a:prstGeom>
+          <a:noFill/>
+        </p:spPr>
+        <p:txBody>
+          <a:bodyPr wrap="none" rtlCol="0">
+            <a:spAutoFit/>
+          </a:bodyPr>
+          <a:lstStyle/>
+          <a:p>
+            <a:r>
+              <a:rPr kumimoji="1" lang="en-US" altLang="ja-JP" sz="1000" dirty="0" smtClean="0">
+                <a:solidFill>
+                  <a:srgbClr val="FF0000"/>
+                </a:solidFill>
+              </a:rPr>
+              <a:t>(</a:t>
+            </a:r>
+            <a:r>
+              <a:rPr kumimoji="1" lang="en-US" altLang="ja-JP" sz="1000" dirty="0" smtClean="0">
+                <a:solidFill>
+                  <a:srgbClr val="FF0000"/>
+                </a:solidFill>
+              </a:rPr>
+              <a:t>14)</a:t>
+            </a:r>
+            <a:endParaRPr kumimoji="1" lang="ja-JP" altLang="en-US" sz="1000" dirty="0">
+              <a:solidFill>
+                <a:srgbClr val="FF0000"/>
+              </a:solidFill>
+            </a:endParaRPr>
           </a:p>
         </p:txBody>
       </p:sp>
@@ -6393,6 +6516,2064 @@
         <p:spPr>
           <a:xfrm>
             <a:off x="1717526" y="0"/>
+            <a:ext cx="1864934" cy="369332"/>
+          </a:xfrm>
+          <a:prstGeom prst="rect">
+            <a:avLst/>
+          </a:prstGeom>
+          <a:noFill/>
+        </p:spPr>
+        <p:txBody>
+          <a:bodyPr wrap="none" rtlCol="0">
+            <a:spAutoFit/>
+          </a:bodyPr>
+          <a:lstStyle/>
+          <a:p>
+            <a:r>
+              <a:rPr kumimoji="1" lang="en-US" altLang="ja-JP" dirty="0" smtClean="0"/>
+              <a:t>S-3-8 </a:t>
+            </a:r>
+            <a:r>
+              <a:rPr kumimoji="1" lang="en-US" altLang="ja-JP" dirty="0" err="1" smtClean="0"/>
+              <a:t>PreviewPost</a:t>
+            </a:r>
+            <a:endParaRPr kumimoji="1" lang="ja-JP" altLang="en-US" dirty="0"/>
+          </a:p>
+        </p:txBody>
+      </p:sp>
+      <p:sp useBgFill="1">
+        <p:nvSpPr>
+          <p:cNvPr id="2" name="Rectangle 1"/>
+          <p:cNvSpPr/>
+          <p:nvPr/>
+        </p:nvSpPr>
+        <p:spPr>
+          <a:xfrm>
+            <a:off x="1616738" y="699605"/>
+            <a:ext cx="4919133" cy="5785601"/>
+          </a:xfrm>
+          <a:prstGeom prst="rect">
+            <a:avLst/>
+          </a:prstGeom>
+          <a:ln>
+            <a:solidFill>
+              <a:schemeClr val="tx1"/>
+            </a:solidFill>
+          </a:ln>
+          <a:effectLst/>
+        </p:spPr>
+        <p:style>
+          <a:lnRef idx="1">
+            <a:schemeClr val="accent1"/>
+          </a:lnRef>
+          <a:fillRef idx="3">
+            <a:schemeClr val="accent1"/>
+          </a:fillRef>
+          <a:effectRef idx="2">
+            <a:schemeClr val="accent1"/>
+          </a:effectRef>
+          <a:fontRef idx="minor">
+            <a:schemeClr val="lt1"/>
+          </a:fontRef>
+        </p:style>
+        <p:txBody>
+          <a:bodyPr rtlCol="0" anchor="ctr"/>
+          <a:lstStyle/>
+          <a:p>
+            <a:pPr algn="ctr"/>
+            <a:endParaRPr kumimoji="1" lang="ja-JP" altLang="en-US">
+              <a:solidFill>
+                <a:srgbClr val="FF0000"/>
+              </a:solidFill>
+            </a:endParaRPr>
+          </a:p>
+        </p:txBody>
+      </p:sp>
+      <p:sp>
+        <p:nvSpPr>
+          <p:cNvPr id="3" name="Rectangle 2"/>
+          <p:cNvSpPr/>
+          <p:nvPr/>
+        </p:nvSpPr>
+        <p:spPr>
+          <a:xfrm>
+            <a:off x="2057857" y="916491"/>
+            <a:ext cx="1196687" cy="400110"/>
+          </a:xfrm>
+          <a:prstGeom prst="rect">
+            <a:avLst/>
+          </a:prstGeom>
+          <a:noFill/>
+        </p:spPr>
+        <p:txBody>
+          <a:bodyPr wrap="none" lIns="91440" tIns="45720" rIns="91440" bIns="45720">
+            <a:spAutoFit/>
+          </a:bodyPr>
+          <a:lstStyle/>
+          <a:p>
+            <a:pPr algn="ctr"/>
+            <a:r>
+              <a:rPr lang="en-US" altLang="ja-JP" sz="2000" b="1" dirty="0">
+                <a:ln w="12700">
+                  <a:solidFill>
+                    <a:schemeClr val="tx2">
+                      <a:satMod val="155000"/>
+                    </a:schemeClr>
+                  </a:solidFill>
+                  <a:prstDash val="solid"/>
+                </a:ln>
+                <a:solidFill>
+                  <a:schemeClr val="bg2">
+                    <a:tint val="85000"/>
+                    <a:satMod val="155000"/>
+                  </a:schemeClr>
+                </a:solidFill>
+                <a:effectLst>
+                  <a:outerShdw blurRad="41275" dist="20320" dir="1800000" algn="tl" rotWithShape="0">
+                    <a:srgbClr val="000000">
+                      <a:alpha val="40000"/>
+                    </a:srgbClr>
+                  </a:outerShdw>
+                </a:effectLst>
+              </a:rPr>
+              <a:t>Mini Blog</a:t>
+            </a:r>
+          </a:p>
+        </p:txBody>
+      </p:sp>
+      <p:sp>
+        <p:nvSpPr>
+          <p:cNvPr id="7" name="Rectangle 6"/>
+          <p:cNvSpPr/>
+          <p:nvPr/>
+        </p:nvSpPr>
+        <p:spPr>
+          <a:xfrm>
+            <a:off x="2059396" y="1532723"/>
+            <a:ext cx="1783449" cy="229218"/>
+          </a:xfrm>
+          <a:prstGeom prst="rect">
+            <a:avLst/>
+          </a:prstGeom>
+          <a:ln>
+            <a:solidFill>
+              <a:schemeClr val="tx1"/>
+            </a:solidFill>
+          </a:ln>
+          <a:effectLst/>
+        </p:spPr>
+        <p:style>
+          <a:lnRef idx="1">
+            <a:schemeClr val="accent1"/>
+          </a:lnRef>
+          <a:fillRef idx="3">
+            <a:schemeClr val="accent1"/>
+          </a:fillRef>
+          <a:effectRef idx="2">
+            <a:schemeClr val="accent1"/>
+          </a:effectRef>
+          <a:fontRef idx="minor">
+            <a:schemeClr val="lt1"/>
+          </a:fontRef>
+        </p:style>
+        <p:txBody>
+          <a:bodyPr rtlCol="0" anchor="ctr"/>
+          <a:lstStyle/>
+          <a:p>
+            <a:r>
+              <a:rPr kumimoji="1" lang="en-US" altLang="ja-JP" sz="800" i="1" dirty="0" smtClean="0">
+                <a:solidFill>
+                  <a:schemeClr val="bg1">
+                    <a:lumMod val="75000"/>
+                  </a:schemeClr>
+                </a:solidFill>
+              </a:rPr>
+              <a:t>Search user and post</a:t>
+            </a:r>
+            <a:endParaRPr kumimoji="1" lang="ja-JP" altLang="en-US" sz="800" i="1" dirty="0">
+              <a:solidFill>
+                <a:schemeClr val="bg1">
+                  <a:lumMod val="75000"/>
+                </a:schemeClr>
+              </a:solidFill>
+            </a:endParaRPr>
+          </a:p>
+        </p:txBody>
+      </p:sp>
+      <p:sp>
+        <p:nvSpPr>
+          <p:cNvPr id="8" name="Rectangle 7"/>
+          <p:cNvSpPr/>
+          <p:nvPr/>
+        </p:nvSpPr>
+        <p:spPr>
+          <a:xfrm>
+            <a:off x="3925590" y="1542508"/>
+            <a:ext cx="602751" cy="218077"/>
+          </a:xfrm>
+          <a:prstGeom prst="rect">
+            <a:avLst/>
+          </a:prstGeom>
+        </p:spPr>
+        <p:style>
+          <a:lnRef idx="1">
+            <a:schemeClr val="accent1"/>
+          </a:lnRef>
+          <a:fillRef idx="3">
+            <a:schemeClr val="accent1"/>
+          </a:fillRef>
+          <a:effectRef idx="2">
+            <a:schemeClr val="accent1"/>
+          </a:effectRef>
+          <a:fontRef idx="minor">
+            <a:schemeClr val="lt1"/>
+          </a:fontRef>
+        </p:style>
+        <p:txBody>
+          <a:bodyPr rtlCol="0" anchor="ctr"/>
+          <a:lstStyle/>
+          <a:p>
+            <a:pPr algn="ctr"/>
+            <a:r>
+              <a:rPr kumimoji="1" lang="en-US" altLang="ja-JP" sz="1000" dirty="0"/>
+              <a:t>Search</a:t>
+            </a:r>
+            <a:endParaRPr kumimoji="1" lang="ja-JP" altLang="en-US" sz="1000" dirty="0"/>
+          </a:p>
+        </p:txBody>
+      </p:sp>
+      <p:cxnSp>
+        <p:nvCxnSpPr>
+          <p:cNvPr id="13" name="Straight Connector 12"/>
+          <p:cNvCxnSpPr/>
+          <p:nvPr/>
+        </p:nvCxnSpPr>
+        <p:spPr>
+          <a:xfrm flipV="1">
+            <a:off x="2029750" y="2114405"/>
+            <a:ext cx="4358872" cy="42048"/>
+          </a:xfrm>
+          <a:prstGeom prst="line">
+            <a:avLst/>
+          </a:prstGeom>
+          <a:ln w="3175" cmpd="sng">
+            <a:solidFill>
+              <a:schemeClr val="bg1">
+                <a:lumMod val="75000"/>
+              </a:schemeClr>
+            </a:solidFill>
+          </a:ln>
+          <a:effectLst/>
+        </p:spPr>
+        <p:style>
+          <a:lnRef idx="2">
+            <a:schemeClr val="accent1"/>
+          </a:lnRef>
+          <a:fillRef idx="0">
+            <a:schemeClr val="accent1"/>
+          </a:fillRef>
+          <a:effectRef idx="1">
+            <a:schemeClr val="accent1"/>
+          </a:effectRef>
+          <a:fontRef idx="minor">
+            <a:schemeClr val="tx1"/>
+          </a:fontRef>
+        </p:style>
+      </p:cxnSp>
+      <p:graphicFrame>
+        <p:nvGraphicFramePr>
+          <p:cNvPr id="25" name="Table 24"/>
+          <p:cNvGraphicFramePr>
+            <a:graphicFrameLocks noGrp="1"/>
+          </p:cNvGraphicFramePr>
+          <p:nvPr>
+            <p:extLst>
+              <p:ext uri="{D42A27DB-BD31-4B8C-83A1-F6EECF244321}">
+                <p14:modId xmlns:p14="http://schemas.microsoft.com/office/powerpoint/2010/main" val="552153624"/>
+              </p:ext>
+            </p:extLst>
+          </p:nvPr>
+        </p:nvGraphicFramePr>
+        <p:xfrm>
+          <a:off x="6764863" y="746700"/>
+          <a:ext cx="3903137" cy="4012850"/>
+        </p:xfrm>
+        <a:graphic>
+          <a:graphicData uri="http://schemas.openxmlformats.org/drawingml/2006/table">
+            <a:tbl>
+              <a:tblPr firstRow="1" bandRow="1">
+                <a:tableStyleId>{5202B0CA-FC54-4496-8BCA-5EF66A818D29}</a:tableStyleId>
+              </a:tblPr>
+              <a:tblGrid>
+                <a:gridCol w="355505"/>
+                <a:gridCol w="992448"/>
+                <a:gridCol w="725819"/>
+                <a:gridCol w="1370172"/>
+                <a:gridCol w="459193"/>
+              </a:tblGrid>
+              <a:tr h="327082">
+                <a:tc>
+                  <a:txBody>
+                    <a:bodyPr/>
+                    <a:lstStyle/>
+                    <a:p>
+                      <a:r>
+                        <a:rPr kumimoji="1" lang="en-US" altLang="ja-JP" sz="1000" dirty="0"/>
+                        <a:t>No</a:t>
+                      </a:r>
+                      <a:endParaRPr kumimoji="1" lang="ja-JP" altLang="en-US" sz="1000" dirty="0"/>
+                    </a:p>
+                  </a:txBody>
+                  <a:tcPr/>
+                </a:tc>
+                <a:tc>
+                  <a:txBody>
+                    <a:bodyPr/>
+                    <a:lstStyle/>
+                    <a:p>
+                      <a:r>
+                        <a:rPr kumimoji="1" lang="en-US" altLang="ja-JP" sz="1000" dirty="0"/>
+                        <a:t>Content</a:t>
+                      </a:r>
+                      <a:endParaRPr kumimoji="1" lang="ja-JP" altLang="en-US" sz="1000" dirty="0"/>
+                    </a:p>
+                  </a:txBody>
+                  <a:tcPr/>
+                </a:tc>
+                <a:tc>
+                  <a:txBody>
+                    <a:bodyPr/>
+                    <a:lstStyle/>
+                    <a:p>
+                      <a:r>
+                        <a:rPr kumimoji="1" lang="en-US" altLang="ja-JP" sz="1000" dirty="0"/>
+                        <a:t>Function</a:t>
+                      </a:r>
+                      <a:endParaRPr kumimoji="1" lang="ja-JP" altLang="en-US" sz="1000" dirty="0"/>
+                    </a:p>
+                  </a:txBody>
+                  <a:tcPr/>
+                </a:tc>
+                <a:tc>
+                  <a:txBody>
+                    <a:bodyPr/>
+                    <a:lstStyle/>
+                    <a:p>
+                      <a:r>
+                        <a:rPr kumimoji="1" lang="en-US" altLang="ja-JP" sz="1000" dirty="0"/>
+                        <a:t>Detail/option</a:t>
+                      </a:r>
+                      <a:endParaRPr kumimoji="1" lang="ja-JP" altLang="en-US" sz="1000" dirty="0"/>
+                    </a:p>
+                  </a:txBody>
+                  <a:tcPr/>
+                </a:tc>
+                <a:tc>
+                  <a:txBody>
+                    <a:bodyPr/>
+                    <a:lstStyle/>
+                    <a:p>
+                      <a:r>
+                        <a:rPr kumimoji="1" lang="en-US" altLang="ja-JP" sz="1000"/>
+                        <a:t>Goto</a:t>
+                      </a:r>
+                      <a:endParaRPr kumimoji="1" lang="ja-JP" altLang="en-US" sz="1000"/>
+                    </a:p>
+                  </a:txBody>
+                  <a:tcPr/>
+                </a:tc>
+              </a:tr>
+              <a:tr h="327082">
+                <a:tc>
+                  <a:txBody>
+                    <a:bodyPr/>
+                    <a:lstStyle/>
+                    <a:p>
+                      <a:r>
+                        <a:rPr kumimoji="1" lang="en-GB" altLang="ja-JP" sz="1000" dirty="0" smtClean="0"/>
+                        <a:t>1</a:t>
+                      </a:r>
+                      <a:endParaRPr kumimoji="1" lang="ja-JP" altLang="en-US" sz="1000" dirty="0"/>
+                    </a:p>
+                  </a:txBody>
+                  <a:tcPr/>
+                </a:tc>
+                <a:tc>
+                  <a:txBody>
+                    <a:bodyPr/>
+                    <a:lstStyle/>
+                    <a:p>
+                      <a:r>
+                        <a:rPr kumimoji="1" lang="en-GB" altLang="ja-JP" sz="1000" dirty="0" smtClean="0"/>
+                        <a:t>Username</a:t>
+                      </a:r>
+                      <a:r>
+                        <a:rPr kumimoji="1" lang="en-GB" altLang="ja-JP" sz="1000" baseline="0" dirty="0" smtClean="0"/>
+                        <a:t> </a:t>
+                      </a:r>
+                      <a:r>
+                        <a:rPr kumimoji="1" lang="en-GB" altLang="ja-JP" sz="1000" dirty="0" smtClean="0"/>
+                        <a:t>button</a:t>
+                      </a:r>
+                      <a:endParaRPr kumimoji="1" lang="ja-JP" altLang="en-US" sz="1000" dirty="0"/>
+                    </a:p>
+                  </a:txBody>
+                  <a:tcPr/>
+                </a:tc>
+                <a:tc>
+                  <a:txBody>
+                    <a:bodyPr/>
+                    <a:lstStyle/>
+                    <a:p>
+                      <a:endParaRPr kumimoji="1" lang="ja-JP" altLang="en-US" sz="1000" dirty="0"/>
+                    </a:p>
+                  </a:txBody>
+                  <a:tcPr/>
+                </a:tc>
+                <a:tc>
+                  <a:txBody>
+                    <a:bodyPr/>
+                    <a:lstStyle/>
+                    <a:p>
+                      <a:r>
+                        <a:rPr kumimoji="1" lang="en-GB" altLang="ja-JP" sz="1000" dirty="0" smtClean="0"/>
+                        <a:t>Click =&gt; go</a:t>
+                      </a:r>
+                      <a:r>
+                        <a:rPr kumimoji="1" lang="en-GB" altLang="ja-JP" sz="1000" baseline="0" dirty="0" smtClean="0"/>
+                        <a:t> to home page</a:t>
+                      </a:r>
+                      <a:endParaRPr kumimoji="1" lang="ja-JP" altLang="en-US" sz="1000" dirty="0"/>
+                    </a:p>
+                  </a:txBody>
+                  <a:tcPr/>
+                </a:tc>
+                <a:tc>
+                  <a:txBody>
+                    <a:bodyPr/>
+                    <a:lstStyle/>
+                    <a:p>
+                      <a:endParaRPr kumimoji="1" lang="ja-JP" altLang="en-US" sz="1000" dirty="0"/>
+                    </a:p>
+                  </a:txBody>
+                  <a:tcPr/>
+                </a:tc>
+              </a:tr>
+              <a:tr h="327082">
+                <a:tc>
+                  <a:txBody>
+                    <a:bodyPr/>
+                    <a:lstStyle/>
+                    <a:p>
+                      <a:r>
+                        <a:rPr kumimoji="1" lang="en-US" altLang="ja-JP" sz="1000" dirty="0" smtClean="0"/>
+                        <a:t>2</a:t>
+                      </a:r>
+                      <a:endParaRPr kumimoji="1" lang="ja-JP" altLang="en-US" sz="1000" dirty="0"/>
+                    </a:p>
+                  </a:txBody>
+                  <a:tcPr/>
+                </a:tc>
+                <a:tc>
+                  <a:txBody>
+                    <a:bodyPr/>
+                    <a:lstStyle/>
+                    <a:p>
+                      <a:r>
+                        <a:rPr kumimoji="1" lang="en-US" altLang="ja-JP" sz="1000" dirty="0" smtClean="0"/>
+                        <a:t>Edit Profile </a:t>
+                      </a:r>
+                      <a:r>
+                        <a:rPr kumimoji="1" lang="en-US" altLang="ja-JP" sz="1000" baseline="0" dirty="0" smtClean="0"/>
+                        <a:t>button</a:t>
+                      </a:r>
+                      <a:endParaRPr kumimoji="1" lang="ja-JP" altLang="en-US" sz="1000" dirty="0"/>
+                    </a:p>
+                  </a:txBody>
+                  <a:tcPr/>
+                </a:tc>
+                <a:tc>
+                  <a:txBody>
+                    <a:bodyPr/>
+                    <a:lstStyle/>
+                    <a:p>
+                      <a:endParaRPr kumimoji="1" lang="ja-JP" altLang="en-US" sz="1000"/>
+                    </a:p>
+                  </a:txBody>
+                  <a:tcPr/>
+                </a:tc>
+                <a:tc>
+                  <a:txBody>
+                    <a:bodyPr/>
+                    <a:lstStyle/>
+                    <a:p>
+                      <a:r>
+                        <a:rPr kumimoji="1" lang="en-US" altLang="ja-JP" sz="1000" dirty="0" smtClean="0"/>
+                        <a:t>Click =&gt; go to update information user page</a:t>
+                      </a:r>
+                      <a:endParaRPr kumimoji="1" lang="ja-JP" altLang="en-US" sz="1000" dirty="0"/>
+                    </a:p>
+                  </a:txBody>
+                  <a:tcPr/>
+                </a:tc>
+                <a:tc>
+                  <a:txBody>
+                    <a:bodyPr/>
+                    <a:lstStyle/>
+                    <a:p>
+                      <a:endParaRPr kumimoji="1" lang="ja-JP" altLang="en-US" sz="1000" dirty="0">
+                        <a:latin typeface="Calibri"/>
+                        <a:cs typeface="Calibri"/>
+                      </a:endParaRPr>
+                    </a:p>
+                  </a:txBody>
+                  <a:tcPr/>
+                </a:tc>
+              </a:tr>
+              <a:tr h="327082">
+                <a:tc>
+                  <a:txBody>
+                    <a:bodyPr/>
+                    <a:lstStyle/>
+                    <a:p>
+                      <a:r>
+                        <a:rPr kumimoji="1" lang="en-US" altLang="ja-JP" sz="1000" dirty="0" smtClean="0"/>
+                        <a:t>3</a:t>
+                      </a:r>
+                      <a:endParaRPr kumimoji="1" lang="ja-JP" altLang="en-US" sz="1000" dirty="0"/>
+                    </a:p>
+                  </a:txBody>
+                  <a:tcPr/>
+                </a:tc>
+                <a:tc>
+                  <a:txBody>
+                    <a:bodyPr/>
+                    <a:lstStyle/>
+                    <a:p>
+                      <a:r>
+                        <a:rPr kumimoji="1" lang="en-US" altLang="ja-JP" sz="1000" dirty="0" smtClean="0"/>
+                        <a:t>Logout Button</a:t>
+                      </a:r>
+                      <a:endParaRPr kumimoji="1" lang="ja-JP" altLang="en-US" sz="1000" dirty="0"/>
+                    </a:p>
+                  </a:txBody>
+                  <a:tcPr/>
+                </a:tc>
+                <a:tc>
+                  <a:txBody>
+                    <a:bodyPr/>
+                    <a:lstStyle/>
+                    <a:p>
+                      <a:endParaRPr kumimoji="1" lang="ja-JP" altLang="en-US" sz="1000"/>
+                    </a:p>
+                  </a:txBody>
+                  <a:tcPr/>
+                </a:tc>
+                <a:tc>
+                  <a:txBody>
+                    <a:bodyPr/>
+                    <a:lstStyle/>
+                    <a:p>
+                      <a:endParaRPr kumimoji="1" lang="ja-JP" altLang="en-US" sz="1000" dirty="0"/>
+                    </a:p>
+                  </a:txBody>
+                  <a:tcPr/>
+                </a:tc>
+                <a:tc>
+                  <a:txBody>
+                    <a:bodyPr/>
+                    <a:lstStyle/>
+                    <a:p>
+                      <a:endParaRPr kumimoji="1" lang="ja-JP" altLang="en-US" sz="1000" dirty="0">
+                        <a:latin typeface="Calibri"/>
+                        <a:cs typeface="Calibri"/>
+                      </a:endParaRPr>
+                    </a:p>
+                  </a:txBody>
+                  <a:tcPr/>
+                </a:tc>
+              </a:tr>
+              <a:tr h="327082">
+                <a:tc>
+                  <a:txBody>
+                    <a:bodyPr/>
+                    <a:lstStyle/>
+                    <a:p>
+                      <a:r>
+                        <a:rPr kumimoji="1" lang="en-US" altLang="ja-JP" sz="1000" dirty="0" smtClean="0"/>
+                        <a:t>4</a:t>
+                      </a:r>
+                      <a:endParaRPr kumimoji="1" lang="ja-JP" altLang="en-US" sz="1000" dirty="0"/>
+                    </a:p>
+                  </a:txBody>
+                  <a:tcPr/>
+                </a:tc>
+                <a:tc>
+                  <a:txBody>
+                    <a:bodyPr/>
+                    <a:lstStyle/>
+                    <a:p>
+                      <a:r>
+                        <a:rPr kumimoji="1" lang="en-US" altLang="ja-JP" sz="1000" dirty="0" smtClean="0"/>
+                        <a:t>Search button</a:t>
+                      </a:r>
+                      <a:endParaRPr kumimoji="1" lang="ja-JP" altLang="en-US" sz="1000" dirty="0"/>
+                    </a:p>
+                  </a:txBody>
+                  <a:tcPr/>
+                </a:tc>
+                <a:tc>
+                  <a:txBody>
+                    <a:bodyPr/>
+                    <a:lstStyle/>
+                    <a:p>
+                      <a:endParaRPr kumimoji="1" lang="ja-JP" altLang="en-US" sz="1000" dirty="0"/>
+                    </a:p>
+                  </a:txBody>
+                  <a:tcPr/>
+                </a:tc>
+                <a:tc>
+                  <a:txBody>
+                    <a:bodyPr/>
+                    <a:lstStyle/>
+                    <a:p>
+                      <a:r>
+                        <a:rPr kumimoji="1" lang="en-GB" altLang="ja-JP" sz="1000" dirty="0" smtClean="0"/>
+                        <a:t>Search all user and all post</a:t>
+                      </a:r>
+                      <a:endParaRPr kumimoji="1" lang="ja-JP" altLang="en-US" sz="1000" dirty="0"/>
+                    </a:p>
+                  </a:txBody>
+                  <a:tcPr/>
+                </a:tc>
+                <a:tc>
+                  <a:txBody>
+                    <a:bodyPr/>
+                    <a:lstStyle/>
+                    <a:p>
+                      <a:endParaRPr kumimoji="1" lang="ja-JP" altLang="en-US" sz="1000" dirty="0">
+                        <a:latin typeface="Calibri"/>
+                        <a:cs typeface="Calibri"/>
+                      </a:endParaRPr>
+                    </a:p>
+                  </a:txBody>
+                  <a:tcPr/>
+                </a:tc>
+              </a:tr>
+              <a:tr h="327082">
+                <a:tc>
+                  <a:txBody>
+                    <a:bodyPr/>
+                    <a:lstStyle/>
+                    <a:p>
+                      <a:r>
+                        <a:rPr kumimoji="1" lang="en-GB" altLang="ja-JP" sz="1000" dirty="0" smtClean="0"/>
+                        <a:t>5</a:t>
+                      </a:r>
+                      <a:endParaRPr kumimoji="1" lang="ja-JP" altLang="en-US" sz="1000" dirty="0"/>
+                    </a:p>
+                  </a:txBody>
+                  <a:tcPr/>
+                </a:tc>
+                <a:tc>
+                  <a:txBody>
+                    <a:bodyPr/>
+                    <a:lstStyle/>
+                    <a:p>
+                      <a:r>
+                        <a:rPr kumimoji="1" lang="en-GB" altLang="ja-JP" sz="1000" dirty="0" smtClean="0"/>
+                        <a:t>User Search </a:t>
+                      </a:r>
+                      <a:r>
+                        <a:rPr kumimoji="1" lang="en-GB" altLang="ja-JP" sz="1000" dirty="0" err="1" smtClean="0"/>
+                        <a:t>buton</a:t>
+                      </a:r>
+                      <a:endParaRPr kumimoji="1" lang="ja-JP" altLang="en-US" sz="1000" dirty="0"/>
+                    </a:p>
+                  </a:txBody>
+                  <a:tcPr/>
+                </a:tc>
+                <a:tc>
+                  <a:txBody>
+                    <a:bodyPr/>
+                    <a:lstStyle/>
+                    <a:p>
+                      <a:endParaRPr kumimoji="1" lang="ja-JP" altLang="en-US" sz="1000"/>
+                    </a:p>
+                  </a:txBody>
+                  <a:tcPr/>
+                </a:tc>
+                <a:tc>
+                  <a:txBody>
+                    <a:bodyPr/>
+                    <a:lstStyle/>
+                    <a:p>
+                      <a:r>
+                        <a:rPr kumimoji="1" lang="en-GB" altLang="ja-JP" sz="1000" dirty="0" smtClean="0"/>
+                        <a:t>Click =&gt; go to user search page</a:t>
+                      </a:r>
+                      <a:endParaRPr kumimoji="1" lang="ja-JP" altLang="en-US" sz="1000" dirty="0"/>
+                    </a:p>
+                  </a:txBody>
+                  <a:tcPr/>
+                </a:tc>
+                <a:tc>
+                  <a:txBody>
+                    <a:bodyPr/>
+                    <a:lstStyle/>
+                    <a:p>
+                      <a:endParaRPr kumimoji="1" lang="ja-JP" altLang="en-US" sz="1000" dirty="0">
+                        <a:latin typeface="Calibri"/>
+                        <a:cs typeface="Calibri"/>
+                      </a:endParaRPr>
+                    </a:p>
+                  </a:txBody>
+                  <a:tcPr/>
+                </a:tc>
+              </a:tr>
+              <a:tr h="327082">
+                <a:tc>
+                  <a:txBody>
+                    <a:bodyPr/>
+                    <a:lstStyle/>
+                    <a:p>
+                      <a:r>
+                        <a:rPr kumimoji="1" lang="en-US" altLang="ja-JP" sz="1000" dirty="0" smtClean="0"/>
+                        <a:t>6</a:t>
+                      </a:r>
+                      <a:endParaRPr kumimoji="1" lang="ja-JP" altLang="en-US" sz="1000" dirty="0"/>
+                    </a:p>
+                  </a:txBody>
+                  <a:tcPr/>
+                </a:tc>
+                <a:tc>
+                  <a:txBody>
+                    <a:bodyPr/>
+                    <a:lstStyle/>
+                    <a:p>
+                      <a:r>
+                        <a:rPr kumimoji="1" lang="en-US" altLang="ja-JP" sz="1000" dirty="0" smtClean="0"/>
+                        <a:t>Title Post</a:t>
+                      </a:r>
+                      <a:endParaRPr kumimoji="1" lang="ja-JP" altLang="en-US" sz="1000" dirty="0"/>
+                    </a:p>
+                  </a:txBody>
+                  <a:tcPr/>
+                </a:tc>
+                <a:tc>
+                  <a:txBody>
+                    <a:bodyPr/>
+                    <a:lstStyle/>
+                    <a:p>
+                      <a:endParaRPr kumimoji="1" lang="ja-JP" altLang="en-US" sz="1000"/>
+                    </a:p>
+                  </a:txBody>
+                  <a:tcPr/>
+                </a:tc>
+                <a:tc>
+                  <a:txBody>
+                    <a:bodyPr/>
+                    <a:lstStyle/>
+                    <a:p>
+                      <a:endParaRPr kumimoji="1" lang="ja-JP" altLang="en-US" sz="1000" dirty="0"/>
+                    </a:p>
+                  </a:txBody>
+                  <a:tcPr/>
+                </a:tc>
+                <a:tc>
+                  <a:txBody>
+                    <a:bodyPr/>
+                    <a:lstStyle/>
+                    <a:p>
+                      <a:endParaRPr kumimoji="1" lang="ja-JP" altLang="en-US" sz="1000">
+                        <a:latin typeface="Calibri"/>
+                        <a:cs typeface="Calibri"/>
+                      </a:endParaRPr>
+                    </a:p>
+                  </a:txBody>
+                  <a:tcPr/>
+                </a:tc>
+              </a:tr>
+              <a:tr h="327082">
+                <a:tc>
+                  <a:txBody>
+                    <a:bodyPr/>
+                    <a:lstStyle/>
+                    <a:p>
+                      <a:r>
+                        <a:rPr kumimoji="1" lang="en-US" altLang="ja-JP" sz="1000" dirty="0" smtClean="0"/>
+                        <a:t>7</a:t>
+                      </a:r>
+                      <a:endParaRPr kumimoji="1" lang="ja-JP" altLang="en-US" sz="1000" dirty="0"/>
+                    </a:p>
+                  </a:txBody>
+                  <a:tcPr/>
+                </a:tc>
+                <a:tc>
+                  <a:txBody>
+                    <a:bodyPr/>
+                    <a:lstStyle/>
+                    <a:p>
+                      <a:r>
+                        <a:rPr kumimoji="1" lang="en-US" altLang="ja-JP" sz="1000" dirty="0" smtClean="0"/>
+                        <a:t>Information Post</a:t>
+                      </a:r>
+                      <a:endParaRPr kumimoji="1" lang="ja-JP" altLang="en-US" sz="1000" dirty="0"/>
+                    </a:p>
+                  </a:txBody>
+                  <a:tcPr/>
+                </a:tc>
+                <a:tc>
+                  <a:txBody>
+                    <a:bodyPr/>
+                    <a:lstStyle/>
+                    <a:p>
+                      <a:endParaRPr kumimoji="1" lang="ja-JP" altLang="en-US" sz="1000"/>
+                    </a:p>
+                  </a:txBody>
+                  <a:tcPr/>
+                </a:tc>
+                <a:tc>
+                  <a:txBody>
+                    <a:bodyPr/>
+                    <a:lstStyle/>
+                    <a:p>
+                      <a:endParaRPr kumimoji="1" lang="ja-JP" altLang="en-US" sz="1000" dirty="0"/>
+                    </a:p>
+                  </a:txBody>
+                  <a:tcPr/>
+                </a:tc>
+                <a:tc>
+                  <a:txBody>
+                    <a:bodyPr/>
+                    <a:lstStyle/>
+                    <a:p>
+                      <a:endParaRPr kumimoji="1" lang="ja-JP" altLang="en-US" sz="1000" dirty="0">
+                        <a:latin typeface="Calibri"/>
+                        <a:cs typeface="Calibri"/>
+                      </a:endParaRPr>
+                    </a:p>
+                  </a:txBody>
+                  <a:tcPr/>
+                </a:tc>
+              </a:tr>
+              <a:tr h="327082">
+                <a:tc>
+                  <a:txBody>
+                    <a:bodyPr/>
+                    <a:lstStyle/>
+                    <a:p>
+                      <a:r>
+                        <a:rPr kumimoji="1" lang="en-US" altLang="ja-JP" sz="1000" dirty="0" smtClean="0"/>
+                        <a:t>8</a:t>
+                      </a:r>
+                      <a:endParaRPr kumimoji="1" lang="ja-JP" altLang="en-US" sz="1000" dirty="0"/>
+                    </a:p>
+                  </a:txBody>
+                  <a:tcPr/>
+                </a:tc>
+                <a:tc>
+                  <a:txBody>
+                    <a:bodyPr/>
+                    <a:lstStyle/>
+                    <a:p>
+                      <a:r>
+                        <a:rPr kumimoji="1" lang="en-US" altLang="ja-JP" sz="1000" dirty="0" smtClean="0"/>
+                        <a:t>Content Post</a:t>
+                      </a:r>
+                      <a:endParaRPr kumimoji="1" lang="ja-JP" altLang="en-US" sz="1000" dirty="0"/>
+                    </a:p>
+                  </a:txBody>
+                  <a:tcPr/>
+                </a:tc>
+                <a:tc>
+                  <a:txBody>
+                    <a:bodyPr/>
+                    <a:lstStyle/>
+                    <a:p>
+                      <a:endParaRPr kumimoji="1" lang="ja-JP" altLang="en-US" sz="1000"/>
+                    </a:p>
+                  </a:txBody>
+                  <a:tcPr/>
+                </a:tc>
+                <a:tc>
+                  <a:txBody>
+                    <a:bodyPr/>
+                    <a:lstStyle/>
+                    <a:p>
+                      <a:endParaRPr kumimoji="1" lang="ja-JP" altLang="en-US" sz="1000" dirty="0"/>
+                    </a:p>
+                  </a:txBody>
+                  <a:tcPr/>
+                </a:tc>
+                <a:tc>
+                  <a:txBody>
+                    <a:bodyPr/>
+                    <a:lstStyle/>
+                    <a:p>
+                      <a:endParaRPr kumimoji="1" lang="ja-JP" altLang="en-US" sz="1000">
+                        <a:latin typeface="Calibri"/>
+                        <a:cs typeface="Calibri"/>
+                      </a:endParaRPr>
+                    </a:p>
+                  </a:txBody>
+                  <a:tcPr/>
+                </a:tc>
+              </a:tr>
+              <a:tr h="327082">
+                <a:tc>
+                  <a:txBody>
+                    <a:bodyPr/>
+                    <a:lstStyle/>
+                    <a:p>
+                      <a:r>
+                        <a:rPr kumimoji="1" lang="en-GB" altLang="ja-JP" sz="1000" dirty="0" smtClean="0"/>
+                        <a:t>9</a:t>
+                      </a:r>
+                      <a:endParaRPr kumimoji="1" lang="ja-JP" altLang="en-US" sz="1000" dirty="0"/>
+                    </a:p>
+                  </a:txBody>
+                  <a:tcPr/>
+                </a:tc>
+                <a:tc>
+                  <a:txBody>
+                    <a:bodyPr/>
+                    <a:lstStyle/>
+                    <a:p>
+                      <a:r>
+                        <a:rPr kumimoji="1" lang="en-GB" altLang="ja-JP" sz="1000" dirty="0" smtClean="0"/>
+                        <a:t>Edit button</a:t>
+                      </a:r>
+                      <a:endParaRPr kumimoji="1" lang="ja-JP" altLang="en-US" sz="1000" dirty="0"/>
+                    </a:p>
+                  </a:txBody>
+                  <a:tcPr/>
+                </a:tc>
+                <a:tc>
+                  <a:txBody>
+                    <a:bodyPr/>
+                    <a:lstStyle/>
+                    <a:p>
+                      <a:endParaRPr kumimoji="1" lang="ja-JP" altLang="en-US" sz="1000" dirty="0"/>
+                    </a:p>
+                  </a:txBody>
+                  <a:tcPr/>
+                </a:tc>
+                <a:tc>
+                  <a:txBody>
+                    <a:bodyPr/>
+                    <a:lstStyle/>
+                    <a:p>
+                      <a:r>
+                        <a:rPr kumimoji="1" lang="en-GB" altLang="ja-JP" sz="1000" dirty="0" smtClean="0"/>
+                        <a:t>Click =&gt; Come</a:t>
+                      </a:r>
+                      <a:r>
+                        <a:rPr kumimoji="1" lang="en-GB" altLang="ja-JP" sz="1000" baseline="0" dirty="0" smtClean="0"/>
+                        <a:t> back  create new post page</a:t>
+                      </a:r>
+                      <a:endParaRPr kumimoji="1" lang="ja-JP" altLang="en-US" sz="1000" dirty="0"/>
+                    </a:p>
+                  </a:txBody>
+                  <a:tcPr/>
+                </a:tc>
+                <a:tc>
+                  <a:txBody>
+                    <a:bodyPr/>
+                    <a:lstStyle/>
+                    <a:p>
+                      <a:endParaRPr kumimoji="1" lang="ja-JP" altLang="en-US" sz="1000" dirty="0">
+                        <a:latin typeface="Calibri"/>
+                        <a:cs typeface="Calibri"/>
+                      </a:endParaRPr>
+                    </a:p>
+                  </a:txBody>
+                  <a:tcPr/>
+                </a:tc>
+              </a:tr>
+              <a:tr h="327082">
+                <a:tc>
+                  <a:txBody>
+                    <a:bodyPr/>
+                    <a:lstStyle/>
+                    <a:p>
+                      <a:r>
+                        <a:rPr kumimoji="1" lang="en-US" altLang="ja-JP" sz="1000" dirty="0" smtClean="0"/>
+                        <a:t>10</a:t>
+                      </a:r>
+                      <a:endParaRPr kumimoji="1" lang="ja-JP" altLang="en-US" sz="1000" dirty="0"/>
+                    </a:p>
+                  </a:txBody>
+                  <a:tcPr/>
+                </a:tc>
+                <a:tc>
+                  <a:txBody>
+                    <a:bodyPr/>
+                    <a:lstStyle/>
+                    <a:p>
+                      <a:r>
+                        <a:rPr kumimoji="1" lang="en-US" altLang="ja-JP" sz="1000" dirty="0" smtClean="0"/>
+                        <a:t>Publish Button</a:t>
+                      </a:r>
+                      <a:endParaRPr kumimoji="1" lang="ja-JP" altLang="en-US" sz="1000" dirty="0"/>
+                    </a:p>
+                  </a:txBody>
+                  <a:tcPr/>
+                </a:tc>
+                <a:tc>
+                  <a:txBody>
+                    <a:bodyPr/>
+                    <a:lstStyle/>
+                    <a:p>
+                      <a:endParaRPr kumimoji="1" lang="ja-JP" altLang="en-US" sz="1000"/>
+                    </a:p>
+                  </a:txBody>
+                  <a:tcPr/>
+                </a:tc>
+                <a:tc>
+                  <a:txBody>
+                    <a:bodyPr/>
+                    <a:lstStyle/>
+                    <a:p>
+                      <a:pPr marL="0" marR="0" indent="0" algn="l" defTabSz="457200" rtl="0" eaLnBrk="1" fontAlgn="auto" latinLnBrk="0" hangingPunct="1">
+                        <a:lnSpc>
+                          <a:spcPct val="100000"/>
+                        </a:lnSpc>
+                        <a:spcBef>
+                          <a:spcPts val="0"/>
+                        </a:spcBef>
+                        <a:spcAft>
+                          <a:spcPts val="0"/>
+                        </a:spcAft>
+                        <a:buClrTx/>
+                        <a:buSzTx/>
+                        <a:buFontTx/>
+                        <a:buNone/>
+                        <a:tabLst/>
+                        <a:defRPr/>
+                      </a:pPr>
+                      <a:endParaRPr kumimoji="1" lang="ja-JP" altLang="en-US" sz="1000" dirty="0"/>
+                    </a:p>
+                  </a:txBody>
+                  <a:tcPr/>
+                </a:tc>
+                <a:tc>
+                  <a:txBody>
+                    <a:bodyPr/>
+                    <a:lstStyle/>
+                    <a:p>
+                      <a:endParaRPr kumimoji="1" lang="ja-JP" altLang="en-US" sz="1000" dirty="0">
+                        <a:latin typeface="Calibri"/>
+                        <a:cs typeface="Calibri"/>
+                      </a:endParaRPr>
+                    </a:p>
+                  </a:txBody>
+                  <a:tcPr/>
+                </a:tc>
+              </a:tr>
+            </a:tbl>
+          </a:graphicData>
+        </a:graphic>
+      </p:graphicFrame>
+      <p:sp>
+        <p:nvSpPr>
+          <p:cNvPr id="85" name="TextBox 84"/>
+          <p:cNvSpPr txBox="1"/>
+          <p:nvPr/>
+        </p:nvSpPr>
+        <p:spPr>
+          <a:xfrm>
+            <a:off x="6089296" y="503648"/>
+            <a:ext cx="327433" cy="246221"/>
+          </a:xfrm>
+          <a:prstGeom prst="rect">
+            <a:avLst/>
+          </a:prstGeom>
+          <a:noFill/>
+        </p:spPr>
+        <p:txBody>
+          <a:bodyPr wrap="none" rtlCol="0">
+            <a:spAutoFit/>
+          </a:bodyPr>
+          <a:lstStyle/>
+          <a:p>
+            <a:r>
+              <a:rPr kumimoji="1" lang="en-US" altLang="ja-JP" sz="1000" dirty="0" smtClean="0">
+                <a:solidFill>
+                  <a:srgbClr val="FF0000"/>
+                </a:solidFill>
+              </a:rPr>
+              <a:t>(3</a:t>
+            </a:r>
+            <a:r>
+              <a:rPr kumimoji="1" lang="en-US" altLang="ja-JP" sz="1000" dirty="0">
+                <a:solidFill>
+                  <a:srgbClr val="FF0000"/>
+                </a:solidFill>
+              </a:rPr>
+              <a:t>)</a:t>
+            </a:r>
+            <a:endParaRPr kumimoji="1" lang="ja-JP" altLang="en-US" sz="1000" dirty="0">
+              <a:solidFill>
+                <a:srgbClr val="FF0000"/>
+              </a:solidFill>
+            </a:endParaRPr>
+          </a:p>
+        </p:txBody>
+      </p:sp>
+      <p:sp>
+        <p:nvSpPr>
+          <p:cNvPr id="27" name="TextBox 26"/>
+          <p:cNvSpPr txBox="1"/>
+          <p:nvPr/>
+        </p:nvSpPr>
+        <p:spPr>
+          <a:xfrm>
+            <a:off x="4992941" y="501685"/>
+            <a:ext cx="327433" cy="246221"/>
+          </a:xfrm>
+          <a:prstGeom prst="rect">
+            <a:avLst/>
+          </a:prstGeom>
+          <a:noFill/>
+        </p:spPr>
+        <p:txBody>
+          <a:bodyPr wrap="none" rtlCol="0">
+            <a:spAutoFit/>
+          </a:bodyPr>
+          <a:lstStyle/>
+          <a:p>
+            <a:r>
+              <a:rPr kumimoji="1" lang="en-US" altLang="ja-JP" sz="1000" dirty="0">
+                <a:solidFill>
+                  <a:srgbClr val="FF0000"/>
+                </a:solidFill>
+              </a:rPr>
+              <a:t>(1)</a:t>
+            </a:r>
+            <a:endParaRPr kumimoji="1" lang="ja-JP" altLang="en-US" sz="1000" dirty="0">
+              <a:solidFill>
+                <a:srgbClr val="FF0000"/>
+              </a:solidFill>
+            </a:endParaRPr>
+          </a:p>
+        </p:txBody>
+      </p:sp>
+      <p:sp>
+        <p:nvSpPr>
+          <p:cNvPr id="28" name="TextBox 27"/>
+          <p:cNvSpPr txBox="1"/>
+          <p:nvPr/>
+        </p:nvSpPr>
+        <p:spPr>
+          <a:xfrm>
+            <a:off x="5576681" y="480341"/>
+            <a:ext cx="327433" cy="246221"/>
+          </a:xfrm>
+          <a:prstGeom prst="rect">
+            <a:avLst/>
+          </a:prstGeom>
+          <a:noFill/>
+        </p:spPr>
+        <p:txBody>
+          <a:bodyPr wrap="none" rtlCol="0">
+            <a:spAutoFit/>
+          </a:bodyPr>
+          <a:lstStyle/>
+          <a:p>
+            <a:r>
+              <a:rPr kumimoji="1" lang="en-US" altLang="ja-JP" sz="1000" dirty="0">
+                <a:solidFill>
+                  <a:srgbClr val="FF0000"/>
+                </a:solidFill>
+              </a:rPr>
+              <a:t>(2)</a:t>
+            </a:r>
+            <a:endParaRPr kumimoji="1" lang="ja-JP" altLang="en-US" sz="1000" dirty="0">
+              <a:solidFill>
+                <a:srgbClr val="FF0000"/>
+              </a:solidFill>
+            </a:endParaRPr>
+          </a:p>
+        </p:txBody>
+      </p:sp>
+      <p:sp>
+        <p:nvSpPr>
+          <p:cNvPr id="29" name="TextBox 28"/>
+          <p:cNvSpPr txBox="1"/>
+          <p:nvPr/>
+        </p:nvSpPr>
+        <p:spPr>
+          <a:xfrm>
+            <a:off x="4094592" y="1296287"/>
+            <a:ext cx="327433" cy="246221"/>
+          </a:xfrm>
+          <a:prstGeom prst="rect">
+            <a:avLst/>
+          </a:prstGeom>
+          <a:noFill/>
+        </p:spPr>
+        <p:txBody>
+          <a:bodyPr wrap="none" rtlCol="0">
+            <a:spAutoFit/>
+          </a:bodyPr>
+          <a:lstStyle/>
+          <a:p>
+            <a:r>
+              <a:rPr kumimoji="1" lang="en-US" altLang="ja-JP" sz="1000" dirty="0">
+                <a:solidFill>
+                  <a:srgbClr val="FF0000"/>
+                </a:solidFill>
+              </a:rPr>
+              <a:t>(4)</a:t>
+            </a:r>
+            <a:endParaRPr kumimoji="1" lang="ja-JP" altLang="en-US" sz="1000" dirty="0">
+              <a:solidFill>
+                <a:srgbClr val="FF0000"/>
+              </a:solidFill>
+            </a:endParaRPr>
+          </a:p>
+        </p:txBody>
+      </p:sp>
+      <p:sp>
+        <p:nvSpPr>
+          <p:cNvPr id="32" name="TextBox 31"/>
+          <p:cNvSpPr txBox="1"/>
+          <p:nvPr/>
+        </p:nvSpPr>
+        <p:spPr>
+          <a:xfrm>
+            <a:off x="3933773" y="2190887"/>
+            <a:ext cx="327334" cy="246221"/>
+          </a:xfrm>
+          <a:prstGeom prst="rect">
+            <a:avLst/>
+          </a:prstGeom>
+          <a:noFill/>
+        </p:spPr>
+        <p:txBody>
+          <a:bodyPr wrap="none" rtlCol="0">
+            <a:spAutoFit/>
+          </a:bodyPr>
+          <a:lstStyle/>
+          <a:p>
+            <a:r>
+              <a:rPr kumimoji="1" lang="en-US" altLang="ja-JP" sz="1000" dirty="0" smtClean="0">
+                <a:solidFill>
+                  <a:srgbClr val="FF0000"/>
+                </a:solidFill>
+              </a:rPr>
+              <a:t>(6)</a:t>
+            </a:r>
+            <a:endParaRPr kumimoji="1" lang="ja-JP" altLang="en-US" sz="1000" dirty="0">
+              <a:solidFill>
+                <a:srgbClr val="FF0000"/>
+              </a:solidFill>
+            </a:endParaRPr>
+          </a:p>
+        </p:txBody>
+      </p:sp>
+      <p:sp>
+        <p:nvSpPr>
+          <p:cNvPr id="33" name="TextBox 32"/>
+          <p:cNvSpPr txBox="1"/>
+          <p:nvPr/>
+        </p:nvSpPr>
+        <p:spPr>
+          <a:xfrm>
+            <a:off x="5853004" y="3426255"/>
+            <a:ext cx="327334" cy="246221"/>
+          </a:xfrm>
+          <a:prstGeom prst="rect">
+            <a:avLst/>
+          </a:prstGeom>
+          <a:noFill/>
+        </p:spPr>
+        <p:txBody>
+          <a:bodyPr wrap="none" rtlCol="0">
+            <a:spAutoFit/>
+          </a:bodyPr>
+          <a:lstStyle/>
+          <a:p>
+            <a:r>
+              <a:rPr kumimoji="1" lang="en-US" altLang="ja-JP" sz="1000" dirty="0" smtClean="0">
+                <a:solidFill>
+                  <a:srgbClr val="FF0000"/>
+                </a:solidFill>
+              </a:rPr>
+              <a:t>(8)</a:t>
+            </a:r>
+            <a:endParaRPr kumimoji="1" lang="ja-JP" altLang="en-US" sz="1000" dirty="0">
+              <a:solidFill>
+                <a:srgbClr val="FF0000"/>
+              </a:solidFill>
+            </a:endParaRPr>
+          </a:p>
+        </p:txBody>
+      </p:sp>
+      <p:sp>
+        <p:nvSpPr>
+          <p:cNvPr id="34" name="TextBox 33"/>
+          <p:cNvSpPr txBox="1"/>
+          <p:nvPr/>
+        </p:nvSpPr>
+        <p:spPr>
+          <a:xfrm>
+            <a:off x="5374011" y="4168110"/>
+            <a:ext cx="393056" cy="246221"/>
+          </a:xfrm>
+          <a:prstGeom prst="rect">
+            <a:avLst/>
+          </a:prstGeom>
+          <a:noFill/>
+        </p:spPr>
+        <p:txBody>
+          <a:bodyPr wrap="none" rtlCol="0">
+            <a:spAutoFit/>
+          </a:bodyPr>
+          <a:lstStyle/>
+          <a:p>
+            <a:r>
+              <a:rPr kumimoji="1" lang="en-US" altLang="ja-JP" sz="1000" dirty="0" smtClean="0">
+                <a:solidFill>
+                  <a:srgbClr val="FF0000"/>
+                </a:solidFill>
+              </a:rPr>
+              <a:t>(10)</a:t>
+            </a:r>
+            <a:endParaRPr kumimoji="1" lang="ja-JP" altLang="en-US" sz="1000" dirty="0">
+              <a:solidFill>
+                <a:srgbClr val="FF0000"/>
+              </a:solidFill>
+            </a:endParaRPr>
+          </a:p>
+        </p:txBody>
+      </p:sp>
+      <p:sp>
+        <p:nvSpPr>
+          <p:cNvPr id="37" name="TextBox 36"/>
+          <p:cNvSpPr txBox="1"/>
+          <p:nvPr/>
+        </p:nvSpPr>
+        <p:spPr>
+          <a:xfrm>
+            <a:off x="3450171" y="2348838"/>
+            <a:ext cx="1252266" cy="246221"/>
+          </a:xfrm>
+          <a:prstGeom prst="rect">
+            <a:avLst/>
+          </a:prstGeom>
+          <a:noFill/>
+        </p:spPr>
+        <p:txBody>
+          <a:bodyPr wrap="none" rtlCol="0">
+            <a:spAutoFit/>
+          </a:bodyPr>
+          <a:lstStyle/>
+          <a:p>
+            <a:r>
+              <a:rPr lang="en-GB" sz="1000" b="1" dirty="0"/>
+              <a:t>Spring MVC Tutorial</a:t>
+            </a:r>
+          </a:p>
+        </p:txBody>
+      </p:sp>
+      <p:sp>
+        <p:nvSpPr>
+          <p:cNvPr id="47" name="TextBox 46"/>
+          <p:cNvSpPr txBox="1"/>
+          <p:nvPr/>
+        </p:nvSpPr>
+        <p:spPr>
+          <a:xfrm>
+            <a:off x="3408603" y="2533301"/>
+            <a:ext cx="1491114" cy="461665"/>
+          </a:xfrm>
+          <a:prstGeom prst="rect">
+            <a:avLst/>
+          </a:prstGeom>
+          <a:noFill/>
+        </p:spPr>
+        <p:txBody>
+          <a:bodyPr wrap="none" rtlCol="0">
+            <a:spAutoFit/>
+          </a:bodyPr>
+          <a:lstStyle/>
+          <a:p>
+            <a:r>
+              <a:rPr kumimoji="1" lang="en-US" altLang="ja-JP" sz="800" i="1" dirty="0" smtClean="0">
+                <a:solidFill>
+                  <a:schemeClr val="bg1">
+                    <a:lumMod val="65000"/>
+                  </a:schemeClr>
+                </a:solidFill>
+              </a:rPr>
+              <a:t>Posted : </a:t>
+            </a:r>
+            <a:r>
+              <a:rPr kumimoji="1" lang="en-US" altLang="ja-JP" sz="800" i="1" dirty="0">
+                <a:solidFill>
+                  <a:schemeClr val="bg1">
+                    <a:lumMod val="65000"/>
+                  </a:schemeClr>
+                </a:solidFill>
+              </a:rPr>
+              <a:t>08/12/2015 12:40 | </a:t>
+            </a:r>
+            <a:endParaRPr kumimoji="1" lang="en-US" altLang="ja-JP" sz="800" i="1" dirty="0" smtClean="0">
+              <a:solidFill>
+                <a:schemeClr val="bg1">
+                  <a:lumMod val="65000"/>
+                </a:schemeClr>
+              </a:solidFill>
+            </a:endParaRPr>
+          </a:p>
+          <a:p>
+            <a:r>
+              <a:rPr kumimoji="1" lang="en-US" altLang="ja-JP" sz="800" i="1" dirty="0" smtClean="0">
+                <a:solidFill>
+                  <a:schemeClr val="bg1">
+                    <a:lumMod val="65000"/>
+                  </a:schemeClr>
+                </a:solidFill>
+              </a:rPr>
+              <a:t>Last modified: 08/12/215 12:40</a:t>
+            </a:r>
+          </a:p>
+          <a:p>
+            <a:r>
+              <a:rPr kumimoji="1" lang="en-US" altLang="ja-JP" sz="800" i="1" dirty="0" smtClean="0">
+                <a:solidFill>
+                  <a:schemeClr val="bg1">
+                    <a:lumMod val="65000"/>
+                  </a:schemeClr>
+                </a:solidFill>
+              </a:rPr>
+              <a:t>By: </a:t>
+            </a:r>
+            <a:r>
+              <a:rPr kumimoji="1" lang="en-US" altLang="ja-JP" sz="800" i="1" dirty="0">
+                <a:solidFill>
+                  <a:schemeClr val="bg1">
+                    <a:lumMod val="65000"/>
+                  </a:schemeClr>
+                </a:solidFill>
+              </a:rPr>
+              <a:t>Tam Pham</a:t>
+            </a:r>
+            <a:endParaRPr kumimoji="1" lang="ja-JP" altLang="en-US" sz="800" i="1" dirty="0">
+              <a:solidFill>
+                <a:schemeClr val="bg1">
+                  <a:lumMod val="65000"/>
+                </a:schemeClr>
+              </a:solidFill>
+            </a:endParaRPr>
+          </a:p>
+        </p:txBody>
+      </p:sp>
+      <p:sp>
+        <p:nvSpPr>
+          <p:cNvPr id="48" name="TextBox 47"/>
+          <p:cNvSpPr txBox="1"/>
+          <p:nvPr/>
+        </p:nvSpPr>
+        <p:spPr>
+          <a:xfrm>
+            <a:off x="2471247" y="3185156"/>
+            <a:ext cx="3475878" cy="861774"/>
+          </a:xfrm>
+          <a:prstGeom prst="rect">
+            <a:avLst/>
+          </a:prstGeom>
+          <a:noFill/>
+        </p:spPr>
+        <p:txBody>
+          <a:bodyPr wrap="square" rtlCol="0">
+            <a:spAutoFit/>
+          </a:bodyPr>
+          <a:lstStyle/>
+          <a:p>
+            <a:pPr algn="just"/>
+            <a:r>
+              <a:rPr lang="en-GB" sz="1000" dirty="0"/>
+              <a:t>Spring MVC, a Java</a:t>
+            </a:r>
+            <a:r>
+              <a:rPr lang="en-GB" sz="1000" b="1" dirty="0"/>
+              <a:t> </a:t>
+            </a:r>
+            <a:r>
+              <a:rPr lang="en-GB" sz="1000" dirty="0"/>
+              <a:t>Model-View-</a:t>
+            </a:r>
+            <a:r>
+              <a:rPr lang="en-GB" sz="1000" dirty="0" err="1"/>
+              <a:t>Contraller</a:t>
+            </a:r>
+            <a:r>
+              <a:rPr lang="en-GB" sz="1000" dirty="0"/>
+              <a:t> (MVC) web framework, which builds on the Spring Inversion of control(</a:t>
+            </a:r>
+            <a:r>
+              <a:rPr lang="en-GB" sz="1000" dirty="0" err="1"/>
+              <a:t>IoC</a:t>
+            </a:r>
+            <a:r>
+              <a:rPr lang="en-GB" sz="1000" dirty="0"/>
+              <a:t>) framework, extensive use of the Spring’s features make the Spring MVC framework </a:t>
+            </a:r>
+            <a:r>
+              <a:rPr lang="en-GB" sz="1000" dirty="0" smtClean="0"/>
+              <a:t>hig</a:t>
+            </a:r>
+            <a:r>
+              <a:rPr lang="en-GB" sz="1000" dirty="0"/>
+              <a:t>hly decouple the components dependency and simplify the whole MVC configuration.</a:t>
+            </a:r>
+            <a:endParaRPr kumimoji="1" lang="ja-JP" altLang="en-US" sz="1000" i="1" dirty="0">
+              <a:solidFill>
+                <a:schemeClr val="bg1">
+                  <a:lumMod val="75000"/>
+                </a:schemeClr>
+              </a:solidFill>
+            </a:endParaRPr>
+          </a:p>
+        </p:txBody>
+      </p:sp>
+      <p:sp>
+        <p:nvSpPr>
+          <p:cNvPr id="72" name="TextBox 71"/>
+          <p:cNvSpPr txBox="1"/>
+          <p:nvPr/>
+        </p:nvSpPr>
+        <p:spPr>
+          <a:xfrm>
+            <a:off x="4274033" y="741764"/>
+            <a:ext cx="1336478" cy="246221"/>
+          </a:xfrm>
+          <a:prstGeom prst="rect">
+            <a:avLst/>
+          </a:prstGeom>
+          <a:noFill/>
+        </p:spPr>
+        <p:txBody>
+          <a:bodyPr wrap="square" rtlCol="0">
+            <a:spAutoFit/>
+          </a:bodyPr>
+          <a:lstStyle/>
+          <a:p>
+            <a:r>
+              <a:rPr kumimoji="1" lang="en-US" altLang="ja-JP" sz="1000" dirty="0" smtClean="0"/>
+              <a:t>Welcome, </a:t>
+            </a:r>
+            <a:r>
+              <a:rPr kumimoji="1" lang="en-US" altLang="ja-JP" sz="1000" dirty="0" err="1" smtClean="0"/>
+              <a:t>NguyenA</a:t>
+            </a:r>
+            <a:endParaRPr kumimoji="1" lang="ja-JP" altLang="en-US" sz="1000" dirty="0"/>
+          </a:p>
+        </p:txBody>
+      </p:sp>
+      <p:sp>
+        <p:nvSpPr>
+          <p:cNvPr id="79" name="TextBox 78"/>
+          <p:cNvSpPr txBox="1"/>
+          <p:nvPr/>
+        </p:nvSpPr>
+        <p:spPr>
+          <a:xfrm>
+            <a:off x="3226992" y="2632368"/>
+            <a:ext cx="327334" cy="246221"/>
+          </a:xfrm>
+          <a:prstGeom prst="rect">
+            <a:avLst/>
+          </a:prstGeom>
+          <a:noFill/>
+        </p:spPr>
+        <p:txBody>
+          <a:bodyPr wrap="none" rtlCol="0">
+            <a:spAutoFit/>
+          </a:bodyPr>
+          <a:lstStyle/>
+          <a:p>
+            <a:r>
+              <a:rPr kumimoji="1" lang="en-US" altLang="ja-JP" sz="1000" dirty="0" smtClean="0">
+                <a:solidFill>
+                  <a:srgbClr val="FF0000"/>
+                </a:solidFill>
+              </a:rPr>
+              <a:t>(7)</a:t>
+            </a:r>
+            <a:endParaRPr kumimoji="1" lang="ja-JP" altLang="en-US" sz="1000" dirty="0">
+              <a:solidFill>
+                <a:srgbClr val="FF0000"/>
+              </a:solidFill>
+            </a:endParaRPr>
+          </a:p>
+        </p:txBody>
+      </p:sp>
+      <p:sp>
+        <p:nvSpPr>
+          <p:cNvPr id="49" name="TextBox 48"/>
+          <p:cNvSpPr txBox="1"/>
+          <p:nvPr/>
+        </p:nvSpPr>
+        <p:spPr>
+          <a:xfrm>
+            <a:off x="5351964" y="741763"/>
+            <a:ext cx="810073" cy="246221"/>
+          </a:xfrm>
+          <a:prstGeom prst="rect">
+            <a:avLst/>
+          </a:prstGeom>
+          <a:noFill/>
+        </p:spPr>
+        <p:txBody>
+          <a:bodyPr wrap="square" rtlCol="0">
+            <a:spAutoFit/>
+          </a:bodyPr>
+          <a:lstStyle/>
+          <a:p>
+            <a:r>
+              <a:rPr kumimoji="1" lang="en-US" altLang="ja-JP" sz="1000" dirty="0" smtClean="0"/>
+              <a:t>Edit Profile</a:t>
+            </a:r>
+            <a:endParaRPr kumimoji="1" lang="ja-JP" altLang="en-US" sz="1000" dirty="0"/>
+          </a:p>
+        </p:txBody>
+      </p:sp>
+      <p:sp>
+        <p:nvSpPr>
+          <p:cNvPr id="57" name="TextBox 56"/>
+          <p:cNvSpPr txBox="1"/>
+          <p:nvPr/>
+        </p:nvSpPr>
+        <p:spPr>
+          <a:xfrm>
+            <a:off x="5952244" y="718211"/>
+            <a:ext cx="727307" cy="246221"/>
+          </a:xfrm>
+          <a:prstGeom prst="rect">
+            <a:avLst/>
+          </a:prstGeom>
+          <a:noFill/>
+        </p:spPr>
+        <p:txBody>
+          <a:bodyPr wrap="square" rtlCol="0">
+            <a:spAutoFit/>
+          </a:bodyPr>
+          <a:lstStyle/>
+          <a:p>
+            <a:r>
+              <a:rPr kumimoji="1" lang="en-US" altLang="ja-JP" sz="1000" dirty="0" smtClean="0"/>
+              <a:t>Log Out</a:t>
+            </a:r>
+            <a:endParaRPr kumimoji="1" lang="ja-JP" altLang="en-US" sz="1000" dirty="0"/>
+          </a:p>
+        </p:txBody>
+      </p:sp>
+      <p:sp>
+        <p:nvSpPr>
+          <p:cNvPr id="45" name="Rectangle 44"/>
+          <p:cNvSpPr/>
+          <p:nvPr/>
+        </p:nvSpPr>
+        <p:spPr>
+          <a:xfrm>
+            <a:off x="4598392" y="1551008"/>
+            <a:ext cx="602751" cy="218077"/>
+          </a:xfrm>
+          <a:prstGeom prst="rect">
+            <a:avLst/>
+          </a:prstGeom>
+        </p:spPr>
+        <p:style>
+          <a:lnRef idx="1">
+            <a:schemeClr val="accent1"/>
+          </a:lnRef>
+          <a:fillRef idx="3">
+            <a:schemeClr val="accent1"/>
+          </a:fillRef>
+          <a:effectRef idx="2">
+            <a:schemeClr val="accent1"/>
+          </a:effectRef>
+          <a:fontRef idx="minor">
+            <a:schemeClr val="lt1"/>
+          </a:fontRef>
+        </p:style>
+        <p:txBody>
+          <a:bodyPr rtlCol="0" anchor="ctr"/>
+          <a:lstStyle/>
+          <a:p>
+            <a:pPr algn="ctr"/>
+            <a:r>
+              <a:rPr kumimoji="1" lang="en-US" altLang="ja-JP" sz="800" dirty="0" smtClean="0"/>
+              <a:t>User Search</a:t>
+            </a:r>
+            <a:endParaRPr kumimoji="1" lang="ja-JP" altLang="en-US" sz="800" dirty="0"/>
+          </a:p>
+        </p:txBody>
+      </p:sp>
+      <p:sp>
+        <p:nvSpPr>
+          <p:cNvPr id="46" name="TextBox 45"/>
+          <p:cNvSpPr txBox="1"/>
+          <p:nvPr/>
+        </p:nvSpPr>
+        <p:spPr>
+          <a:xfrm>
+            <a:off x="4736050" y="1290715"/>
+            <a:ext cx="327334" cy="246221"/>
+          </a:xfrm>
+          <a:prstGeom prst="rect">
+            <a:avLst/>
+          </a:prstGeom>
+          <a:noFill/>
+        </p:spPr>
+        <p:txBody>
+          <a:bodyPr wrap="none" rtlCol="0">
+            <a:spAutoFit/>
+          </a:bodyPr>
+          <a:lstStyle/>
+          <a:p>
+            <a:r>
+              <a:rPr kumimoji="1" lang="en-US" altLang="ja-JP" sz="1000" dirty="0" smtClean="0">
+                <a:solidFill>
+                  <a:srgbClr val="FF0000"/>
+                </a:solidFill>
+              </a:rPr>
+              <a:t>(5)</a:t>
+            </a:r>
+            <a:endParaRPr kumimoji="1" lang="ja-JP" altLang="en-US" sz="1000" dirty="0">
+              <a:solidFill>
+                <a:srgbClr val="FF0000"/>
+              </a:solidFill>
+            </a:endParaRPr>
+          </a:p>
+        </p:txBody>
+      </p:sp>
+      <p:sp>
+        <p:nvSpPr>
+          <p:cNvPr id="53" name="TextBox 52"/>
+          <p:cNvSpPr txBox="1"/>
+          <p:nvPr/>
+        </p:nvSpPr>
+        <p:spPr>
+          <a:xfrm>
+            <a:off x="4719553" y="4157521"/>
+            <a:ext cx="327334" cy="246221"/>
+          </a:xfrm>
+          <a:prstGeom prst="rect">
+            <a:avLst/>
+          </a:prstGeom>
+          <a:noFill/>
+        </p:spPr>
+        <p:txBody>
+          <a:bodyPr wrap="none" rtlCol="0">
+            <a:spAutoFit/>
+          </a:bodyPr>
+          <a:lstStyle/>
+          <a:p>
+            <a:r>
+              <a:rPr kumimoji="1" lang="en-US" altLang="ja-JP" sz="1000" dirty="0" smtClean="0">
+                <a:solidFill>
+                  <a:srgbClr val="FF0000"/>
+                </a:solidFill>
+              </a:rPr>
+              <a:t>(9)</a:t>
+            </a:r>
+            <a:endParaRPr kumimoji="1" lang="ja-JP" altLang="en-US" sz="1000" dirty="0">
+              <a:solidFill>
+                <a:srgbClr val="FF0000"/>
+              </a:solidFill>
+            </a:endParaRPr>
+          </a:p>
+        </p:txBody>
+      </p:sp>
+      <p:sp>
+        <p:nvSpPr>
+          <p:cNvPr id="61" name="TextBox 60"/>
+          <p:cNvSpPr txBox="1"/>
+          <p:nvPr/>
+        </p:nvSpPr>
+        <p:spPr>
+          <a:xfrm>
+            <a:off x="2436360" y="2940573"/>
+            <a:ext cx="3563796" cy="215444"/>
+          </a:xfrm>
+          <a:prstGeom prst="rect">
+            <a:avLst/>
+          </a:prstGeom>
+          <a:noFill/>
+        </p:spPr>
+        <p:txBody>
+          <a:bodyPr wrap="none" rtlCol="0">
+            <a:spAutoFit/>
+          </a:bodyPr>
+          <a:lstStyle/>
+          <a:p>
+            <a:r>
+              <a:rPr kumimoji="1" lang="en-US" altLang="ja-JP" sz="800" i="1" dirty="0" smtClean="0">
+                <a:solidFill>
+                  <a:schemeClr val="bg2">
+                    <a:lumMod val="50000"/>
+                  </a:schemeClr>
+                </a:solidFill>
+              </a:rPr>
+              <a:t>- - - - - - - - </a:t>
+            </a:r>
+            <a:r>
+              <a:rPr kumimoji="1" lang="en-US" altLang="ja-JP" sz="800" i="1" dirty="0">
+                <a:solidFill>
+                  <a:schemeClr val="bg2">
+                    <a:lumMod val="50000"/>
+                  </a:schemeClr>
+                </a:solidFill>
+              </a:rPr>
+              <a:t>- - - - - - - - - - - - - - - - - - - - - - - - - - - - - - - - - - - - - - - - - - - - - - - - - - - -  </a:t>
+            </a:r>
+            <a:r>
+              <a:rPr kumimoji="1" lang="en-US" altLang="ja-JP" sz="800" i="1" dirty="0" smtClean="0">
+                <a:solidFill>
+                  <a:schemeClr val="bg2">
+                    <a:lumMod val="50000"/>
+                  </a:schemeClr>
+                </a:solidFill>
+              </a:rPr>
+              <a:t>- -</a:t>
+            </a:r>
+            <a:endParaRPr kumimoji="1" lang="ja-JP" altLang="en-US" sz="800" i="1" dirty="0">
+              <a:solidFill>
+                <a:schemeClr val="bg2">
+                  <a:lumMod val="50000"/>
+                </a:schemeClr>
+              </a:solidFill>
+            </a:endParaRPr>
+          </a:p>
+        </p:txBody>
+      </p:sp>
+      <p:sp>
+        <p:nvSpPr>
+          <p:cNvPr id="67" name="TextBox 66"/>
+          <p:cNvSpPr txBox="1"/>
+          <p:nvPr/>
+        </p:nvSpPr>
+        <p:spPr>
+          <a:xfrm>
+            <a:off x="2436360" y="4158472"/>
+            <a:ext cx="3563796" cy="215444"/>
+          </a:xfrm>
+          <a:prstGeom prst="rect">
+            <a:avLst/>
+          </a:prstGeom>
+          <a:noFill/>
+        </p:spPr>
+        <p:txBody>
+          <a:bodyPr wrap="none" rtlCol="0">
+            <a:spAutoFit/>
+          </a:bodyPr>
+          <a:lstStyle/>
+          <a:p>
+            <a:r>
+              <a:rPr kumimoji="1" lang="en-US" altLang="ja-JP" sz="800" i="1" dirty="0" smtClean="0">
+                <a:solidFill>
+                  <a:schemeClr val="bg2">
+                    <a:lumMod val="50000"/>
+                  </a:schemeClr>
+                </a:solidFill>
+              </a:rPr>
+              <a:t>- - - - - - - - </a:t>
+            </a:r>
+            <a:r>
+              <a:rPr kumimoji="1" lang="en-US" altLang="ja-JP" sz="800" i="1" dirty="0">
+                <a:solidFill>
+                  <a:schemeClr val="bg2">
+                    <a:lumMod val="50000"/>
+                  </a:schemeClr>
+                </a:solidFill>
+              </a:rPr>
+              <a:t>- - - - - - - - - - - - - - - - - - - - - - - - - - - - - - - - - - - - - - - - - - - - - - - - - - - -  </a:t>
+            </a:r>
+            <a:r>
+              <a:rPr kumimoji="1" lang="en-US" altLang="ja-JP" sz="800" i="1" dirty="0" smtClean="0">
+                <a:solidFill>
+                  <a:schemeClr val="bg2">
+                    <a:lumMod val="50000"/>
+                  </a:schemeClr>
+                </a:solidFill>
+              </a:rPr>
+              <a:t>- -</a:t>
+            </a:r>
+            <a:endParaRPr kumimoji="1" lang="ja-JP" altLang="en-US" sz="800" i="1" dirty="0">
+              <a:solidFill>
+                <a:schemeClr val="bg2">
+                  <a:lumMod val="50000"/>
+                </a:schemeClr>
+              </a:solidFill>
+            </a:endParaRPr>
+          </a:p>
+        </p:txBody>
+      </p:sp>
+      <p:sp>
+        <p:nvSpPr>
+          <p:cNvPr id="77" name="Rectangle 76"/>
+          <p:cNvSpPr/>
+          <p:nvPr/>
+        </p:nvSpPr>
+        <p:spPr>
+          <a:xfrm>
+            <a:off x="5275305" y="4416458"/>
+            <a:ext cx="602751" cy="218077"/>
+          </a:xfrm>
+          <a:prstGeom prst="rect">
+            <a:avLst/>
+          </a:prstGeom>
+        </p:spPr>
+        <p:style>
+          <a:lnRef idx="1">
+            <a:schemeClr val="accent1"/>
+          </a:lnRef>
+          <a:fillRef idx="3">
+            <a:schemeClr val="accent1"/>
+          </a:fillRef>
+          <a:effectRef idx="2">
+            <a:schemeClr val="accent1"/>
+          </a:effectRef>
+          <a:fontRef idx="minor">
+            <a:schemeClr val="lt1"/>
+          </a:fontRef>
+        </p:style>
+        <p:txBody>
+          <a:bodyPr rtlCol="0" anchor="ctr"/>
+          <a:lstStyle/>
+          <a:p>
+            <a:pPr algn="ctr"/>
+            <a:r>
+              <a:rPr kumimoji="1" lang="en-US" altLang="ja-JP" sz="1000" dirty="0" smtClean="0"/>
+              <a:t>Publish</a:t>
+            </a:r>
+            <a:endParaRPr kumimoji="1" lang="ja-JP" altLang="en-US" sz="1000" dirty="0"/>
+          </a:p>
+        </p:txBody>
+      </p:sp>
+      <p:sp>
+        <p:nvSpPr>
+          <p:cNvPr id="39" name="Rectangle 38"/>
+          <p:cNvSpPr/>
+          <p:nvPr/>
+        </p:nvSpPr>
+        <p:spPr>
+          <a:xfrm>
+            <a:off x="4598392" y="4414331"/>
+            <a:ext cx="602751" cy="218077"/>
+          </a:xfrm>
+          <a:prstGeom prst="rect">
+            <a:avLst/>
+          </a:prstGeom>
+        </p:spPr>
+        <p:style>
+          <a:lnRef idx="1">
+            <a:schemeClr val="accent1"/>
+          </a:lnRef>
+          <a:fillRef idx="3">
+            <a:schemeClr val="accent1"/>
+          </a:fillRef>
+          <a:effectRef idx="2">
+            <a:schemeClr val="accent1"/>
+          </a:effectRef>
+          <a:fontRef idx="minor">
+            <a:schemeClr val="lt1"/>
+          </a:fontRef>
+        </p:style>
+        <p:txBody>
+          <a:bodyPr rtlCol="0" anchor="ctr"/>
+          <a:lstStyle/>
+          <a:p>
+            <a:pPr algn="ctr"/>
+            <a:r>
+              <a:rPr kumimoji="1" lang="en-US" altLang="ja-JP" sz="1000" dirty="0" smtClean="0"/>
+              <a:t>Edit</a:t>
+            </a:r>
+            <a:endParaRPr kumimoji="1" lang="ja-JP" altLang="en-US" sz="1000" dirty="0"/>
+          </a:p>
+        </p:txBody>
+      </p:sp>
+    </p:spTree>
+    <p:extLst>
+      <p:ext uri="{BB962C8B-B14F-4D97-AF65-F5344CB8AC3E}">
+        <p14:creationId xmlns:p14="http://schemas.microsoft.com/office/powerpoint/2010/main" val="3414182017"/>
+      </p:ext>
+    </p:extLst>
+  </p:cSld>
+  <p:clrMapOvr>
+    <a:masterClrMapping/>
+  </p:clrMapOvr>
+  <p:timing>
+    <p:tnLst>
+      <p:par>
+        <p:cTn id="1" dur="indefinite" restart="never" nodeType="tmRoot"/>
+      </p:par>
+    </p:tnLst>
+  </p:timing>
+</p:sld>
+</file>
+
+<file path=ppt/slides/slide12.xml><?xml version="1.0" encoding="utf-8"?>
+<p:sld xmlns:a="http://schemas.openxmlformats.org/drawingml/2006/main" xmlns:r="http://schemas.openxmlformats.org/officeDocument/2006/relationships" xmlns:p="http://schemas.openxmlformats.org/presentationml/2006/main">
+  <p:cSld>
+    <p:spTree>
+      <p:nvGrpSpPr>
+        <p:cNvPr id="1" name=""/>
+        <p:cNvGrpSpPr/>
+        <p:nvPr/>
+      </p:nvGrpSpPr>
+      <p:grpSpPr>
+        <a:xfrm>
+          <a:off x="0" y="0"/>
+          <a:ext cx="0" cy="0"/>
+          <a:chOff x="0" y="0"/>
+          <a:chExt cx="0" cy="0"/>
+        </a:xfrm>
+      </p:grpSpPr>
+      <p:cxnSp>
+        <p:nvCxnSpPr>
+          <p:cNvPr id="65" name="Straight Connector 64"/>
+          <p:cNvCxnSpPr/>
+          <p:nvPr/>
+        </p:nvCxnSpPr>
+        <p:spPr>
+          <a:xfrm>
+            <a:off x="1524000" y="399143"/>
+            <a:ext cx="9144000" cy="0"/>
+          </a:xfrm>
+          <a:prstGeom prst="line">
+            <a:avLst/>
+          </a:prstGeom>
+        </p:spPr>
+        <p:style>
+          <a:lnRef idx="2">
+            <a:schemeClr val="accent1"/>
+          </a:lnRef>
+          <a:fillRef idx="0">
+            <a:schemeClr val="accent1"/>
+          </a:fillRef>
+          <a:effectRef idx="1">
+            <a:schemeClr val="accent1"/>
+          </a:effectRef>
+          <a:fontRef idx="minor">
+            <a:schemeClr val="tx1"/>
+          </a:fontRef>
+        </p:style>
+      </p:cxnSp>
+      <p:sp>
+        <p:nvSpPr>
+          <p:cNvPr id="66" name="TextBox 65"/>
+          <p:cNvSpPr txBox="1"/>
+          <p:nvPr/>
+        </p:nvSpPr>
+        <p:spPr>
+          <a:xfrm>
+            <a:off x="1717526" y="0"/>
             <a:ext cx="1478931" cy="369332"/>
           </a:xfrm>
           <a:prstGeom prst="rect">
@@ -8280,7 +10461,7 @@
 </p:sld>
 </file>
 
-<file path=ppt/slides/slide12.xml><?xml version="1.0" encoding="utf-8"?>
+<file path=ppt/slides/slide13.xml><?xml version="1.0" encoding="utf-8"?>
 <p:sld xmlns:a="http://schemas.openxmlformats.org/drawingml/2006/main" xmlns:r="http://schemas.openxmlformats.org/officeDocument/2006/relationships" xmlns:p="http://schemas.openxmlformats.org/presentationml/2006/main">
   <p:cSld>
     <p:spTree>
@@ -9528,11 +11709,7 @@
                     <a:p>
                       <a:r>
                         <a:rPr kumimoji="1" lang="en-GB" altLang="ja-JP" sz="1000" dirty="0" smtClean="0"/>
-                        <a:t>Click </a:t>
-                      </a:r>
-                      <a:r>
-                        <a:rPr kumimoji="1" lang="en-GB" altLang="ja-JP" sz="1000" dirty="0" smtClean="0"/>
-                        <a:t>=&gt; edit</a:t>
+                        <a:t>Click =&gt; edit</a:t>
                       </a:r>
                       <a:r>
                         <a:rPr kumimoji="1" lang="en-GB" altLang="ja-JP" sz="1000" baseline="0" dirty="0" smtClean="0"/>
@@ -9860,15 +12037,7 @@
                   <a:srgbClr val="FF0000"/>
                 </a:solidFill>
               </a:rPr>
-              <a:t>(</a:t>
-            </a:r>
-            <a:r>
-              <a:rPr kumimoji="1" lang="en-US" altLang="ja-JP" sz="1000" dirty="0" smtClean="0">
-                <a:solidFill>
-                  <a:srgbClr val="FF0000"/>
-                </a:solidFill>
-              </a:rPr>
-              <a:t>11)</a:t>
+              <a:t>(11)</a:t>
             </a:r>
             <a:endParaRPr kumimoji="1" lang="ja-JP" altLang="en-US" sz="1000" dirty="0">
               <a:solidFill>
@@ -9904,7 +12073,6 @@
               <a:rPr lang="en-GB" sz="1000" b="1" dirty="0"/>
               <a:t>Spring MVC Tutorial</a:t>
             </a:r>
-            <a:endParaRPr lang="en-GB" sz="1000" b="1" dirty="0"/>
           </a:p>
         </p:txBody>
       </p:sp>
@@ -9969,13 +12137,6 @@
               </a:rPr>
               <a:t>Last modified: 08/12/215 12:40</a:t>
             </a:r>
-            <a:endParaRPr kumimoji="1" lang="en-US" altLang="ja-JP" sz="800" i="1" dirty="0" smtClean="0">
-              <a:solidFill>
-                <a:schemeClr val="bg1">
-                  <a:lumMod val="65000"/>
-                </a:schemeClr>
-              </a:solidFill>
-            </a:endParaRPr>
           </a:p>
           <a:p>
             <a:r>
@@ -10139,15 +12300,7 @@
                   <a:srgbClr val="FF0000"/>
                 </a:solidFill>
               </a:rPr>
-              <a:t>(</a:t>
-            </a:r>
-            <a:r>
-              <a:rPr kumimoji="1" lang="en-US" altLang="ja-JP" sz="1000" dirty="0" smtClean="0">
-                <a:solidFill>
-                  <a:srgbClr val="FF0000"/>
-                </a:solidFill>
-              </a:rPr>
-              <a:t>12)</a:t>
+              <a:t>(12)</a:t>
             </a:r>
             <a:endParaRPr kumimoji="1" lang="ja-JP" altLang="en-US" sz="1000" dirty="0">
               <a:solidFill>
@@ -16488,17 +18641,7 @@
                   </a:schemeClr>
                 </a:solidFill>
               </a:rPr>
-              <a:t>| My Post | All </a:t>
-            </a:r>
-            <a:r>
-              <a:rPr kumimoji="1" lang="en-US" altLang="ja-JP" sz="1050" dirty="0" smtClean="0">
-                <a:solidFill>
-                  <a:schemeClr val="bg2">
-                    <a:lumMod val="75000"/>
-                  </a:schemeClr>
-                </a:solidFill>
-              </a:rPr>
-              <a:t>Post | New Post</a:t>
+              <a:t>| My Post | All Post | New Post</a:t>
             </a:r>
             <a:r>
               <a:rPr kumimoji="1" lang="en-US" altLang="ja-JP" sz="1050" dirty="0" smtClean="0"/>
@@ -17898,15 +20041,7 @@
                   <a:srgbClr val="FF0000"/>
                 </a:solidFill>
               </a:rPr>
-              <a:t>(</a:t>
-            </a:r>
-            <a:r>
-              <a:rPr kumimoji="1" lang="en-US" altLang="ja-JP" sz="1000" dirty="0" smtClean="0">
-                <a:solidFill>
-                  <a:srgbClr val="FF0000"/>
-                </a:solidFill>
-              </a:rPr>
-              <a:t>11)</a:t>
+              <a:t>(11)</a:t>
             </a:r>
             <a:endParaRPr kumimoji="1" lang="ja-JP" altLang="en-US" sz="1000" dirty="0">
               <a:solidFill>
@@ -18596,15 +20731,7 @@
                   <a:srgbClr val="FF0000"/>
                 </a:solidFill>
               </a:rPr>
-              <a:t>(</a:t>
-            </a:r>
-            <a:r>
-              <a:rPr kumimoji="1" lang="en-US" altLang="ja-JP" sz="1000" dirty="0" smtClean="0">
-                <a:solidFill>
-                  <a:srgbClr val="FF0000"/>
-                </a:solidFill>
-              </a:rPr>
-              <a:t>12)</a:t>
+              <a:t>(12)</a:t>
             </a:r>
             <a:endParaRPr kumimoji="1" lang="ja-JP" altLang="en-US" sz="1000" dirty="0">
               <a:solidFill>
@@ -18680,15 +20807,7 @@
                   <a:srgbClr val="FF0000"/>
                 </a:solidFill>
               </a:rPr>
-              <a:t>(</a:t>
-            </a:r>
-            <a:r>
-              <a:rPr kumimoji="1" lang="en-US" altLang="ja-JP" sz="1000" dirty="0" smtClean="0">
-                <a:solidFill>
-                  <a:srgbClr val="FF0000"/>
-                </a:solidFill>
-              </a:rPr>
-              <a:t>13)</a:t>
+              <a:t>(13)</a:t>
             </a:r>
             <a:endParaRPr kumimoji="1" lang="ja-JP" altLang="en-US" sz="1000" dirty="0">
               <a:solidFill>
@@ -27656,17 +29775,7 @@
                   </a:schemeClr>
                 </a:solidFill>
               </a:rPr>
-              <a:t>All </a:t>
-            </a:r>
-            <a:r>
-              <a:rPr kumimoji="1" lang="en-US" altLang="ja-JP" sz="1050" dirty="0" smtClean="0">
-                <a:solidFill>
-                  <a:schemeClr val="bg2">
-                    <a:lumMod val="50000"/>
-                  </a:schemeClr>
-                </a:solidFill>
-              </a:rPr>
-              <a:t>Post </a:t>
+              <a:t>All Post </a:t>
             </a:r>
             <a:r>
               <a:rPr kumimoji="1" lang="en-US" altLang="ja-JP" sz="1050" dirty="0" smtClean="0">
@@ -29058,15 +31167,7 @@
                   <a:srgbClr val="FF0000"/>
                 </a:solidFill>
               </a:rPr>
-              <a:t>(</a:t>
-            </a:r>
-            <a:r>
-              <a:rPr kumimoji="1" lang="en-US" altLang="ja-JP" sz="1000" dirty="0" smtClean="0">
-                <a:solidFill>
-                  <a:srgbClr val="FF0000"/>
-                </a:solidFill>
-              </a:rPr>
-              <a:t>11)</a:t>
+              <a:t>(11)</a:t>
             </a:r>
             <a:endParaRPr kumimoji="1" lang="ja-JP" altLang="en-US" sz="1000" dirty="0">
               <a:solidFill>
@@ -29756,15 +31857,7 @@
                   <a:srgbClr val="FF0000"/>
                 </a:solidFill>
               </a:rPr>
-              <a:t>(</a:t>
-            </a:r>
-            <a:r>
-              <a:rPr kumimoji="1" lang="en-US" altLang="ja-JP" sz="1000" dirty="0" smtClean="0">
-                <a:solidFill>
-                  <a:srgbClr val="FF0000"/>
-                </a:solidFill>
-              </a:rPr>
-              <a:t>12)</a:t>
+              <a:t>(12)</a:t>
             </a:r>
             <a:endParaRPr kumimoji="1" lang="ja-JP" altLang="en-US" sz="1000" dirty="0">
               <a:solidFill>
@@ -29840,15 +31933,7 @@
                   <a:srgbClr val="FF0000"/>
                 </a:solidFill>
               </a:rPr>
-              <a:t>(</a:t>
-            </a:r>
-            <a:r>
-              <a:rPr kumimoji="1" lang="en-US" altLang="ja-JP" sz="1000" dirty="0" smtClean="0">
-                <a:solidFill>
-                  <a:srgbClr val="FF0000"/>
-                </a:solidFill>
-              </a:rPr>
-              <a:t>13)</a:t>
+              <a:t>(13)</a:t>
             </a:r>
             <a:endParaRPr kumimoji="1" lang="ja-JP" altLang="en-US" sz="1000" dirty="0">
               <a:solidFill>
@@ -30436,17 +32521,7 @@
                   </a:schemeClr>
                 </a:solidFill>
               </a:rPr>
-              <a:t>| All </a:t>
-            </a:r>
-            <a:r>
-              <a:rPr kumimoji="1" lang="en-US" altLang="ja-JP" sz="1050" dirty="0" smtClean="0">
-                <a:solidFill>
-                  <a:schemeClr val="bg2">
-                    <a:lumMod val="75000"/>
-                  </a:schemeClr>
-                </a:solidFill>
-              </a:rPr>
-              <a:t>Post | New Post </a:t>
+              <a:t>| All Post | New Post </a:t>
             </a:r>
             <a:endParaRPr kumimoji="1" lang="ja-JP" altLang="en-US" sz="1050" dirty="0">
               <a:solidFill>
@@ -31878,15 +33953,7 @@
                   <a:srgbClr val="FF0000"/>
                 </a:solidFill>
               </a:rPr>
-              <a:t>(</a:t>
-            </a:r>
-            <a:r>
-              <a:rPr kumimoji="1" lang="en-US" altLang="ja-JP" sz="1000" dirty="0" smtClean="0">
-                <a:solidFill>
-                  <a:srgbClr val="FF0000"/>
-                </a:solidFill>
-              </a:rPr>
-              <a:t>11)</a:t>
+              <a:t>(11)</a:t>
             </a:r>
             <a:endParaRPr kumimoji="1" lang="ja-JP" altLang="en-US" sz="1000" dirty="0">
               <a:solidFill>
@@ -32576,15 +34643,7 @@
                   <a:srgbClr val="FF0000"/>
                 </a:solidFill>
               </a:rPr>
-              <a:t>(</a:t>
-            </a:r>
-            <a:r>
-              <a:rPr kumimoji="1" lang="en-US" altLang="ja-JP" sz="1000" dirty="0" smtClean="0">
-                <a:solidFill>
-                  <a:srgbClr val="FF0000"/>
-                </a:solidFill>
-              </a:rPr>
-              <a:t>12)</a:t>
+              <a:t>(12)</a:t>
             </a:r>
             <a:endParaRPr kumimoji="1" lang="ja-JP" altLang="en-US" sz="1000" dirty="0">
               <a:solidFill>
@@ -32660,15 +34719,7 @@
                   <a:srgbClr val="FF0000"/>
                 </a:solidFill>
               </a:rPr>
-              <a:t>(</a:t>
-            </a:r>
-            <a:r>
-              <a:rPr kumimoji="1" lang="en-US" altLang="ja-JP" sz="1000" dirty="0" smtClean="0">
-                <a:solidFill>
-                  <a:srgbClr val="FF0000"/>
-                </a:solidFill>
-              </a:rPr>
-              <a:t>13)</a:t>
+              <a:t>(13)</a:t>
             </a:r>
             <a:endParaRPr kumimoji="1" lang="ja-JP" altLang="en-US" sz="1000" dirty="0">
               <a:solidFill>
@@ -33244,15 +35295,7 @@
                   <a:srgbClr val="FF0000"/>
                 </a:solidFill>
               </a:rPr>
-              <a:t>(</a:t>
-            </a:r>
-            <a:r>
-              <a:rPr kumimoji="1" lang="en-US" altLang="ja-JP" sz="1000" dirty="0" smtClean="0">
-                <a:solidFill>
-                  <a:srgbClr val="FF0000"/>
-                </a:solidFill>
-              </a:rPr>
-              <a:t>14)</a:t>
+              <a:t>(14)</a:t>
             </a:r>
             <a:endParaRPr kumimoji="1" lang="ja-JP" altLang="en-US" sz="1000" dirty="0">
               <a:solidFill>
